--- a/3- Enterprise Data Lake/Datalake Executive Presentation.pptx
+++ b/3- Enterprise Data Lake/Datalake Executive Presentation.pptx
@@ -1,15 +1,16 @@
 
 <file path=ppt/presentation.xml><?xml version="1.0" encoding="utf-8"?>
-<p:presentation xmlns:a="http://schemas.openxmlformats.org/drawingml/2006/main" xmlns:r="http://schemas.openxmlformats.org/officeDocument/2006/relationships" xmlns:mc="http://schemas.openxmlformats.org/markup-compatibility/2006" xmlns:mv="urn:schemas-microsoft-com:mac:vml" xmlns:p="http://schemas.openxmlformats.org/presentationml/2006/main" xmlns:c="http://schemas.openxmlformats.org/drawingml/2006/chart" xmlns:dgm="http://schemas.openxmlformats.org/drawingml/2006/diagram" xmlns:o="urn:schemas-microsoft-com:office:office" xmlns:v="urn:schemas-microsoft-com:vml" xmlns:pvml="urn:schemas-microsoft-com:office:powerpoint" xmlns:com="http://schemas.openxmlformats.org/drawingml/2006/compatibility" xmlns:p14="http://schemas.microsoft.com/office/powerpoint/2010/main" xmlns:p15="http://schemas.microsoft.com/office/powerpoint/2012/main" xmlns:ahyp="http://schemas.microsoft.com/office/drawing/2018/hyperlinkcolor" autoCompressPictures="0" embedTrueTypeFonts="1" strictFirstAndLastChars="0" saveSubsetFonts="1">
+<p:presentation xmlns:a="http://schemas.openxmlformats.org/drawingml/2006/main" xmlns:r="http://schemas.openxmlformats.org/officeDocument/2006/relationships" xmlns:p="http://schemas.openxmlformats.org/presentationml/2006/main" strictFirstAndLastChars="0" embedTrueTypeFonts="1" saveSubsetFonts="1" autoCompressPictures="0">
   <p:sldMasterIdLst>
-    <p:sldMasterId id="2147483658" r:id="rId3"/>
+    <p:sldMasterId id="2147483648" r:id="rId1"/>
   </p:sldMasterIdLst>
   <p:notesMasterIdLst>
     <p:notesMasterId r:id="rId4"/>
   </p:notesMasterIdLst>
   <p:sldIdLst>
-    <p:sldId id="256" r:id="rId5"/>
-    <p:sldId id="257" r:id="rId6"/>
+    <p:sldId id="256" r:id="rId3"/>
+    <p:sldId id="257" r:id="rId5"/>
+    <p:sldId id="266" r:id="rId6"/>
     <p:sldId id="258" r:id="rId7"/>
     <p:sldId id="259" r:id="rId8"/>
     <p:sldId id="260" r:id="rId9"/>
@@ -18,19 +19,16 @@
     <p:sldId id="263" r:id="rId12"/>
     <p:sldId id="264" r:id="rId13"/>
   </p:sldIdLst>
-  <p:sldSz cy="5143500" cx="9144000"/>
+  <p:sldSz cx="9144000" cy="5143500"/>
   <p:notesSz cx="6858000" cy="9144000"/>
   <p:embeddedFontLst>
     <p:embeddedFont>
-      <p:font typeface="Open Sans"/>
-      <p:regular r:id="rId14"/>
-      <p:bold r:id="rId15"/>
-      <p:italic r:id="rId16"/>
-      <p:boldItalic r:id="rId17"/>
+      <p:font typeface="Open Sans" panose="020B0606030504020204"/>
+      <p:regular r:id="rId17"/>
     </p:embeddedFont>
   </p:embeddedFontLst>
   <p:defaultTextStyle>
-    <a:defPPr lvl="0" marR="0" rtl="0" algn="l">
+    <a:defPPr marR="0" lvl="0" algn="l" rtl="0">
       <a:lnSpc>
         <a:spcPct val="100000"/>
       </a:lnSpc>
@@ -41,7 +39,7 @@
         <a:spcPts val="0"/>
       </a:spcAft>
     </a:defPPr>
-    <a:lvl1pPr lvl="0" marR="0" rtl="0" algn="l">
+    <a:lvl1pPr marR="0" lvl="0" algn="l" rtl="0">
       <a:lnSpc>
         <a:spcPct val="100000"/>
       </a:lnSpc>
@@ -54,18 +52,18 @@
       <a:buClr>
         <a:srgbClr val="000000"/>
       </a:buClr>
-      <a:buFont typeface="Arial"/>
-      <a:defRPr b="0" i="0" sz="1400" u="none" cap="none" strike="noStrike">
+      <a:buFont typeface="Arial" panose="020B0604020202020204"/>
+      <a:defRPr sz="1400" b="0" i="0" u="none" strike="noStrike" cap="none">
         <a:solidFill>
           <a:srgbClr val="000000"/>
         </a:solidFill>
-        <a:latin typeface="Arial"/>
-        <a:ea typeface="Arial"/>
-        <a:cs typeface="Arial"/>
-        <a:sym typeface="Arial"/>
+        <a:latin typeface="Arial" panose="020B0604020202020204"/>
+        <a:ea typeface="Arial" panose="020B0604020202020204"/>
+        <a:cs typeface="Arial" panose="020B0604020202020204"/>
+        <a:sym typeface="Arial" panose="020B0604020202020204"/>
       </a:defRPr>
     </a:lvl1pPr>
-    <a:lvl2pPr lvl="1" marR="0" rtl="0" algn="l">
+    <a:lvl2pPr marR="0" lvl="1" algn="l" rtl="0">
       <a:lnSpc>
         <a:spcPct val="100000"/>
       </a:lnSpc>
@@ -78,18 +76,18 @@
       <a:buClr>
         <a:srgbClr val="000000"/>
       </a:buClr>
-      <a:buFont typeface="Arial"/>
-      <a:defRPr b="0" i="0" sz="1400" u="none" cap="none" strike="noStrike">
+      <a:buFont typeface="Arial" panose="020B0604020202020204"/>
+      <a:defRPr sz="1400" b="0" i="0" u="none" strike="noStrike" cap="none">
         <a:solidFill>
           <a:srgbClr val="000000"/>
         </a:solidFill>
-        <a:latin typeface="Arial"/>
-        <a:ea typeface="Arial"/>
-        <a:cs typeface="Arial"/>
-        <a:sym typeface="Arial"/>
+        <a:latin typeface="Arial" panose="020B0604020202020204"/>
+        <a:ea typeface="Arial" panose="020B0604020202020204"/>
+        <a:cs typeface="Arial" panose="020B0604020202020204"/>
+        <a:sym typeface="Arial" panose="020B0604020202020204"/>
       </a:defRPr>
     </a:lvl2pPr>
-    <a:lvl3pPr lvl="2" marR="0" rtl="0" algn="l">
+    <a:lvl3pPr marR="0" lvl="2" algn="l" rtl="0">
       <a:lnSpc>
         <a:spcPct val="100000"/>
       </a:lnSpc>
@@ -102,18 +100,18 @@
       <a:buClr>
         <a:srgbClr val="000000"/>
       </a:buClr>
-      <a:buFont typeface="Arial"/>
-      <a:defRPr b="0" i="0" sz="1400" u="none" cap="none" strike="noStrike">
+      <a:buFont typeface="Arial" panose="020B0604020202020204"/>
+      <a:defRPr sz="1400" b="0" i="0" u="none" strike="noStrike" cap="none">
         <a:solidFill>
           <a:srgbClr val="000000"/>
         </a:solidFill>
-        <a:latin typeface="Arial"/>
-        <a:ea typeface="Arial"/>
-        <a:cs typeface="Arial"/>
-        <a:sym typeface="Arial"/>
+        <a:latin typeface="Arial" panose="020B0604020202020204"/>
+        <a:ea typeface="Arial" panose="020B0604020202020204"/>
+        <a:cs typeface="Arial" panose="020B0604020202020204"/>
+        <a:sym typeface="Arial" panose="020B0604020202020204"/>
       </a:defRPr>
     </a:lvl3pPr>
-    <a:lvl4pPr lvl="3" marR="0" rtl="0" algn="l">
+    <a:lvl4pPr marR="0" lvl="3" algn="l" rtl="0">
       <a:lnSpc>
         <a:spcPct val="100000"/>
       </a:lnSpc>
@@ -126,18 +124,18 @@
       <a:buClr>
         <a:srgbClr val="000000"/>
       </a:buClr>
-      <a:buFont typeface="Arial"/>
-      <a:defRPr b="0" i="0" sz="1400" u="none" cap="none" strike="noStrike">
+      <a:buFont typeface="Arial" panose="020B0604020202020204"/>
+      <a:defRPr sz="1400" b="0" i="0" u="none" strike="noStrike" cap="none">
         <a:solidFill>
           <a:srgbClr val="000000"/>
         </a:solidFill>
-        <a:latin typeface="Arial"/>
-        <a:ea typeface="Arial"/>
-        <a:cs typeface="Arial"/>
-        <a:sym typeface="Arial"/>
+        <a:latin typeface="Arial" panose="020B0604020202020204"/>
+        <a:ea typeface="Arial" panose="020B0604020202020204"/>
+        <a:cs typeface="Arial" panose="020B0604020202020204"/>
+        <a:sym typeface="Arial" panose="020B0604020202020204"/>
       </a:defRPr>
     </a:lvl4pPr>
-    <a:lvl5pPr lvl="4" marR="0" rtl="0" algn="l">
+    <a:lvl5pPr marR="0" lvl="4" algn="l" rtl="0">
       <a:lnSpc>
         <a:spcPct val="100000"/>
       </a:lnSpc>
@@ -150,18 +148,18 @@
       <a:buClr>
         <a:srgbClr val="000000"/>
       </a:buClr>
-      <a:buFont typeface="Arial"/>
-      <a:defRPr b="0" i="0" sz="1400" u="none" cap="none" strike="noStrike">
+      <a:buFont typeface="Arial" panose="020B0604020202020204"/>
+      <a:defRPr sz="1400" b="0" i="0" u="none" strike="noStrike" cap="none">
         <a:solidFill>
           <a:srgbClr val="000000"/>
         </a:solidFill>
-        <a:latin typeface="Arial"/>
-        <a:ea typeface="Arial"/>
-        <a:cs typeface="Arial"/>
-        <a:sym typeface="Arial"/>
+        <a:latin typeface="Arial" panose="020B0604020202020204"/>
+        <a:ea typeface="Arial" panose="020B0604020202020204"/>
+        <a:cs typeface="Arial" panose="020B0604020202020204"/>
+        <a:sym typeface="Arial" panose="020B0604020202020204"/>
       </a:defRPr>
     </a:lvl5pPr>
-    <a:lvl6pPr lvl="5" marR="0" rtl="0" algn="l">
+    <a:lvl6pPr marR="0" lvl="5" algn="l" rtl="0">
       <a:lnSpc>
         <a:spcPct val="100000"/>
       </a:lnSpc>
@@ -174,18 +172,18 @@
       <a:buClr>
         <a:srgbClr val="000000"/>
       </a:buClr>
-      <a:buFont typeface="Arial"/>
-      <a:defRPr b="0" i="0" sz="1400" u="none" cap="none" strike="noStrike">
+      <a:buFont typeface="Arial" panose="020B0604020202020204"/>
+      <a:defRPr sz="1400" b="0" i="0" u="none" strike="noStrike" cap="none">
         <a:solidFill>
           <a:srgbClr val="000000"/>
         </a:solidFill>
-        <a:latin typeface="Arial"/>
-        <a:ea typeface="Arial"/>
-        <a:cs typeface="Arial"/>
-        <a:sym typeface="Arial"/>
+        <a:latin typeface="Arial" panose="020B0604020202020204"/>
+        <a:ea typeface="Arial" panose="020B0604020202020204"/>
+        <a:cs typeface="Arial" panose="020B0604020202020204"/>
+        <a:sym typeface="Arial" panose="020B0604020202020204"/>
       </a:defRPr>
     </a:lvl6pPr>
-    <a:lvl7pPr lvl="6" marR="0" rtl="0" algn="l">
+    <a:lvl7pPr marR="0" lvl="6" algn="l" rtl="0">
       <a:lnSpc>
         <a:spcPct val="100000"/>
       </a:lnSpc>
@@ -198,18 +196,18 @@
       <a:buClr>
         <a:srgbClr val="000000"/>
       </a:buClr>
-      <a:buFont typeface="Arial"/>
-      <a:defRPr b="0" i="0" sz="1400" u="none" cap="none" strike="noStrike">
+      <a:buFont typeface="Arial" panose="020B0604020202020204"/>
+      <a:defRPr sz="1400" b="0" i="0" u="none" strike="noStrike" cap="none">
         <a:solidFill>
           <a:srgbClr val="000000"/>
         </a:solidFill>
-        <a:latin typeface="Arial"/>
-        <a:ea typeface="Arial"/>
-        <a:cs typeface="Arial"/>
-        <a:sym typeface="Arial"/>
+        <a:latin typeface="Arial" panose="020B0604020202020204"/>
+        <a:ea typeface="Arial" panose="020B0604020202020204"/>
+        <a:cs typeface="Arial" panose="020B0604020202020204"/>
+        <a:sym typeface="Arial" panose="020B0604020202020204"/>
       </a:defRPr>
     </a:lvl7pPr>
-    <a:lvl8pPr lvl="7" marR="0" rtl="0" algn="l">
+    <a:lvl8pPr marR="0" lvl="7" algn="l" rtl="0">
       <a:lnSpc>
         <a:spcPct val="100000"/>
       </a:lnSpc>
@@ -222,18 +220,18 @@
       <a:buClr>
         <a:srgbClr val="000000"/>
       </a:buClr>
-      <a:buFont typeface="Arial"/>
-      <a:defRPr b="0" i="0" sz="1400" u="none" cap="none" strike="noStrike">
+      <a:buFont typeface="Arial" panose="020B0604020202020204"/>
+      <a:defRPr sz="1400" b="0" i="0" u="none" strike="noStrike" cap="none">
         <a:solidFill>
           <a:srgbClr val="000000"/>
         </a:solidFill>
-        <a:latin typeface="Arial"/>
-        <a:ea typeface="Arial"/>
-        <a:cs typeface="Arial"/>
-        <a:sym typeface="Arial"/>
+        <a:latin typeface="Arial" panose="020B0604020202020204"/>
+        <a:ea typeface="Arial" panose="020B0604020202020204"/>
+        <a:cs typeface="Arial" panose="020B0604020202020204"/>
+        <a:sym typeface="Arial" panose="020B0604020202020204"/>
       </a:defRPr>
     </a:lvl8pPr>
-    <a:lvl9pPr lvl="8" marR="0" rtl="0" algn="l">
+    <a:lvl9pPr marR="0" lvl="8" algn="l" rtl="0">
       <a:lnSpc>
         <a:spcPct val="100000"/>
       </a:lnSpc>
@@ -246,15 +244,15 @@
       <a:buClr>
         <a:srgbClr val="000000"/>
       </a:buClr>
-      <a:buFont typeface="Arial"/>
-      <a:defRPr b="0" i="0" sz="1400" u="none" cap="none" strike="noStrike">
+      <a:buFont typeface="Arial" panose="020B0604020202020204"/>
+      <a:defRPr sz="1400" b="0" i="0" u="none" strike="noStrike" cap="none">
         <a:solidFill>
           <a:srgbClr val="000000"/>
         </a:solidFill>
-        <a:latin typeface="Arial"/>
-        <a:ea typeface="Arial"/>
-        <a:cs typeface="Arial"/>
-        <a:sym typeface="Arial"/>
+        <a:latin typeface="Arial" panose="020B0604020202020204"/>
+        <a:ea typeface="Arial" panose="020B0604020202020204"/>
+        <a:cs typeface="Arial" panose="020B0604020202020204"/>
+        <a:sym typeface="Arial" panose="020B0604020202020204"/>
       </a:defRPr>
     </a:lvl9pPr>
   </p:defaultTextStyle>
@@ -262,8 +260,13 @@
 </file>
 
 <file path=ppt/notesMasters/notesMaster1.xml><?xml version="1.0" encoding="utf-8"?>
-<p:notesMaster xmlns:a="http://schemas.openxmlformats.org/drawingml/2006/main" xmlns:r="http://schemas.openxmlformats.org/officeDocument/2006/relationships" xmlns:mc="http://schemas.openxmlformats.org/markup-compatibility/2006" xmlns:mv="urn:schemas-microsoft-com:mac:vml" xmlns:p="http://schemas.openxmlformats.org/presentationml/2006/main" xmlns:c="http://schemas.openxmlformats.org/drawingml/2006/chart" xmlns:dgm="http://schemas.openxmlformats.org/drawingml/2006/diagram" xmlns:o="urn:schemas-microsoft-com:office:office" xmlns:v="urn:schemas-microsoft-com:vml" xmlns:pvml="urn:schemas-microsoft-com:office:powerpoint" xmlns:com="http://schemas.openxmlformats.org/drawingml/2006/compatibility" xmlns:p14="http://schemas.microsoft.com/office/powerpoint/2010/main" xmlns:p15="http://schemas.microsoft.com/office/powerpoint/2012/main" xmlns:ahyp="http://schemas.microsoft.com/office/drawing/2018/hyperlinkcolor">
+<p:notesMaster xmlns:a="http://schemas.openxmlformats.org/drawingml/2006/main" xmlns:r="http://schemas.openxmlformats.org/officeDocument/2006/relationships" xmlns:p="http://schemas.openxmlformats.org/presentationml/2006/main">
   <p:cSld>
+    <p:bg>
+      <p:bgRef idx="1001">
+        <a:schemeClr val="bg1"/>
+      </p:bgRef>
+    </p:bg>
     <p:spTree>
       <p:nvGrpSpPr>
         <p:cNvPr id="2" name="Shape 2"/>
@@ -283,7 +286,7 @@
           <p:cNvPr id="3" name="Google Shape;3;n"/>
           <p:cNvSpPr/>
           <p:nvPr>
-            <p:ph idx="2" type="sldImg"/>
+            <p:ph type="sldImg" idx="2"/>
           </p:nvPr>
         </p:nvSpPr>
         <p:spPr>
@@ -292,9 +295,13 @@
             <a:ext cx="6096075" cy="3429000"/>
           </a:xfrm>
           <a:custGeom>
-            <a:rect b="b" l="l" r="r" t="t"/>
+            <a:avLst/>
+            <a:gdLst/>
+            <a:ahLst/>
+            <a:cxnLst/>
+            <a:rect l="l" t="t" r="r" b="b"/>
             <a:pathLst>
-              <a:path extrusionOk="0" h="120000" w="120000">
+              <a:path w="120000" h="120000" extrusionOk="0">
                 <a:moveTo>
                   <a:pt x="0" y="0"/>
                 </a:moveTo>
@@ -312,14 +319,14 @@
             </a:pathLst>
           </a:custGeom>
           <a:noFill/>
-          <a:ln cap="flat" cmpd="sng" w="9525">
+          <a:ln w="9525" cap="flat" cmpd="sng">
             <a:solidFill>
               <a:srgbClr val="000000"/>
             </a:solidFill>
             <a:prstDash val="solid"/>
             <a:round/>
-            <a:headEnd len="sm" w="sm" type="none"/>
-            <a:tailEnd len="sm" w="sm" type="none"/>
+            <a:headEnd type="none" w="sm" len="sm"/>
+            <a:tailEnd type="none" w="sm" len="sm"/>
           </a:ln>
         </p:spPr>
       </p:sp>
@@ -328,7 +335,7 @@
           <p:cNvPr id="4" name="Google Shape;4;n"/>
           <p:cNvSpPr txBox="1"/>
           <p:nvPr>
-            <p:ph idx="1" type="body"/>
+            <p:ph type="body" idx="1"/>
           </p:nvPr>
         </p:nvSpPr>
         <p:spPr>
@@ -345,11 +352,11 @@
           </a:ln>
         </p:spPr>
         <p:txBody>
-          <a:bodyPr anchorCtr="0" anchor="t" bIns="91425" lIns="91425" spcFirstLastPara="1" rIns="91425" wrap="square" tIns="91425">
+          <a:bodyPr spcFirstLastPara="1" wrap="square" lIns="91425" tIns="91425" rIns="91425" bIns="91425" anchor="t" anchorCtr="0">
             <a:noAutofit/>
           </a:bodyPr>
           <a:lstStyle>
-            <a:lvl1pPr indent="-298450" lvl="0" marL="457200">
+            <a:lvl1pPr marL="457200" lvl="0" indent="-298450">
               <a:spcBef>
                 <a:spcPts val="0"/>
               </a:spcBef>
@@ -360,7 +367,7 @@
               <a:buChar char="●"/>
               <a:defRPr sz="1100"/>
             </a:lvl1pPr>
-            <a:lvl2pPr indent="-298450" lvl="1" marL="914400">
+            <a:lvl2pPr marL="914400" lvl="1" indent="-298450">
               <a:spcBef>
                 <a:spcPts val="0"/>
               </a:spcBef>
@@ -371,7 +378,7 @@
               <a:buChar char="○"/>
               <a:defRPr sz="1100"/>
             </a:lvl2pPr>
-            <a:lvl3pPr indent="-298450" lvl="2" marL="1371600">
+            <a:lvl3pPr marL="1371600" lvl="2" indent="-298450">
               <a:spcBef>
                 <a:spcPts val="0"/>
               </a:spcBef>
@@ -382,7 +389,7 @@
               <a:buChar char="■"/>
               <a:defRPr sz="1100"/>
             </a:lvl3pPr>
-            <a:lvl4pPr indent="-298450" lvl="3" marL="1828800">
+            <a:lvl4pPr marL="1828800" lvl="3" indent="-298450">
               <a:spcBef>
                 <a:spcPts val="0"/>
               </a:spcBef>
@@ -393,7 +400,7 @@
               <a:buChar char="●"/>
               <a:defRPr sz="1100"/>
             </a:lvl4pPr>
-            <a:lvl5pPr indent="-298450" lvl="4" marL="2286000">
+            <a:lvl5pPr marL="2286000" lvl="4" indent="-298450">
               <a:spcBef>
                 <a:spcPts val="0"/>
               </a:spcBef>
@@ -404,7 +411,7 @@
               <a:buChar char="○"/>
               <a:defRPr sz="1100"/>
             </a:lvl5pPr>
-            <a:lvl6pPr indent="-298450" lvl="5" marL="2743200">
+            <a:lvl6pPr marL="2743200" lvl="5" indent="-298450">
               <a:spcBef>
                 <a:spcPts val="0"/>
               </a:spcBef>
@@ -415,7 +422,7 @@
               <a:buChar char="■"/>
               <a:defRPr sz="1100"/>
             </a:lvl6pPr>
-            <a:lvl7pPr indent="-298450" lvl="6" marL="3200400">
+            <a:lvl7pPr marL="3200400" lvl="6" indent="-298450">
               <a:spcBef>
                 <a:spcPts val="0"/>
               </a:spcBef>
@@ -426,7 +433,7 @@
               <a:buChar char="●"/>
               <a:defRPr sz="1100"/>
             </a:lvl7pPr>
-            <a:lvl8pPr indent="-298450" lvl="7" marL="3657600">
+            <a:lvl8pPr marL="3657600" lvl="7" indent="-298450">
               <a:spcBef>
                 <a:spcPts val="0"/>
               </a:spcBef>
@@ -437,7 +444,7 @@
               <a:buChar char="○"/>
               <a:defRPr sz="1100"/>
             </a:lvl8pPr>
-            <a:lvl9pPr indent="-298450" lvl="8" marL="4114800">
+            <a:lvl9pPr marL="4114800" lvl="8" indent="-298450">
               <a:spcBef>
                 <a:spcPts val="0"/>
               </a:spcBef>
@@ -454,9 +461,9 @@
       </p:sp>
     </p:spTree>
   </p:cSld>
-  <p:clrMap accent1="accent1" accent2="accent2" accent3="accent3" accent4="accent4" accent5="accent5" accent6="accent6" bg1="lt1" bg2="dk2" tx1="dk1" tx2="lt2" folHlink="folHlink" hlink="hlink"/>
+  <p:clrMap bg1="lt1" tx1="dk1" bg2="dk2" tx2="lt2" accent1="accent1" accent2="accent2" accent3="accent3" accent4="accent4" accent5="accent5" accent6="accent6" hlink="hlink" folHlink="folHlink"/>
   <p:notesStyle>
-    <a:defPPr lvl="0" marR="0" rtl="0" algn="l">
+    <a:defPPr marR="0" lvl="0" algn="l" rtl="0">
       <a:lnSpc>
         <a:spcPct val="100000"/>
       </a:lnSpc>
@@ -467,7 +474,7 @@
         <a:spcPts val="0"/>
       </a:spcAft>
     </a:defPPr>
-    <a:lvl1pPr lvl="0" marR="0" rtl="0" algn="l">
+    <a:lvl1pPr marR="0" lvl="0" algn="l" rtl="0">
       <a:lnSpc>
         <a:spcPct val="100000"/>
       </a:lnSpc>
@@ -480,18 +487,18 @@
       <a:buClr>
         <a:srgbClr val="000000"/>
       </a:buClr>
-      <a:buFont typeface="Arial"/>
-      <a:defRPr b="0" i="0" sz="1400" u="none" cap="none" strike="noStrike">
+      <a:buFont typeface="Arial" panose="020B0604020202020204"/>
+      <a:defRPr sz="1400" b="0" i="0" u="none" strike="noStrike" cap="none">
         <a:solidFill>
           <a:srgbClr val="000000"/>
         </a:solidFill>
-        <a:latin typeface="Arial"/>
-        <a:ea typeface="Arial"/>
-        <a:cs typeface="Arial"/>
-        <a:sym typeface="Arial"/>
+        <a:latin typeface="Arial" panose="020B0604020202020204"/>
+        <a:ea typeface="Arial" panose="020B0604020202020204"/>
+        <a:cs typeface="Arial" panose="020B0604020202020204"/>
+        <a:sym typeface="Arial" panose="020B0604020202020204"/>
       </a:defRPr>
     </a:lvl1pPr>
-    <a:lvl2pPr lvl="1" marR="0" rtl="0" algn="l">
+    <a:lvl2pPr marR="0" lvl="1" algn="l" rtl="0">
       <a:lnSpc>
         <a:spcPct val="100000"/>
       </a:lnSpc>
@@ -504,18 +511,18 @@
       <a:buClr>
         <a:srgbClr val="000000"/>
       </a:buClr>
-      <a:buFont typeface="Arial"/>
-      <a:defRPr b="0" i="0" sz="1400" u="none" cap="none" strike="noStrike">
+      <a:buFont typeface="Arial" panose="020B0604020202020204"/>
+      <a:defRPr sz="1400" b="0" i="0" u="none" strike="noStrike" cap="none">
         <a:solidFill>
           <a:srgbClr val="000000"/>
         </a:solidFill>
-        <a:latin typeface="Arial"/>
-        <a:ea typeface="Arial"/>
-        <a:cs typeface="Arial"/>
-        <a:sym typeface="Arial"/>
+        <a:latin typeface="Arial" panose="020B0604020202020204"/>
+        <a:ea typeface="Arial" panose="020B0604020202020204"/>
+        <a:cs typeface="Arial" panose="020B0604020202020204"/>
+        <a:sym typeface="Arial" panose="020B0604020202020204"/>
       </a:defRPr>
     </a:lvl2pPr>
-    <a:lvl3pPr lvl="2" marR="0" rtl="0" algn="l">
+    <a:lvl3pPr marR="0" lvl="2" algn="l" rtl="0">
       <a:lnSpc>
         <a:spcPct val="100000"/>
       </a:lnSpc>
@@ -528,18 +535,18 @@
       <a:buClr>
         <a:srgbClr val="000000"/>
       </a:buClr>
-      <a:buFont typeface="Arial"/>
-      <a:defRPr b="0" i="0" sz="1400" u="none" cap="none" strike="noStrike">
+      <a:buFont typeface="Arial" panose="020B0604020202020204"/>
+      <a:defRPr sz="1400" b="0" i="0" u="none" strike="noStrike" cap="none">
         <a:solidFill>
           <a:srgbClr val="000000"/>
         </a:solidFill>
-        <a:latin typeface="Arial"/>
-        <a:ea typeface="Arial"/>
-        <a:cs typeface="Arial"/>
-        <a:sym typeface="Arial"/>
+        <a:latin typeface="Arial" panose="020B0604020202020204"/>
+        <a:ea typeface="Arial" panose="020B0604020202020204"/>
+        <a:cs typeface="Arial" panose="020B0604020202020204"/>
+        <a:sym typeface="Arial" panose="020B0604020202020204"/>
       </a:defRPr>
     </a:lvl3pPr>
-    <a:lvl4pPr lvl="3" marR="0" rtl="0" algn="l">
+    <a:lvl4pPr marR="0" lvl="3" algn="l" rtl="0">
       <a:lnSpc>
         <a:spcPct val="100000"/>
       </a:lnSpc>
@@ -552,18 +559,18 @@
       <a:buClr>
         <a:srgbClr val="000000"/>
       </a:buClr>
-      <a:buFont typeface="Arial"/>
-      <a:defRPr b="0" i="0" sz="1400" u="none" cap="none" strike="noStrike">
+      <a:buFont typeface="Arial" panose="020B0604020202020204"/>
+      <a:defRPr sz="1400" b="0" i="0" u="none" strike="noStrike" cap="none">
         <a:solidFill>
           <a:srgbClr val="000000"/>
         </a:solidFill>
-        <a:latin typeface="Arial"/>
-        <a:ea typeface="Arial"/>
-        <a:cs typeface="Arial"/>
-        <a:sym typeface="Arial"/>
+        <a:latin typeface="Arial" panose="020B0604020202020204"/>
+        <a:ea typeface="Arial" panose="020B0604020202020204"/>
+        <a:cs typeface="Arial" panose="020B0604020202020204"/>
+        <a:sym typeface="Arial" panose="020B0604020202020204"/>
       </a:defRPr>
     </a:lvl4pPr>
-    <a:lvl5pPr lvl="4" marR="0" rtl="0" algn="l">
+    <a:lvl5pPr marR="0" lvl="4" algn="l" rtl="0">
       <a:lnSpc>
         <a:spcPct val="100000"/>
       </a:lnSpc>
@@ -576,18 +583,18 @@
       <a:buClr>
         <a:srgbClr val="000000"/>
       </a:buClr>
-      <a:buFont typeface="Arial"/>
-      <a:defRPr b="0" i="0" sz="1400" u="none" cap="none" strike="noStrike">
+      <a:buFont typeface="Arial" panose="020B0604020202020204"/>
+      <a:defRPr sz="1400" b="0" i="0" u="none" strike="noStrike" cap="none">
         <a:solidFill>
           <a:srgbClr val="000000"/>
         </a:solidFill>
-        <a:latin typeface="Arial"/>
-        <a:ea typeface="Arial"/>
-        <a:cs typeface="Arial"/>
-        <a:sym typeface="Arial"/>
+        <a:latin typeface="Arial" panose="020B0604020202020204"/>
+        <a:ea typeface="Arial" panose="020B0604020202020204"/>
+        <a:cs typeface="Arial" panose="020B0604020202020204"/>
+        <a:sym typeface="Arial" panose="020B0604020202020204"/>
       </a:defRPr>
     </a:lvl5pPr>
-    <a:lvl6pPr lvl="5" marR="0" rtl="0" algn="l">
+    <a:lvl6pPr marR="0" lvl="5" algn="l" rtl="0">
       <a:lnSpc>
         <a:spcPct val="100000"/>
       </a:lnSpc>
@@ -600,18 +607,18 @@
       <a:buClr>
         <a:srgbClr val="000000"/>
       </a:buClr>
-      <a:buFont typeface="Arial"/>
-      <a:defRPr b="0" i="0" sz="1400" u="none" cap="none" strike="noStrike">
+      <a:buFont typeface="Arial" panose="020B0604020202020204"/>
+      <a:defRPr sz="1400" b="0" i="0" u="none" strike="noStrike" cap="none">
         <a:solidFill>
           <a:srgbClr val="000000"/>
         </a:solidFill>
-        <a:latin typeface="Arial"/>
-        <a:ea typeface="Arial"/>
-        <a:cs typeface="Arial"/>
-        <a:sym typeface="Arial"/>
+        <a:latin typeface="Arial" panose="020B0604020202020204"/>
+        <a:ea typeface="Arial" panose="020B0604020202020204"/>
+        <a:cs typeface="Arial" panose="020B0604020202020204"/>
+        <a:sym typeface="Arial" panose="020B0604020202020204"/>
       </a:defRPr>
     </a:lvl6pPr>
-    <a:lvl7pPr lvl="6" marR="0" rtl="0" algn="l">
+    <a:lvl7pPr marR="0" lvl="6" algn="l" rtl="0">
       <a:lnSpc>
         <a:spcPct val="100000"/>
       </a:lnSpc>
@@ -624,18 +631,18 @@
       <a:buClr>
         <a:srgbClr val="000000"/>
       </a:buClr>
-      <a:buFont typeface="Arial"/>
-      <a:defRPr b="0" i="0" sz="1400" u="none" cap="none" strike="noStrike">
+      <a:buFont typeface="Arial" panose="020B0604020202020204"/>
+      <a:defRPr sz="1400" b="0" i="0" u="none" strike="noStrike" cap="none">
         <a:solidFill>
           <a:srgbClr val="000000"/>
         </a:solidFill>
-        <a:latin typeface="Arial"/>
-        <a:ea typeface="Arial"/>
-        <a:cs typeface="Arial"/>
-        <a:sym typeface="Arial"/>
+        <a:latin typeface="Arial" panose="020B0604020202020204"/>
+        <a:ea typeface="Arial" panose="020B0604020202020204"/>
+        <a:cs typeface="Arial" panose="020B0604020202020204"/>
+        <a:sym typeface="Arial" panose="020B0604020202020204"/>
       </a:defRPr>
     </a:lvl7pPr>
-    <a:lvl8pPr lvl="7" marR="0" rtl="0" algn="l">
+    <a:lvl8pPr marR="0" lvl="7" algn="l" rtl="0">
       <a:lnSpc>
         <a:spcPct val="100000"/>
       </a:lnSpc>
@@ -648,18 +655,18 @@
       <a:buClr>
         <a:srgbClr val="000000"/>
       </a:buClr>
-      <a:buFont typeface="Arial"/>
-      <a:defRPr b="0" i="0" sz="1400" u="none" cap="none" strike="noStrike">
+      <a:buFont typeface="Arial" panose="020B0604020202020204"/>
+      <a:defRPr sz="1400" b="0" i="0" u="none" strike="noStrike" cap="none">
         <a:solidFill>
           <a:srgbClr val="000000"/>
         </a:solidFill>
-        <a:latin typeface="Arial"/>
-        <a:ea typeface="Arial"/>
-        <a:cs typeface="Arial"/>
-        <a:sym typeface="Arial"/>
+        <a:latin typeface="Arial" panose="020B0604020202020204"/>
+        <a:ea typeface="Arial" panose="020B0604020202020204"/>
+        <a:cs typeface="Arial" panose="020B0604020202020204"/>
+        <a:sym typeface="Arial" panose="020B0604020202020204"/>
       </a:defRPr>
     </a:lvl8pPr>
-    <a:lvl9pPr lvl="8" marR="0" rtl="0" algn="l">
+    <a:lvl9pPr marR="0" lvl="8" algn="l" rtl="0">
       <a:lnSpc>
         <a:spcPct val="100000"/>
       </a:lnSpc>
@@ -672,15 +679,15 @@
       <a:buClr>
         <a:srgbClr val="000000"/>
       </a:buClr>
-      <a:buFont typeface="Arial"/>
-      <a:defRPr b="0" i="0" sz="1400" u="none" cap="none" strike="noStrike">
+      <a:buFont typeface="Arial" panose="020B0604020202020204"/>
+      <a:defRPr sz="1400" b="0" i="0" u="none" strike="noStrike" cap="none">
         <a:solidFill>
           <a:srgbClr val="000000"/>
         </a:solidFill>
-        <a:latin typeface="Arial"/>
-        <a:ea typeface="Arial"/>
-        <a:cs typeface="Arial"/>
-        <a:sym typeface="Arial"/>
+        <a:latin typeface="Arial" panose="020B0604020202020204"/>
+        <a:ea typeface="Arial" panose="020B0604020202020204"/>
+        <a:cs typeface="Arial" panose="020B0604020202020204"/>
+        <a:sym typeface="Arial" panose="020B0604020202020204"/>
       </a:defRPr>
     </a:lvl9pPr>
   </p:notesStyle>
@@ -688,7 +695,7 @@
 </file>
 
 <file path=ppt/notesSlides/notesSlide1.xml><?xml version="1.0" encoding="utf-8"?>
-<p:notes xmlns:a="http://schemas.openxmlformats.org/drawingml/2006/main" xmlns:r="http://schemas.openxmlformats.org/officeDocument/2006/relationships" xmlns:mc="http://schemas.openxmlformats.org/markup-compatibility/2006" xmlns:mv="urn:schemas-microsoft-com:mac:vml" xmlns:p="http://schemas.openxmlformats.org/presentationml/2006/main" xmlns:c="http://schemas.openxmlformats.org/drawingml/2006/chart" xmlns:dgm="http://schemas.openxmlformats.org/drawingml/2006/diagram" xmlns:o="urn:schemas-microsoft-com:office:office" xmlns:v="urn:schemas-microsoft-com:vml" xmlns:pvml="urn:schemas-microsoft-com:office:powerpoint" xmlns:com="http://schemas.openxmlformats.org/drawingml/2006/compatibility" xmlns:p14="http://schemas.microsoft.com/office/powerpoint/2010/main" xmlns:p15="http://schemas.microsoft.com/office/powerpoint/2012/main" xmlns:ahyp="http://schemas.microsoft.com/office/drawing/2018/hyperlinkcolor" showMasterPhAnim="0" showMasterSp="0">
+<p:notes xmlns:a="http://schemas.openxmlformats.org/drawingml/2006/main" xmlns:r="http://schemas.openxmlformats.org/officeDocument/2006/relationships" xmlns:p="http://schemas.openxmlformats.org/presentationml/2006/main" showMasterPhAnim="0" showMasterSp="0">
   <p:cSld>
     <p:spTree>
       <p:nvGrpSpPr>
@@ -709,7 +716,7 @@
           <p:cNvPr id="51" name="Google Shape;51;g70de937195_0_111:notes"/>
           <p:cNvSpPr/>
           <p:nvPr>
-            <p:ph idx="2" type="sldImg"/>
+            <p:ph type="sldImg" idx="2"/>
           </p:nvPr>
         </p:nvSpPr>
         <p:spPr>
@@ -718,9 +725,13 @@
             <a:ext cx="6096000" cy="3429000"/>
           </a:xfrm>
           <a:custGeom>
-            <a:rect b="b" l="l" r="r" t="t"/>
+            <a:avLst/>
+            <a:gdLst/>
+            <a:ahLst/>
+            <a:cxnLst/>
+            <a:rect l="l" t="t" r="r" b="b"/>
             <a:pathLst>
-              <a:path extrusionOk="0" h="120000" w="120000">
+              <a:path w="120000" h="120000" extrusionOk="0">
                 <a:moveTo>
                   <a:pt x="0" y="0"/>
                 </a:moveTo>
@@ -744,7 +755,7 @@
           <p:cNvPr id="52" name="Google Shape;52;g70de937195_0_111:notes"/>
           <p:cNvSpPr txBox="1"/>
           <p:nvPr>
-            <p:ph idx="1" type="body"/>
+            <p:ph type="body" idx="1"/>
           </p:nvPr>
         </p:nvSpPr>
         <p:spPr>
@@ -757,12 +768,12 @@
           </a:prstGeom>
         </p:spPr>
         <p:txBody>
-          <a:bodyPr anchorCtr="0" anchor="t" bIns="91425" lIns="91425" spcFirstLastPara="1" rIns="91425" wrap="square" tIns="91425">
+          <a:bodyPr spcFirstLastPara="1" wrap="square" lIns="91425" tIns="91425" rIns="91425" bIns="91425" anchor="t" anchorCtr="0">
             <a:noAutofit/>
           </a:bodyPr>
           <a:lstStyle/>
           <a:p>
-            <a:pPr indent="0" lvl="0" marL="0" rtl="0" algn="l">
+            <a:pPr marL="0" lvl="0" indent="0" algn="l" rtl="0">
               <a:spcBef>
                 <a:spcPts val="0"/>
               </a:spcBef>
@@ -771,10 +782,105 @@
               </a:spcAft>
               <a:buNone/>
             </a:pPr>
-            <a:r>
-              <a:t/>
-            </a:r>
-            <a:endParaRPr/>
+          </a:p>
+        </p:txBody>
+      </p:sp>
+    </p:spTree>
+  </p:cSld>
+  <p:clrMapOvr>
+    <a:masterClrMapping/>
+  </p:clrMapOvr>
+</p:notes>
+</file>
+
+<file path=ppt/notesSlides/notesSlide10.xml><?xml version="1.0" encoding="utf-8"?>
+<p:notes xmlns:a="http://schemas.openxmlformats.org/drawingml/2006/main" xmlns:r="http://schemas.openxmlformats.org/officeDocument/2006/relationships" xmlns:p="http://schemas.openxmlformats.org/presentationml/2006/main" showMasterPhAnim="0" showMasterSp="0">
+  <p:cSld>
+    <p:spTree>
+      <p:nvGrpSpPr>
+        <p:cNvPr id="109" name="Shape 109"/>
+        <p:cNvGrpSpPr/>
+        <p:nvPr/>
+      </p:nvGrpSpPr>
+      <p:grpSpPr>
+        <a:xfrm>
+          <a:off x="0" y="0"/>
+          <a:ext cx="0" cy="0"/>
+          <a:chOff x="0" y="0"/>
+          <a:chExt cx="0" cy="0"/>
+        </a:xfrm>
+      </p:grpSpPr>
+      <p:sp>
+        <p:nvSpPr>
+          <p:cNvPr id="110" name="Google Shape;110;g875c2255bd_0_225:notes"/>
+          <p:cNvSpPr/>
+          <p:nvPr>
+            <p:ph type="sldImg" idx="2"/>
+          </p:nvPr>
+        </p:nvSpPr>
+        <p:spPr>
+          <a:xfrm>
+            <a:off x="381300" y="685800"/>
+            <a:ext cx="6096000" cy="3429000"/>
+          </a:xfrm>
+          <a:custGeom>
+            <a:avLst/>
+            <a:gdLst/>
+            <a:ahLst/>
+            <a:cxnLst/>
+            <a:rect l="l" t="t" r="r" b="b"/>
+            <a:pathLst>
+              <a:path w="120000" h="120000" extrusionOk="0">
+                <a:moveTo>
+                  <a:pt x="0" y="0"/>
+                </a:moveTo>
+                <a:lnTo>
+                  <a:pt x="120000" y="0"/>
+                </a:lnTo>
+                <a:lnTo>
+                  <a:pt x="120000" y="120000"/>
+                </a:lnTo>
+                <a:lnTo>
+                  <a:pt x="0" y="120000"/>
+                </a:lnTo>
+                <a:close/>
+              </a:path>
+            </a:pathLst>
+          </a:custGeom>
+        </p:spPr>
+      </p:sp>
+      <p:sp>
+        <p:nvSpPr>
+          <p:cNvPr id="111" name="Google Shape;111;g875c2255bd_0_225:notes"/>
+          <p:cNvSpPr txBox="1"/>
+          <p:nvPr>
+            <p:ph type="body" idx="1"/>
+          </p:nvPr>
+        </p:nvSpPr>
+        <p:spPr>
+          <a:xfrm>
+            <a:off x="685800" y="4343400"/>
+            <a:ext cx="5486400" cy="4114800"/>
+          </a:xfrm>
+          <a:prstGeom prst="rect">
+            <a:avLst/>
+          </a:prstGeom>
+        </p:spPr>
+        <p:txBody>
+          <a:bodyPr spcFirstLastPara="1" wrap="square" lIns="91425" tIns="91425" rIns="91425" bIns="91425" anchor="t" anchorCtr="0">
+            <a:noAutofit/>
+          </a:bodyPr>
+          <a:lstStyle/>
+          <a:p>
+            <a:pPr marL="0" lvl="0" indent="0" algn="l" rtl="0">
+              <a:spcBef>
+                <a:spcPts val="0"/>
+              </a:spcBef>
+              <a:spcAft>
+                <a:spcPts val="0"/>
+              </a:spcAft>
+              <a:buNone/>
+            </a:pPr>
           </a:p>
         </p:txBody>
       </p:sp>
@@ -787,7 +893,7 @@
 </file>
 
 <file path=ppt/notesSlides/notesSlide2.xml><?xml version="1.0" encoding="utf-8"?>
-<p:notes xmlns:a="http://schemas.openxmlformats.org/drawingml/2006/main" xmlns:r="http://schemas.openxmlformats.org/officeDocument/2006/relationships" xmlns:mc="http://schemas.openxmlformats.org/markup-compatibility/2006" xmlns:mv="urn:schemas-microsoft-com:mac:vml" xmlns:p="http://schemas.openxmlformats.org/presentationml/2006/main" xmlns:c="http://schemas.openxmlformats.org/drawingml/2006/chart" xmlns:dgm="http://schemas.openxmlformats.org/drawingml/2006/diagram" xmlns:o="urn:schemas-microsoft-com:office:office" xmlns:v="urn:schemas-microsoft-com:vml" xmlns:pvml="urn:schemas-microsoft-com:office:powerpoint" xmlns:com="http://schemas.openxmlformats.org/drawingml/2006/compatibility" xmlns:p14="http://schemas.microsoft.com/office/powerpoint/2010/main" xmlns:p15="http://schemas.microsoft.com/office/powerpoint/2012/main" xmlns:ahyp="http://schemas.microsoft.com/office/drawing/2018/hyperlinkcolor" showMasterPhAnim="0" showMasterSp="0">
+<p:notes xmlns:a="http://schemas.openxmlformats.org/drawingml/2006/main" xmlns:r="http://schemas.openxmlformats.org/officeDocument/2006/relationships" xmlns:p="http://schemas.openxmlformats.org/presentationml/2006/main" showMasterPhAnim="0" showMasterSp="0">
   <p:cSld>
     <p:spTree>
       <p:nvGrpSpPr>
@@ -808,7 +914,7 @@
           <p:cNvPr id="60" name="Google Shape;60;g875c2255bd_0_62:notes"/>
           <p:cNvSpPr/>
           <p:nvPr>
-            <p:ph idx="2" type="sldImg"/>
+            <p:ph type="sldImg" idx="2"/>
           </p:nvPr>
         </p:nvSpPr>
         <p:spPr>
@@ -817,9 +923,13 @@
             <a:ext cx="6096000" cy="3429000"/>
           </a:xfrm>
           <a:custGeom>
-            <a:rect b="b" l="l" r="r" t="t"/>
+            <a:avLst/>
+            <a:gdLst/>
+            <a:ahLst/>
+            <a:cxnLst/>
+            <a:rect l="l" t="t" r="r" b="b"/>
             <a:pathLst>
-              <a:path extrusionOk="0" h="120000" w="120000">
+              <a:path w="120000" h="120000" extrusionOk="0">
                 <a:moveTo>
                   <a:pt x="0" y="0"/>
                 </a:moveTo>
@@ -843,7 +953,7 @@
           <p:cNvPr id="61" name="Google Shape;61;g875c2255bd_0_62:notes"/>
           <p:cNvSpPr txBox="1"/>
           <p:nvPr>
-            <p:ph idx="1" type="body"/>
+            <p:ph type="body" idx="1"/>
           </p:nvPr>
         </p:nvSpPr>
         <p:spPr>
@@ -856,12 +966,12 @@
           </a:prstGeom>
         </p:spPr>
         <p:txBody>
-          <a:bodyPr anchorCtr="0" anchor="t" bIns="91425" lIns="91425" spcFirstLastPara="1" rIns="91425" wrap="square" tIns="91425">
+          <a:bodyPr spcFirstLastPara="1" wrap="square" lIns="91425" tIns="91425" rIns="91425" bIns="91425" anchor="t" anchorCtr="0">
             <a:noAutofit/>
           </a:bodyPr>
           <a:lstStyle/>
           <a:p>
-            <a:pPr indent="0" lvl="0" marL="0" rtl="0" algn="l">
+            <a:pPr marL="0" lvl="0" indent="0" algn="l" rtl="0">
               <a:spcBef>
                 <a:spcPts val="0"/>
               </a:spcBef>
@@ -870,10 +980,6 @@
               </a:spcAft>
               <a:buNone/>
             </a:pPr>
-            <a:r>
-              <a:t/>
-            </a:r>
-            <a:endParaRPr/>
           </a:p>
         </p:txBody>
       </p:sp>
@@ -886,7 +992,7 @@
 </file>
 
 <file path=ppt/notesSlides/notesSlide3.xml><?xml version="1.0" encoding="utf-8"?>
-<p:notes xmlns:a="http://schemas.openxmlformats.org/drawingml/2006/main" xmlns:r="http://schemas.openxmlformats.org/officeDocument/2006/relationships" xmlns:mc="http://schemas.openxmlformats.org/markup-compatibility/2006" xmlns:mv="urn:schemas-microsoft-com:mac:vml" xmlns:p="http://schemas.openxmlformats.org/presentationml/2006/main" xmlns:c="http://schemas.openxmlformats.org/drawingml/2006/chart" xmlns:dgm="http://schemas.openxmlformats.org/drawingml/2006/diagram" xmlns:o="urn:schemas-microsoft-com:office:office" xmlns:v="urn:schemas-microsoft-com:vml" xmlns:pvml="urn:schemas-microsoft-com:office:powerpoint" xmlns:com="http://schemas.openxmlformats.org/drawingml/2006/compatibility" xmlns:p14="http://schemas.microsoft.com/office/powerpoint/2010/main" xmlns:p15="http://schemas.microsoft.com/office/powerpoint/2012/main" xmlns:ahyp="http://schemas.microsoft.com/office/drawing/2018/hyperlinkcolor" showMasterPhAnim="0" showMasterSp="0">
+<p:notes xmlns:a="http://schemas.openxmlformats.org/drawingml/2006/main" xmlns:r="http://schemas.openxmlformats.org/officeDocument/2006/relationships" xmlns:p="http://schemas.openxmlformats.org/presentationml/2006/main" showMasterPhAnim="0" showMasterSp="0">
   <p:cSld>
     <p:spTree>
       <p:nvGrpSpPr>
@@ -907,7 +1013,7 @@
           <p:cNvPr id="67" name="Google Shape;67;g8fe4879d55_0_8:notes"/>
           <p:cNvSpPr/>
           <p:nvPr>
-            <p:ph idx="2" type="sldImg"/>
+            <p:ph type="sldImg" idx="2"/>
           </p:nvPr>
         </p:nvSpPr>
         <p:spPr>
@@ -916,9 +1022,13 @@
             <a:ext cx="6096000" cy="3429000"/>
           </a:xfrm>
           <a:custGeom>
-            <a:rect b="b" l="l" r="r" t="t"/>
+            <a:avLst/>
+            <a:gdLst/>
+            <a:ahLst/>
+            <a:cxnLst/>
+            <a:rect l="l" t="t" r="r" b="b"/>
             <a:pathLst>
-              <a:path extrusionOk="0" h="120000" w="120000">
+              <a:path w="120000" h="120000" extrusionOk="0">
                 <a:moveTo>
                   <a:pt x="0" y="0"/>
                 </a:moveTo>
@@ -942,7 +1052,7 @@
           <p:cNvPr id="68" name="Google Shape;68;g8fe4879d55_0_8:notes"/>
           <p:cNvSpPr txBox="1"/>
           <p:nvPr>
-            <p:ph idx="1" type="body"/>
+            <p:ph type="body" idx="1"/>
           </p:nvPr>
         </p:nvSpPr>
         <p:spPr>
@@ -955,12 +1065,12 @@
           </a:prstGeom>
         </p:spPr>
         <p:txBody>
-          <a:bodyPr anchorCtr="0" anchor="t" bIns="91425" lIns="91425" spcFirstLastPara="1" rIns="91425" wrap="square" tIns="91425">
+          <a:bodyPr spcFirstLastPara="1" wrap="square" lIns="91425" tIns="91425" rIns="91425" bIns="91425" anchor="t" anchorCtr="0">
             <a:noAutofit/>
           </a:bodyPr>
           <a:lstStyle/>
           <a:p>
-            <a:pPr indent="0" lvl="0" marL="0" rtl="0" algn="l">
+            <a:pPr marL="0" lvl="0" indent="0" algn="l" rtl="0">
               <a:spcBef>
                 <a:spcPts val="0"/>
               </a:spcBef>
@@ -970,9 +1080,17 @@
               <a:buNone/>
             </a:pPr>
             <a:r>
-              <a:t/>
+              <a:rPr lang="en-US"/>
+              <a:t>At 10,000 foot view the </a:t>
             </a:r>
-            <a:endParaRPr/>
+            <a:r>
+              <a:t>high-level framework for building a data lake</a:t>
+            </a:r>
+            <a:r>
+              <a:rPr lang="en-US"/>
+              <a:t> that show how analytics systems work with source and destination systems</a:t>
+            </a:r>
+            <a:endParaRPr lang="en-US"/>
           </a:p>
         </p:txBody>
       </p:sp>
@@ -985,7 +1103,106 @@
 </file>
 
 <file path=ppt/notesSlides/notesSlide4.xml><?xml version="1.0" encoding="utf-8"?>
-<p:notes xmlns:a="http://schemas.openxmlformats.org/drawingml/2006/main" xmlns:r="http://schemas.openxmlformats.org/officeDocument/2006/relationships" xmlns:mc="http://schemas.openxmlformats.org/markup-compatibility/2006" xmlns:mv="urn:schemas-microsoft-com:mac:vml" xmlns:p="http://schemas.openxmlformats.org/presentationml/2006/main" xmlns:c="http://schemas.openxmlformats.org/drawingml/2006/chart" xmlns:dgm="http://schemas.openxmlformats.org/drawingml/2006/diagram" xmlns:o="urn:schemas-microsoft-com:office:office" xmlns:v="urn:schemas-microsoft-com:vml" xmlns:pvml="urn:schemas-microsoft-com:office:powerpoint" xmlns:com="http://schemas.openxmlformats.org/drawingml/2006/compatibility" xmlns:p14="http://schemas.microsoft.com/office/powerpoint/2010/main" xmlns:p15="http://schemas.microsoft.com/office/powerpoint/2012/main" xmlns:ahyp="http://schemas.microsoft.com/office/drawing/2018/hyperlinkcolor" showMasterPhAnim="0" showMasterSp="0">
+<p:notes xmlns:a="http://schemas.openxmlformats.org/drawingml/2006/main" xmlns:r="http://schemas.openxmlformats.org/officeDocument/2006/relationships" xmlns:p="http://schemas.openxmlformats.org/presentationml/2006/main" showMasterPhAnim="0" showMasterSp="0">
+  <p:cSld>
+    <p:spTree>
+      <p:nvGrpSpPr>
+        <p:cNvPr id="66" name="Shape 66"/>
+        <p:cNvGrpSpPr/>
+        <p:nvPr/>
+      </p:nvGrpSpPr>
+      <p:grpSpPr>
+        <a:xfrm>
+          <a:off x="0" y="0"/>
+          <a:ext cx="0" cy="0"/>
+          <a:chOff x="0" y="0"/>
+          <a:chExt cx="0" cy="0"/>
+        </a:xfrm>
+      </p:grpSpPr>
+      <p:sp>
+        <p:nvSpPr>
+          <p:cNvPr id="67" name="Google Shape;67;g8fe4879d55_0_8:notes"/>
+          <p:cNvSpPr/>
+          <p:nvPr>
+            <p:ph type="sldImg" idx="2"/>
+          </p:nvPr>
+        </p:nvSpPr>
+        <p:spPr>
+          <a:xfrm>
+            <a:off x="381300" y="685800"/>
+            <a:ext cx="6096000" cy="3429000"/>
+          </a:xfrm>
+          <a:custGeom>
+            <a:avLst/>
+            <a:gdLst/>
+            <a:ahLst/>
+            <a:cxnLst/>
+            <a:rect l="l" t="t" r="r" b="b"/>
+            <a:pathLst>
+              <a:path w="120000" h="120000" extrusionOk="0">
+                <a:moveTo>
+                  <a:pt x="0" y="0"/>
+                </a:moveTo>
+                <a:lnTo>
+                  <a:pt x="120000" y="0"/>
+                </a:lnTo>
+                <a:lnTo>
+                  <a:pt x="120000" y="120000"/>
+                </a:lnTo>
+                <a:lnTo>
+                  <a:pt x="0" y="120000"/>
+                </a:lnTo>
+                <a:close/>
+              </a:path>
+            </a:pathLst>
+          </a:custGeom>
+        </p:spPr>
+      </p:sp>
+      <p:sp>
+        <p:nvSpPr>
+          <p:cNvPr id="68" name="Google Shape;68;g8fe4879d55_0_8:notes"/>
+          <p:cNvSpPr txBox="1"/>
+          <p:nvPr>
+            <p:ph type="body" idx="1"/>
+          </p:nvPr>
+        </p:nvSpPr>
+        <p:spPr>
+          <a:xfrm>
+            <a:off x="685800" y="4343400"/>
+            <a:ext cx="5486400" cy="4114800"/>
+          </a:xfrm>
+          <a:prstGeom prst="rect">
+            <a:avLst/>
+          </a:prstGeom>
+        </p:spPr>
+        <p:txBody>
+          <a:bodyPr spcFirstLastPara="1" wrap="square" lIns="91425" tIns="91425" rIns="91425" bIns="91425" anchor="t" anchorCtr="0">
+            <a:noAutofit/>
+          </a:bodyPr>
+          <a:lstStyle/>
+          <a:p>
+            <a:pPr marL="0" lvl="0" indent="0" algn="l" rtl="0">
+              <a:spcBef>
+                <a:spcPts val="0"/>
+              </a:spcBef>
+              <a:spcAft>
+                <a:spcPts val="0"/>
+              </a:spcAft>
+              <a:buNone/>
+            </a:pPr>
+          </a:p>
+        </p:txBody>
+      </p:sp>
+    </p:spTree>
+  </p:cSld>
+  <p:clrMapOvr>
+    <a:masterClrMapping/>
+  </p:clrMapOvr>
+</p:notes>
+</file>
+
+<file path=ppt/notesSlides/notesSlide5.xml><?xml version="1.0" encoding="utf-8"?>
+<p:notes xmlns:a="http://schemas.openxmlformats.org/drawingml/2006/main" xmlns:r="http://schemas.openxmlformats.org/officeDocument/2006/relationships" xmlns:p="http://schemas.openxmlformats.org/presentationml/2006/main" showMasterPhAnim="0" showMasterSp="0">
   <p:cSld>
     <p:spTree>
       <p:nvGrpSpPr>
@@ -1006,7 +1223,7 @@
           <p:cNvPr id="74" name="Google Shape;74;g8fe4879d55_0_21:notes"/>
           <p:cNvSpPr/>
           <p:nvPr>
-            <p:ph idx="2" type="sldImg"/>
+            <p:ph type="sldImg" idx="2"/>
           </p:nvPr>
         </p:nvSpPr>
         <p:spPr>
@@ -1015,9 +1232,13 @@
             <a:ext cx="6096000" cy="3429000"/>
           </a:xfrm>
           <a:custGeom>
-            <a:rect b="b" l="l" r="r" t="t"/>
+            <a:avLst/>
+            <a:gdLst/>
+            <a:ahLst/>
+            <a:cxnLst/>
+            <a:rect l="l" t="t" r="r" b="b"/>
             <a:pathLst>
-              <a:path extrusionOk="0" h="120000" w="120000">
+              <a:path w="120000" h="120000" extrusionOk="0">
                 <a:moveTo>
                   <a:pt x="0" y="0"/>
                 </a:moveTo>
@@ -1041,7 +1262,7 @@
           <p:cNvPr id="75" name="Google Shape;75;g8fe4879d55_0_21:notes"/>
           <p:cNvSpPr txBox="1"/>
           <p:nvPr>
-            <p:ph idx="1" type="body"/>
+            <p:ph type="body" idx="1"/>
           </p:nvPr>
         </p:nvSpPr>
         <p:spPr>
@@ -1054,12 +1275,12 @@
           </a:prstGeom>
         </p:spPr>
         <p:txBody>
-          <a:bodyPr anchorCtr="0" anchor="t" bIns="91425" lIns="91425" spcFirstLastPara="1" rIns="91425" wrap="square" tIns="91425">
+          <a:bodyPr spcFirstLastPara="1" wrap="square" lIns="91425" tIns="91425" rIns="91425" bIns="91425" anchor="t" anchorCtr="0">
             <a:noAutofit/>
           </a:bodyPr>
           <a:lstStyle/>
           <a:p>
-            <a:pPr indent="0" lvl="0" marL="0" rtl="0" algn="l">
+            <a:pPr marL="0" lvl="0" indent="0" algn="l" rtl="0">
               <a:spcBef>
                 <a:spcPts val="0"/>
               </a:spcBef>
@@ -1068,10 +1289,6 @@
               </a:spcAft>
               <a:buNone/>
             </a:pPr>
-            <a:r>
-              <a:t/>
-            </a:r>
-            <a:endParaRPr/>
           </a:p>
         </p:txBody>
       </p:sp>
@@ -1083,8 +1300,8 @@
 </p:notes>
 </file>
 
-<file path=ppt/notesSlides/notesSlide5.xml><?xml version="1.0" encoding="utf-8"?>
-<p:notes xmlns:a="http://schemas.openxmlformats.org/drawingml/2006/main" xmlns:r="http://schemas.openxmlformats.org/officeDocument/2006/relationships" xmlns:mc="http://schemas.openxmlformats.org/markup-compatibility/2006" xmlns:mv="urn:schemas-microsoft-com:mac:vml" xmlns:p="http://schemas.openxmlformats.org/presentationml/2006/main" xmlns:c="http://schemas.openxmlformats.org/drawingml/2006/chart" xmlns:dgm="http://schemas.openxmlformats.org/drawingml/2006/diagram" xmlns:o="urn:schemas-microsoft-com:office:office" xmlns:v="urn:schemas-microsoft-com:vml" xmlns:pvml="urn:schemas-microsoft-com:office:powerpoint" xmlns:com="http://schemas.openxmlformats.org/drawingml/2006/compatibility" xmlns:p14="http://schemas.microsoft.com/office/powerpoint/2010/main" xmlns:p15="http://schemas.microsoft.com/office/powerpoint/2012/main" xmlns:ahyp="http://schemas.microsoft.com/office/drawing/2018/hyperlinkcolor" showMasterPhAnim="0" showMasterSp="0">
+<file path=ppt/notesSlides/notesSlide6.xml><?xml version="1.0" encoding="utf-8"?>
+<p:notes xmlns:a="http://schemas.openxmlformats.org/drawingml/2006/main" xmlns:r="http://schemas.openxmlformats.org/officeDocument/2006/relationships" xmlns:p="http://schemas.openxmlformats.org/presentationml/2006/main" showMasterPhAnim="0" showMasterSp="0">
   <p:cSld>
     <p:spTree>
       <p:nvGrpSpPr>
@@ -1105,7 +1322,7 @@
           <p:cNvPr id="81" name="Google Shape;81;g8fe4879d55_0_45:notes"/>
           <p:cNvSpPr/>
           <p:nvPr>
-            <p:ph idx="2" type="sldImg"/>
+            <p:ph type="sldImg" idx="2"/>
           </p:nvPr>
         </p:nvSpPr>
         <p:spPr>
@@ -1114,9 +1331,13 @@
             <a:ext cx="6096000" cy="3429000"/>
           </a:xfrm>
           <a:custGeom>
-            <a:rect b="b" l="l" r="r" t="t"/>
+            <a:avLst/>
+            <a:gdLst/>
+            <a:ahLst/>
+            <a:cxnLst/>
+            <a:rect l="l" t="t" r="r" b="b"/>
             <a:pathLst>
-              <a:path extrusionOk="0" h="120000" w="120000">
+              <a:path w="120000" h="120000" extrusionOk="0">
                 <a:moveTo>
                   <a:pt x="0" y="0"/>
                 </a:moveTo>
@@ -1140,7 +1361,7 @@
           <p:cNvPr id="82" name="Google Shape;82;g8fe4879d55_0_45:notes"/>
           <p:cNvSpPr txBox="1"/>
           <p:nvPr>
-            <p:ph idx="1" type="body"/>
+            <p:ph type="body" idx="1"/>
           </p:nvPr>
         </p:nvSpPr>
         <p:spPr>
@@ -1153,12 +1374,12 @@
           </a:prstGeom>
         </p:spPr>
         <p:txBody>
-          <a:bodyPr anchorCtr="0" anchor="t" bIns="91425" lIns="91425" spcFirstLastPara="1" rIns="91425" wrap="square" tIns="91425">
+          <a:bodyPr spcFirstLastPara="1" wrap="square" lIns="91425" tIns="91425" rIns="91425" bIns="91425" anchor="t" anchorCtr="0">
             <a:noAutofit/>
           </a:bodyPr>
           <a:lstStyle/>
           <a:p>
-            <a:pPr indent="0" lvl="0" marL="0" rtl="0" algn="l">
+            <a:pPr marL="0" lvl="0" indent="0" algn="l" rtl="0">
               <a:spcBef>
                 <a:spcPts val="0"/>
               </a:spcBef>
@@ -1167,10 +1388,6 @@
               </a:spcAft>
               <a:buNone/>
             </a:pPr>
-            <a:r>
-              <a:t/>
-            </a:r>
-            <a:endParaRPr/>
           </a:p>
         </p:txBody>
       </p:sp>
@@ -1182,8 +1399,8 @@
 </p:notes>
 </file>
 
-<file path=ppt/notesSlides/notesSlide6.xml><?xml version="1.0" encoding="utf-8"?>
-<p:notes xmlns:a="http://schemas.openxmlformats.org/drawingml/2006/main" xmlns:r="http://schemas.openxmlformats.org/officeDocument/2006/relationships" xmlns:mc="http://schemas.openxmlformats.org/markup-compatibility/2006" xmlns:mv="urn:schemas-microsoft-com:mac:vml" xmlns:p="http://schemas.openxmlformats.org/presentationml/2006/main" xmlns:c="http://schemas.openxmlformats.org/drawingml/2006/chart" xmlns:dgm="http://schemas.openxmlformats.org/drawingml/2006/diagram" xmlns:o="urn:schemas-microsoft-com:office:office" xmlns:v="urn:schemas-microsoft-com:vml" xmlns:pvml="urn:schemas-microsoft-com:office:powerpoint" xmlns:com="http://schemas.openxmlformats.org/drawingml/2006/compatibility" xmlns:p14="http://schemas.microsoft.com/office/powerpoint/2010/main" xmlns:p15="http://schemas.microsoft.com/office/powerpoint/2012/main" xmlns:ahyp="http://schemas.microsoft.com/office/drawing/2018/hyperlinkcolor" showMasterPhAnim="0" showMasterSp="0">
+<file path=ppt/notesSlides/notesSlide7.xml><?xml version="1.0" encoding="utf-8"?>
+<p:notes xmlns:a="http://schemas.openxmlformats.org/drawingml/2006/main" xmlns:r="http://schemas.openxmlformats.org/officeDocument/2006/relationships" xmlns:p="http://schemas.openxmlformats.org/presentationml/2006/main" showMasterPhAnim="0" showMasterSp="0">
   <p:cSld>
     <p:spTree>
       <p:nvGrpSpPr>
@@ -1204,7 +1421,7 @@
           <p:cNvPr id="87" name="Google Shape;87;g875c2255bd_0_184:notes"/>
           <p:cNvSpPr/>
           <p:nvPr>
-            <p:ph idx="2" type="sldImg"/>
+            <p:ph type="sldImg" idx="2"/>
           </p:nvPr>
         </p:nvSpPr>
         <p:spPr>
@@ -1213,9 +1430,13 @@
             <a:ext cx="6096000" cy="3429000"/>
           </a:xfrm>
           <a:custGeom>
-            <a:rect b="b" l="l" r="r" t="t"/>
+            <a:avLst/>
+            <a:gdLst/>
+            <a:ahLst/>
+            <a:cxnLst/>
+            <a:rect l="l" t="t" r="r" b="b"/>
             <a:pathLst>
-              <a:path extrusionOk="0" h="120000" w="120000">
+              <a:path w="120000" h="120000" extrusionOk="0">
                 <a:moveTo>
                   <a:pt x="0" y="0"/>
                 </a:moveTo>
@@ -1239,7 +1460,7 @@
           <p:cNvPr id="88" name="Google Shape;88;g875c2255bd_0_184:notes"/>
           <p:cNvSpPr txBox="1"/>
           <p:nvPr>
-            <p:ph idx="1" type="body"/>
+            <p:ph type="body" idx="1"/>
           </p:nvPr>
         </p:nvSpPr>
         <p:spPr>
@@ -1252,12 +1473,12 @@
           </a:prstGeom>
         </p:spPr>
         <p:txBody>
-          <a:bodyPr anchorCtr="0" anchor="t" bIns="91425" lIns="91425" spcFirstLastPara="1" rIns="91425" wrap="square" tIns="91425">
+          <a:bodyPr spcFirstLastPara="1" wrap="square" lIns="91425" tIns="91425" rIns="91425" bIns="91425" anchor="t" anchorCtr="0">
             <a:noAutofit/>
           </a:bodyPr>
           <a:lstStyle/>
           <a:p>
-            <a:pPr indent="0" lvl="0" marL="0" rtl="0" algn="l">
+            <a:pPr marL="0" lvl="0" indent="0" algn="l" rtl="0">
               <a:spcBef>
                 <a:spcPts val="0"/>
               </a:spcBef>
@@ -1266,10 +1487,6 @@
               </a:spcAft>
               <a:buNone/>
             </a:pPr>
-            <a:r>
-              <a:t/>
-            </a:r>
-            <a:endParaRPr/>
           </a:p>
         </p:txBody>
       </p:sp>
@@ -1281,8 +1498,8 @@
 </p:notes>
 </file>
 
-<file path=ppt/notesSlides/notesSlide7.xml><?xml version="1.0" encoding="utf-8"?>
-<p:notes xmlns:a="http://schemas.openxmlformats.org/drawingml/2006/main" xmlns:r="http://schemas.openxmlformats.org/officeDocument/2006/relationships" xmlns:mc="http://schemas.openxmlformats.org/markup-compatibility/2006" xmlns:mv="urn:schemas-microsoft-com:mac:vml" xmlns:p="http://schemas.openxmlformats.org/presentationml/2006/main" xmlns:c="http://schemas.openxmlformats.org/drawingml/2006/chart" xmlns:dgm="http://schemas.openxmlformats.org/drawingml/2006/diagram" xmlns:o="urn:schemas-microsoft-com:office:office" xmlns:v="urn:schemas-microsoft-com:vml" xmlns:pvml="urn:schemas-microsoft-com:office:powerpoint" xmlns:com="http://schemas.openxmlformats.org/drawingml/2006/compatibility" xmlns:p14="http://schemas.microsoft.com/office/powerpoint/2010/main" xmlns:p15="http://schemas.microsoft.com/office/powerpoint/2012/main" xmlns:ahyp="http://schemas.microsoft.com/office/drawing/2018/hyperlinkcolor" showMasterPhAnim="0" showMasterSp="0">
+<file path=ppt/notesSlides/notesSlide8.xml><?xml version="1.0" encoding="utf-8"?>
+<p:notes xmlns:a="http://schemas.openxmlformats.org/drawingml/2006/main" xmlns:r="http://schemas.openxmlformats.org/officeDocument/2006/relationships" xmlns:p="http://schemas.openxmlformats.org/presentationml/2006/main" showMasterPhAnim="0" showMasterSp="0">
   <p:cSld>
     <p:spTree>
       <p:nvGrpSpPr>
@@ -1303,7 +1520,7 @@
           <p:cNvPr id="96" name="Google Shape;96;g8fe4879d55_0_33:notes"/>
           <p:cNvSpPr/>
           <p:nvPr>
-            <p:ph idx="2" type="sldImg"/>
+            <p:ph type="sldImg" idx="2"/>
           </p:nvPr>
         </p:nvSpPr>
         <p:spPr>
@@ -1312,9 +1529,13 @@
             <a:ext cx="6096000" cy="3429000"/>
           </a:xfrm>
           <a:custGeom>
-            <a:rect b="b" l="l" r="r" t="t"/>
+            <a:avLst/>
+            <a:gdLst/>
+            <a:ahLst/>
+            <a:cxnLst/>
+            <a:rect l="l" t="t" r="r" b="b"/>
             <a:pathLst>
-              <a:path extrusionOk="0" h="120000" w="120000">
+              <a:path w="120000" h="120000" extrusionOk="0">
                 <a:moveTo>
                   <a:pt x="0" y="0"/>
                 </a:moveTo>
@@ -1338,7 +1559,7 @@
           <p:cNvPr id="97" name="Google Shape;97;g8fe4879d55_0_33:notes"/>
           <p:cNvSpPr txBox="1"/>
           <p:nvPr>
-            <p:ph idx="1" type="body"/>
+            <p:ph type="body" idx="1"/>
           </p:nvPr>
         </p:nvSpPr>
         <p:spPr>
@@ -1351,12 +1572,12 @@
           </a:prstGeom>
         </p:spPr>
         <p:txBody>
-          <a:bodyPr anchorCtr="0" anchor="t" bIns="91425" lIns="91425" spcFirstLastPara="1" rIns="91425" wrap="square" tIns="91425">
+          <a:bodyPr spcFirstLastPara="1" wrap="square" lIns="91425" tIns="91425" rIns="91425" bIns="91425" anchor="t" anchorCtr="0">
             <a:noAutofit/>
           </a:bodyPr>
           <a:lstStyle/>
           <a:p>
-            <a:pPr indent="0" lvl="0" marL="0" rtl="0" algn="l">
+            <a:pPr marL="0" lvl="0" indent="0" algn="l" rtl="0">
               <a:spcBef>
                 <a:spcPts val="0"/>
               </a:spcBef>
@@ -1365,10 +1586,6 @@
               </a:spcAft>
               <a:buNone/>
             </a:pPr>
-            <a:r>
-              <a:t/>
-            </a:r>
-            <a:endParaRPr/>
           </a:p>
         </p:txBody>
       </p:sp>
@@ -1380,8 +1597,8 @@
 </p:notes>
 </file>
 
-<file path=ppt/notesSlides/notesSlide8.xml><?xml version="1.0" encoding="utf-8"?>
-<p:notes xmlns:a="http://schemas.openxmlformats.org/drawingml/2006/main" xmlns:r="http://schemas.openxmlformats.org/officeDocument/2006/relationships" xmlns:mc="http://schemas.openxmlformats.org/markup-compatibility/2006" xmlns:mv="urn:schemas-microsoft-com:mac:vml" xmlns:p="http://schemas.openxmlformats.org/presentationml/2006/main" xmlns:c="http://schemas.openxmlformats.org/drawingml/2006/chart" xmlns:dgm="http://schemas.openxmlformats.org/drawingml/2006/diagram" xmlns:o="urn:schemas-microsoft-com:office:office" xmlns:v="urn:schemas-microsoft-com:vml" xmlns:pvml="urn:schemas-microsoft-com:office:powerpoint" xmlns:com="http://schemas.openxmlformats.org/drawingml/2006/compatibility" xmlns:p14="http://schemas.microsoft.com/office/powerpoint/2010/main" xmlns:p15="http://schemas.microsoft.com/office/powerpoint/2012/main" xmlns:ahyp="http://schemas.microsoft.com/office/drawing/2018/hyperlinkcolor" showMasterPhAnim="0" showMasterSp="0">
+<file path=ppt/notesSlides/notesSlide9.xml><?xml version="1.0" encoding="utf-8"?>
+<p:notes xmlns:a="http://schemas.openxmlformats.org/drawingml/2006/main" xmlns:r="http://schemas.openxmlformats.org/officeDocument/2006/relationships" xmlns:p="http://schemas.openxmlformats.org/presentationml/2006/main" showMasterPhAnim="0" showMasterSp="0">
   <p:cSld>
     <p:spTree>
       <p:nvGrpSpPr>
@@ -1402,7 +1619,7 @@
           <p:cNvPr id="103" name="Google Shape;103;g8fe4879d55_0_39:notes"/>
           <p:cNvSpPr/>
           <p:nvPr>
-            <p:ph idx="2" type="sldImg"/>
+            <p:ph type="sldImg" idx="2"/>
           </p:nvPr>
         </p:nvSpPr>
         <p:spPr>
@@ -1411,9 +1628,13 @@
             <a:ext cx="6096000" cy="3429000"/>
           </a:xfrm>
           <a:custGeom>
-            <a:rect b="b" l="l" r="r" t="t"/>
+            <a:avLst/>
+            <a:gdLst/>
+            <a:ahLst/>
+            <a:cxnLst/>
+            <a:rect l="l" t="t" r="r" b="b"/>
             <a:pathLst>
-              <a:path extrusionOk="0" h="120000" w="120000">
+              <a:path w="120000" h="120000" extrusionOk="0">
                 <a:moveTo>
                   <a:pt x="0" y="0"/>
                 </a:moveTo>
@@ -1437,7 +1658,7 @@
           <p:cNvPr id="104" name="Google Shape;104;g8fe4879d55_0_39:notes"/>
           <p:cNvSpPr txBox="1"/>
           <p:nvPr>
-            <p:ph idx="1" type="body"/>
+            <p:ph type="body" idx="1"/>
           </p:nvPr>
         </p:nvSpPr>
         <p:spPr>
@@ -1450,12 +1671,12 @@
           </a:prstGeom>
         </p:spPr>
         <p:txBody>
-          <a:bodyPr anchorCtr="0" anchor="t" bIns="91425" lIns="91425" spcFirstLastPara="1" rIns="91425" wrap="square" tIns="91425">
+          <a:bodyPr spcFirstLastPara="1" wrap="square" lIns="91425" tIns="91425" rIns="91425" bIns="91425" anchor="t" anchorCtr="0">
             <a:noAutofit/>
           </a:bodyPr>
           <a:lstStyle/>
           <a:p>
-            <a:pPr indent="0" lvl="0" marL="0" rtl="0" algn="l">
+            <a:pPr marL="0" lvl="0" indent="0" algn="l" rtl="0">
               <a:spcBef>
                 <a:spcPts val="0"/>
               </a:spcBef>
@@ -1464,109 +1685,6 @@
               </a:spcAft>
               <a:buNone/>
             </a:pPr>
-            <a:r>
-              <a:t/>
-            </a:r>
-            <a:endParaRPr/>
-          </a:p>
-        </p:txBody>
-      </p:sp>
-    </p:spTree>
-  </p:cSld>
-  <p:clrMapOvr>
-    <a:masterClrMapping/>
-  </p:clrMapOvr>
-</p:notes>
-</file>
-
-<file path=ppt/notesSlides/notesSlide9.xml><?xml version="1.0" encoding="utf-8"?>
-<p:notes xmlns:a="http://schemas.openxmlformats.org/drawingml/2006/main" xmlns:r="http://schemas.openxmlformats.org/officeDocument/2006/relationships" xmlns:mc="http://schemas.openxmlformats.org/markup-compatibility/2006" xmlns:mv="urn:schemas-microsoft-com:mac:vml" xmlns:p="http://schemas.openxmlformats.org/presentationml/2006/main" xmlns:c="http://schemas.openxmlformats.org/drawingml/2006/chart" xmlns:dgm="http://schemas.openxmlformats.org/drawingml/2006/diagram" xmlns:o="urn:schemas-microsoft-com:office:office" xmlns:v="urn:schemas-microsoft-com:vml" xmlns:pvml="urn:schemas-microsoft-com:office:powerpoint" xmlns:com="http://schemas.openxmlformats.org/drawingml/2006/compatibility" xmlns:p14="http://schemas.microsoft.com/office/powerpoint/2010/main" xmlns:p15="http://schemas.microsoft.com/office/powerpoint/2012/main" xmlns:ahyp="http://schemas.microsoft.com/office/drawing/2018/hyperlinkcolor" showMasterPhAnim="0" showMasterSp="0">
-  <p:cSld>
-    <p:spTree>
-      <p:nvGrpSpPr>
-        <p:cNvPr id="109" name="Shape 109"/>
-        <p:cNvGrpSpPr/>
-        <p:nvPr/>
-      </p:nvGrpSpPr>
-      <p:grpSpPr>
-        <a:xfrm>
-          <a:off x="0" y="0"/>
-          <a:ext cx="0" cy="0"/>
-          <a:chOff x="0" y="0"/>
-          <a:chExt cx="0" cy="0"/>
-        </a:xfrm>
-      </p:grpSpPr>
-      <p:sp>
-        <p:nvSpPr>
-          <p:cNvPr id="110" name="Google Shape;110;g875c2255bd_0_225:notes"/>
-          <p:cNvSpPr/>
-          <p:nvPr>
-            <p:ph idx="2" type="sldImg"/>
-          </p:nvPr>
-        </p:nvSpPr>
-        <p:spPr>
-          <a:xfrm>
-            <a:off x="381300" y="685800"/>
-            <a:ext cx="6096000" cy="3429000"/>
-          </a:xfrm>
-          <a:custGeom>
-            <a:rect b="b" l="l" r="r" t="t"/>
-            <a:pathLst>
-              <a:path extrusionOk="0" h="120000" w="120000">
-                <a:moveTo>
-                  <a:pt x="0" y="0"/>
-                </a:moveTo>
-                <a:lnTo>
-                  <a:pt x="120000" y="0"/>
-                </a:lnTo>
-                <a:lnTo>
-                  <a:pt x="120000" y="120000"/>
-                </a:lnTo>
-                <a:lnTo>
-                  <a:pt x="0" y="120000"/>
-                </a:lnTo>
-                <a:close/>
-              </a:path>
-            </a:pathLst>
-          </a:custGeom>
-        </p:spPr>
-      </p:sp>
-      <p:sp>
-        <p:nvSpPr>
-          <p:cNvPr id="111" name="Google Shape;111;g875c2255bd_0_225:notes"/>
-          <p:cNvSpPr txBox="1"/>
-          <p:nvPr>
-            <p:ph idx="1" type="body"/>
-          </p:nvPr>
-        </p:nvSpPr>
-        <p:spPr>
-          <a:xfrm>
-            <a:off x="685800" y="4343400"/>
-            <a:ext cx="5486400" cy="4114800"/>
-          </a:xfrm>
-          <a:prstGeom prst="rect">
-            <a:avLst/>
-          </a:prstGeom>
-        </p:spPr>
-        <p:txBody>
-          <a:bodyPr anchorCtr="0" anchor="t" bIns="91425" lIns="91425" spcFirstLastPara="1" rIns="91425" wrap="square" tIns="91425">
-            <a:noAutofit/>
-          </a:bodyPr>
-          <a:lstStyle/>
-          <a:p>
-            <a:pPr indent="0" lvl="0" marL="0" rtl="0" algn="l">
-              <a:spcBef>
-                <a:spcPts val="0"/>
-              </a:spcBef>
-              <a:spcAft>
-                <a:spcPts val="0"/>
-              </a:spcAft>
-              <a:buNone/>
-            </a:pPr>
-            <a:r>
-              <a:t/>
-            </a:r>
-            <a:endParaRPr/>
           </a:p>
         </p:txBody>
       </p:sp>
@@ -1579,7 +1697,7 @@
 </file>
 
 <file path=ppt/slideLayouts/slideLayout1.xml><?xml version="1.0" encoding="utf-8"?>
-<p:sldLayout xmlns:a="http://schemas.openxmlformats.org/drawingml/2006/main" xmlns:r="http://schemas.openxmlformats.org/officeDocument/2006/relationships" xmlns:mc="http://schemas.openxmlformats.org/markup-compatibility/2006" xmlns:mv="urn:schemas-microsoft-com:mac:vml" xmlns:p="http://schemas.openxmlformats.org/presentationml/2006/main" xmlns:c="http://schemas.openxmlformats.org/drawingml/2006/chart" xmlns:dgm="http://schemas.openxmlformats.org/drawingml/2006/diagram" xmlns:o="urn:schemas-microsoft-com:office:office" xmlns:v="urn:schemas-microsoft-com:vml" xmlns:pvml="urn:schemas-microsoft-com:office:powerpoint" xmlns:com="http://schemas.openxmlformats.org/drawingml/2006/compatibility" xmlns:p14="http://schemas.microsoft.com/office/powerpoint/2010/main" xmlns:p15="http://schemas.microsoft.com/office/powerpoint/2012/main" xmlns:ahyp="http://schemas.microsoft.com/office/drawing/2018/hyperlinkcolor" matchingName="[DO NOT USE] - Guidelines Slides" type="secHead">
+<p:sldLayout xmlns:a="http://schemas.openxmlformats.org/drawingml/2006/main" xmlns:r="http://schemas.openxmlformats.org/officeDocument/2006/relationships" xmlns:p="http://schemas.openxmlformats.org/presentationml/2006/main" type="secHead" matchingName="[DO NOT USE] - Guidelines Slides">
   <p:cSld name="SECTION_HEADER">
     <p:spTree>
       <p:nvGrpSpPr>
@@ -1613,11 +1731,11 @@
           </a:prstGeom>
         </p:spPr>
         <p:txBody>
-          <a:bodyPr anchorCtr="0" anchor="ctr" bIns="91425" lIns="91425" spcFirstLastPara="1" rIns="91425" wrap="square" tIns="91425">
+          <a:bodyPr spcFirstLastPara="1" wrap="square" lIns="91425" tIns="91425" rIns="91425" bIns="91425" anchor="ctr" anchorCtr="0">
             <a:noAutofit/>
           </a:bodyPr>
           <a:lstStyle>
-            <a:lvl1pPr lvl="0" rtl="0" algn="ctr">
+            <a:lvl1pPr lvl="0" algn="ctr" rtl="0">
               <a:spcBef>
                 <a:spcPts val="0"/>
               </a:spcBef>
@@ -1628,7 +1746,7 @@
               <a:buNone/>
               <a:defRPr sz="3600"/>
             </a:lvl1pPr>
-            <a:lvl2pPr lvl="1" rtl="0" algn="ctr">
+            <a:lvl2pPr lvl="1" algn="ctr" rtl="0">
               <a:spcBef>
                 <a:spcPts val="0"/>
               </a:spcBef>
@@ -1639,7 +1757,7 @@
               <a:buNone/>
               <a:defRPr sz="3600"/>
             </a:lvl2pPr>
-            <a:lvl3pPr lvl="2" rtl="0" algn="ctr">
+            <a:lvl3pPr lvl="2" algn="ctr" rtl="0">
               <a:spcBef>
                 <a:spcPts val="0"/>
               </a:spcBef>
@@ -1650,7 +1768,7 @@
               <a:buNone/>
               <a:defRPr sz="3600"/>
             </a:lvl3pPr>
-            <a:lvl4pPr lvl="3" rtl="0" algn="ctr">
+            <a:lvl4pPr lvl="3" algn="ctr" rtl="0">
               <a:spcBef>
                 <a:spcPts val="0"/>
               </a:spcBef>
@@ -1661,7 +1779,7 @@
               <a:buNone/>
               <a:defRPr sz="3600"/>
             </a:lvl4pPr>
-            <a:lvl5pPr lvl="4" rtl="0" algn="ctr">
+            <a:lvl5pPr lvl="4" algn="ctr" rtl="0">
               <a:spcBef>
                 <a:spcPts val="0"/>
               </a:spcBef>
@@ -1672,7 +1790,7 @@
               <a:buNone/>
               <a:defRPr sz="3600"/>
             </a:lvl5pPr>
-            <a:lvl6pPr lvl="5" rtl="0" algn="ctr">
+            <a:lvl6pPr lvl="5" algn="ctr" rtl="0">
               <a:spcBef>
                 <a:spcPts val="0"/>
               </a:spcBef>
@@ -1683,7 +1801,7 @@
               <a:buNone/>
               <a:defRPr sz="3600"/>
             </a:lvl6pPr>
-            <a:lvl7pPr lvl="6" rtl="0" algn="ctr">
+            <a:lvl7pPr lvl="6" algn="ctr" rtl="0">
               <a:spcBef>
                 <a:spcPts val="0"/>
               </a:spcBef>
@@ -1694,7 +1812,7 @@
               <a:buNone/>
               <a:defRPr sz="3600"/>
             </a:lvl7pPr>
-            <a:lvl8pPr lvl="7" rtl="0" algn="ctr">
+            <a:lvl8pPr lvl="7" algn="ctr" rtl="0">
               <a:spcBef>
                 <a:spcPts val="0"/>
               </a:spcBef>
@@ -1705,7 +1823,7 @@
               <a:buNone/>
               <a:defRPr sz="3600"/>
             </a:lvl8pPr>
-            <a:lvl9pPr lvl="8" rtl="0" algn="ctr">
+            <a:lvl9pPr lvl="8" algn="ctr" rtl="0">
               <a:spcBef>
                 <a:spcPts val="0"/>
               </a:spcBef>
@@ -1725,7 +1843,7 @@
           <p:cNvPr id="12" name="Google Shape;12;p2"/>
           <p:cNvSpPr txBox="1"/>
           <p:nvPr>
-            <p:ph idx="12" type="sldNum"/>
+            <p:ph type="sldNum" idx="12"/>
           </p:nvPr>
         </p:nvSpPr>
         <p:spPr>
@@ -1738,7 +1856,7 @@
           </a:prstGeom>
         </p:spPr>
         <p:txBody>
-          <a:bodyPr anchorCtr="0" anchor="ctr" bIns="91425" lIns="91425" spcFirstLastPara="1" rIns="91425" wrap="square" tIns="91425">
+          <a:bodyPr spcFirstLastPara="1" wrap="square" lIns="91425" tIns="91425" rIns="91425" bIns="91425" anchor="ctr" anchorCtr="0">
             <a:noAutofit/>
           </a:bodyPr>
           <a:lstStyle>
@@ -1780,7 +1898,7 @@
             </a:lvl9pPr>
           </a:lstStyle>
           <a:p>
-            <a:pPr indent="0" lvl="0" marL="0" rtl="0" algn="r">
+            <a:pPr marL="0" lvl="0" indent="0" algn="r" rtl="0">
               <a:spcBef>
                 <a:spcPts val="0"/>
               </a:spcBef>
@@ -1790,10 +1908,9 @@
               <a:buNone/>
             </a:pPr>
             <a:fld id="{00000000-1234-1234-1234-123412341234}" type="slidenum">
-              <a:rPr lang="en"/>
-              <a:t>‹#›</a:t>
+              <a:rPr lang="en-GB"/>
             </a:fld>
-            <a:endParaRPr/>
+            <a:endParaRPr lang="en-GB"/>
           </a:p>
         </p:txBody>
       </p:sp>
@@ -1806,18 +1923,17 @@
 </file>
 
 <file path=ppt/slideLayouts/slideLayout10.xml><?xml version="1.0" encoding="utf-8"?>
-<p:sldLayout xmlns:a="http://schemas.openxmlformats.org/drawingml/2006/main" xmlns:r="http://schemas.openxmlformats.org/officeDocument/2006/relationships" xmlns:mc="http://schemas.openxmlformats.org/markup-compatibility/2006" xmlns:mv="urn:schemas-microsoft-com:mac:vml" xmlns:p="http://schemas.openxmlformats.org/presentationml/2006/main" xmlns:c="http://schemas.openxmlformats.org/drawingml/2006/chart" xmlns:dgm="http://schemas.openxmlformats.org/drawingml/2006/diagram" xmlns:o="urn:schemas-microsoft-com:office:office" xmlns:v="urn:schemas-microsoft-com:vml" xmlns:pvml="urn:schemas-microsoft-com:office:powerpoint" xmlns:com="http://schemas.openxmlformats.org/drawingml/2006/compatibility" xmlns:p14="http://schemas.microsoft.com/office/powerpoint/2010/main" xmlns:p15="http://schemas.microsoft.com/office/powerpoint/2012/main" xmlns:ahyp="http://schemas.microsoft.com/office/drawing/2018/hyperlinkcolor" matchingName="Images or icons (with text)">
+<p:sldLayout xmlns:a="http://schemas.openxmlformats.org/drawingml/2006/main" xmlns:r="http://schemas.openxmlformats.org/officeDocument/2006/relationships" xmlns:p="http://schemas.openxmlformats.org/presentationml/2006/main" matchingName="Images or icons (with text)">
   <p:cSld name="BLANK_2">
     <p:bg>
       <p:bgPr>
         <a:blipFill>
-          <a:blip r:embed="rId2">
-            <a:alphaModFix/>
-          </a:blip>
+          <a:blip r:embed="rId2"/>
           <a:stretch>
             <a:fillRect/>
           </a:stretch>
         </a:blipFill>
+        <a:effectLst/>
       </p:bgPr>
     </p:bg>
     <p:spTree>
@@ -1839,7 +1955,7 @@
           <p:cNvPr id="47" name="Google Shape;47;p11"/>
           <p:cNvSpPr txBox="1"/>
           <p:nvPr>
-            <p:ph idx="12" type="sldNum"/>
+            <p:ph type="sldNum" idx="12"/>
           </p:nvPr>
         </p:nvSpPr>
         <p:spPr>
@@ -1852,7 +1968,7 @@
           </a:prstGeom>
         </p:spPr>
         <p:txBody>
-          <a:bodyPr anchorCtr="0" anchor="ctr" bIns="91425" lIns="91425" spcFirstLastPara="1" rIns="91425" wrap="square" tIns="91425">
+          <a:bodyPr spcFirstLastPara="1" wrap="square" lIns="91425" tIns="91425" rIns="91425" bIns="91425" anchor="ctr" anchorCtr="0">
             <a:noAutofit/>
           </a:bodyPr>
           <a:lstStyle>
@@ -1894,7 +2010,7 @@
             </a:lvl9pPr>
           </a:lstStyle>
           <a:p>
-            <a:pPr indent="0" lvl="0" marL="0" rtl="0" algn="r">
+            <a:pPr marL="0" lvl="0" indent="0" algn="r" rtl="0">
               <a:spcBef>
                 <a:spcPts val="0"/>
               </a:spcBef>
@@ -1904,10 +2020,9 @@
               <a:buNone/>
             </a:pPr>
             <a:fld id="{00000000-1234-1234-1234-123412341234}" type="slidenum">
-              <a:rPr lang="en"/>
-              <a:t>‹#›</a:t>
+              <a:rPr lang="en-GB"/>
             </a:fld>
-            <a:endParaRPr/>
+            <a:endParaRPr lang="en-GB"/>
           </a:p>
         </p:txBody>
       </p:sp>
@@ -1929,7 +2044,7 @@
           </a:prstGeom>
         </p:spPr>
         <p:txBody>
-          <a:bodyPr anchorCtr="0" anchor="ctr" bIns="91425" lIns="91425" spcFirstLastPara="1" rIns="91425" wrap="square" tIns="91425">
+          <a:bodyPr spcFirstLastPara="1" wrap="square" lIns="91425" tIns="91425" rIns="91425" bIns="91425" anchor="ctr" anchorCtr="0">
             <a:noAutofit/>
           </a:bodyPr>
           <a:lstStyle>
@@ -1944,16 +2059,16 @@
                 <a:srgbClr val="2E3D49"/>
               </a:buClr>
               <a:buSzPts val="2000"/>
-              <a:buFont typeface="Open Sans"/>
-              <a:buNone/>
-              <a:defRPr b="1" sz="2000">
-                <a:solidFill>
-                  <a:srgbClr val="2E3D49"/>
-                </a:solidFill>
-                <a:latin typeface="Open Sans"/>
-                <a:ea typeface="Open Sans"/>
-                <a:cs typeface="Open Sans"/>
-                <a:sym typeface="Open Sans"/>
+              <a:buFont typeface="Open Sans" panose="020B0606030504020204"/>
+              <a:buNone/>
+              <a:defRPr sz="2000" b="1">
+                <a:solidFill>
+                  <a:srgbClr val="2E3D49"/>
+                </a:solidFill>
+                <a:latin typeface="Open Sans" panose="020B0606030504020204"/>
+                <a:ea typeface="Open Sans" panose="020B0606030504020204"/>
+                <a:cs typeface="Open Sans" panose="020B0606030504020204"/>
+                <a:sym typeface="Open Sans" panose="020B0606030504020204"/>
               </a:defRPr>
             </a:lvl1pPr>
             <a:lvl2pPr lvl="1" rtl="0">
@@ -2109,7 +2224,7 @@
           <p:cNvPr id="49" name="Google Shape;49;p11"/>
           <p:cNvSpPr txBox="1"/>
           <p:nvPr>
-            <p:ph idx="1" type="body"/>
+            <p:ph type="body" idx="1"/>
           </p:nvPr>
         </p:nvSpPr>
         <p:spPr>
@@ -2122,11 +2237,11 @@
           </a:prstGeom>
         </p:spPr>
         <p:txBody>
-          <a:bodyPr anchorCtr="0" anchor="t" bIns="91425" lIns="91425" spcFirstLastPara="1" rIns="91425" wrap="square" tIns="91425">
+          <a:bodyPr spcFirstLastPara="1" wrap="square" lIns="91425" tIns="91425" rIns="91425" bIns="91425" anchor="t" anchorCtr="0">
             <a:noAutofit/>
           </a:bodyPr>
           <a:lstStyle>
-            <a:lvl1pPr indent="-317500" lvl="0" marL="457200" rtl="0">
+            <a:lvl1pPr marL="457200" lvl="0" indent="-317500" rtl="0">
               <a:lnSpc>
                 <a:spcPct val="150000"/>
               </a:lnSpc>
@@ -2140,19 +2255,19 @@
                 <a:srgbClr val="2E3D49"/>
               </a:buClr>
               <a:buSzPts val="1400"/>
-              <a:buFont typeface="Open Sans"/>
+              <a:buFont typeface="Open Sans" panose="020B0606030504020204"/>
               <a:buChar char="●"/>
               <a:defRPr sz="1400">
                 <a:solidFill>
                   <a:srgbClr val="2E3D49"/>
                 </a:solidFill>
-                <a:latin typeface="Open Sans"/>
-                <a:ea typeface="Open Sans"/>
-                <a:cs typeface="Open Sans"/>
-                <a:sym typeface="Open Sans"/>
+                <a:latin typeface="Open Sans" panose="020B0606030504020204"/>
+                <a:ea typeface="Open Sans" panose="020B0606030504020204"/>
+                <a:cs typeface="Open Sans" panose="020B0606030504020204"/>
+                <a:sym typeface="Open Sans" panose="020B0606030504020204"/>
               </a:defRPr>
             </a:lvl1pPr>
-            <a:lvl2pPr indent="-317500" lvl="1" marL="914400" rtl="0">
+            <a:lvl2pPr marL="914400" lvl="1" indent="-317500" rtl="0">
               <a:lnSpc>
                 <a:spcPct val="150000"/>
               </a:lnSpc>
@@ -2166,19 +2281,19 @@
                 <a:srgbClr val="2E3D49"/>
               </a:buClr>
               <a:buSzPts val="1400"/>
-              <a:buFont typeface="Open Sans"/>
+              <a:buFont typeface="Open Sans" panose="020B0606030504020204"/>
               <a:buChar char="○"/>
               <a:defRPr>
                 <a:solidFill>
                   <a:srgbClr val="2E3D49"/>
                 </a:solidFill>
-                <a:latin typeface="Open Sans"/>
-                <a:ea typeface="Open Sans"/>
-                <a:cs typeface="Open Sans"/>
-                <a:sym typeface="Open Sans"/>
+                <a:latin typeface="Open Sans" panose="020B0606030504020204"/>
+                <a:ea typeface="Open Sans" panose="020B0606030504020204"/>
+                <a:cs typeface="Open Sans" panose="020B0606030504020204"/>
+                <a:sym typeface="Open Sans" panose="020B0606030504020204"/>
               </a:defRPr>
             </a:lvl2pPr>
-            <a:lvl3pPr indent="-317500" lvl="2" marL="1371600" rtl="0">
+            <a:lvl3pPr marL="1371600" lvl="2" indent="-317500" rtl="0">
               <a:lnSpc>
                 <a:spcPct val="150000"/>
               </a:lnSpc>
@@ -2192,19 +2307,19 @@
                 <a:srgbClr val="2E3D49"/>
               </a:buClr>
               <a:buSzPts val="1400"/>
-              <a:buFont typeface="Open Sans"/>
+              <a:buFont typeface="Open Sans" panose="020B0606030504020204"/>
               <a:buChar char="■"/>
               <a:defRPr>
                 <a:solidFill>
                   <a:srgbClr val="2E3D49"/>
                 </a:solidFill>
-                <a:latin typeface="Open Sans"/>
-                <a:ea typeface="Open Sans"/>
-                <a:cs typeface="Open Sans"/>
-                <a:sym typeface="Open Sans"/>
+                <a:latin typeface="Open Sans" panose="020B0606030504020204"/>
+                <a:ea typeface="Open Sans" panose="020B0606030504020204"/>
+                <a:cs typeface="Open Sans" panose="020B0606030504020204"/>
+                <a:sym typeface="Open Sans" panose="020B0606030504020204"/>
               </a:defRPr>
             </a:lvl3pPr>
-            <a:lvl4pPr indent="-317500" lvl="3" marL="1828800" rtl="0">
+            <a:lvl4pPr marL="1828800" lvl="3" indent="-317500" rtl="0">
               <a:lnSpc>
                 <a:spcPct val="150000"/>
               </a:lnSpc>
@@ -2218,19 +2333,19 @@
                 <a:srgbClr val="2E3D49"/>
               </a:buClr>
               <a:buSzPts val="1400"/>
-              <a:buFont typeface="Open Sans"/>
+              <a:buFont typeface="Open Sans" panose="020B0606030504020204"/>
               <a:buChar char="●"/>
               <a:defRPr>
                 <a:solidFill>
                   <a:srgbClr val="2E3D49"/>
                 </a:solidFill>
-                <a:latin typeface="Open Sans"/>
-                <a:ea typeface="Open Sans"/>
-                <a:cs typeface="Open Sans"/>
-                <a:sym typeface="Open Sans"/>
+                <a:latin typeface="Open Sans" panose="020B0606030504020204"/>
+                <a:ea typeface="Open Sans" panose="020B0606030504020204"/>
+                <a:cs typeface="Open Sans" panose="020B0606030504020204"/>
+                <a:sym typeface="Open Sans" panose="020B0606030504020204"/>
               </a:defRPr>
             </a:lvl4pPr>
-            <a:lvl5pPr indent="-317500" lvl="4" marL="2286000" rtl="0">
+            <a:lvl5pPr marL="2286000" lvl="4" indent="-317500" rtl="0">
               <a:lnSpc>
                 <a:spcPct val="150000"/>
               </a:lnSpc>
@@ -2244,19 +2359,19 @@
                 <a:srgbClr val="2E3D49"/>
               </a:buClr>
               <a:buSzPts val="1400"/>
-              <a:buFont typeface="Open Sans"/>
+              <a:buFont typeface="Open Sans" panose="020B0606030504020204"/>
               <a:buChar char="○"/>
               <a:defRPr>
                 <a:solidFill>
                   <a:srgbClr val="2E3D49"/>
                 </a:solidFill>
-                <a:latin typeface="Open Sans"/>
-                <a:ea typeface="Open Sans"/>
-                <a:cs typeface="Open Sans"/>
-                <a:sym typeface="Open Sans"/>
+                <a:latin typeface="Open Sans" panose="020B0606030504020204"/>
+                <a:ea typeface="Open Sans" panose="020B0606030504020204"/>
+                <a:cs typeface="Open Sans" panose="020B0606030504020204"/>
+                <a:sym typeface="Open Sans" panose="020B0606030504020204"/>
               </a:defRPr>
             </a:lvl5pPr>
-            <a:lvl6pPr indent="-317500" lvl="5" marL="2743200" rtl="0">
+            <a:lvl6pPr marL="2743200" lvl="5" indent="-317500" rtl="0">
               <a:lnSpc>
                 <a:spcPct val="150000"/>
               </a:lnSpc>
@@ -2270,19 +2385,19 @@
                 <a:srgbClr val="2E3D49"/>
               </a:buClr>
               <a:buSzPts val="1400"/>
-              <a:buFont typeface="Open Sans"/>
+              <a:buFont typeface="Open Sans" panose="020B0606030504020204"/>
               <a:buChar char="■"/>
               <a:defRPr>
                 <a:solidFill>
                   <a:srgbClr val="2E3D49"/>
                 </a:solidFill>
-                <a:latin typeface="Open Sans"/>
-                <a:ea typeface="Open Sans"/>
-                <a:cs typeface="Open Sans"/>
-                <a:sym typeface="Open Sans"/>
+                <a:latin typeface="Open Sans" panose="020B0606030504020204"/>
+                <a:ea typeface="Open Sans" panose="020B0606030504020204"/>
+                <a:cs typeface="Open Sans" panose="020B0606030504020204"/>
+                <a:sym typeface="Open Sans" panose="020B0606030504020204"/>
               </a:defRPr>
             </a:lvl6pPr>
-            <a:lvl7pPr indent="-317500" lvl="6" marL="3200400" rtl="0">
+            <a:lvl7pPr marL="3200400" lvl="6" indent="-317500" rtl="0">
               <a:lnSpc>
                 <a:spcPct val="150000"/>
               </a:lnSpc>
@@ -2296,19 +2411,19 @@
                 <a:srgbClr val="2E3D49"/>
               </a:buClr>
               <a:buSzPts val="1400"/>
-              <a:buFont typeface="Open Sans"/>
+              <a:buFont typeface="Open Sans" panose="020B0606030504020204"/>
               <a:buChar char="●"/>
               <a:defRPr>
                 <a:solidFill>
                   <a:srgbClr val="2E3D49"/>
                 </a:solidFill>
-                <a:latin typeface="Open Sans"/>
-                <a:ea typeface="Open Sans"/>
-                <a:cs typeface="Open Sans"/>
-                <a:sym typeface="Open Sans"/>
+                <a:latin typeface="Open Sans" panose="020B0606030504020204"/>
+                <a:ea typeface="Open Sans" panose="020B0606030504020204"/>
+                <a:cs typeface="Open Sans" panose="020B0606030504020204"/>
+                <a:sym typeface="Open Sans" panose="020B0606030504020204"/>
               </a:defRPr>
             </a:lvl7pPr>
-            <a:lvl8pPr indent="-317500" lvl="7" marL="3657600" rtl="0">
+            <a:lvl8pPr marL="3657600" lvl="7" indent="-317500" rtl="0">
               <a:lnSpc>
                 <a:spcPct val="150000"/>
               </a:lnSpc>
@@ -2322,19 +2437,19 @@
                 <a:srgbClr val="2E3D49"/>
               </a:buClr>
               <a:buSzPts val="1400"/>
-              <a:buFont typeface="Open Sans"/>
+              <a:buFont typeface="Open Sans" panose="020B0606030504020204"/>
               <a:buChar char="○"/>
               <a:defRPr>
                 <a:solidFill>
                   <a:srgbClr val="2E3D49"/>
                 </a:solidFill>
-                <a:latin typeface="Open Sans"/>
-                <a:ea typeface="Open Sans"/>
-                <a:cs typeface="Open Sans"/>
-                <a:sym typeface="Open Sans"/>
+                <a:latin typeface="Open Sans" panose="020B0606030504020204"/>
+                <a:ea typeface="Open Sans" panose="020B0606030504020204"/>
+                <a:cs typeface="Open Sans" panose="020B0606030504020204"/>
+                <a:sym typeface="Open Sans" panose="020B0606030504020204"/>
               </a:defRPr>
             </a:lvl8pPr>
-            <a:lvl9pPr indent="-317500" lvl="8" marL="4114800" rtl="0">
+            <a:lvl9pPr marL="4114800" lvl="8" indent="-317500" rtl="0">
               <a:lnSpc>
                 <a:spcPct val="150000"/>
               </a:lnSpc>
@@ -2348,16 +2463,16 @@
                 <a:srgbClr val="2E3D49"/>
               </a:buClr>
               <a:buSzPts val="1400"/>
-              <a:buFont typeface="Open Sans"/>
+              <a:buFont typeface="Open Sans" panose="020B0606030504020204"/>
               <a:buChar char="■"/>
               <a:defRPr>
                 <a:solidFill>
                   <a:srgbClr val="2E3D49"/>
                 </a:solidFill>
-                <a:latin typeface="Open Sans"/>
-                <a:ea typeface="Open Sans"/>
-                <a:cs typeface="Open Sans"/>
-                <a:sym typeface="Open Sans"/>
+                <a:latin typeface="Open Sans" panose="020B0606030504020204"/>
+                <a:ea typeface="Open Sans" panose="020B0606030504020204"/>
+                <a:cs typeface="Open Sans" panose="020B0606030504020204"/>
+                <a:sym typeface="Open Sans" panose="020B0606030504020204"/>
               </a:defRPr>
             </a:lvl9pPr>
           </a:lstStyle>
@@ -2373,18 +2488,17 @@
 </file>
 
 <file path=ppt/slideLayouts/slideLayout2.xml><?xml version="1.0" encoding="utf-8"?>
-<p:sldLayout xmlns:a="http://schemas.openxmlformats.org/drawingml/2006/main" xmlns:r="http://schemas.openxmlformats.org/officeDocument/2006/relationships" xmlns:mc="http://schemas.openxmlformats.org/markup-compatibility/2006" xmlns:mv="urn:schemas-microsoft-com:mac:vml" xmlns:p="http://schemas.openxmlformats.org/presentationml/2006/main" xmlns:c="http://schemas.openxmlformats.org/drawingml/2006/chart" xmlns:dgm="http://schemas.openxmlformats.org/drawingml/2006/diagram" xmlns:o="urn:schemas-microsoft-com:office:office" xmlns:v="urn:schemas-microsoft-com:vml" xmlns:pvml="urn:schemas-microsoft-com:office:powerpoint" xmlns:com="http://schemas.openxmlformats.org/drawingml/2006/compatibility" xmlns:p14="http://schemas.microsoft.com/office/powerpoint/2010/main" xmlns:p15="http://schemas.microsoft.com/office/powerpoint/2012/main" xmlns:ahyp="http://schemas.microsoft.com/office/drawing/2018/hyperlinkcolor" matchingName="Title Card" type="twoColTx">
+<p:sldLayout xmlns:a="http://schemas.openxmlformats.org/drawingml/2006/main" xmlns:r="http://schemas.openxmlformats.org/officeDocument/2006/relationships" xmlns:p="http://schemas.openxmlformats.org/presentationml/2006/main" type="twoColTx" matchingName="Title Card">
   <p:cSld name="TITLE_AND_TWO_COLUMNS">
     <p:bg>
       <p:bgPr>
         <a:blipFill>
-          <a:blip r:embed="rId2">
-            <a:alphaModFix/>
-          </a:blip>
+          <a:blip r:embed="rId2"/>
           <a:stretch>
             <a:fillRect/>
           </a:stretch>
         </a:blipFill>
+        <a:effectLst/>
       </p:bgPr>
     </p:bg>
     <p:spTree>
@@ -2419,11 +2533,11 @@
           </a:prstGeom>
         </p:spPr>
         <p:txBody>
-          <a:bodyPr anchorCtr="0" anchor="ctr" bIns="91425" lIns="91425" spcFirstLastPara="1" rIns="91425" wrap="square" tIns="91425">
+          <a:bodyPr spcFirstLastPara="1" wrap="square" lIns="91425" tIns="91425" rIns="91425" bIns="91425" anchor="ctr" anchorCtr="0">
             <a:noAutofit/>
           </a:bodyPr>
           <a:lstStyle>
-            <a:lvl1pPr lvl="0" rtl="0" algn="ctr">
+            <a:lvl1pPr lvl="0" algn="ctr" rtl="0">
               <a:spcBef>
                 <a:spcPts val="0"/>
               </a:spcBef>
@@ -2434,16 +2548,16 @@
                 <a:srgbClr val="2E3D49"/>
               </a:buClr>
               <a:buSzPts val="2400"/>
-              <a:buFont typeface="Open Sans"/>
-              <a:buNone/>
-              <a:defRPr b="1" sz="2400">
-                <a:solidFill>
-                  <a:srgbClr val="2E3D49"/>
-                </a:solidFill>
-                <a:latin typeface="Open Sans"/>
-                <a:ea typeface="Open Sans"/>
-                <a:cs typeface="Open Sans"/>
-                <a:sym typeface="Open Sans"/>
+              <a:buFont typeface="Open Sans" panose="020B0606030504020204"/>
+              <a:buNone/>
+              <a:defRPr sz="2400" b="1">
+                <a:solidFill>
+                  <a:srgbClr val="2E3D49"/>
+                </a:solidFill>
+                <a:latin typeface="Open Sans" panose="020B0606030504020204"/>
+                <a:ea typeface="Open Sans" panose="020B0606030504020204"/>
+                <a:cs typeface="Open Sans" panose="020B0606030504020204"/>
+                <a:sym typeface="Open Sans" panose="020B0606030504020204"/>
               </a:defRPr>
             </a:lvl1pPr>
             <a:lvl2pPr lvl="1" rtl="0">
@@ -2599,7 +2713,7 @@
           <p:cNvPr id="15" name="Google Shape;15;p3"/>
           <p:cNvSpPr txBox="1"/>
           <p:nvPr>
-            <p:ph idx="12" type="sldNum"/>
+            <p:ph type="sldNum" idx="12"/>
           </p:nvPr>
         </p:nvSpPr>
         <p:spPr>
@@ -2612,7 +2726,7 @@
           </a:prstGeom>
         </p:spPr>
         <p:txBody>
-          <a:bodyPr anchorCtr="0" anchor="ctr" bIns="91425" lIns="91425" spcFirstLastPara="1" rIns="91425" wrap="square" tIns="91425">
+          <a:bodyPr spcFirstLastPara="1" wrap="square" lIns="91425" tIns="91425" rIns="91425" bIns="91425" anchor="ctr" anchorCtr="0">
             <a:noAutofit/>
           </a:bodyPr>
           <a:lstStyle>
@@ -2654,7 +2768,7 @@
             </a:lvl9pPr>
           </a:lstStyle>
           <a:p>
-            <a:pPr indent="0" lvl="0" marL="0" rtl="0" algn="r">
+            <a:pPr marL="0" lvl="0" indent="0" algn="r" rtl="0">
               <a:spcBef>
                 <a:spcPts val="0"/>
               </a:spcBef>
@@ -2664,10 +2778,9 @@
               <a:buNone/>
             </a:pPr>
             <a:fld id="{00000000-1234-1234-1234-123412341234}" type="slidenum">
-              <a:rPr lang="en"/>
-              <a:t>‹#›</a:t>
+              <a:rPr lang="en-GB"/>
             </a:fld>
-            <a:endParaRPr/>
+            <a:endParaRPr lang="en-GB"/>
           </a:p>
         </p:txBody>
       </p:sp>
@@ -2676,7 +2789,7 @@
           <p:cNvPr id="16" name="Google Shape;16;p3"/>
           <p:cNvSpPr txBox="1"/>
           <p:nvPr>
-            <p:ph idx="1" type="subTitle"/>
+            <p:ph type="subTitle" idx="1"/>
           </p:nvPr>
         </p:nvSpPr>
         <p:spPr>
@@ -2689,11 +2802,11 @@
           </a:prstGeom>
         </p:spPr>
         <p:txBody>
-          <a:bodyPr anchorCtr="0" anchor="t" bIns="91425" lIns="91425" spcFirstLastPara="1" rIns="91425" wrap="square" tIns="91425">
+          <a:bodyPr spcFirstLastPara="1" wrap="square" lIns="91425" tIns="91425" rIns="91425" bIns="91425" anchor="t" anchorCtr="0">
             <a:noAutofit/>
           </a:bodyPr>
           <a:lstStyle>
-            <a:lvl1pPr lvl="0" rtl="0" algn="ctr">
+            <a:lvl1pPr lvl="0" algn="ctr" rtl="0">
               <a:lnSpc>
                 <a:spcPct val="100000"/>
               </a:lnSpc>
@@ -2707,19 +2820,19 @@
                 <a:srgbClr val="2E3D49"/>
               </a:buClr>
               <a:buSzPts val="1800"/>
-              <a:buFont typeface="Open Sans"/>
+              <a:buFont typeface="Open Sans" panose="020B0606030504020204"/>
               <a:buNone/>
               <a:defRPr sz="1800">
                 <a:solidFill>
                   <a:srgbClr val="2E3D49"/>
                 </a:solidFill>
-                <a:latin typeface="Open Sans"/>
-                <a:ea typeface="Open Sans"/>
-                <a:cs typeface="Open Sans"/>
-                <a:sym typeface="Open Sans"/>
+                <a:latin typeface="Open Sans" panose="020B0606030504020204"/>
+                <a:ea typeface="Open Sans" panose="020B0606030504020204"/>
+                <a:cs typeface="Open Sans" panose="020B0606030504020204"/>
+                <a:sym typeface="Open Sans" panose="020B0606030504020204"/>
               </a:defRPr>
             </a:lvl1pPr>
-            <a:lvl2pPr lvl="1" rtl="0" algn="ctr">
+            <a:lvl2pPr lvl="1" algn="ctr" rtl="0">
               <a:lnSpc>
                 <a:spcPct val="100000"/>
               </a:lnSpc>
@@ -2740,7 +2853,7 @@
                 </a:solidFill>
               </a:defRPr>
             </a:lvl2pPr>
-            <a:lvl3pPr lvl="2" rtl="0" algn="ctr">
+            <a:lvl3pPr lvl="2" algn="ctr" rtl="0">
               <a:lnSpc>
                 <a:spcPct val="100000"/>
               </a:lnSpc>
@@ -2761,7 +2874,7 @@
                 </a:solidFill>
               </a:defRPr>
             </a:lvl3pPr>
-            <a:lvl4pPr lvl="3" rtl="0" algn="ctr">
+            <a:lvl4pPr lvl="3" algn="ctr" rtl="0">
               <a:lnSpc>
                 <a:spcPct val="100000"/>
               </a:lnSpc>
@@ -2782,7 +2895,7 @@
                 </a:solidFill>
               </a:defRPr>
             </a:lvl4pPr>
-            <a:lvl5pPr lvl="4" rtl="0" algn="ctr">
+            <a:lvl5pPr lvl="4" algn="ctr" rtl="0">
               <a:lnSpc>
                 <a:spcPct val="100000"/>
               </a:lnSpc>
@@ -2803,7 +2916,7 @@
                 </a:solidFill>
               </a:defRPr>
             </a:lvl5pPr>
-            <a:lvl6pPr lvl="5" rtl="0" algn="ctr">
+            <a:lvl6pPr lvl="5" algn="ctr" rtl="0">
               <a:lnSpc>
                 <a:spcPct val="100000"/>
               </a:lnSpc>
@@ -2824,7 +2937,7 @@
                 </a:solidFill>
               </a:defRPr>
             </a:lvl6pPr>
-            <a:lvl7pPr lvl="6" rtl="0" algn="ctr">
+            <a:lvl7pPr lvl="6" algn="ctr" rtl="0">
               <a:lnSpc>
                 <a:spcPct val="100000"/>
               </a:lnSpc>
@@ -2845,7 +2958,7 @@
                 </a:solidFill>
               </a:defRPr>
             </a:lvl7pPr>
-            <a:lvl8pPr lvl="7" rtl="0" algn="ctr">
+            <a:lvl8pPr lvl="7" algn="ctr" rtl="0">
               <a:lnSpc>
                 <a:spcPct val="100000"/>
               </a:lnSpc>
@@ -2866,7 +2979,7 @@
                 </a:solidFill>
               </a:defRPr>
             </a:lvl8pPr>
-            <a:lvl9pPr lvl="8" rtl="0" algn="ctr">
+            <a:lvl9pPr lvl="8" algn="ctr" rtl="0">
               <a:lnSpc>
                 <a:spcPct val="100000"/>
               </a:lnSpc>
@@ -2900,18 +3013,17 @@
 </file>
 
 <file path=ppt/slideLayouts/slideLayout3.xml><?xml version="1.0" encoding="utf-8"?>
-<p:sldLayout xmlns:a="http://schemas.openxmlformats.org/drawingml/2006/main" xmlns:r="http://schemas.openxmlformats.org/officeDocument/2006/relationships" xmlns:mc="http://schemas.openxmlformats.org/markup-compatibility/2006" xmlns:mv="urn:schemas-microsoft-com:mac:vml" xmlns:p="http://schemas.openxmlformats.org/presentationml/2006/main" xmlns:c="http://schemas.openxmlformats.org/drawingml/2006/chart" xmlns:dgm="http://schemas.openxmlformats.org/drawingml/2006/diagram" xmlns:o="urn:schemas-microsoft-com:office:office" xmlns:v="urn:schemas-microsoft-com:vml" xmlns:pvml="urn:schemas-microsoft-com:office:powerpoint" xmlns:com="http://schemas.openxmlformats.org/drawingml/2006/compatibility" xmlns:p14="http://schemas.microsoft.com/office/powerpoint/2010/main" xmlns:p15="http://schemas.microsoft.com/office/powerpoint/2012/main" xmlns:ahyp="http://schemas.microsoft.com/office/drawing/2018/hyperlinkcolor" matchingName="Text Box (small)" type="titleOnly">
+<p:sldLayout xmlns:a="http://schemas.openxmlformats.org/drawingml/2006/main" xmlns:r="http://schemas.openxmlformats.org/officeDocument/2006/relationships" xmlns:p="http://schemas.openxmlformats.org/presentationml/2006/main" type="titleOnly" matchingName="Text Box (small)">
   <p:cSld name="TITLE_ONLY">
     <p:bg>
       <p:bgPr>
         <a:blipFill>
-          <a:blip r:embed="rId2">
-            <a:alphaModFix/>
-          </a:blip>
+          <a:blip r:embed="rId2"/>
           <a:stretch>
             <a:fillRect/>
           </a:stretch>
         </a:blipFill>
+        <a:effectLst/>
       </p:bgPr>
     </p:bg>
     <p:spTree>
@@ -2946,7 +3058,7 @@
           </a:prstGeom>
         </p:spPr>
         <p:txBody>
-          <a:bodyPr anchorCtr="0" anchor="ctr" bIns="91425" lIns="91425" spcFirstLastPara="1" rIns="91425" wrap="square" tIns="91425">
+          <a:bodyPr spcFirstLastPara="1" wrap="square" lIns="91425" tIns="91425" rIns="91425" bIns="91425" anchor="ctr" anchorCtr="0">
             <a:noAutofit/>
           </a:bodyPr>
           <a:lstStyle>
@@ -2961,16 +3073,16 @@
                 <a:srgbClr val="2E3D49"/>
               </a:buClr>
               <a:buSzPts val="2000"/>
-              <a:buFont typeface="Open Sans"/>
-              <a:buNone/>
-              <a:defRPr b="1" sz="2000">
-                <a:solidFill>
-                  <a:srgbClr val="2E3D49"/>
-                </a:solidFill>
-                <a:latin typeface="Open Sans"/>
-                <a:ea typeface="Open Sans"/>
-                <a:cs typeface="Open Sans"/>
-                <a:sym typeface="Open Sans"/>
+              <a:buFont typeface="Open Sans" panose="020B0606030504020204"/>
+              <a:buNone/>
+              <a:defRPr sz="2000" b="1">
+                <a:solidFill>
+                  <a:srgbClr val="2E3D49"/>
+                </a:solidFill>
+                <a:latin typeface="Open Sans" panose="020B0606030504020204"/>
+                <a:ea typeface="Open Sans" panose="020B0606030504020204"/>
+                <a:cs typeface="Open Sans" panose="020B0606030504020204"/>
+                <a:sym typeface="Open Sans" panose="020B0606030504020204"/>
               </a:defRPr>
             </a:lvl1pPr>
             <a:lvl2pPr lvl="1" rtl="0">
@@ -3126,7 +3238,7 @@
           <p:cNvPr id="19" name="Google Shape;19;p4"/>
           <p:cNvSpPr txBox="1"/>
           <p:nvPr>
-            <p:ph idx="12" type="sldNum"/>
+            <p:ph type="sldNum" idx="12"/>
           </p:nvPr>
         </p:nvSpPr>
         <p:spPr>
@@ -3139,7 +3251,7 @@
           </a:prstGeom>
         </p:spPr>
         <p:txBody>
-          <a:bodyPr anchorCtr="0" anchor="ctr" bIns="91425" lIns="91425" spcFirstLastPara="1" rIns="91425" wrap="square" tIns="91425">
+          <a:bodyPr spcFirstLastPara="1" wrap="square" lIns="91425" tIns="91425" rIns="91425" bIns="91425" anchor="ctr" anchorCtr="0">
             <a:noAutofit/>
           </a:bodyPr>
           <a:lstStyle>
@@ -3181,7 +3293,7 @@
             </a:lvl9pPr>
           </a:lstStyle>
           <a:p>
-            <a:pPr indent="0" lvl="0" marL="0" rtl="0" algn="r">
+            <a:pPr marL="0" lvl="0" indent="0" algn="r" rtl="0">
               <a:spcBef>
                 <a:spcPts val="0"/>
               </a:spcBef>
@@ -3191,10 +3303,9 @@
               <a:buNone/>
             </a:pPr>
             <a:fld id="{00000000-1234-1234-1234-123412341234}" type="slidenum">
-              <a:rPr lang="en"/>
-              <a:t>‹#›</a:t>
+              <a:rPr lang="en-GB"/>
             </a:fld>
-            <a:endParaRPr/>
+            <a:endParaRPr lang="en-GB"/>
           </a:p>
         </p:txBody>
       </p:sp>
@@ -3203,7 +3314,7 @@
           <p:cNvPr id="20" name="Google Shape;20;p4"/>
           <p:cNvSpPr txBox="1"/>
           <p:nvPr>
-            <p:ph idx="1" type="body"/>
+            <p:ph type="body" idx="1"/>
           </p:nvPr>
         </p:nvSpPr>
         <p:spPr>
@@ -3216,11 +3327,11 @@
           </a:prstGeom>
         </p:spPr>
         <p:txBody>
-          <a:bodyPr anchorCtr="0" anchor="t" bIns="91425" lIns="91425" spcFirstLastPara="1" rIns="91425" wrap="square" tIns="91425">
+          <a:bodyPr spcFirstLastPara="1" wrap="square" lIns="91425" tIns="91425" rIns="91425" bIns="91425" anchor="t" anchorCtr="0">
             <a:noAutofit/>
           </a:bodyPr>
           <a:lstStyle>
-            <a:lvl1pPr indent="-317500" lvl="0" marL="457200" rtl="0">
+            <a:lvl1pPr marL="457200" lvl="0" indent="-317500" rtl="0">
               <a:lnSpc>
                 <a:spcPct val="100000"/>
               </a:lnSpc>
@@ -3234,19 +3345,19 @@
                 <a:srgbClr val="2E3D49"/>
               </a:buClr>
               <a:buSzPts val="1400"/>
-              <a:buFont typeface="Open Sans"/>
+              <a:buFont typeface="Open Sans" panose="020B0606030504020204"/>
               <a:buChar char="●"/>
               <a:defRPr sz="1400">
                 <a:solidFill>
                   <a:srgbClr val="2E3D49"/>
                 </a:solidFill>
-                <a:latin typeface="Open Sans"/>
-                <a:ea typeface="Open Sans"/>
-                <a:cs typeface="Open Sans"/>
-                <a:sym typeface="Open Sans"/>
+                <a:latin typeface="Open Sans" panose="020B0606030504020204"/>
+                <a:ea typeface="Open Sans" panose="020B0606030504020204"/>
+                <a:cs typeface="Open Sans" panose="020B0606030504020204"/>
+                <a:sym typeface="Open Sans" panose="020B0606030504020204"/>
               </a:defRPr>
             </a:lvl1pPr>
-            <a:lvl2pPr indent="-317500" lvl="1" marL="914400" rtl="0">
+            <a:lvl2pPr marL="914400" lvl="1" indent="-317500" rtl="0">
               <a:lnSpc>
                 <a:spcPct val="100000"/>
               </a:lnSpc>
@@ -3260,19 +3371,19 @@
                 <a:srgbClr val="2E3D49"/>
               </a:buClr>
               <a:buSzPts val="1400"/>
-              <a:buFont typeface="Open Sans"/>
+              <a:buFont typeface="Open Sans" panose="020B0606030504020204"/>
               <a:buChar char="○"/>
               <a:defRPr>
                 <a:solidFill>
                   <a:srgbClr val="2E3D49"/>
                 </a:solidFill>
-                <a:latin typeface="Open Sans"/>
-                <a:ea typeface="Open Sans"/>
-                <a:cs typeface="Open Sans"/>
-                <a:sym typeface="Open Sans"/>
+                <a:latin typeface="Open Sans" panose="020B0606030504020204"/>
+                <a:ea typeface="Open Sans" panose="020B0606030504020204"/>
+                <a:cs typeface="Open Sans" panose="020B0606030504020204"/>
+                <a:sym typeface="Open Sans" panose="020B0606030504020204"/>
               </a:defRPr>
             </a:lvl2pPr>
-            <a:lvl3pPr indent="-317500" lvl="2" marL="1371600" rtl="0">
+            <a:lvl3pPr marL="1371600" lvl="2" indent="-317500" rtl="0">
               <a:lnSpc>
                 <a:spcPct val="100000"/>
               </a:lnSpc>
@@ -3286,19 +3397,19 @@
                 <a:srgbClr val="2E3D49"/>
               </a:buClr>
               <a:buSzPts val="1400"/>
-              <a:buFont typeface="Open Sans"/>
+              <a:buFont typeface="Open Sans" panose="020B0606030504020204"/>
               <a:buChar char="■"/>
               <a:defRPr>
                 <a:solidFill>
                   <a:srgbClr val="2E3D49"/>
                 </a:solidFill>
-                <a:latin typeface="Open Sans"/>
-                <a:ea typeface="Open Sans"/>
-                <a:cs typeface="Open Sans"/>
-                <a:sym typeface="Open Sans"/>
+                <a:latin typeface="Open Sans" panose="020B0606030504020204"/>
+                <a:ea typeface="Open Sans" panose="020B0606030504020204"/>
+                <a:cs typeface="Open Sans" panose="020B0606030504020204"/>
+                <a:sym typeface="Open Sans" panose="020B0606030504020204"/>
               </a:defRPr>
             </a:lvl3pPr>
-            <a:lvl4pPr indent="-317500" lvl="3" marL="1828800" rtl="0">
+            <a:lvl4pPr marL="1828800" lvl="3" indent="-317500" rtl="0">
               <a:lnSpc>
                 <a:spcPct val="100000"/>
               </a:lnSpc>
@@ -3312,19 +3423,19 @@
                 <a:srgbClr val="2E3D49"/>
               </a:buClr>
               <a:buSzPts val="1400"/>
-              <a:buFont typeface="Open Sans"/>
+              <a:buFont typeface="Open Sans" panose="020B0606030504020204"/>
               <a:buChar char="●"/>
               <a:defRPr>
                 <a:solidFill>
                   <a:srgbClr val="2E3D49"/>
                 </a:solidFill>
-                <a:latin typeface="Open Sans"/>
-                <a:ea typeface="Open Sans"/>
-                <a:cs typeface="Open Sans"/>
-                <a:sym typeface="Open Sans"/>
+                <a:latin typeface="Open Sans" panose="020B0606030504020204"/>
+                <a:ea typeface="Open Sans" panose="020B0606030504020204"/>
+                <a:cs typeface="Open Sans" panose="020B0606030504020204"/>
+                <a:sym typeface="Open Sans" panose="020B0606030504020204"/>
               </a:defRPr>
             </a:lvl4pPr>
-            <a:lvl5pPr indent="-317500" lvl="4" marL="2286000" rtl="0">
+            <a:lvl5pPr marL="2286000" lvl="4" indent="-317500" rtl="0">
               <a:lnSpc>
                 <a:spcPct val="100000"/>
               </a:lnSpc>
@@ -3338,19 +3449,19 @@
                 <a:srgbClr val="2E3D49"/>
               </a:buClr>
               <a:buSzPts val="1400"/>
-              <a:buFont typeface="Open Sans"/>
+              <a:buFont typeface="Open Sans" panose="020B0606030504020204"/>
               <a:buChar char="○"/>
               <a:defRPr>
                 <a:solidFill>
                   <a:srgbClr val="2E3D49"/>
                 </a:solidFill>
-                <a:latin typeface="Open Sans"/>
-                <a:ea typeface="Open Sans"/>
-                <a:cs typeface="Open Sans"/>
-                <a:sym typeface="Open Sans"/>
+                <a:latin typeface="Open Sans" panose="020B0606030504020204"/>
+                <a:ea typeface="Open Sans" panose="020B0606030504020204"/>
+                <a:cs typeface="Open Sans" panose="020B0606030504020204"/>
+                <a:sym typeface="Open Sans" panose="020B0606030504020204"/>
               </a:defRPr>
             </a:lvl5pPr>
-            <a:lvl6pPr indent="-317500" lvl="5" marL="2743200" rtl="0">
+            <a:lvl6pPr marL="2743200" lvl="5" indent="-317500" rtl="0">
               <a:lnSpc>
                 <a:spcPct val="100000"/>
               </a:lnSpc>
@@ -3364,19 +3475,19 @@
                 <a:srgbClr val="2E3D49"/>
               </a:buClr>
               <a:buSzPts val="1400"/>
-              <a:buFont typeface="Open Sans"/>
+              <a:buFont typeface="Open Sans" panose="020B0606030504020204"/>
               <a:buChar char="■"/>
               <a:defRPr>
                 <a:solidFill>
                   <a:srgbClr val="2E3D49"/>
                 </a:solidFill>
-                <a:latin typeface="Open Sans"/>
-                <a:ea typeface="Open Sans"/>
-                <a:cs typeface="Open Sans"/>
-                <a:sym typeface="Open Sans"/>
+                <a:latin typeface="Open Sans" panose="020B0606030504020204"/>
+                <a:ea typeface="Open Sans" panose="020B0606030504020204"/>
+                <a:cs typeface="Open Sans" panose="020B0606030504020204"/>
+                <a:sym typeface="Open Sans" panose="020B0606030504020204"/>
               </a:defRPr>
             </a:lvl6pPr>
-            <a:lvl7pPr indent="-317500" lvl="6" marL="3200400" rtl="0">
+            <a:lvl7pPr marL="3200400" lvl="6" indent="-317500" rtl="0">
               <a:lnSpc>
                 <a:spcPct val="100000"/>
               </a:lnSpc>
@@ -3390,19 +3501,19 @@
                 <a:srgbClr val="2E3D49"/>
               </a:buClr>
               <a:buSzPts val="1400"/>
-              <a:buFont typeface="Open Sans"/>
+              <a:buFont typeface="Open Sans" panose="020B0606030504020204"/>
               <a:buChar char="●"/>
               <a:defRPr>
                 <a:solidFill>
                   <a:srgbClr val="2E3D49"/>
                 </a:solidFill>
-                <a:latin typeface="Open Sans"/>
-                <a:ea typeface="Open Sans"/>
-                <a:cs typeface="Open Sans"/>
-                <a:sym typeface="Open Sans"/>
+                <a:latin typeface="Open Sans" panose="020B0606030504020204"/>
+                <a:ea typeface="Open Sans" panose="020B0606030504020204"/>
+                <a:cs typeface="Open Sans" panose="020B0606030504020204"/>
+                <a:sym typeface="Open Sans" panose="020B0606030504020204"/>
               </a:defRPr>
             </a:lvl7pPr>
-            <a:lvl8pPr indent="-317500" lvl="7" marL="3657600" rtl="0">
+            <a:lvl8pPr marL="3657600" lvl="7" indent="-317500" rtl="0">
               <a:lnSpc>
                 <a:spcPct val="100000"/>
               </a:lnSpc>
@@ -3416,19 +3527,19 @@
                 <a:srgbClr val="2E3D49"/>
               </a:buClr>
               <a:buSzPts val="1400"/>
-              <a:buFont typeface="Open Sans"/>
+              <a:buFont typeface="Open Sans" panose="020B0606030504020204"/>
               <a:buChar char="○"/>
               <a:defRPr>
                 <a:solidFill>
                   <a:srgbClr val="2E3D49"/>
                 </a:solidFill>
-                <a:latin typeface="Open Sans"/>
-                <a:ea typeface="Open Sans"/>
-                <a:cs typeface="Open Sans"/>
-                <a:sym typeface="Open Sans"/>
+                <a:latin typeface="Open Sans" panose="020B0606030504020204"/>
+                <a:ea typeface="Open Sans" panose="020B0606030504020204"/>
+                <a:cs typeface="Open Sans" panose="020B0606030504020204"/>
+                <a:sym typeface="Open Sans" panose="020B0606030504020204"/>
               </a:defRPr>
             </a:lvl8pPr>
-            <a:lvl9pPr indent="-317500" lvl="8" marL="4114800" rtl="0">
+            <a:lvl9pPr marL="4114800" lvl="8" indent="-317500" rtl="0">
               <a:lnSpc>
                 <a:spcPct val="100000"/>
               </a:lnSpc>
@@ -3442,16 +3553,16 @@
                 <a:srgbClr val="2E3D49"/>
               </a:buClr>
               <a:buSzPts val="1400"/>
-              <a:buFont typeface="Open Sans"/>
+              <a:buFont typeface="Open Sans" panose="020B0606030504020204"/>
               <a:buChar char="■"/>
               <a:defRPr>
                 <a:solidFill>
                   <a:srgbClr val="2E3D49"/>
                 </a:solidFill>
-                <a:latin typeface="Open Sans"/>
-                <a:ea typeface="Open Sans"/>
-                <a:cs typeface="Open Sans"/>
-                <a:sym typeface="Open Sans"/>
+                <a:latin typeface="Open Sans" panose="020B0606030504020204"/>
+                <a:ea typeface="Open Sans" panose="020B0606030504020204"/>
+                <a:cs typeface="Open Sans" panose="020B0606030504020204"/>
+                <a:sym typeface="Open Sans" panose="020B0606030504020204"/>
               </a:defRPr>
             </a:lvl9pPr>
           </a:lstStyle>
@@ -3467,18 +3578,17 @@
 </file>
 
 <file path=ppt/slideLayouts/slideLayout4.xml><?xml version="1.0" encoding="utf-8"?>
-<p:sldLayout xmlns:a="http://schemas.openxmlformats.org/drawingml/2006/main" xmlns:r="http://schemas.openxmlformats.org/officeDocument/2006/relationships" xmlns:mc="http://schemas.openxmlformats.org/markup-compatibility/2006" xmlns:mv="urn:schemas-microsoft-com:mac:vml" xmlns:p="http://schemas.openxmlformats.org/presentationml/2006/main" xmlns:c="http://schemas.openxmlformats.org/drawingml/2006/chart" xmlns:dgm="http://schemas.openxmlformats.org/drawingml/2006/diagram" xmlns:o="urn:schemas-microsoft-com:office:office" xmlns:v="urn:schemas-microsoft-com:vml" xmlns:pvml="urn:schemas-microsoft-com:office:powerpoint" xmlns:com="http://schemas.openxmlformats.org/drawingml/2006/compatibility" xmlns:p14="http://schemas.microsoft.com/office/powerpoint/2010/main" xmlns:p15="http://schemas.microsoft.com/office/powerpoint/2012/main" xmlns:ahyp="http://schemas.microsoft.com/office/drawing/2018/hyperlinkcolor" matchingName="Text Box (large)">
+<p:sldLayout xmlns:a="http://schemas.openxmlformats.org/drawingml/2006/main" xmlns:r="http://schemas.openxmlformats.org/officeDocument/2006/relationships" xmlns:p="http://schemas.openxmlformats.org/presentationml/2006/main" matchingName="Text Box (large)">
   <p:cSld name="ONE_COLUMN_TEXT">
     <p:bg>
       <p:bgPr>
         <a:blipFill>
-          <a:blip r:embed="rId2">
-            <a:alphaModFix/>
-          </a:blip>
+          <a:blip r:embed="rId2"/>
           <a:stretch>
             <a:fillRect/>
           </a:stretch>
         </a:blipFill>
+        <a:effectLst/>
       </p:bgPr>
     </p:bg>
     <p:spTree>
@@ -3500,7 +3610,7 @@
           <p:cNvPr id="22" name="Google Shape;22;p5"/>
           <p:cNvSpPr txBox="1"/>
           <p:nvPr>
-            <p:ph idx="12" type="sldNum"/>
+            <p:ph type="sldNum" idx="12"/>
           </p:nvPr>
         </p:nvSpPr>
         <p:spPr>
@@ -3513,7 +3623,7 @@
           </a:prstGeom>
         </p:spPr>
         <p:txBody>
-          <a:bodyPr anchorCtr="0" anchor="ctr" bIns="91425" lIns="91425" spcFirstLastPara="1" rIns="91425" wrap="square" tIns="91425">
+          <a:bodyPr spcFirstLastPara="1" wrap="square" lIns="91425" tIns="91425" rIns="91425" bIns="91425" anchor="ctr" anchorCtr="0">
             <a:noAutofit/>
           </a:bodyPr>
           <a:lstStyle>
@@ -3555,7 +3665,7 @@
             </a:lvl9pPr>
           </a:lstStyle>
           <a:p>
-            <a:pPr indent="0" lvl="0" marL="0" rtl="0" algn="r">
+            <a:pPr marL="0" lvl="0" indent="0" algn="r" rtl="0">
               <a:spcBef>
                 <a:spcPts val="0"/>
               </a:spcBef>
@@ -3565,10 +3675,9 @@
               <a:buNone/>
             </a:pPr>
             <a:fld id="{00000000-1234-1234-1234-123412341234}" type="slidenum">
-              <a:rPr lang="en"/>
-              <a:t>‹#›</a:t>
+              <a:rPr lang="en-GB"/>
             </a:fld>
-            <a:endParaRPr/>
+            <a:endParaRPr lang="en-GB"/>
           </a:p>
         </p:txBody>
       </p:sp>
@@ -3577,7 +3686,7 @@
           <p:cNvPr id="23" name="Google Shape;23;p5"/>
           <p:cNvSpPr txBox="1"/>
           <p:nvPr>
-            <p:ph idx="1" type="body"/>
+            <p:ph type="body" idx="1"/>
           </p:nvPr>
         </p:nvSpPr>
         <p:spPr>
@@ -3590,11 +3699,11 @@
           </a:prstGeom>
         </p:spPr>
         <p:txBody>
-          <a:bodyPr anchorCtr="0" anchor="t" bIns="91425" lIns="91425" spcFirstLastPara="1" rIns="91425" wrap="square" tIns="91425">
+          <a:bodyPr spcFirstLastPara="1" wrap="square" lIns="91425" tIns="91425" rIns="91425" bIns="91425" anchor="t" anchorCtr="0">
             <a:noAutofit/>
           </a:bodyPr>
           <a:lstStyle>
-            <a:lvl1pPr indent="-317500" lvl="0" marL="457200" rtl="0">
+            <a:lvl1pPr marL="457200" lvl="0" indent="-317500" rtl="0">
               <a:lnSpc>
                 <a:spcPct val="100000"/>
               </a:lnSpc>
@@ -3608,19 +3717,19 @@
                 <a:srgbClr val="2E3D49"/>
               </a:buClr>
               <a:buSzPts val="1400"/>
-              <a:buFont typeface="Open Sans"/>
+              <a:buFont typeface="Open Sans" panose="020B0606030504020204"/>
               <a:buChar char="●"/>
               <a:defRPr sz="1400">
                 <a:solidFill>
                   <a:srgbClr val="2E3D49"/>
                 </a:solidFill>
-                <a:latin typeface="Open Sans"/>
-                <a:ea typeface="Open Sans"/>
-                <a:cs typeface="Open Sans"/>
-                <a:sym typeface="Open Sans"/>
+                <a:latin typeface="Open Sans" panose="020B0606030504020204"/>
+                <a:ea typeface="Open Sans" panose="020B0606030504020204"/>
+                <a:cs typeface="Open Sans" panose="020B0606030504020204"/>
+                <a:sym typeface="Open Sans" panose="020B0606030504020204"/>
               </a:defRPr>
             </a:lvl1pPr>
-            <a:lvl2pPr indent="-317500" lvl="1" marL="914400" rtl="0">
+            <a:lvl2pPr marL="914400" lvl="1" indent="-317500" rtl="0">
               <a:lnSpc>
                 <a:spcPct val="100000"/>
               </a:lnSpc>
@@ -3634,19 +3743,19 @@
                 <a:srgbClr val="2E3D49"/>
               </a:buClr>
               <a:buSzPts val="1400"/>
-              <a:buFont typeface="Open Sans"/>
+              <a:buFont typeface="Open Sans" panose="020B0606030504020204"/>
               <a:buChar char="○"/>
               <a:defRPr>
                 <a:solidFill>
                   <a:srgbClr val="2E3D49"/>
                 </a:solidFill>
-                <a:latin typeface="Open Sans"/>
-                <a:ea typeface="Open Sans"/>
-                <a:cs typeface="Open Sans"/>
-                <a:sym typeface="Open Sans"/>
+                <a:latin typeface="Open Sans" panose="020B0606030504020204"/>
+                <a:ea typeface="Open Sans" panose="020B0606030504020204"/>
+                <a:cs typeface="Open Sans" panose="020B0606030504020204"/>
+                <a:sym typeface="Open Sans" panose="020B0606030504020204"/>
               </a:defRPr>
             </a:lvl2pPr>
-            <a:lvl3pPr indent="-317500" lvl="2" marL="1371600" rtl="0">
+            <a:lvl3pPr marL="1371600" lvl="2" indent="-317500" rtl="0">
               <a:lnSpc>
                 <a:spcPct val="100000"/>
               </a:lnSpc>
@@ -3660,19 +3769,19 @@
                 <a:srgbClr val="2E3D49"/>
               </a:buClr>
               <a:buSzPts val="1400"/>
-              <a:buFont typeface="Open Sans"/>
+              <a:buFont typeface="Open Sans" panose="020B0606030504020204"/>
               <a:buChar char="■"/>
               <a:defRPr>
                 <a:solidFill>
                   <a:srgbClr val="2E3D49"/>
                 </a:solidFill>
-                <a:latin typeface="Open Sans"/>
-                <a:ea typeface="Open Sans"/>
-                <a:cs typeface="Open Sans"/>
-                <a:sym typeface="Open Sans"/>
+                <a:latin typeface="Open Sans" panose="020B0606030504020204"/>
+                <a:ea typeface="Open Sans" panose="020B0606030504020204"/>
+                <a:cs typeface="Open Sans" panose="020B0606030504020204"/>
+                <a:sym typeface="Open Sans" panose="020B0606030504020204"/>
               </a:defRPr>
             </a:lvl3pPr>
-            <a:lvl4pPr indent="-317500" lvl="3" marL="1828800" rtl="0">
+            <a:lvl4pPr marL="1828800" lvl="3" indent="-317500" rtl="0">
               <a:lnSpc>
                 <a:spcPct val="100000"/>
               </a:lnSpc>
@@ -3686,19 +3795,19 @@
                 <a:srgbClr val="2E3D49"/>
               </a:buClr>
               <a:buSzPts val="1400"/>
-              <a:buFont typeface="Open Sans"/>
+              <a:buFont typeface="Open Sans" panose="020B0606030504020204"/>
               <a:buChar char="●"/>
               <a:defRPr>
                 <a:solidFill>
                   <a:srgbClr val="2E3D49"/>
                 </a:solidFill>
-                <a:latin typeface="Open Sans"/>
-                <a:ea typeface="Open Sans"/>
-                <a:cs typeface="Open Sans"/>
-                <a:sym typeface="Open Sans"/>
+                <a:latin typeface="Open Sans" panose="020B0606030504020204"/>
+                <a:ea typeface="Open Sans" panose="020B0606030504020204"/>
+                <a:cs typeface="Open Sans" panose="020B0606030504020204"/>
+                <a:sym typeface="Open Sans" panose="020B0606030504020204"/>
               </a:defRPr>
             </a:lvl4pPr>
-            <a:lvl5pPr indent="-317500" lvl="4" marL="2286000" rtl="0">
+            <a:lvl5pPr marL="2286000" lvl="4" indent="-317500" rtl="0">
               <a:lnSpc>
                 <a:spcPct val="100000"/>
               </a:lnSpc>
@@ -3712,19 +3821,19 @@
                 <a:srgbClr val="2E3D49"/>
               </a:buClr>
               <a:buSzPts val="1400"/>
-              <a:buFont typeface="Open Sans"/>
+              <a:buFont typeface="Open Sans" panose="020B0606030504020204"/>
               <a:buChar char="○"/>
               <a:defRPr>
                 <a:solidFill>
                   <a:srgbClr val="2E3D49"/>
                 </a:solidFill>
-                <a:latin typeface="Open Sans"/>
-                <a:ea typeface="Open Sans"/>
-                <a:cs typeface="Open Sans"/>
-                <a:sym typeface="Open Sans"/>
+                <a:latin typeface="Open Sans" panose="020B0606030504020204"/>
+                <a:ea typeface="Open Sans" panose="020B0606030504020204"/>
+                <a:cs typeface="Open Sans" panose="020B0606030504020204"/>
+                <a:sym typeface="Open Sans" panose="020B0606030504020204"/>
               </a:defRPr>
             </a:lvl5pPr>
-            <a:lvl6pPr indent="-317500" lvl="5" marL="2743200" rtl="0">
+            <a:lvl6pPr marL="2743200" lvl="5" indent="-317500" rtl="0">
               <a:lnSpc>
                 <a:spcPct val="100000"/>
               </a:lnSpc>
@@ -3738,19 +3847,19 @@
                 <a:srgbClr val="2E3D49"/>
               </a:buClr>
               <a:buSzPts val="1400"/>
-              <a:buFont typeface="Open Sans"/>
+              <a:buFont typeface="Open Sans" panose="020B0606030504020204"/>
               <a:buChar char="■"/>
               <a:defRPr>
                 <a:solidFill>
                   <a:srgbClr val="2E3D49"/>
                 </a:solidFill>
-                <a:latin typeface="Open Sans"/>
-                <a:ea typeface="Open Sans"/>
-                <a:cs typeface="Open Sans"/>
-                <a:sym typeface="Open Sans"/>
+                <a:latin typeface="Open Sans" panose="020B0606030504020204"/>
+                <a:ea typeface="Open Sans" panose="020B0606030504020204"/>
+                <a:cs typeface="Open Sans" panose="020B0606030504020204"/>
+                <a:sym typeface="Open Sans" panose="020B0606030504020204"/>
               </a:defRPr>
             </a:lvl6pPr>
-            <a:lvl7pPr indent="-317500" lvl="6" marL="3200400" rtl="0">
+            <a:lvl7pPr marL="3200400" lvl="6" indent="-317500" rtl="0">
               <a:lnSpc>
                 <a:spcPct val="100000"/>
               </a:lnSpc>
@@ -3764,19 +3873,19 @@
                 <a:srgbClr val="2E3D49"/>
               </a:buClr>
               <a:buSzPts val="1400"/>
-              <a:buFont typeface="Open Sans"/>
+              <a:buFont typeface="Open Sans" panose="020B0606030504020204"/>
               <a:buChar char="●"/>
               <a:defRPr>
                 <a:solidFill>
                   <a:srgbClr val="2E3D49"/>
                 </a:solidFill>
-                <a:latin typeface="Open Sans"/>
-                <a:ea typeface="Open Sans"/>
-                <a:cs typeface="Open Sans"/>
-                <a:sym typeface="Open Sans"/>
+                <a:latin typeface="Open Sans" panose="020B0606030504020204"/>
+                <a:ea typeface="Open Sans" panose="020B0606030504020204"/>
+                <a:cs typeface="Open Sans" panose="020B0606030504020204"/>
+                <a:sym typeface="Open Sans" panose="020B0606030504020204"/>
               </a:defRPr>
             </a:lvl7pPr>
-            <a:lvl8pPr indent="-317500" lvl="7" marL="3657600" rtl="0">
+            <a:lvl8pPr marL="3657600" lvl="7" indent="-317500" rtl="0">
               <a:lnSpc>
                 <a:spcPct val="100000"/>
               </a:lnSpc>
@@ -3790,19 +3899,19 @@
                 <a:srgbClr val="2E3D49"/>
               </a:buClr>
               <a:buSzPts val="1400"/>
-              <a:buFont typeface="Open Sans"/>
+              <a:buFont typeface="Open Sans" panose="020B0606030504020204"/>
               <a:buChar char="○"/>
               <a:defRPr>
                 <a:solidFill>
                   <a:srgbClr val="2E3D49"/>
                 </a:solidFill>
-                <a:latin typeface="Open Sans"/>
-                <a:ea typeface="Open Sans"/>
-                <a:cs typeface="Open Sans"/>
-                <a:sym typeface="Open Sans"/>
+                <a:latin typeface="Open Sans" panose="020B0606030504020204"/>
+                <a:ea typeface="Open Sans" panose="020B0606030504020204"/>
+                <a:cs typeface="Open Sans" panose="020B0606030504020204"/>
+                <a:sym typeface="Open Sans" panose="020B0606030504020204"/>
               </a:defRPr>
             </a:lvl8pPr>
-            <a:lvl9pPr indent="-317500" lvl="8" marL="4114800" rtl="0">
+            <a:lvl9pPr marL="4114800" lvl="8" indent="-317500" rtl="0">
               <a:lnSpc>
                 <a:spcPct val="100000"/>
               </a:lnSpc>
@@ -3816,16 +3925,16 @@
                 <a:srgbClr val="2E3D49"/>
               </a:buClr>
               <a:buSzPts val="1400"/>
-              <a:buFont typeface="Open Sans"/>
+              <a:buFont typeface="Open Sans" panose="020B0606030504020204"/>
               <a:buChar char="■"/>
               <a:defRPr>
                 <a:solidFill>
                   <a:srgbClr val="2E3D49"/>
                 </a:solidFill>
-                <a:latin typeface="Open Sans"/>
-                <a:ea typeface="Open Sans"/>
-                <a:cs typeface="Open Sans"/>
-                <a:sym typeface="Open Sans"/>
+                <a:latin typeface="Open Sans" panose="020B0606030504020204"/>
+                <a:ea typeface="Open Sans" panose="020B0606030504020204"/>
+                <a:cs typeface="Open Sans" panose="020B0606030504020204"/>
+                <a:sym typeface="Open Sans" panose="020B0606030504020204"/>
               </a:defRPr>
             </a:lvl9pPr>
           </a:lstStyle>
@@ -3837,7 +3946,7 @@
           <p:cNvPr id="24" name="Google Shape;24;p5"/>
           <p:cNvSpPr txBox="1"/>
           <p:nvPr>
-            <p:ph idx="2" type="subTitle"/>
+            <p:ph type="subTitle" idx="2"/>
           </p:nvPr>
         </p:nvSpPr>
         <p:spPr>
@@ -3850,7 +3959,7 @@
           </a:prstGeom>
         </p:spPr>
         <p:txBody>
-          <a:bodyPr anchorCtr="0" anchor="t" bIns="91425" lIns="91425" spcFirstLastPara="1" rIns="91425" wrap="square" tIns="91425">
+          <a:bodyPr spcFirstLastPara="1" wrap="square" lIns="91425" tIns="91425" rIns="91425" bIns="91425" anchor="t" anchorCtr="0">
             <a:noAutofit/>
           </a:bodyPr>
           <a:lstStyle>
@@ -3868,16 +3977,16 @@
                 <a:srgbClr val="2E3D49"/>
               </a:buClr>
               <a:buSzPts val="1800"/>
-              <a:buFont typeface="Open Sans"/>
+              <a:buFont typeface="Open Sans" panose="020B0606030504020204"/>
               <a:buNone/>
               <a:defRPr sz="1800">
                 <a:solidFill>
                   <a:srgbClr val="2E3D49"/>
                 </a:solidFill>
-                <a:latin typeface="Open Sans"/>
-                <a:ea typeface="Open Sans"/>
-                <a:cs typeface="Open Sans"/>
-                <a:sym typeface="Open Sans"/>
+                <a:latin typeface="Open Sans" panose="020B0606030504020204"/>
+                <a:ea typeface="Open Sans" panose="020B0606030504020204"/>
+                <a:cs typeface="Open Sans" panose="020B0606030504020204"/>
+                <a:sym typeface="Open Sans" panose="020B0606030504020204"/>
               </a:defRPr>
             </a:lvl1pPr>
             <a:lvl2pPr lvl="1" rtl="0">
@@ -3894,16 +4003,16 @@
                 <a:srgbClr val="2E3D49"/>
               </a:buClr>
               <a:buSzPts val="1800"/>
-              <a:buFont typeface="Open Sans"/>
+              <a:buFont typeface="Open Sans" panose="020B0606030504020204"/>
               <a:buNone/>
               <a:defRPr sz="1800">
                 <a:solidFill>
                   <a:srgbClr val="2E3D49"/>
                 </a:solidFill>
-                <a:latin typeface="Open Sans"/>
-                <a:ea typeface="Open Sans"/>
-                <a:cs typeface="Open Sans"/>
-                <a:sym typeface="Open Sans"/>
+                <a:latin typeface="Open Sans" panose="020B0606030504020204"/>
+                <a:ea typeface="Open Sans" panose="020B0606030504020204"/>
+                <a:cs typeface="Open Sans" panose="020B0606030504020204"/>
+                <a:sym typeface="Open Sans" panose="020B0606030504020204"/>
               </a:defRPr>
             </a:lvl2pPr>
             <a:lvl3pPr lvl="2" rtl="0">
@@ -3920,16 +4029,16 @@
                 <a:srgbClr val="2E3D49"/>
               </a:buClr>
               <a:buSzPts val="1800"/>
-              <a:buFont typeface="Open Sans"/>
+              <a:buFont typeface="Open Sans" panose="020B0606030504020204"/>
               <a:buNone/>
               <a:defRPr sz="1800">
                 <a:solidFill>
                   <a:srgbClr val="2E3D49"/>
                 </a:solidFill>
-                <a:latin typeface="Open Sans"/>
-                <a:ea typeface="Open Sans"/>
-                <a:cs typeface="Open Sans"/>
-                <a:sym typeface="Open Sans"/>
+                <a:latin typeface="Open Sans" panose="020B0606030504020204"/>
+                <a:ea typeface="Open Sans" panose="020B0606030504020204"/>
+                <a:cs typeface="Open Sans" panose="020B0606030504020204"/>
+                <a:sym typeface="Open Sans" panose="020B0606030504020204"/>
               </a:defRPr>
             </a:lvl3pPr>
             <a:lvl4pPr lvl="3" rtl="0">
@@ -3946,16 +4055,16 @@
                 <a:srgbClr val="2E3D49"/>
               </a:buClr>
               <a:buSzPts val="1800"/>
-              <a:buFont typeface="Open Sans"/>
+              <a:buFont typeface="Open Sans" panose="020B0606030504020204"/>
               <a:buNone/>
               <a:defRPr sz="1800">
                 <a:solidFill>
                   <a:srgbClr val="2E3D49"/>
                 </a:solidFill>
-                <a:latin typeface="Open Sans"/>
-                <a:ea typeface="Open Sans"/>
-                <a:cs typeface="Open Sans"/>
-                <a:sym typeface="Open Sans"/>
+                <a:latin typeface="Open Sans" panose="020B0606030504020204"/>
+                <a:ea typeface="Open Sans" panose="020B0606030504020204"/>
+                <a:cs typeface="Open Sans" panose="020B0606030504020204"/>
+                <a:sym typeface="Open Sans" panose="020B0606030504020204"/>
               </a:defRPr>
             </a:lvl4pPr>
             <a:lvl5pPr lvl="4" rtl="0">
@@ -3972,16 +4081,16 @@
                 <a:srgbClr val="2E3D49"/>
               </a:buClr>
               <a:buSzPts val="1800"/>
-              <a:buFont typeface="Open Sans"/>
+              <a:buFont typeface="Open Sans" panose="020B0606030504020204"/>
               <a:buNone/>
               <a:defRPr sz="1800">
                 <a:solidFill>
                   <a:srgbClr val="2E3D49"/>
                 </a:solidFill>
-                <a:latin typeface="Open Sans"/>
-                <a:ea typeface="Open Sans"/>
-                <a:cs typeface="Open Sans"/>
-                <a:sym typeface="Open Sans"/>
+                <a:latin typeface="Open Sans" panose="020B0606030504020204"/>
+                <a:ea typeface="Open Sans" panose="020B0606030504020204"/>
+                <a:cs typeface="Open Sans" panose="020B0606030504020204"/>
+                <a:sym typeface="Open Sans" panose="020B0606030504020204"/>
               </a:defRPr>
             </a:lvl5pPr>
             <a:lvl6pPr lvl="5" rtl="0">
@@ -3998,16 +4107,16 @@
                 <a:srgbClr val="2E3D49"/>
               </a:buClr>
               <a:buSzPts val="1800"/>
-              <a:buFont typeface="Open Sans"/>
+              <a:buFont typeface="Open Sans" panose="020B0606030504020204"/>
               <a:buNone/>
               <a:defRPr sz="1800">
                 <a:solidFill>
                   <a:srgbClr val="2E3D49"/>
                 </a:solidFill>
-                <a:latin typeface="Open Sans"/>
-                <a:ea typeface="Open Sans"/>
-                <a:cs typeface="Open Sans"/>
-                <a:sym typeface="Open Sans"/>
+                <a:latin typeface="Open Sans" panose="020B0606030504020204"/>
+                <a:ea typeface="Open Sans" panose="020B0606030504020204"/>
+                <a:cs typeface="Open Sans" panose="020B0606030504020204"/>
+                <a:sym typeface="Open Sans" panose="020B0606030504020204"/>
               </a:defRPr>
             </a:lvl6pPr>
             <a:lvl7pPr lvl="6" rtl="0">
@@ -4024,16 +4133,16 @@
                 <a:srgbClr val="2E3D49"/>
               </a:buClr>
               <a:buSzPts val="1800"/>
-              <a:buFont typeface="Open Sans"/>
+              <a:buFont typeface="Open Sans" panose="020B0606030504020204"/>
               <a:buNone/>
               <a:defRPr sz="1800">
                 <a:solidFill>
                   <a:srgbClr val="2E3D49"/>
                 </a:solidFill>
-                <a:latin typeface="Open Sans"/>
-                <a:ea typeface="Open Sans"/>
-                <a:cs typeface="Open Sans"/>
-                <a:sym typeface="Open Sans"/>
+                <a:latin typeface="Open Sans" panose="020B0606030504020204"/>
+                <a:ea typeface="Open Sans" panose="020B0606030504020204"/>
+                <a:cs typeface="Open Sans" panose="020B0606030504020204"/>
+                <a:sym typeface="Open Sans" panose="020B0606030504020204"/>
               </a:defRPr>
             </a:lvl7pPr>
             <a:lvl8pPr lvl="7" rtl="0">
@@ -4050,16 +4159,16 @@
                 <a:srgbClr val="2E3D49"/>
               </a:buClr>
               <a:buSzPts val="1800"/>
-              <a:buFont typeface="Open Sans"/>
+              <a:buFont typeface="Open Sans" panose="020B0606030504020204"/>
               <a:buNone/>
               <a:defRPr sz="1800">
                 <a:solidFill>
                   <a:srgbClr val="2E3D49"/>
                 </a:solidFill>
-                <a:latin typeface="Open Sans"/>
-                <a:ea typeface="Open Sans"/>
-                <a:cs typeface="Open Sans"/>
-                <a:sym typeface="Open Sans"/>
+                <a:latin typeface="Open Sans" panose="020B0606030504020204"/>
+                <a:ea typeface="Open Sans" panose="020B0606030504020204"/>
+                <a:cs typeface="Open Sans" panose="020B0606030504020204"/>
+                <a:sym typeface="Open Sans" panose="020B0606030504020204"/>
               </a:defRPr>
             </a:lvl8pPr>
             <a:lvl9pPr lvl="8" rtl="0">
@@ -4076,16 +4185,16 @@
                 <a:srgbClr val="2E3D49"/>
               </a:buClr>
               <a:buSzPts val="1800"/>
-              <a:buFont typeface="Open Sans"/>
+              <a:buFont typeface="Open Sans" panose="020B0606030504020204"/>
               <a:buNone/>
               <a:defRPr sz="1800">
                 <a:solidFill>
                   <a:srgbClr val="2E3D49"/>
                 </a:solidFill>
-                <a:latin typeface="Open Sans"/>
-                <a:ea typeface="Open Sans"/>
-                <a:cs typeface="Open Sans"/>
-                <a:sym typeface="Open Sans"/>
+                <a:latin typeface="Open Sans" panose="020B0606030504020204"/>
+                <a:ea typeface="Open Sans" panose="020B0606030504020204"/>
+                <a:cs typeface="Open Sans" panose="020B0606030504020204"/>
+                <a:sym typeface="Open Sans" panose="020B0606030504020204"/>
               </a:defRPr>
             </a:lvl9pPr>
           </a:lstStyle>
@@ -4110,7 +4219,7 @@
           </a:prstGeom>
         </p:spPr>
         <p:txBody>
-          <a:bodyPr anchorCtr="0" anchor="ctr" bIns="91425" lIns="91425" spcFirstLastPara="1" rIns="91425" wrap="square" tIns="91425">
+          <a:bodyPr spcFirstLastPara="1" wrap="square" lIns="91425" tIns="91425" rIns="91425" bIns="91425" anchor="ctr" anchorCtr="0">
             <a:noAutofit/>
           </a:bodyPr>
           <a:lstStyle>
@@ -4125,16 +4234,16 @@
                 <a:srgbClr val="2E3D49"/>
               </a:buClr>
               <a:buSzPts val="2000"/>
-              <a:buFont typeface="Open Sans"/>
-              <a:buNone/>
-              <a:defRPr b="1" sz="2000">
-                <a:solidFill>
-                  <a:srgbClr val="2E3D49"/>
-                </a:solidFill>
-                <a:latin typeface="Open Sans"/>
-                <a:ea typeface="Open Sans"/>
-                <a:cs typeface="Open Sans"/>
-                <a:sym typeface="Open Sans"/>
+              <a:buFont typeface="Open Sans" panose="020B0606030504020204"/>
+              <a:buNone/>
+              <a:defRPr sz="2000" b="1">
+                <a:solidFill>
+                  <a:srgbClr val="2E3D49"/>
+                </a:solidFill>
+                <a:latin typeface="Open Sans" panose="020B0606030504020204"/>
+                <a:ea typeface="Open Sans" panose="020B0606030504020204"/>
+                <a:cs typeface="Open Sans" panose="020B0606030504020204"/>
+                <a:sym typeface="Open Sans" panose="020B0606030504020204"/>
               </a:defRPr>
             </a:lvl1pPr>
             <a:lvl2pPr lvl="1" rtl="0">
@@ -4294,18 +4403,17 @@
 </file>
 
 <file path=ppt/slideLayouts/slideLayout5.xml><?xml version="1.0" encoding="utf-8"?>
-<p:sldLayout xmlns:a="http://schemas.openxmlformats.org/drawingml/2006/main" xmlns:r="http://schemas.openxmlformats.org/officeDocument/2006/relationships" xmlns:mc="http://schemas.openxmlformats.org/markup-compatibility/2006" xmlns:mv="urn:schemas-microsoft-com:mac:vml" xmlns:p="http://schemas.openxmlformats.org/presentationml/2006/main" xmlns:c="http://schemas.openxmlformats.org/drawingml/2006/chart" xmlns:dgm="http://schemas.openxmlformats.org/drawingml/2006/diagram" xmlns:o="urn:schemas-microsoft-com:office:office" xmlns:v="urn:schemas-microsoft-com:vml" xmlns:pvml="urn:schemas-microsoft-com:office:powerpoint" xmlns:com="http://schemas.openxmlformats.org/drawingml/2006/compatibility" xmlns:p14="http://schemas.microsoft.com/office/powerpoint/2010/main" xmlns:p15="http://schemas.microsoft.com/office/powerpoint/2012/main" xmlns:ahyp="http://schemas.microsoft.com/office/drawing/2018/hyperlinkcolor" matchingName="List (10 items, 1 box)">
+<p:sldLayout xmlns:a="http://schemas.openxmlformats.org/drawingml/2006/main" xmlns:r="http://schemas.openxmlformats.org/officeDocument/2006/relationships" xmlns:p="http://schemas.openxmlformats.org/presentationml/2006/main" matchingName="List (10 items, 1 box)">
   <p:cSld name="ONE_COLUMN_TEXT_1">
     <p:bg>
       <p:bgPr>
         <a:blipFill>
-          <a:blip r:embed="rId2">
-            <a:alphaModFix/>
-          </a:blip>
+          <a:blip r:embed="rId2"/>
           <a:stretch>
             <a:fillRect/>
           </a:stretch>
         </a:blipFill>
+        <a:effectLst/>
       </p:bgPr>
     </p:bg>
     <p:spTree>
@@ -4327,7 +4435,7 @@
           <p:cNvPr id="27" name="Google Shape;27;p6"/>
           <p:cNvSpPr txBox="1"/>
           <p:nvPr>
-            <p:ph idx="12" type="sldNum"/>
+            <p:ph type="sldNum" idx="12"/>
           </p:nvPr>
         </p:nvSpPr>
         <p:spPr>
@@ -4340,7 +4448,7 @@
           </a:prstGeom>
         </p:spPr>
         <p:txBody>
-          <a:bodyPr anchorCtr="0" anchor="ctr" bIns="91425" lIns="91425" spcFirstLastPara="1" rIns="91425" wrap="square" tIns="91425">
+          <a:bodyPr spcFirstLastPara="1" wrap="square" lIns="91425" tIns="91425" rIns="91425" bIns="91425" anchor="ctr" anchorCtr="0">
             <a:noAutofit/>
           </a:bodyPr>
           <a:lstStyle>
@@ -4382,7 +4490,7 @@
             </a:lvl9pPr>
           </a:lstStyle>
           <a:p>
-            <a:pPr indent="0" lvl="0" marL="0" rtl="0" algn="r">
+            <a:pPr marL="0" lvl="0" indent="0" algn="r" rtl="0">
               <a:spcBef>
                 <a:spcPts val="0"/>
               </a:spcBef>
@@ -4392,10 +4500,9 @@
               <a:buNone/>
             </a:pPr>
             <a:fld id="{00000000-1234-1234-1234-123412341234}" type="slidenum">
-              <a:rPr lang="en"/>
-              <a:t>‹#›</a:t>
+              <a:rPr lang="en-GB"/>
             </a:fld>
-            <a:endParaRPr/>
+            <a:endParaRPr lang="en-GB"/>
           </a:p>
         </p:txBody>
       </p:sp>
@@ -4417,7 +4524,7 @@
           </a:prstGeom>
         </p:spPr>
         <p:txBody>
-          <a:bodyPr anchorCtr="0" anchor="ctr" bIns="91425" lIns="91425" spcFirstLastPara="1" rIns="91425" wrap="square" tIns="91425">
+          <a:bodyPr spcFirstLastPara="1" wrap="square" lIns="91425" tIns="91425" rIns="91425" bIns="91425" anchor="ctr" anchorCtr="0">
             <a:noAutofit/>
           </a:bodyPr>
           <a:lstStyle>
@@ -4432,16 +4539,16 @@
                 <a:srgbClr val="2E3D49"/>
               </a:buClr>
               <a:buSzPts val="2000"/>
-              <a:buFont typeface="Open Sans"/>
-              <a:buNone/>
-              <a:defRPr b="1" sz="2000">
-                <a:solidFill>
-                  <a:srgbClr val="2E3D49"/>
-                </a:solidFill>
-                <a:latin typeface="Open Sans"/>
-                <a:ea typeface="Open Sans"/>
-                <a:cs typeface="Open Sans"/>
-                <a:sym typeface="Open Sans"/>
+              <a:buFont typeface="Open Sans" panose="020B0606030504020204"/>
+              <a:buNone/>
+              <a:defRPr sz="2000" b="1">
+                <a:solidFill>
+                  <a:srgbClr val="2E3D49"/>
+                </a:solidFill>
+                <a:latin typeface="Open Sans" panose="020B0606030504020204"/>
+                <a:ea typeface="Open Sans" panose="020B0606030504020204"/>
+                <a:cs typeface="Open Sans" panose="020B0606030504020204"/>
+                <a:sym typeface="Open Sans" panose="020B0606030504020204"/>
               </a:defRPr>
             </a:lvl1pPr>
             <a:lvl2pPr lvl="1" rtl="0">
@@ -4597,7 +4704,7 @@
           <p:cNvPr id="29" name="Google Shape;29;p6"/>
           <p:cNvSpPr txBox="1"/>
           <p:nvPr>
-            <p:ph idx="1" type="body"/>
+            <p:ph type="body" idx="1"/>
           </p:nvPr>
         </p:nvSpPr>
         <p:spPr>
@@ -4610,11 +4717,11 @@
           </a:prstGeom>
         </p:spPr>
         <p:txBody>
-          <a:bodyPr anchorCtr="0" anchor="t" bIns="91425" lIns="91425" spcFirstLastPara="1" rIns="91425" wrap="square" tIns="91425">
+          <a:bodyPr spcFirstLastPara="1" wrap="square" lIns="91425" tIns="91425" rIns="91425" bIns="91425" anchor="t" anchorCtr="0">
             <a:noAutofit/>
           </a:bodyPr>
           <a:lstStyle>
-            <a:lvl1pPr indent="-317500" lvl="0" marL="457200" rtl="0">
+            <a:lvl1pPr marL="457200" lvl="0" indent="-317500" rtl="0">
               <a:lnSpc>
                 <a:spcPct val="320000"/>
               </a:lnSpc>
@@ -4628,19 +4735,19 @@
                 <a:srgbClr val="2E3D49"/>
               </a:buClr>
               <a:buSzPts val="1400"/>
-              <a:buFont typeface="Open Sans"/>
+              <a:buFont typeface="Open Sans" panose="020B0606030504020204"/>
               <a:buChar char="●"/>
               <a:defRPr sz="1400">
                 <a:solidFill>
                   <a:srgbClr val="2E3D49"/>
                 </a:solidFill>
-                <a:latin typeface="Open Sans"/>
-                <a:ea typeface="Open Sans"/>
-                <a:cs typeface="Open Sans"/>
-                <a:sym typeface="Open Sans"/>
+                <a:latin typeface="Open Sans" panose="020B0606030504020204"/>
+                <a:ea typeface="Open Sans" panose="020B0606030504020204"/>
+                <a:cs typeface="Open Sans" panose="020B0606030504020204"/>
+                <a:sym typeface="Open Sans" panose="020B0606030504020204"/>
               </a:defRPr>
             </a:lvl1pPr>
-            <a:lvl2pPr indent="-317500" lvl="1" marL="914400" rtl="0">
+            <a:lvl2pPr marL="914400" lvl="1" indent="-317500" rtl="0">
               <a:lnSpc>
                 <a:spcPct val="320000"/>
               </a:lnSpc>
@@ -4654,19 +4761,19 @@
                 <a:srgbClr val="2E3D49"/>
               </a:buClr>
               <a:buSzPts val="1400"/>
-              <a:buFont typeface="Open Sans"/>
+              <a:buFont typeface="Open Sans" panose="020B0606030504020204"/>
               <a:buChar char="○"/>
               <a:defRPr>
                 <a:solidFill>
                   <a:srgbClr val="2E3D49"/>
                 </a:solidFill>
-                <a:latin typeface="Open Sans"/>
-                <a:ea typeface="Open Sans"/>
-                <a:cs typeface="Open Sans"/>
-                <a:sym typeface="Open Sans"/>
+                <a:latin typeface="Open Sans" panose="020B0606030504020204"/>
+                <a:ea typeface="Open Sans" panose="020B0606030504020204"/>
+                <a:cs typeface="Open Sans" panose="020B0606030504020204"/>
+                <a:sym typeface="Open Sans" panose="020B0606030504020204"/>
               </a:defRPr>
             </a:lvl2pPr>
-            <a:lvl3pPr indent="-317500" lvl="2" marL="1371600" rtl="0">
+            <a:lvl3pPr marL="1371600" lvl="2" indent="-317500" rtl="0">
               <a:lnSpc>
                 <a:spcPct val="320000"/>
               </a:lnSpc>
@@ -4680,19 +4787,19 @@
                 <a:srgbClr val="2E3D49"/>
               </a:buClr>
               <a:buSzPts val="1400"/>
-              <a:buFont typeface="Open Sans"/>
+              <a:buFont typeface="Open Sans" panose="020B0606030504020204"/>
               <a:buChar char="■"/>
               <a:defRPr>
                 <a:solidFill>
                   <a:srgbClr val="2E3D49"/>
                 </a:solidFill>
-                <a:latin typeface="Open Sans"/>
-                <a:ea typeface="Open Sans"/>
-                <a:cs typeface="Open Sans"/>
-                <a:sym typeface="Open Sans"/>
+                <a:latin typeface="Open Sans" panose="020B0606030504020204"/>
+                <a:ea typeface="Open Sans" panose="020B0606030504020204"/>
+                <a:cs typeface="Open Sans" panose="020B0606030504020204"/>
+                <a:sym typeface="Open Sans" panose="020B0606030504020204"/>
               </a:defRPr>
             </a:lvl3pPr>
-            <a:lvl4pPr indent="-317500" lvl="3" marL="1828800" rtl="0">
+            <a:lvl4pPr marL="1828800" lvl="3" indent="-317500" rtl="0">
               <a:lnSpc>
                 <a:spcPct val="320000"/>
               </a:lnSpc>
@@ -4706,19 +4813,19 @@
                 <a:srgbClr val="2E3D49"/>
               </a:buClr>
               <a:buSzPts val="1400"/>
-              <a:buFont typeface="Open Sans"/>
+              <a:buFont typeface="Open Sans" panose="020B0606030504020204"/>
               <a:buChar char="●"/>
               <a:defRPr>
                 <a:solidFill>
                   <a:srgbClr val="2E3D49"/>
                 </a:solidFill>
-                <a:latin typeface="Open Sans"/>
-                <a:ea typeface="Open Sans"/>
-                <a:cs typeface="Open Sans"/>
-                <a:sym typeface="Open Sans"/>
+                <a:latin typeface="Open Sans" panose="020B0606030504020204"/>
+                <a:ea typeface="Open Sans" panose="020B0606030504020204"/>
+                <a:cs typeface="Open Sans" panose="020B0606030504020204"/>
+                <a:sym typeface="Open Sans" panose="020B0606030504020204"/>
               </a:defRPr>
             </a:lvl4pPr>
-            <a:lvl5pPr indent="-317500" lvl="4" marL="2286000" rtl="0">
+            <a:lvl5pPr marL="2286000" lvl="4" indent="-317500" rtl="0">
               <a:lnSpc>
                 <a:spcPct val="320000"/>
               </a:lnSpc>
@@ -4732,19 +4839,19 @@
                 <a:srgbClr val="2E3D49"/>
               </a:buClr>
               <a:buSzPts val="1400"/>
-              <a:buFont typeface="Open Sans"/>
+              <a:buFont typeface="Open Sans" panose="020B0606030504020204"/>
               <a:buChar char="○"/>
               <a:defRPr>
                 <a:solidFill>
                   <a:srgbClr val="2E3D49"/>
                 </a:solidFill>
-                <a:latin typeface="Open Sans"/>
-                <a:ea typeface="Open Sans"/>
-                <a:cs typeface="Open Sans"/>
-                <a:sym typeface="Open Sans"/>
+                <a:latin typeface="Open Sans" panose="020B0606030504020204"/>
+                <a:ea typeface="Open Sans" panose="020B0606030504020204"/>
+                <a:cs typeface="Open Sans" panose="020B0606030504020204"/>
+                <a:sym typeface="Open Sans" panose="020B0606030504020204"/>
               </a:defRPr>
             </a:lvl5pPr>
-            <a:lvl6pPr indent="-317500" lvl="5" marL="2743200" rtl="0">
+            <a:lvl6pPr marL="2743200" lvl="5" indent="-317500" rtl="0">
               <a:lnSpc>
                 <a:spcPct val="320000"/>
               </a:lnSpc>
@@ -4758,19 +4865,19 @@
                 <a:srgbClr val="2E3D49"/>
               </a:buClr>
               <a:buSzPts val="1400"/>
-              <a:buFont typeface="Open Sans"/>
+              <a:buFont typeface="Open Sans" panose="020B0606030504020204"/>
               <a:buChar char="■"/>
               <a:defRPr>
                 <a:solidFill>
                   <a:srgbClr val="2E3D49"/>
                 </a:solidFill>
-                <a:latin typeface="Open Sans"/>
-                <a:ea typeface="Open Sans"/>
-                <a:cs typeface="Open Sans"/>
-                <a:sym typeface="Open Sans"/>
+                <a:latin typeface="Open Sans" panose="020B0606030504020204"/>
+                <a:ea typeface="Open Sans" panose="020B0606030504020204"/>
+                <a:cs typeface="Open Sans" panose="020B0606030504020204"/>
+                <a:sym typeface="Open Sans" panose="020B0606030504020204"/>
               </a:defRPr>
             </a:lvl6pPr>
-            <a:lvl7pPr indent="-317500" lvl="6" marL="3200400" rtl="0">
+            <a:lvl7pPr marL="3200400" lvl="6" indent="-317500" rtl="0">
               <a:lnSpc>
                 <a:spcPct val="320000"/>
               </a:lnSpc>
@@ -4784,19 +4891,19 @@
                 <a:srgbClr val="2E3D49"/>
               </a:buClr>
               <a:buSzPts val="1400"/>
-              <a:buFont typeface="Open Sans"/>
+              <a:buFont typeface="Open Sans" panose="020B0606030504020204"/>
               <a:buChar char="●"/>
               <a:defRPr>
                 <a:solidFill>
                   <a:srgbClr val="2E3D49"/>
                 </a:solidFill>
-                <a:latin typeface="Open Sans"/>
-                <a:ea typeface="Open Sans"/>
-                <a:cs typeface="Open Sans"/>
-                <a:sym typeface="Open Sans"/>
+                <a:latin typeface="Open Sans" panose="020B0606030504020204"/>
+                <a:ea typeface="Open Sans" panose="020B0606030504020204"/>
+                <a:cs typeface="Open Sans" panose="020B0606030504020204"/>
+                <a:sym typeface="Open Sans" panose="020B0606030504020204"/>
               </a:defRPr>
             </a:lvl7pPr>
-            <a:lvl8pPr indent="-317500" lvl="7" marL="3657600" rtl="0">
+            <a:lvl8pPr marL="3657600" lvl="7" indent="-317500" rtl="0">
               <a:lnSpc>
                 <a:spcPct val="320000"/>
               </a:lnSpc>
@@ -4810,19 +4917,19 @@
                 <a:srgbClr val="2E3D49"/>
               </a:buClr>
               <a:buSzPts val="1400"/>
-              <a:buFont typeface="Open Sans"/>
+              <a:buFont typeface="Open Sans" panose="020B0606030504020204"/>
               <a:buChar char="○"/>
               <a:defRPr>
                 <a:solidFill>
                   <a:srgbClr val="2E3D49"/>
                 </a:solidFill>
-                <a:latin typeface="Open Sans"/>
-                <a:ea typeface="Open Sans"/>
-                <a:cs typeface="Open Sans"/>
-                <a:sym typeface="Open Sans"/>
+                <a:latin typeface="Open Sans" panose="020B0606030504020204"/>
+                <a:ea typeface="Open Sans" panose="020B0606030504020204"/>
+                <a:cs typeface="Open Sans" panose="020B0606030504020204"/>
+                <a:sym typeface="Open Sans" panose="020B0606030504020204"/>
               </a:defRPr>
             </a:lvl8pPr>
-            <a:lvl9pPr indent="-317500" lvl="8" marL="4114800" rtl="0">
+            <a:lvl9pPr marL="4114800" lvl="8" indent="-317500" rtl="0">
               <a:lnSpc>
                 <a:spcPct val="320000"/>
               </a:lnSpc>
@@ -4836,16 +4943,16 @@
                 <a:srgbClr val="2E3D49"/>
               </a:buClr>
               <a:buSzPts val="1400"/>
-              <a:buFont typeface="Open Sans"/>
+              <a:buFont typeface="Open Sans" panose="020B0606030504020204"/>
               <a:buChar char="■"/>
               <a:defRPr>
                 <a:solidFill>
                   <a:srgbClr val="2E3D49"/>
                 </a:solidFill>
-                <a:latin typeface="Open Sans"/>
-                <a:ea typeface="Open Sans"/>
-                <a:cs typeface="Open Sans"/>
-                <a:sym typeface="Open Sans"/>
+                <a:latin typeface="Open Sans" panose="020B0606030504020204"/>
+                <a:ea typeface="Open Sans" panose="020B0606030504020204"/>
+                <a:cs typeface="Open Sans" panose="020B0606030504020204"/>
+                <a:sym typeface="Open Sans" panose="020B0606030504020204"/>
               </a:defRPr>
             </a:lvl9pPr>
           </a:lstStyle>
@@ -4857,7 +4964,7 @@
           <p:cNvPr id="30" name="Google Shape;30;p6"/>
           <p:cNvSpPr txBox="1"/>
           <p:nvPr>
-            <p:ph idx="2" type="body"/>
+            <p:ph type="body" idx="2"/>
           </p:nvPr>
         </p:nvSpPr>
         <p:spPr>
@@ -4870,11 +4977,11 @@
           </a:prstGeom>
         </p:spPr>
         <p:txBody>
-          <a:bodyPr anchorCtr="0" anchor="t" bIns="91425" lIns="91425" spcFirstLastPara="1" rIns="91425" wrap="square" tIns="91425">
+          <a:bodyPr spcFirstLastPara="1" wrap="square" lIns="91425" tIns="91425" rIns="91425" bIns="91425" anchor="t" anchorCtr="0">
             <a:noAutofit/>
           </a:bodyPr>
           <a:lstStyle>
-            <a:lvl1pPr indent="-317500" lvl="0" marL="457200" rtl="0">
+            <a:lvl1pPr marL="457200" lvl="0" indent="-317500" rtl="0">
               <a:lnSpc>
                 <a:spcPct val="320000"/>
               </a:lnSpc>
@@ -4888,19 +4995,19 @@
                 <a:srgbClr val="2E3D49"/>
               </a:buClr>
               <a:buSzPts val="1400"/>
-              <a:buFont typeface="Open Sans"/>
+              <a:buFont typeface="Open Sans" panose="020B0606030504020204"/>
               <a:buChar char="●"/>
               <a:defRPr sz="1400">
                 <a:solidFill>
                   <a:srgbClr val="2E3D49"/>
                 </a:solidFill>
-                <a:latin typeface="Open Sans"/>
-                <a:ea typeface="Open Sans"/>
-                <a:cs typeface="Open Sans"/>
-                <a:sym typeface="Open Sans"/>
+                <a:latin typeface="Open Sans" panose="020B0606030504020204"/>
+                <a:ea typeface="Open Sans" panose="020B0606030504020204"/>
+                <a:cs typeface="Open Sans" panose="020B0606030504020204"/>
+                <a:sym typeface="Open Sans" panose="020B0606030504020204"/>
               </a:defRPr>
             </a:lvl1pPr>
-            <a:lvl2pPr indent="-317500" lvl="1" marL="914400" rtl="0">
+            <a:lvl2pPr marL="914400" lvl="1" indent="-317500" rtl="0">
               <a:lnSpc>
                 <a:spcPct val="320000"/>
               </a:lnSpc>
@@ -4914,19 +5021,19 @@
                 <a:srgbClr val="2E3D49"/>
               </a:buClr>
               <a:buSzPts val="1400"/>
-              <a:buFont typeface="Open Sans"/>
+              <a:buFont typeface="Open Sans" panose="020B0606030504020204"/>
               <a:buChar char="○"/>
               <a:defRPr>
                 <a:solidFill>
                   <a:srgbClr val="2E3D49"/>
                 </a:solidFill>
-                <a:latin typeface="Open Sans"/>
-                <a:ea typeface="Open Sans"/>
-                <a:cs typeface="Open Sans"/>
-                <a:sym typeface="Open Sans"/>
+                <a:latin typeface="Open Sans" panose="020B0606030504020204"/>
+                <a:ea typeface="Open Sans" panose="020B0606030504020204"/>
+                <a:cs typeface="Open Sans" panose="020B0606030504020204"/>
+                <a:sym typeface="Open Sans" panose="020B0606030504020204"/>
               </a:defRPr>
             </a:lvl2pPr>
-            <a:lvl3pPr indent="-317500" lvl="2" marL="1371600" rtl="0">
+            <a:lvl3pPr marL="1371600" lvl="2" indent="-317500" rtl="0">
               <a:lnSpc>
                 <a:spcPct val="320000"/>
               </a:lnSpc>
@@ -4940,19 +5047,19 @@
                 <a:srgbClr val="2E3D49"/>
               </a:buClr>
               <a:buSzPts val="1400"/>
-              <a:buFont typeface="Open Sans"/>
+              <a:buFont typeface="Open Sans" panose="020B0606030504020204"/>
               <a:buChar char="■"/>
               <a:defRPr>
                 <a:solidFill>
                   <a:srgbClr val="2E3D49"/>
                 </a:solidFill>
-                <a:latin typeface="Open Sans"/>
-                <a:ea typeface="Open Sans"/>
-                <a:cs typeface="Open Sans"/>
-                <a:sym typeface="Open Sans"/>
+                <a:latin typeface="Open Sans" panose="020B0606030504020204"/>
+                <a:ea typeface="Open Sans" panose="020B0606030504020204"/>
+                <a:cs typeface="Open Sans" panose="020B0606030504020204"/>
+                <a:sym typeface="Open Sans" panose="020B0606030504020204"/>
               </a:defRPr>
             </a:lvl3pPr>
-            <a:lvl4pPr indent="-317500" lvl="3" marL="1828800" rtl="0">
+            <a:lvl4pPr marL="1828800" lvl="3" indent="-317500" rtl="0">
               <a:lnSpc>
                 <a:spcPct val="320000"/>
               </a:lnSpc>
@@ -4966,19 +5073,19 @@
                 <a:srgbClr val="2E3D49"/>
               </a:buClr>
               <a:buSzPts val="1400"/>
-              <a:buFont typeface="Open Sans"/>
+              <a:buFont typeface="Open Sans" panose="020B0606030504020204"/>
               <a:buChar char="●"/>
               <a:defRPr>
                 <a:solidFill>
                   <a:srgbClr val="2E3D49"/>
                 </a:solidFill>
-                <a:latin typeface="Open Sans"/>
-                <a:ea typeface="Open Sans"/>
-                <a:cs typeface="Open Sans"/>
-                <a:sym typeface="Open Sans"/>
+                <a:latin typeface="Open Sans" panose="020B0606030504020204"/>
+                <a:ea typeface="Open Sans" panose="020B0606030504020204"/>
+                <a:cs typeface="Open Sans" panose="020B0606030504020204"/>
+                <a:sym typeface="Open Sans" panose="020B0606030504020204"/>
               </a:defRPr>
             </a:lvl4pPr>
-            <a:lvl5pPr indent="-317500" lvl="4" marL="2286000" rtl="0">
+            <a:lvl5pPr marL="2286000" lvl="4" indent="-317500" rtl="0">
               <a:lnSpc>
                 <a:spcPct val="320000"/>
               </a:lnSpc>
@@ -4992,19 +5099,19 @@
                 <a:srgbClr val="2E3D49"/>
               </a:buClr>
               <a:buSzPts val="1400"/>
-              <a:buFont typeface="Open Sans"/>
+              <a:buFont typeface="Open Sans" panose="020B0606030504020204"/>
               <a:buChar char="○"/>
               <a:defRPr>
                 <a:solidFill>
                   <a:srgbClr val="2E3D49"/>
                 </a:solidFill>
-                <a:latin typeface="Open Sans"/>
-                <a:ea typeface="Open Sans"/>
-                <a:cs typeface="Open Sans"/>
-                <a:sym typeface="Open Sans"/>
+                <a:latin typeface="Open Sans" panose="020B0606030504020204"/>
+                <a:ea typeface="Open Sans" panose="020B0606030504020204"/>
+                <a:cs typeface="Open Sans" panose="020B0606030504020204"/>
+                <a:sym typeface="Open Sans" panose="020B0606030504020204"/>
               </a:defRPr>
             </a:lvl5pPr>
-            <a:lvl6pPr indent="-317500" lvl="5" marL="2743200" rtl="0">
+            <a:lvl6pPr marL="2743200" lvl="5" indent="-317500" rtl="0">
               <a:lnSpc>
                 <a:spcPct val="320000"/>
               </a:lnSpc>
@@ -5018,19 +5125,19 @@
                 <a:srgbClr val="2E3D49"/>
               </a:buClr>
               <a:buSzPts val="1400"/>
-              <a:buFont typeface="Open Sans"/>
+              <a:buFont typeface="Open Sans" panose="020B0606030504020204"/>
               <a:buChar char="■"/>
               <a:defRPr>
                 <a:solidFill>
                   <a:srgbClr val="2E3D49"/>
                 </a:solidFill>
-                <a:latin typeface="Open Sans"/>
-                <a:ea typeface="Open Sans"/>
-                <a:cs typeface="Open Sans"/>
-                <a:sym typeface="Open Sans"/>
+                <a:latin typeface="Open Sans" panose="020B0606030504020204"/>
+                <a:ea typeface="Open Sans" panose="020B0606030504020204"/>
+                <a:cs typeface="Open Sans" panose="020B0606030504020204"/>
+                <a:sym typeface="Open Sans" panose="020B0606030504020204"/>
               </a:defRPr>
             </a:lvl6pPr>
-            <a:lvl7pPr indent="-317500" lvl="6" marL="3200400" rtl="0">
+            <a:lvl7pPr marL="3200400" lvl="6" indent="-317500" rtl="0">
               <a:lnSpc>
                 <a:spcPct val="320000"/>
               </a:lnSpc>
@@ -5044,19 +5151,19 @@
                 <a:srgbClr val="2E3D49"/>
               </a:buClr>
               <a:buSzPts val="1400"/>
-              <a:buFont typeface="Open Sans"/>
+              <a:buFont typeface="Open Sans" panose="020B0606030504020204"/>
               <a:buChar char="●"/>
               <a:defRPr>
                 <a:solidFill>
                   <a:srgbClr val="2E3D49"/>
                 </a:solidFill>
-                <a:latin typeface="Open Sans"/>
-                <a:ea typeface="Open Sans"/>
-                <a:cs typeface="Open Sans"/>
-                <a:sym typeface="Open Sans"/>
+                <a:latin typeface="Open Sans" panose="020B0606030504020204"/>
+                <a:ea typeface="Open Sans" panose="020B0606030504020204"/>
+                <a:cs typeface="Open Sans" panose="020B0606030504020204"/>
+                <a:sym typeface="Open Sans" panose="020B0606030504020204"/>
               </a:defRPr>
             </a:lvl7pPr>
-            <a:lvl8pPr indent="-317500" lvl="7" marL="3657600" rtl="0">
+            <a:lvl8pPr marL="3657600" lvl="7" indent="-317500" rtl="0">
               <a:lnSpc>
                 <a:spcPct val="320000"/>
               </a:lnSpc>
@@ -5070,19 +5177,19 @@
                 <a:srgbClr val="2E3D49"/>
               </a:buClr>
               <a:buSzPts val="1400"/>
-              <a:buFont typeface="Open Sans"/>
+              <a:buFont typeface="Open Sans" panose="020B0606030504020204"/>
               <a:buChar char="○"/>
               <a:defRPr>
                 <a:solidFill>
                   <a:srgbClr val="2E3D49"/>
                 </a:solidFill>
-                <a:latin typeface="Open Sans"/>
-                <a:ea typeface="Open Sans"/>
-                <a:cs typeface="Open Sans"/>
-                <a:sym typeface="Open Sans"/>
+                <a:latin typeface="Open Sans" panose="020B0606030504020204"/>
+                <a:ea typeface="Open Sans" panose="020B0606030504020204"/>
+                <a:cs typeface="Open Sans" panose="020B0606030504020204"/>
+                <a:sym typeface="Open Sans" panose="020B0606030504020204"/>
               </a:defRPr>
             </a:lvl8pPr>
-            <a:lvl9pPr indent="-317500" lvl="8" marL="4114800" rtl="0">
+            <a:lvl9pPr marL="4114800" lvl="8" indent="-317500" rtl="0">
               <a:lnSpc>
                 <a:spcPct val="320000"/>
               </a:lnSpc>
@@ -5096,16 +5203,16 @@
                 <a:srgbClr val="2E3D49"/>
               </a:buClr>
               <a:buSzPts val="1400"/>
-              <a:buFont typeface="Open Sans"/>
+              <a:buFont typeface="Open Sans" panose="020B0606030504020204"/>
               <a:buChar char="■"/>
               <a:defRPr>
                 <a:solidFill>
                   <a:srgbClr val="2E3D49"/>
                 </a:solidFill>
-                <a:latin typeface="Open Sans"/>
-                <a:ea typeface="Open Sans"/>
-                <a:cs typeface="Open Sans"/>
-                <a:sym typeface="Open Sans"/>
+                <a:latin typeface="Open Sans" panose="020B0606030504020204"/>
+                <a:ea typeface="Open Sans" panose="020B0606030504020204"/>
+                <a:cs typeface="Open Sans" panose="020B0606030504020204"/>
+                <a:sym typeface="Open Sans" panose="020B0606030504020204"/>
               </a:defRPr>
             </a:lvl9pPr>
           </a:lstStyle>
@@ -5121,18 +5228,17 @@
 </file>
 
 <file path=ppt/slideLayouts/slideLayout6.xml><?xml version="1.0" encoding="utf-8"?>
-<p:sldLayout xmlns:a="http://schemas.openxmlformats.org/drawingml/2006/main" xmlns:r="http://schemas.openxmlformats.org/officeDocument/2006/relationships" xmlns:mc="http://schemas.openxmlformats.org/markup-compatibility/2006" xmlns:mv="urn:schemas-microsoft-com:mac:vml" xmlns:p="http://schemas.openxmlformats.org/presentationml/2006/main" xmlns:c="http://schemas.openxmlformats.org/drawingml/2006/chart" xmlns:dgm="http://schemas.openxmlformats.org/drawingml/2006/diagram" xmlns:o="urn:schemas-microsoft-com:office:office" xmlns:v="urn:schemas-microsoft-com:vml" xmlns:pvml="urn:schemas-microsoft-com:office:powerpoint" xmlns:com="http://schemas.openxmlformats.org/drawingml/2006/compatibility" xmlns:p14="http://schemas.microsoft.com/office/powerpoint/2010/main" xmlns:p15="http://schemas.microsoft.com/office/powerpoint/2012/main" xmlns:ahyp="http://schemas.microsoft.com/office/drawing/2018/hyperlinkcolor" matchingName="List (up to 6 items, 1 box)">
+<p:sldLayout xmlns:a="http://schemas.openxmlformats.org/drawingml/2006/main" xmlns:r="http://schemas.openxmlformats.org/officeDocument/2006/relationships" xmlns:p="http://schemas.openxmlformats.org/presentationml/2006/main" matchingName="List (up to 6 items, 1 box)">
   <p:cSld name="MAIN_POINT">
     <p:bg>
       <p:bgPr>
         <a:blipFill>
-          <a:blip r:embed="rId2">
-            <a:alphaModFix/>
-          </a:blip>
+          <a:blip r:embed="rId2"/>
           <a:stretch>
             <a:fillRect/>
           </a:stretch>
         </a:blipFill>
+        <a:effectLst/>
       </p:bgPr>
     </p:bg>
     <p:spTree>
@@ -5154,7 +5260,7 @@
           <p:cNvPr id="32" name="Google Shape;32;p7"/>
           <p:cNvSpPr txBox="1"/>
           <p:nvPr>
-            <p:ph idx="12" type="sldNum"/>
+            <p:ph type="sldNum" idx="12"/>
           </p:nvPr>
         </p:nvSpPr>
         <p:spPr>
@@ -5167,7 +5273,7 @@
           </a:prstGeom>
         </p:spPr>
         <p:txBody>
-          <a:bodyPr anchorCtr="0" anchor="ctr" bIns="91425" lIns="91425" spcFirstLastPara="1" rIns="91425" wrap="square" tIns="91425">
+          <a:bodyPr spcFirstLastPara="1" wrap="square" lIns="91425" tIns="91425" rIns="91425" bIns="91425" anchor="ctr" anchorCtr="0">
             <a:noAutofit/>
           </a:bodyPr>
           <a:lstStyle>
@@ -5209,7 +5315,7 @@
             </a:lvl9pPr>
           </a:lstStyle>
           <a:p>
-            <a:pPr indent="0" lvl="0" marL="0" rtl="0" algn="r">
+            <a:pPr marL="0" lvl="0" indent="0" algn="r" rtl="0">
               <a:spcBef>
                 <a:spcPts val="0"/>
               </a:spcBef>
@@ -5219,10 +5325,9 @@
               <a:buNone/>
             </a:pPr>
             <a:fld id="{00000000-1234-1234-1234-123412341234}" type="slidenum">
-              <a:rPr lang="en"/>
-              <a:t>‹#›</a:t>
+              <a:rPr lang="en-GB"/>
             </a:fld>
-            <a:endParaRPr/>
+            <a:endParaRPr lang="en-GB"/>
           </a:p>
         </p:txBody>
       </p:sp>
@@ -5231,7 +5336,7 @@
           <p:cNvPr id="33" name="Google Shape;33;p7"/>
           <p:cNvSpPr txBox="1"/>
           <p:nvPr>
-            <p:ph idx="1" type="body"/>
+            <p:ph type="body" idx="1"/>
           </p:nvPr>
         </p:nvSpPr>
         <p:spPr>
@@ -5244,11 +5349,11 @@
           </a:prstGeom>
         </p:spPr>
         <p:txBody>
-          <a:bodyPr anchorCtr="0" anchor="t" bIns="91425" lIns="91425" spcFirstLastPara="1" rIns="91425" wrap="square" tIns="91425">
+          <a:bodyPr spcFirstLastPara="1" wrap="square" lIns="91425" tIns="91425" rIns="91425" bIns="91425" anchor="t" anchorCtr="0">
             <a:noAutofit/>
           </a:bodyPr>
           <a:lstStyle>
-            <a:lvl1pPr indent="-317500" lvl="0" marL="457200" rtl="0">
+            <a:lvl1pPr marL="457200" lvl="0" indent="-317500" rtl="0">
               <a:lnSpc>
                 <a:spcPct val="320000"/>
               </a:lnSpc>
@@ -5262,19 +5367,19 @@
                 <a:srgbClr val="2E3D49"/>
               </a:buClr>
               <a:buSzPts val="1400"/>
-              <a:buFont typeface="Open Sans"/>
+              <a:buFont typeface="Open Sans" panose="020B0606030504020204"/>
               <a:buChar char="●"/>
               <a:defRPr sz="1400">
                 <a:solidFill>
                   <a:srgbClr val="2E3D49"/>
                 </a:solidFill>
-                <a:latin typeface="Open Sans"/>
-                <a:ea typeface="Open Sans"/>
-                <a:cs typeface="Open Sans"/>
-                <a:sym typeface="Open Sans"/>
+                <a:latin typeface="Open Sans" panose="020B0606030504020204"/>
+                <a:ea typeface="Open Sans" panose="020B0606030504020204"/>
+                <a:cs typeface="Open Sans" panose="020B0606030504020204"/>
+                <a:sym typeface="Open Sans" panose="020B0606030504020204"/>
               </a:defRPr>
             </a:lvl1pPr>
-            <a:lvl2pPr indent="-317500" lvl="1" marL="914400" rtl="0">
+            <a:lvl2pPr marL="914400" lvl="1" indent="-317500" rtl="0">
               <a:lnSpc>
                 <a:spcPct val="320000"/>
               </a:lnSpc>
@@ -5288,19 +5393,19 @@
                 <a:srgbClr val="2E3D49"/>
               </a:buClr>
               <a:buSzPts val="1400"/>
-              <a:buFont typeface="Open Sans"/>
+              <a:buFont typeface="Open Sans" panose="020B0606030504020204"/>
               <a:buChar char="○"/>
               <a:defRPr>
                 <a:solidFill>
                   <a:srgbClr val="2E3D49"/>
                 </a:solidFill>
-                <a:latin typeface="Open Sans"/>
-                <a:ea typeface="Open Sans"/>
-                <a:cs typeface="Open Sans"/>
-                <a:sym typeface="Open Sans"/>
+                <a:latin typeface="Open Sans" panose="020B0606030504020204"/>
+                <a:ea typeface="Open Sans" panose="020B0606030504020204"/>
+                <a:cs typeface="Open Sans" panose="020B0606030504020204"/>
+                <a:sym typeface="Open Sans" panose="020B0606030504020204"/>
               </a:defRPr>
             </a:lvl2pPr>
-            <a:lvl3pPr indent="-317500" lvl="2" marL="1371600" rtl="0">
+            <a:lvl3pPr marL="1371600" lvl="2" indent="-317500" rtl="0">
               <a:lnSpc>
                 <a:spcPct val="320000"/>
               </a:lnSpc>
@@ -5314,19 +5419,19 @@
                 <a:srgbClr val="2E3D49"/>
               </a:buClr>
               <a:buSzPts val="1400"/>
-              <a:buFont typeface="Open Sans"/>
+              <a:buFont typeface="Open Sans" panose="020B0606030504020204"/>
               <a:buChar char="■"/>
               <a:defRPr>
                 <a:solidFill>
                   <a:srgbClr val="2E3D49"/>
                 </a:solidFill>
-                <a:latin typeface="Open Sans"/>
-                <a:ea typeface="Open Sans"/>
-                <a:cs typeface="Open Sans"/>
-                <a:sym typeface="Open Sans"/>
+                <a:latin typeface="Open Sans" panose="020B0606030504020204"/>
+                <a:ea typeface="Open Sans" panose="020B0606030504020204"/>
+                <a:cs typeface="Open Sans" panose="020B0606030504020204"/>
+                <a:sym typeface="Open Sans" panose="020B0606030504020204"/>
               </a:defRPr>
             </a:lvl3pPr>
-            <a:lvl4pPr indent="-317500" lvl="3" marL="1828800" rtl="0">
+            <a:lvl4pPr marL="1828800" lvl="3" indent="-317500" rtl="0">
               <a:lnSpc>
                 <a:spcPct val="320000"/>
               </a:lnSpc>
@@ -5340,19 +5445,19 @@
                 <a:srgbClr val="2E3D49"/>
               </a:buClr>
               <a:buSzPts val="1400"/>
-              <a:buFont typeface="Open Sans"/>
+              <a:buFont typeface="Open Sans" panose="020B0606030504020204"/>
               <a:buChar char="●"/>
               <a:defRPr>
                 <a:solidFill>
                   <a:srgbClr val="2E3D49"/>
                 </a:solidFill>
-                <a:latin typeface="Open Sans"/>
-                <a:ea typeface="Open Sans"/>
-                <a:cs typeface="Open Sans"/>
-                <a:sym typeface="Open Sans"/>
+                <a:latin typeface="Open Sans" panose="020B0606030504020204"/>
+                <a:ea typeface="Open Sans" panose="020B0606030504020204"/>
+                <a:cs typeface="Open Sans" panose="020B0606030504020204"/>
+                <a:sym typeface="Open Sans" panose="020B0606030504020204"/>
               </a:defRPr>
             </a:lvl4pPr>
-            <a:lvl5pPr indent="-317500" lvl="4" marL="2286000" rtl="0">
+            <a:lvl5pPr marL="2286000" lvl="4" indent="-317500" rtl="0">
               <a:lnSpc>
                 <a:spcPct val="320000"/>
               </a:lnSpc>
@@ -5366,19 +5471,19 @@
                 <a:srgbClr val="2E3D49"/>
               </a:buClr>
               <a:buSzPts val="1400"/>
-              <a:buFont typeface="Open Sans"/>
+              <a:buFont typeface="Open Sans" panose="020B0606030504020204"/>
               <a:buChar char="○"/>
               <a:defRPr>
                 <a:solidFill>
                   <a:srgbClr val="2E3D49"/>
                 </a:solidFill>
-                <a:latin typeface="Open Sans"/>
-                <a:ea typeface="Open Sans"/>
-                <a:cs typeface="Open Sans"/>
-                <a:sym typeface="Open Sans"/>
+                <a:latin typeface="Open Sans" panose="020B0606030504020204"/>
+                <a:ea typeface="Open Sans" panose="020B0606030504020204"/>
+                <a:cs typeface="Open Sans" panose="020B0606030504020204"/>
+                <a:sym typeface="Open Sans" panose="020B0606030504020204"/>
               </a:defRPr>
             </a:lvl5pPr>
-            <a:lvl6pPr indent="-317500" lvl="5" marL="2743200" rtl="0">
+            <a:lvl6pPr marL="2743200" lvl="5" indent="-317500" rtl="0">
               <a:lnSpc>
                 <a:spcPct val="320000"/>
               </a:lnSpc>
@@ -5392,19 +5497,19 @@
                 <a:srgbClr val="2E3D49"/>
               </a:buClr>
               <a:buSzPts val="1400"/>
-              <a:buFont typeface="Open Sans"/>
+              <a:buFont typeface="Open Sans" panose="020B0606030504020204"/>
               <a:buChar char="■"/>
               <a:defRPr>
                 <a:solidFill>
                   <a:srgbClr val="2E3D49"/>
                 </a:solidFill>
-                <a:latin typeface="Open Sans"/>
-                <a:ea typeface="Open Sans"/>
-                <a:cs typeface="Open Sans"/>
-                <a:sym typeface="Open Sans"/>
+                <a:latin typeface="Open Sans" panose="020B0606030504020204"/>
+                <a:ea typeface="Open Sans" panose="020B0606030504020204"/>
+                <a:cs typeface="Open Sans" panose="020B0606030504020204"/>
+                <a:sym typeface="Open Sans" panose="020B0606030504020204"/>
               </a:defRPr>
             </a:lvl6pPr>
-            <a:lvl7pPr indent="-317500" lvl="6" marL="3200400" rtl="0">
+            <a:lvl7pPr marL="3200400" lvl="6" indent="-317500" rtl="0">
               <a:lnSpc>
                 <a:spcPct val="320000"/>
               </a:lnSpc>
@@ -5418,19 +5523,19 @@
                 <a:srgbClr val="2E3D49"/>
               </a:buClr>
               <a:buSzPts val="1400"/>
-              <a:buFont typeface="Open Sans"/>
+              <a:buFont typeface="Open Sans" panose="020B0606030504020204"/>
               <a:buChar char="●"/>
               <a:defRPr>
                 <a:solidFill>
                   <a:srgbClr val="2E3D49"/>
                 </a:solidFill>
-                <a:latin typeface="Open Sans"/>
-                <a:ea typeface="Open Sans"/>
-                <a:cs typeface="Open Sans"/>
-                <a:sym typeface="Open Sans"/>
+                <a:latin typeface="Open Sans" panose="020B0606030504020204"/>
+                <a:ea typeface="Open Sans" panose="020B0606030504020204"/>
+                <a:cs typeface="Open Sans" panose="020B0606030504020204"/>
+                <a:sym typeface="Open Sans" panose="020B0606030504020204"/>
               </a:defRPr>
             </a:lvl7pPr>
-            <a:lvl8pPr indent="-317500" lvl="7" marL="3657600" rtl="0">
+            <a:lvl8pPr marL="3657600" lvl="7" indent="-317500" rtl="0">
               <a:lnSpc>
                 <a:spcPct val="320000"/>
               </a:lnSpc>
@@ -5444,19 +5549,19 @@
                 <a:srgbClr val="2E3D49"/>
               </a:buClr>
               <a:buSzPts val="1400"/>
-              <a:buFont typeface="Open Sans"/>
+              <a:buFont typeface="Open Sans" panose="020B0606030504020204"/>
               <a:buChar char="○"/>
               <a:defRPr>
                 <a:solidFill>
                   <a:srgbClr val="2E3D49"/>
                 </a:solidFill>
-                <a:latin typeface="Open Sans"/>
-                <a:ea typeface="Open Sans"/>
-                <a:cs typeface="Open Sans"/>
-                <a:sym typeface="Open Sans"/>
+                <a:latin typeface="Open Sans" panose="020B0606030504020204"/>
+                <a:ea typeface="Open Sans" panose="020B0606030504020204"/>
+                <a:cs typeface="Open Sans" panose="020B0606030504020204"/>
+                <a:sym typeface="Open Sans" panose="020B0606030504020204"/>
               </a:defRPr>
             </a:lvl8pPr>
-            <a:lvl9pPr indent="-317500" lvl="8" marL="4114800" rtl="0">
+            <a:lvl9pPr marL="4114800" lvl="8" indent="-317500" rtl="0">
               <a:lnSpc>
                 <a:spcPct val="320000"/>
               </a:lnSpc>
@@ -5470,16 +5575,16 @@
                 <a:srgbClr val="2E3D49"/>
               </a:buClr>
               <a:buSzPts val="1400"/>
-              <a:buFont typeface="Open Sans"/>
+              <a:buFont typeface="Open Sans" panose="020B0606030504020204"/>
               <a:buChar char="■"/>
               <a:defRPr>
                 <a:solidFill>
                   <a:srgbClr val="2E3D49"/>
                 </a:solidFill>
-                <a:latin typeface="Open Sans"/>
-                <a:ea typeface="Open Sans"/>
-                <a:cs typeface="Open Sans"/>
-                <a:sym typeface="Open Sans"/>
+                <a:latin typeface="Open Sans" panose="020B0606030504020204"/>
+                <a:ea typeface="Open Sans" panose="020B0606030504020204"/>
+                <a:cs typeface="Open Sans" panose="020B0606030504020204"/>
+                <a:sym typeface="Open Sans" panose="020B0606030504020204"/>
               </a:defRPr>
             </a:lvl9pPr>
           </a:lstStyle>
@@ -5504,7 +5609,7 @@
           </a:prstGeom>
         </p:spPr>
         <p:txBody>
-          <a:bodyPr anchorCtr="0" anchor="ctr" bIns="91425" lIns="91425" spcFirstLastPara="1" rIns="91425" wrap="square" tIns="91425">
+          <a:bodyPr spcFirstLastPara="1" wrap="square" lIns="91425" tIns="91425" rIns="91425" bIns="91425" anchor="ctr" anchorCtr="0">
             <a:noAutofit/>
           </a:bodyPr>
           <a:lstStyle>
@@ -5519,16 +5624,16 @@
                 <a:srgbClr val="2E3D49"/>
               </a:buClr>
               <a:buSzPts val="2000"/>
-              <a:buFont typeface="Open Sans"/>
-              <a:buNone/>
-              <a:defRPr b="1" sz="2000">
-                <a:solidFill>
-                  <a:srgbClr val="2E3D49"/>
-                </a:solidFill>
-                <a:latin typeface="Open Sans"/>
-                <a:ea typeface="Open Sans"/>
-                <a:cs typeface="Open Sans"/>
-                <a:sym typeface="Open Sans"/>
+              <a:buFont typeface="Open Sans" panose="020B0606030504020204"/>
+              <a:buNone/>
+              <a:defRPr sz="2000" b="1">
+                <a:solidFill>
+                  <a:srgbClr val="2E3D49"/>
+                </a:solidFill>
+                <a:latin typeface="Open Sans" panose="020B0606030504020204"/>
+                <a:ea typeface="Open Sans" panose="020B0606030504020204"/>
+                <a:cs typeface="Open Sans" panose="020B0606030504020204"/>
+                <a:sym typeface="Open Sans" panose="020B0606030504020204"/>
               </a:defRPr>
             </a:lvl1pPr>
             <a:lvl2pPr lvl="1" rtl="0">
@@ -5684,7 +5789,7 @@
           <p:cNvPr id="35" name="Google Shape;35;p7"/>
           <p:cNvSpPr txBox="1"/>
           <p:nvPr>
-            <p:ph idx="2" type="subTitle"/>
+            <p:ph type="subTitle" idx="2"/>
           </p:nvPr>
         </p:nvSpPr>
         <p:spPr>
@@ -5697,7 +5802,7 @@
           </a:prstGeom>
         </p:spPr>
         <p:txBody>
-          <a:bodyPr anchorCtr="0" anchor="t" bIns="91425" lIns="91425" spcFirstLastPara="1" rIns="91425" wrap="square" tIns="91425">
+          <a:bodyPr spcFirstLastPara="1" wrap="square" lIns="91425" tIns="91425" rIns="91425" bIns="91425" anchor="t" anchorCtr="0">
             <a:noAutofit/>
           </a:bodyPr>
           <a:lstStyle>
@@ -5715,16 +5820,16 @@
                 <a:srgbClr val="2E3D49"/>
               </a:buClr>
               <a:buSzPts val="1800"/>
-              <a:buFont typeface="Open Sans"/>
+              <a:buFont typeface="Open Sans" panose="020B0606030504020204"/>
               <a:buNone/>
               <a:defRPr sz="1800">
                 <a:solidFill>
                   <a:srgbClr val="2E3D49"/>
                 </a:solidFill>
-                <a:latin typeface="Open Sans"/>
-                <a:ea typeface="Open Sans"/>
-                <a:cs typeface="Open Sans"/>
-                <a:sym typeface="Open Sans"/>
+                <a:latin typeface="Open Sans" panose="020B0606030504020204"/>
+                <a:ea typeface="Open Sans" panose="020B0606030504020204"/>
+                <a:cs typeface="Open Sans" panose="020B0606030504020204"/>
+                <a:sym typeface="Open Sans" panose="020B0606030504020204"/>
               </a:defRPr>
             </a:lvl1pPr>
             <a:lvl2pPr lvl="1" rtl="0">
@@ -5741,16 +5846,16 @@
                 <a:srgbClr val="2E3D49"/>
               </a:buClr>
               <a:buSzPts val="1800"/>
-              <a:buFont typeface="Open Sans"/>
+              <a:buFont typeface="Open Sans" panose="020B0606030504020204"/>
               <a:buNone/>
               <a:defRPr sz="1800">
                 <a:solidFill>
                   <a:srgbClr val="2E3D49"/>
                 </a:solidFill>
-                <a:latin typeface="Open Sans"/>
-                <a:ea typeface="Open Sans"/>
-                <a:cs typeface="Open Sans"/>
-                <a:sym typeface="Open Sans"/>
+                <a:latin typeface="Open Sans" panose="020B0606030504020204"/>
+                <a:ea typeface="Open Sans" panose="020B0606030504020204"/>
+                <a:cs typeface="Open Sans" panose="020B0606030504020204"/>
+                <a:sym typeface="Open Sans" panose="020B0606030504020204"/>
               </a:defRPr>
             </a:lvl2pPr>
             <a:lvl3pPr lvl="2" rtl="0">
@@ -5767,16 +5872,16 @@
                 <a:srgbClr val="2E3D49"/>
               </a:buClr>
               <a:buSzPts val="1800"/>
-              <a:buFont typeface="Open Sans"/>
+              <a:buFont typeface="Open Sans" panose="020B0606030504020204"/>
               <a:buNone/>
               <a:defRPr sz="1800">
                 <a:solidFill>
                   <a:srgbClr val="2E3D49"/>
                 </a:solidFill>
-                <a:latin typeface="Open Sans"/>
-                <a:ea typeface="Open Sans"/>
-                <a:cs typeface="Open Sans"/>
-                <a:sym typeface="Open Sans"/>
+                <a:latin typeface="Open Sans" panose="020B0606030504020204"/>
+                <a:ea typeface="Open Sans" panose="020B0606030504020204"/>
+                <a:cs typeface="Open Sans" panose="020B0606030504020204"/>
+                <a:sym typeface="Open Sans" panose="020B0606030504020204"/>
               </a:defRPr>
             </a:lvl3pPr>
             <a:lvl4pPr lvl="3" rtl="0">
@@ -5793,16 +5898,16 @@
                 <a:srgbClr val="2E3D49"/>
               </a:buClr>
               <a:buSzPts val="1800"/>
-              <a:buFont typeface="Open Sans"/>
+              <a:buFont typeface="Open Sans" panose="020B0606030504020204"/>
               <a:buNone/>
               <a:defRPr sz="1800">
                 <a:solidFill>
                   <a:srgbClr val="2E3D49"/>
                 </a:solidFill>
-                <a:latin typeface="Open Sans"/>
-                <a:ea typeface="Open Sans"/>
-                <a:cs typeface="Open Sans"/>
-                <a:sym typeface="Open Sans"/>
+                <a:latin typeface="Open Sans" panose="020B0606030504020204"/>
+                <a:ea typeface="Open Sans" panose="020B0606030504020204"/>
+                <a:cs typeface="Open Sans" panose="020B0606030504020204"/>
+                <a:sym typeface="Open Sans" panose="020B0606030504020204"/>
               </a:defRPr>
             </a:lvl4pPr>
             <a:lvl5pPr lvl="4" rtl="0">
@@ -5819,16 +5924,16 @@
                 <a:srgbClr val="2E3D49"/>
               </a:buClr>
               <a:buSzPts val="1800"/>
-              <a:buFont typeface="Open Sans"/>
+              <a:buFont typeface="Open Sans" panose="020B0606030504020204"/>
               <a:buNone/>
               <a:defRPr sz="1800">
                 <a:solidFill>
                   <a:srgbClr val="2E3D49"/>
                 </a:solidFill>
-                <a:latin typeface="Open Sans"/>
-                <a:ea typeface="Open Sans"/>
-                <a:cs typeface="Open Sans"/>
-                <a:sym typeface="Open Sans"/>
+                <a:latin typeface="Open Sans" panose="020B0606030504020204"/>
+                <a:ea typeface="Open Sans" panose="020B0606030504020204"/>
+                <a:cs typeface="Open Sans" panose="020B0606030504020204"/>
+                <a:sym typeface="Open Sans" panose="020B0606030504020204"/>
               </a:defRPr>
             </a:lvl5pPr>
             <a:lvl6pPr lvl="5" rtl="0">
@@ -5845,16 +5950,16 @@
                 <a:srgbClr val="2E3D49"/>
               </a:buClr>
               <a:buSzPts val="1800"/>
-              <a:buFont typeface="Open Sans"/>
+              <a:buFont typeface="Open Sans" panose="020B0606030504020204"/>
               <a:buNone/>
               <a:defRPr sz="1800">
                 <a:solidFill>
                   <a:srgbClr val="2E3D49"/>
                 </a:solidFill>
-                <a:latin typeface="Open Sans"/>
-                <a:ea typeface="Open Sans"/>
-                <a:cs typeface="Open Sans"/>
-                <a:sym typeface="Open Sans"/>
+                <a:latin typeface="Open Sans" panose="020B0606030504020204"/>
+                <a:ea typeface="Open Sans" panose="020B0606030504020204"/>
+                <a:cs typeface="Open Sans" panose="020B0606030504020204"/>
+                <a:sym typeface="Open Sans" panose="020B0606030504020204"/>
               </a:defRPr>
             </a:lvl6pPr>
             <a:lvl7pPr lvl="6" rtl="0">
@@ -5871,16 +5976,16 @@
                 <a:srgbClr val="2E3D49"/>
               </a:buClr>
               <a:buSzPts val="1800"/>
-              <a:buFont typeface="Open Sans"/>
+              <a:buFont typeface="Open Sans" panose="020B0606030504020204"/>
               <a:buNone/>
               <a:defRPr sz="1800">
                 <a:solidFill>
                   <a:srgbClr val="2E3D49"/>
                 </a:solidFill>
-                <a:latin typeface="Open Sans"/>
-                <a:ea typeface="Open Sans"/>
-                <a:cs typeface="Open Sans"/>
-                <a:sym typeface="Open Sans"/>
+                <a:latin typeface="Open Sans" panose="020B0606030504020204"/>
+                <a:ea typeface="Open Sans" panose="020B0606030504020204"/>
+                <a:cs typeface="Open Sans" panose="020B0606030504020204"/>
+                <a:sym typeface="Open Sans" panose="020B0606030504020204"/>
               </a:defRPr>
             </a:lvl7pPr>
             <a:lvl8pPr lvl="7" rtl="0">
@@ -5897,16 +6002,16 @@
                 <a:srgbClr val="2E3D49"/>
               </a:buClr>
               <a:buSzPts val="1800"/>
-              <a:buFont typeface="Open Sans"/>
+              <a:buFont typeface="Open Sans" panose="020B0606030504020204"/>
               <a:buNone/>
               <a:defRPr sz="1800">
                 <a:solidFill>
                   <a:srgbClr val="2E3D49"/>
                 </a:solidFill>
-                <a:latin typeface="Open Sans"/>
-                <a:ea typeface="Open Sans"/>
-                <a:cs typeface="Open Sans"/>
-                <a:sym typeface="Open Sans"/>
+                <a:latin typeface="Open Sans" panose="020B0606030504020204"/>
+                <a:ea typeface="Open Sans" panose="020B0606030504020204"/>
+                <a:cs typeface="Open Sans" panose="020B0606030504020204"/>
+                <a:sym typeface="Open Sans" panose="020B0606030504020204"/>
               </a:defRPr>
             </a:lvl8pPr>
             <a:lvl9pPr lvl="8" rtl="0">
@@ -5923,16 +6028,16 @@
                 <a:srgbClr val="2E3D49"/>
               </a:buClr>
               <a:buSzPts val="1800"/>
-              <a:buFont typeface="Open Sans"/>
+              <a:buFont typeface="Open Sans" panose="020B0606030504020204"/>
               <a:buNone/>
               <a:defRPr sz="1800">
                 <a:solidFill>
                   <a:srgbClr val="2E3D49"/>
                 </a:solidFill>
-                <a:latin typeface="Open Sans"/>
-                <a:ea typeface="Open Sans"/>
-                <a:cs typeface="Open Sans"/>
-                <a:sym typeface="Open Sans"/>
+                <a:latin typeface="Open Sans" panose="020B0606030504020204"/>
+                <a:ea typeface="Open Sans" panose="020B0606030504020204"/>
+                <a:cs typeface="Open Sans" panose="020B0606030504020204"/>
+                <a:sym typeface="Open Sans" panose="020B0606030504020204"/>
               </a:defRPr>
             </a:lvl9pPr>
           </a:lstStyle>
@@ -5948,18 +6053,17 @@
 </file>
 
 <file path=ppt/slideLayouts/slideLayout7.xml><?xml version="1.0" encoding="utf-8"?>
-<p:sldLayout xmlns:a="http://schemas.openxmlformats.org/drawingml/2006/main" xmlns:r="http://schemas.openxmlformats.org/officeDocument/2006/relationships" xmlns:mc="http://schemas.openxmlformats.org/markup-compatibility/2006" xmlns:mv="urn:schemas-microsoft-com:mac:vml" xmlns:p="http://schemas.openxmlformats.org/presentationml/2006/main" xmlns:c="http://schemas.openxmlformats.org/drawingml/2006/chart" xmlns:dgm="http://schemas.openxmlformats.org/drawingml/2006/diagram" xmlns:o="urn:schemas-microsoft-com:office:office" xmlns:v="urn:schemas-microsoft-com:vml" xmlns:pvml="urn:schemas-microsoft-com:office:powerpoint" xmlns:com="http://schemas.openxmlformats.org/drawingml/2006/compatibility" xmlns:p14="http://schemas.microsoft.com/office/powerpoint/2010/main" xmlns:p15="http://schemas.microsoft.com/office/powerpoint/2012/main" xmlns:ahyp="http://schemas.microsoft.com/office/drawing/2018/hyperlinkcolor" matchingName="List (10 items, 2 boxes)">
+<p:sldLayout xmlns:a="http://schemas.openxmlformats.org/drawingml/2006/main" xmlns:r="http://schemas.openxmlformats.org/officeDocument/2006/relationships" xmlns:p="http://schemas.openxmlformats.org/presentationml/2006/main" matchingName="List (10 items, 2 boxes)">
   <p:cSld name="BIG_NUMBER">
     <p:bg>
       <p:bgPr>
         <a:blipFill>
-          <a:blip r:embed="rId2">
-            <a:alphaModFix/>
-          </a:blip>
+          <a:blip r:embed="rId2"/>
           <a:stretch>
             <a:fillRect/>
           </a:stretch>
         </a:blipFill>
+        <a:effectLst/>
       </p:bgPr>
     </p:bg>
     <p:spTree>
@@ -5981,7 +6085,7 @@
           <p:cNvPr id="37" name="Google Shape;37;p8"/>
           <p:cNvSpPr txBox="1"/>
           <p:nvPr>
-            <p:ph idx="12" type="sldNum"/>
+            <p:ph type="sldNum" idx="12"/>
           </p:nvPr>
         </p:nvSpPr>
         <p:spPr>
@@ -5994,7 +6098,7 @@
           </a:prstGeom>
         </p:spPr>
         <p:txBody>
-          <a:bodyPr anchorCtr="0" anchor="ctr" bIns="91425" lIns="91425" spcFirstLastPara="1" rIns="91425" wrap="square" tIns="91425">
+          <a:bodyPr spcFirstLastPara="1" wrap="square" lIns="91425" tIns="91425" rIns="91425" bIns="91425" anchor="ctr" anchorCtr="0">
             <a:noAutofit/>
           </a:bodyPr>
           <a:lstStyle>
@@ -6036,7 +6140,7 @@
             </a:lvl9pPr>
           </a:lstStyle>
           <a:p>
-            <a:pPr indent="0" lvl="0" marL="0" rtl="0" algn="r">
+            <a:pPr marL="0" lvl="0" indent="0" algn="r" rtl="0">
               <a:spcBef>
                 <a:spcPts val="0"/>
               </a:spcBef>
@@ -6046,10 +6150,9 @@
               <a:buNone/>
             </a:pPr>
             <a:fld id="{00000000-1234-1234-1234-123412341234}" type="slidenum">
-              <a:rPr lang="en"/>
-              <a:t>‹#›</a:t>
+              <a:rPr lang="en-GB"/>
             </a:fld>
-            <a:endParaRPr/>
+            <a:endParaRPr lang="en-GB"/>
           </a:p>
         </p:txBody>
       </p:sp>
@@ -6058,7 +6161,7 @@
           <p:cNvPr id="38" name="Google Shape;38;p8"/>
           <p:cNvSpPr txBox="1"/>
           <p:nvPr>
-            <p:ph idx="1" type="body"/>
+            <p:ph type="body" idx="1"/>
           </p:nvPr>
         </p:nvSpPr>
         <p:spPr>
@@ -6071,11 +6174,11 @@
           </a:prstGeom>
         </p:spPr>
         <p:txBody>
-          <a:bodyPr anchorCtr="0" anchor="t" bIns="91425" lIns="91425" spcFirstLastPara="1" rIns="91425" wrap="square" tIns="91425">
+          <a:bodyPr spcFirstLastPara="1" wrap="square" lIns="91425" tIns="91425" rIns="91425" bIns="91425" anchor="t" anchorCtr="0">
             <a:noAutofit/>
           </a:bodyPr>
           <a:lstStyle>
-            <a:lvl1pPr indent="-317500" lvl="0" marL="457200" rtl="0">
+            <a:lvl1pPr marL="457200" lvl="0" indent="-317500" rtl="0">
               <a:lnSpc>
                 <a:spcPct val="320000"/>
               </a:lnSpc>
@@ -6089,19 +6192,19 @@
                 <a:srgbClr val="2E3D49"/>
               </a:buClr>
               <a:buSzPts val="1400"/>
-              <a:buFont typeface="Open Sans"/>
+              <a:buFont typeface="Open Sans" panose="020B0606030504020204"/>
               <a:buChar char="●"/>
               <a:defRPr sz="1400">
                 <a:solidFill>
                   <a:srgbClr val="2E3D49"/>
                 </a:solidFill>
-                <a:latin typeface="Open Sans"/>
-                <a:ea typeface="Open Sans"/>
-                <a:cs typeface="Open Sans"/>
-                <a:sym typeface="Open Sans"/>
+                <a:latin typeface="Open Sans" panose="020B0606030504020204"/>
+                <a:ea typeface="Open Sans" panose="020B0606030504020204"/>
+                <a:cs typeface="Open Sans" panose="020B0606030504020204"/>
+                <a:sym typeface="Open Sans" panose="020B0606030504020204"/>
               </a:defRPr>
             </a:lvl1pPr>
-            <a:lvl2pPr indent="-317500" lvl="1" marL="914400" rtl="0">
+            <a:lvl2pPr marL="914400" lvl="1" indent="-317500" rtl="0">
               <a:lnSpc>
                 <a:spcPct val="320000"/>
               </a:lnSpc>
@@ -6115,19 +6218,19 @@
                 <a:srgbClr val="2E3D49"/>
               </a:buClr>
               <a:buSzPts val="1400"/>
-              <a:buFont typeface="Open Sans"/>
+              <a:buFont typeface="Open Sans" panose="020B0606030504020204"/>
               <a:buChar char="○"/>
               <a:defRPr>
                 <a:solidFill>
                   <a:srgbClr val="2E3D49"/>
                 </a:solidFill>
-                <a:latin typeface="Open Sans"/>
-                <a:ea typeface="Open Sans"/>
-                <a:cs typeface="Open Sans"/>
-                <a:sym typeface="Open Sans"/>
+                <a:latin typeface="Open Sans" panose="020B0606030504020204"/>
+                <a:ea typeface="Open Sans" panose="020B0606030504020204"/>
+                <a:cs typeface="Open Sans" panose="020B0606030504020204"/>
+                <a:sym typeface="Open Sans" panose="020B0606030504020204"/>
               </a:defRPr>
             </a:lvl2pPr>
-            <a:lvl3pPr indent="-317500" lvl="2" marL="1371600" rtl="0">
+            <a:lvl3pPr marL="1371600" lvl="2" indent="-317500" rtl="0">
               <a:lnSpc>
                 <a:spcPct val="320000"/>
               </a:lnSpc>
@@ -6141,19 +6244,19 @@
                 <a:srgbClr val="2E3D49"/>
               </a:buClr>
               <a:buSzPts val="1400"/>
-              <a:buFont typeface="Open Sans"/>
+              <a:buFont typeface="Open Sans" panose="020B0606030504020204"/>
               <a:buChar char="■"/>
               <a:defRPr>
                 <a:solidFill>
                   <a:srgbClr val="2E3D49"/>
                 </a:solidFill>
-                <a:latin typeface="Open Sans"/>
-                <a:ea typeface="Open Sans"/>
-                <a:cs typeface="Open Sans"/>
-                <a:sym typeface="Open Sans"/>
+                <a:latin typeface="Open Sans" panose="020B0606030504020204"/>
+                <a:ea typeface="Open Sans" panose="020B0606030504020204"/>
+                <a:cs typeface="Open Sans" panose="020B0606030504020204"/>
+                <a:sym typeface="Open Sans" panose="020B0606030504020204"/>
               </a:defRPr>
             </a:lvl3pPr>
-            <a:lvl4pPr indent="-317500" lvl="3" marL="1828800" rtl="0">
+            <a:lvl4pPr marL="1828800" lvl="3" indent="-317500" rtl="0">
               <a:lnSpc>
                 <a:spcPct val="320000"/>
               </a:lnSpc>
@@ -6167,19 +6270,19 @@
                 <a:srgbClr val="2E3D49"/>
               </a:buClr>
               <a:buSzPts val="1400"/>
-              <a:buFont typeface="Open Sans"/>
+              <a:buFont typeface="Open Sans" panose="020B0606030504020204"/>
               <a:buChar char="●"/>
               <a:defRPr>
                 <a:solidFill>
                   <a:srgbClr val="2E3D49"/>
                 </a:solidFill>
-                <a:latin typeface="Open Sans"/>
-                <a:ea typeface="Open Sans"/>
-                <a:cs typeface="Open Sans"/>
-                <a:sym typeface="Open Sans"/>
+                <a:latin typeface="Open Sans" panose="020B0606030504020204"/>
+                <a:ea typeface="Open Sans" panose="020B0606030504020204"/>
+                <a:cs typeface="Open Sans" panose="020B0606030504020204"/>
+                <a:sym typeface="Open Sans" panose="020B0606030504020204"/>
               </a:defRPr>
             </a:lvl4pPr>
-            <a:lvl5pPr indent="-317500" lvl="4" marL="2286000" rtl="0">
+            <a:lvl5pPr marL="2286000" lvl="4" indent="-317500" rtl="0">
               <a:lnSpc>
                 <a:spcPct val="320000"/>
               </a:lnSpc>
@@ -6193,19 +6296,19 @@
                 <a:srgbClr val="2E3D49"/>
               </a:buClr>
               <a:buSzPts val="1400"/>
-              <a:buFont typeface="Open Sans"/>
+              <a:buFont typeface="Open Sans" panose="020B0606030504020204"/>
               <a:buChar char="○"/>
               <a:defRPr>
                 <a:solidFill>
                   <a:srgbClr val="2E3D49"/>
                 </a:solidFill>
-                <a:latin typeface="Open Sans"/>
-                <a:ea typeface="Open Sans"/>
-                <a:cs typeface="Open Sans"/>
-                <a:sym typeface="Open Sans"/>
+                <a:latin typeface="Open Sans" panose="020B0606030504020204"/>
+                <a:ea typeface="Open Sans" panose="020B0606030504020204"/>
+                <a:cs typeface="Open Sans" panose="020B0606030504020204"/>
+                <a:sym typeface="Open Sans" panose="020B0606030504020204"/>
               </a:defRPr>
             </a:lvl5pPr>
-            <a:lvl6pPr indent="-317500" lvl="5" marL="2743200" rtl="0">
+            <a:lvl6pPr marL="2743200" lvl="5" indent="-317500" rtl="0">
               <a:lnSpc>
                 <a:spcPct val="320000"/>
               </a:lnSpc>
@@ -6219,19 +6322,19 @@
                 <a:srgbClr val="2E3D49"/>
               </a:buClr>
               <a:buSzPts val="1400"/>
-              <a:buFont typeface="Open Sans"/>
+              <a:buFont typeface="Open Sans" panose="020B0606030504020204"/>
               <a:buChar char="■"/>
               <a:defRPr>
                 <a:solidFill>
                   <a:srgbClr val="2E3D49"/>
                 </a:solidFill>
-                <a:latin typeface="Open Sans"/>
-                <a:ea typeface="Open Sans"/>
-                <a:cs typeface="Open Sans"/>
-                <a:sym typeface="Open Sans"/>
+                <a:latin typeface="Open Sans" panose="020B0606030504020204"/>
+                <a:ea typeface="Open Sans" panose="020B0606030504020204"/>
+                <a:cs typeface="Open Sans" panose="020B0606030504020204"/>
+                <a:sym typeface="Open Sans" panose="020B0606030504020204"/>
               </a:defRPr>
             </a:lvl6pPr>
-            <a:lvl7pPr indent="-317500" lvl="6" marL="3200400" rtl="0">
+            <a:lvl7pPr marL="3200400" lvl="6" indent="-317500" rtl="0">
               <a:lnSpc>
                 <a:spcPct val="320000"/>
               </a:lnSpc>
@@ -6245,19 +6348,19 @@
                 <a:srgbClr val="2E3D49"/>
               </a:buClr>
               <a:buSzPts val="1400"/>
-              <a:buFont typeface="Open Sans"/>
+              <a:buFont typeface="Open Sans" panose="020B0606030504020204"/>
               <a:buChar char="●"/>
               <a:defRPr>
                 <a:solidFill>
                   <a:srgbClr val="2E3D49"/>
                 </a:solidFill>
-                <a:latin typeface="Open Sans"/>
-                <a:ea typeface="Open Sans"/>
-                <a:cs typeface="Open Sans"/>
-                <a:sym typeface="Open Sans"/>
+                <a:latin typeface="Open Sans" panose="020B0606030504020204"/>
+                <a:ea typeface="Open Sans" panose="020B0606030504020204"/>
+                <a:cs typeface="Open Sans" panose="020B0606030504020204"/>
+                <a:sym typeface="Open Sans" panose="020B0606030504020204"/>
               </a:defRPr>
             </a:lvl7pPr>
-            <a:lvl8pPr indent="-317500" lvl="7" marL="3657600" rtl="0">
+            <a:lvl8pPr marL="3657600" lvl="7" indent="-317500" rtl="0">
               <a:lnSpc>
                 <a:spcPct val="320000"/>
               </a:lnSpc>
@@ -6271,19 +6374,19 @@
                 <a:srgbClr val="2E3D49"/>
               </a:buClr>
               <a:buSzPts val="1400"/>
-              <a:buFont typeface="Open Sans"/>
+              <a:buFont typeface="Open Sans" panose="020B0606030504020204"/>
               <a:buChar char="○"/>
               <a:defRPr>
                 <a:solidFill>
                   <a:srgbClr val="2E3D49"/>
                 </a:solidFill>
-                <a:latin typeface="Open Sans"/>
-                <a:ea typeface="Open Sans"/>
-                <a:cs typeface="Open Sans"/>
-                <a:sym typeface="Open Sans"/>
+                <a:latin typeface="Open Sans" panose="020B0606030504020204"/>
+                <a:ea typeface="Open Sans" panose="020B0606030504020204"/>
+                <a:cs typeface="Open Sans" panose="020B0606030504020204"/>
+                <a:sym typeface="Open Sans" panose="020B0606030504020204"/>
               </a:defRPr>
             </a:lvl8pPr>
-            <a:lvl9pPr indent="-317500" lvl="8" marL="4114800" rtl="0">
+            <a:lvl9pPr marL="4114800" lvl="8" indent="-317500" rtl="0">
               <a:lnSpc>
                 <a:spcPct val="320000"/>
               </a:lnSpc>
@@ -6297,16 +6400,16 @@
                 <a:srgbClr val="2E3D49"/>
               </a:buClr>
               <a:buSzPts val="1400"/>
-              <a:buFont typeface="Open Sans"/>
+              <a:buFont typeface="Open Sans" panose="020B0606030504020204"/>
               <a:buChar char="■"/>
               <a:defRPr>
                 <a:solidFill>
                   <a:srgbClr val="2E3D49"/>
                 </a:solidFill>
-                <a:latin typeface="Open Sans"/>
-                <a:ea typeface="Open Sans"/>
-                <a:cs typeface="Open Sans"/>
-                <a:sym typeface="Open Sans"/>
+                <a:latin typeface="Open Sans" panose="020B0606030504020204"/>
+                <a:ea typeface="Open Sans" panose="020B0606030504020204"/>
+                <a:cs typeface="Open Sans" panose="020B0606030504020204"/>
+                <a:sym typeface="Open Sans" panose="020B0606030504020204"/>
               </a:defRPr>
             </a:lvl9pPr>
           </a:lstStyle>
@@ -6318,7 +6421,7 @@
           <p:cNvPr id="39" name="Google Shape;39;p8"/>
           <p:cNvSpPr txBox="1"/>
           <p:nvPr>
-            <p:ph idx="2" type="body"/>
+            <p:ph type="body" idx="2"/>
           </p:nvPr>
         </p:nvSpPr>
         <p:spPr>
@@ -6331,11 +6434,11 @@
           </a:prstGeom>
         </p:spPr>
         <p:txBody>
-          <a:bodyPr anchorCtr="0" anchor="t" bIns="91425" lIns="91425" spcFirstLastPara="1" rIns="91425" wrap="square" tIns="91425">
+          <a:bodyPr spcFirstLastPara="1" wrap="square" lIns="91425" tIns="91425" rIns="91425" bIns="91425" anchor="t" anchorCtr="0">
             <a:noAutofit/>
           </a:bodyPr>
           <a:lstStyle>
-            <a:lvl1pPr indent="-317500" lvl="0" marL="457200" rtl="0">
+            <a:lvl1pPr marL="457200" lvl="0" indent="-317500" rtl="0">
               <a:lnSpc>
                 <a:spcPct val="320000"/>
               </a:lnSpc>
@@ -6349,19 +6452,19 @@
                 <a:srgbClr val="2E3D49"/>
               </a:buClr>
               <a:buSzPts val="1400"/>
-              <a:buFont typeface="Open Sans"/>
+              <a:buFont typeface="Open Sans" panose="020B0606030504020204"/>
               <a:buChar char="●"/>
               <a:defRPr sz="1400">
                 <a:solidFill>
                   <a:srgbClr val="2E3D49"/>
                 </a:solidFill>
-                <a:latin typeface="Open Sans"/>
-                <a:ea typeface="Open Sans"/>
-                <a:cs typeface="Open Sans"/>
-                <a:sym typeface="Open Sans"/>
+                <a:latin typeface="Open Sans" panose="020B0606030504020204"/>
+                <a:ea typeface="Open Sans" panose="020B0606030504020204"/>
+                <a:cs typeface="Open Sans" panose="020B0606030504020204"/>
+                <a:sym typeface="Open Sans" panose="020B0606030504020204"/>
               </a:defRPr>
             </a:lvl1pPr>
-            <a:lvl2pPr indent="-317500" lvl="1" marL="914400" rtl="0">
+            <a:lvl2pPr marL="914400" lvl="1" indent="-317500" rtl="0">
               <a:lnSpc>
                 <a:spcPct val="320000"/>
               </a:lnSpc>
@@ -6375,19 +6478,19 @@
                 <a:srgbClr val="2E3D49"/>
               </a:buClr>
               <a:buSzPts val="1400"/>
-              <a:buFont typeface="Open Sans"/>
+              <a:buFont typeface="Open Sans" panose="020B0606030504020204"/>
               <a:buChar char="○"/>
               <a:defRPr>
                 <a:solidFill>
                   <a:srgbClr val="2E3D49"/>
                 </a:solidFill>
-                <a:latin typeface="Open Sans"/>
-                <a:ea typeface="Open Sans"/>
-                <a:cs typeface="Open Sans"/>
-                <a:sym typeface="Open Sans"/>
+                <a:latin typeface="Open Sans" panose="020B0606030504020204"/>
+                <a:ea typeface="Open Sans" panose="020B0606030504020204"/>
+                <a:cs typeface="Open Sans" panose="020B0606030504020204"/>
+                <a:sym typeface="Open Sans" panose="020B0606030504020204"/>
               </a:defRPr>
             </a:lvl2pPr>
-            <a:lvl3pPr indent="-317500" lvl="2" marL="1371600" rtl="0">
+            <a:lvl3pPr marL="1371600" lvl="2" indent="-317500" rtl="0">
               <a:lnSpc>
                 <a:spcPct val="320000"/>
               </a:lnSpc>
@@ -6401,19 +6504,19 @@
                 <a:srgbClr val="2E3D49"/>
               </a:buClr>
               <a:buSzPts val="1400"/>
-              <a:buFont typeface="Open Sans"/>
+              <a:buFont typeface="Open Sans" panose="020B0606030504020204"/>
               <a:buChar char="■"/>
               <a:defRPr>
                 <a:solidFill>
                   <a:srgbClr val="2E3D49"/>
                 </a:solidFill>
-                <a:latin typeface="Open Sans"/>
-                <a:ea typeface="Open Sans"/>
-                <a:cs typeface="Open Sans"/>
-                <a:sym typeface="Open Sans"/>
+                <a:latin typeface="Open Sans" panose="020B0606030504020204"/>
+                <a:ea typeface="Open Sans" panose="020B0606030504020204"/>
+                <a:cs typeface="Open Sans" panose="020B0606030504020204"/>
+                <a:sym typeface="Open Sans" panose="020B0606030504020204"/>
               </a:defRPr>
             </a:lvl3pPr>
-            <a:lvl4pPr indent="-317500" lvl="3" marL="1828800" rtl="0">
+            <a:lvl4pPr marL="1828800" lvl="3" indent="-317500" rtl="0">
               <a:lnSpc>
                 <a:spcPct val="320000"/>
               </a:lnSpc>
@@ -6427,19 +6530,19 @@
                 <a:srgbClr val="2E3D49"/>
               </a:buClr>
               <a:buSzPts val="1400"/>
-              <a:buFont typeface="Open Sans"/>
+              <a:buFont typeface="Open Sans" panose="020B0606030504020204"/>
               <a:buChar char="●"/>
               <a:defRPr>
                 <a:solidFill>
                   <a:srgbClr val="2E3D49"/>
                 </a:solidFill>
-                <a:latin typeface="Open Sans"/>
-                <a:ea typeface="Open Sans"/>
-                <a:cs typeface="Open Sans"/>
-                <a:sym typeface="Open Sans"/>
+                <a:latin typeface="Open Sans" panose="020B0606030504020204"/>
+                <a:ea typeface="Open Sans" panose="020B0606030504020204"/>
+                <a:cs typeface="Open Sans" panose="020B0606030504020204"/>
+                <a:sym typeface="Open Sans" panose="020B0606030504020204"/>
               </a:defRPr>
             </a:lvl4pPr>
-            <a:lvl5pPr indent="-317500" lvl="4" marL="2286000" rtl="0">
+            <a:lvl5pPr marL="2286000" lvl="4" indent="-317500" rtl="0">
               <a:lnSpc>
                 <a:spcPct val="320000"/>
               </a:lnSpc>
@@ -6453,19 +6556,19 @@
                 <a:srgbClr val="2E3D49"/>
               </a:buClr>
               <a:buSzPts val="1400"/>
-              <a:buFont typeface="Open Sans"/>
+              <a:buFont typeface="Open Sans" panose="020B0606030504020204"/>
               <a:buChar char="○"/>
               <a:defRPr>
                 <a:solidFill>
                   <a:srgbClr val="2E3D49"/>
                 </a:solidFill>
-                <a:latin typeface="Open Sans"/>
-                <a:ea typeface="Open Sans"/>
-                <a:cs typeface="Open Sans"/>
-                <a:sym typeface="Open Sans"/>
+                <a:latin typeface="Open Sans" panose="020B0606030504020204"/>
+                <a:ea typeface="Open Sans" panose="020B0606030504020204"/>
+                <a:cs typeface="Open Sans" panose="020B0606030504020204"/>
+                <a:sym typeface="Open Sans" panose="020B0606030504020204"/>
               </a:defRPr>
             </a:lvl5pPr>
-            <a:lvl6pPr indent="-317500" lvl="5" marL="2743200" rtl="0">
+            <a:lvl6pPr marL="2743200" lvl="5" indent="-317500" rtl="0">
               <a:lnSpc>
                 <a:spcPct val="320000"/>
               </a:lnSpc>
@@ -6479,19 +6582,19 @@
                 <a:srgbClr val="2E3D49"/>
               </a:buClr>
               <a:buSzPts val="1400"/>
-              <a:buFont typeface="Open Sans"/>
+              <a:buFont typeface="Open Sans" panose="020B0606030504020204"/>
               <a:buChar char="■"/>
               <a:defRPr>
                 <a:solidFill>
                   <a:srgbClr val="2E3D49"/>
                 </a:solidFill>
-                <a:latin typeface="Open Sans"/>
-                <a:ea typeface="Open Sans"/>
-                <a:cs typeface="Open Sans"/>
-                <a:sym typeface="Open Sans"/>
+                <a:latin typeface="Open Sans" panose="020B0606030504020204"/>
+                <a:ea typeface="Open Sans" panose="020B0606030504020204"/>
+                <a:cs typeface="Open Sans" panose="020B0606030504020204"/>
+                <a:sym typeface="Open Sans" panose="020B0606030504020204"/>
               </a:defRPr>
             </a:lvl6pPr>
-            <a:lvl7pPr indent="-317500" lvl="6" marL="3200400" rtl="0">
+            <a:lvl7pPr marL="3200400" lvl="6" indent="-317500" rtl="0">
               <a:lnSpc>
                 <a:spcPct val="320000"/>
               </a:lnSpc>
@@ -6505,19 +6608,19 @@
                 <a:srgbClr val="2E3D49"/>
               </a:buClr>
               <a:buSzPts val="1400"/>
-              <a:buFont typeface="Open Sans"/>
+              <a:buFont typeface="Open Sans" panose="020B0606030504020204"/>
               <a:buChar char="●"/>
               <a:defRPr>
                 <a:solidFill>
                   <a:srgbClr val="2E3D49"/>
                 </a:solidFill>
-                <a:latin typeface="Open Sans"/>
-                <a:ea typeface="Open Sans"/>
-                <a:cs typeface="Open Sans"/>
-                <a:sym typeface="Open Sans"/>
+                <a:latin typeface="Open Sans" panose="020B0606030504020204"/>
+                <a:ea typeface="Open Sans" panose="020B0606030504020204"/>
+                <a:cs typeface="Open Sans" panose="020B0606030504020204"/>
+                <a:sym typeface="Open Sans" panose="020B0606030504020204"/>
               </a:defRPr>
             </a:lvl7pPr>
-            <a:lvl8pPr indent="-317500" lvl="7" marL="3657600" rtl="0">
+            <a:lvl8pPr marL="3657600" lvl="7" indent="-317500" rtl="0">
               <a:lnSpc>
                 <a:spcPct val="320000"/>
               </a:lnSpc>
@@ -6531,19 +6634,19 @@
                 <a:srgbClr val="2E3D49"/>
               </a:buClr>
               <a:buSzPts val="1400"/>
-              <a:buFont typeface="Open Sans"/>
+              <a:buFont typeface="Open Sans" panose="020B0606030504020204"/>
               <a:buChar char="○"/>
               <a:defRPr>
                 <a:solidFill>
                   <a:srgbClr val="2E3D49"/>
                 </a:solidFill>
-                <a:latin typeface="Open Sans"/>
-                <a:ea typeface="Open Sans"/>
-                <a:cs typeface="Open Sans"/>
-                <a:sym typeface="Open Sans"/>
+                <a:latin typeface="Open Sans" panose="020B0606030504020204"/>
+                <a:ea typeface="Open Sans" panose="020B0606030504020204"/>
+                <a:cs typeface="Open Sans" panose="020B0606030504020204"/>
+                <a:sym typeface="Open Sans" panose="020B0606030504020204"/>
               </a:defRPr>
             </a:lvl8pPr>
-            <a:lvl9pPr indent="-317500" lvl="8" marL="4114800" rtl="0">
+            <a:lvl9pPr marL="4114800" lvl="8" indent="-317500" rtl="0">
               <a:lnSpc>
                 <a:spcPct val="320000"/>
               </a:lnSpc>
@@ -6557,16 +6660,16 @@
                 <a:srgbClr val="2E3D49"/>
               </a:buClr>
               <a:buSzPts val="1400"/>
-              <a:buFont typeface="Open Sans"/>
+              <a:buFont typeface="Open Sans" panose="020B0606030504020204"/>
               <a:buChar char="■"/>
               <a:defRPr>
                 <a:solidFill>
                   <a:srgbClr val="2E3D49"/>
                 </a:solidFill>
-                <a:latin typeface="Open Sans"/>
-                <a:ea typeface="Open Sans"/>
-                <a:cs typeface="Open Sans"/>
-                <a:sym typeface="Open Sans"/>
+                <a:latin typeface="Open Sans" panose="020B0606030504020204"/>
+                <a:ea typeface="Open Sans" panose="020B0606030504020204"/>
+                <a:cs typeface="Open Sans" panose="020B0606030504020204"/>
+                <a:sym typeface="Open Sans" panose="020B0606030504020204"/>
               </a:defRPr>
             </a:lvl9pPr>
           </a:lstStyle>
@@ -6591,7 +6694,7 @@
           </a:prstGeom>
         </p:spPr>
         <p:txBody>
-          <a:bodyPr anchorCtr="0" anchor="ctr" bIns="91425" lIns="91425" spcFirstLastPara="1" rIns="91425" wrap="square" tIns="91425">
+          <a:bodyPr spcFirstLastPara="1" wrap="square" lIns="91425" tIns="91425" rIns="91425" bIns="91425" anchor="ctr" anchorCtr="0">
             <a:noAutofit/>
           </a:bodyPr>
           <a:lstStyle>
@@ -6606,16 +6709,16 @@
                 <a:srgbClr val="2E3D49"/>
               </a:buClr>
               <a:buSzPts val="2000"/>
-              <a:buFont typeface="Open Sans"/>
-              <a:buNone/>
-              <a:defRPr b="1" sz="2000">
-                <a:solidFill>
-                  <a:srgbClr val="2E3D49"/>
-                </a:solidFill>
-                <a:latin typeface="Open Sans"/>
-                <a:ea typeface="Open Sans"/>
-                <a:cs typeface="Open Sans"/>
-                <a:sym typeface="Open Sans"/>
+              <a:buFont typeface="Open Sans" panose="020B0606030504020204"/>
+              <a:buNone/>
+              <a:defRPr sz="2000" b="1">
+                <a:solidFill>
+                  <a:srgbClr val="2E3D49"/>
+                </a:solidFill>
+                <a:latin typeface="Open Sans" panose="020B0606030504020204"/>
+                <a:ea typeface="Open Sans" panose="020B0606030504020204"/>
+                <a:cs typeface="Open Sans" panose="020B0606030504020204"/>
+                <a:sym typeface="Open Sans" panose="020B0606030504020204"/>
               </a:defRPr>
             </a:lvl1pPr>
             <a:lvl2pPr lvl="1" rtl="0">
@@ -6775,18 +6878,17 @@
 </file>
 
 <file path=ppt/slideLayouts/slideLayout8.xml><?xml version="1.0" encoding="utf-8"?>
-<p:sldLayout xmlns:a="http://schemas.openxmlformats.org/drawingml/2006/main" xmlns:r="http://schemas.openxmlformats.org/officeDocument/2006/relationships" xmlns:mc="http://schemas.openxmlformats.org/markup-compatibility/2006" xmlns:mv="urn:schemas-microsoft-com:mac:vml" xmlns:p="http://schemas.openxmlformats.org/presentationml/2006/main" xmlns:c="http://schemas.openxmlformats.org/drawingml/2006/chart" xmlns:dgm="http://schemas.openxmlformats.org/drawingml/2006/diagram" xmlns:o="urn:schemas-microsoft-com:office:office" xmlns:v="urn:schemas-microsoft-com:vml" xmlns:pvml="urn:schemas-microsoft-com:office:powerpoint" xmlns:com="http://schemas.openxmlformats.org/drawingml/2006/compatibility" xmlns:p14="http://schemas.microsoft.com/office/powerpoint/2010/main" xmlns:p15="http://schemas.microsoft.com/office/powerpoint/2012/main" xmlns:ahyp="http://schemas.microsoft.com/office/drawing/2018/hyperlinkcolor" matchingName="Images or icons (with title)" type="blank">
+<p:sldLayout xmlns:a="http://schemas.openxmlformats.org/drawingml/2006/main" xmlns:r="http://schemas.openxmlformats.org/officeDocument/2006/relationships" xmlns:p="http://schemas.openxmlformats.org/presentationml/2006/main" type="blank" matchingName="Images or icons (with title)">
   <p:cSld name="BLANK">
     <p:bg>
       <p:bgPr>
         <a:blipFill>
-          <a:blip r:embed="rId2">
-            <a:alphaModFix/>
-          </a:blip>
+          <a:blip r:embed="rId2"/>
           <a:stretch>
             <a:fillRect/>
           </a:stretch>
         </a:blipFill>
+        <a:effectLst/>
       </p:bgPr>
     </p:bg>
     <p:spTree>
@@ -6808,7 +6910,7 @@
           <p:cNvPr id="42" name="Google Shape;42;p9"/>
           <p:cNvSpPr txBox="1"/>
           <p:nvPr>
-            <p:ph idx="12" type="sldNum"/>
+            <p:ph type="sldNum" idx="12"/>
           </p:nvPr>
         </p:nvSpPr>
         <p:spPr>
@@ -6821,7 +6923,7 @@
           </a:prstGeom>
         </p:spPr>
         <p:txBody>
-          <a:bodyPr anchorCtr="0" anchor="ctr" bIns="91425" lIns="91425" spcFirstLastPara="1" rIns="91425" wrap="square" tIns="91425">
+          <a:bodyPr spcFirstLastPara="1" wrap="square" lIns="91425" tIns="91425" rIns="91425" bIns="91425" anchor="ctr" anchorCtr="0">
             <a:noAutofit/>
           </a:bodyPr>
           <a:lstStyle>
@@ -6863,7 +6965,7 @@
             </a:lvl9pPr>
           </a:lstStyle>
           <a:p>
-            <a:pPr indent="0" lvl="0" marL="0" rtl="0" algn="r">
+            <a:pPr marL="0" lvl="0" indent="0" algn="r" rtl="0">
               <a:spcBef>
                 <a:spcPts val="0"/>
               </a:spcBef>
@@ -6873,10 +6975,9 @@
               <a:buNone/>
             </a:pPr>
             <a:fld id="{00000000-1234-1234-1234-123412341234}" type="slidenum">
-              <a:rPr lang="en"/>
-              <a:t>‹#›</a:t>
+              <a:rPr lang="en-GB"/>
             </a:fld>
-            <a:endParaRPr/>
+            <a:endParaRPr lang="en-GB"/>
           </a:p>
         </p:txBody>
       </p:sp>
@@ -6898,7 +6999,7 @@
           </a:prstGeom>
         </p:spPr>
         <p:txBody>
-          <a:bodyPr anchorCtr="0" anchor="ctr" bIns="91425" lIns="91425" spcFirstLastPara="1" rIns="91425" wrap="square" tIns="91425">
+          <a:bodyPr spcFirstLastPara="1" wrap="square" lIns="91425" tIns="91425" rIns="91425" bIns="91425" anchor="ctr" anchorCtr="0">
             <a:noAutofit/>
           </a:bodyPr>
           <a:lstStyle>
@@ -6913,16 +7014,16 @@
                 <a:srgbClr val="2E3D49"/>
               </a:buClr>
               <a:buSzPts val="2000"/>
-              <a:buFont typeface="Open Sans"/>
-              <a:buNone/>
-              <a:defRPr b="1" sz="2000">
-                <a:solidFill>
-                  <a:srgbClr val="2E3D49"/>
-                </a:solidFill>
-                <a:latin typeface="Open Sans"/>
-                <a:ea typeface="Open Sans"/>
-                <a:cs typeface="Open Sans"/>
-                <a:sym typeface="Open Sans"/>
+              <a:buFont typeface="Open Sans" panose="020B0606030504020204"/>
+              <a:buNone/>
+              <a:defRPr sz="2000" b="1">
+                <a:solidFill>
+                  <a:srgbClr val="2E3D49"/>
+                </a:solidFill>
+                <a:latin typeface="Open Sans" panose="020B0606030504020204"/>
+                <a:ea typeface="Open Sans" panose="020B0606030504020204"/>
+                <a:cs typeface="Open Sans" panose="020B0606030504020204"/>
+                <a:sym typeface="Open Sans" panose="020B0606030504020204"/>
               </a:defRPr>
             </a:lvl1pPr>
             <a:lvl2pPr lvl="1" rtl="0">
@@ -7082,18 +7183,17 @@
 </file>
 
 <file path=ppt/slideLayouts/slideLayout9.xml><?xml version="1.0" encoding="utf-8"?>
-<p:sldLayout xmlns:a="http://schemas.openxmlformats.org/drawingml/2006/main" xmlns:r="http://schemas.openxmlformats.org/officeDocument/2006/relationships" xmlns:mc="http://schemas.openxmlformats.org/markup-compatibility/2006" xmlns:mv="urn:schemas-microsoft-com:mac:vml" xmlns:p="http://schemas.openxmlformats.org/presentationml/2006/main" xmlns:c="http://schemas.openxmlformats.org/drawingml/2006/chart" xmlns:dgm="http://schemas.openxmlformats.org/drawingml/2006/diagram" xmlns:o="urn:schemas-microsoft-com:office:office" xmlns:v="urn:schemas-microsoft-com:vml" xmlns:pvml="urn:schemas-microsoft-com:office:powerpoint" xmlns:com="http://schemas.openxmlformats.org/drawingml/2006/compatibility" xmlns:p14="http://schemas.microsoft.com/office/powerpoint/2010/main" xmlns:p15="http://schemas.microsoft.com/office/powerpoint/2012/main" xmlns:ahyp="http://schemas.microsoft.com/office/drawing/2018/hyperlinkcolor" matchingName="Images or icons (w/o title)">
+<p:sldLayout xmlns:a="http://schemas.openxmlformats.org/drawingml/2006/main" xmlns:r="http://schemas.openxmlformats.org/officeDocument/2006/relationships" xmlns:p="http://schemas.openxmlformats.org/presentationml/2006/main" matchingName="Images or icons (w/o title)">
   <p:cSld name="BLANK_1">
     <p:bg>
       <p:bgPr>
         <a:blipFill>
-          <a:blip r:embed="rId2">
-            <a:alphaModFix/>
-          </a:blip>
+          <a:blip r:embed="rId2"/>
           <a:stretch>
             <a:fillRect/>
           </a:stretch>
         </a:blipFill>
+        <a:effectLst/>
       </p:bgPr>
     </p:bg>
     <p:spTree>
@@ -7115,7 +7215,7 @@
           <p:cNvPr id="45" name="Google Shape;45;p10"/>
           <p:cNvSpPr txBox="1"/>
           <p:nvPr>
-            <p:ph idx="12" type="sldNum"/>
+            <p:ph type="sldNum" idx="12"/>
           </p:nvPr>
         </p:nvSpPr>
         <p:spPr>
@@ -7128,7 +7228,7 @@
           </a:prstGeom>
         </p:spPr>
         <p:txBody>
-          <a:bodyPr anchorCtr="0" anchor="ctr" bIns="91425" lIns="91425" spcFirstLastPara="1" rIns="91425" wrap="square" tIns="91425">
+          <a:bodyPr spcFirstLastPara="1" wrap="square" lIns="91425" tIns="91425" rIns="91425" bIns="91425" anchor="ctr" anchorCtr="0">
             <a:noAutofit/>
           </a:bodyPr>
           <a:lstStyle>
@@ -7170,7 +7270,7 @@
             </a:lvl9pPr>
           </a:lstStyle>
           <a:p>
-            <a:pPr indent="0" lvl="0" marL="0" rtl="0" algn="r">
+            <a:pPr marL="0" lvl="0" indent="0" algn="r" rtl="0">
               <a:spcBef>
                 <a:spcPts val="0"/>
               </a:spcBef>
@@ -7180,10 +7280,9 @@
               <a:buNone/>
             </a:pPr>
             <a:fld id="{00000000-1234-1234-1234-123412341234}" type="slidenum">
-              <a:rPr lang="en"/>
-              <a:t>‹#›</a:t>
+              <a:rPr lang="en-GB"/>
             </a:fld>
-            <a:endParaRPr/>
+            <a:endParaRPr lang="en-GB"/>
           </a:p>
         </p:txBody>
       </p:sp>
@@ -7196,18 +7295,17 @@
 </file>
 
 <file path=ppt/slideMasters/slideMaster1.xml><?xml version="1.0" encoding="utf-8"?>
-<p:sldMaster xmlns:a="http://schemas.openxmlformats.org/drawingml/2006/main" xmlns:r="http://schemas.openxmlformats.org/officeDocument/2006/relationships" xmlns:mc="http://schemas.openxmlformats.org/markup-compatibility/2006" xmlns:mv="urn:schemas-microsoft-com:mac:vml" xmlns:p="http://schemas.openxmlformats.org/presentationml/2006/main" xmlns:c="http://schemas.openxmlformats.org/drawingml/2006/chart" xmlns:dgm="http://schemas.openxmlformats.org/drawingml/2006/diagram" xmlns:o="urn:schemas-microsoft-com:office:office" xmlns:v="urn:schemas-microsoft-com:vml" xmlns:pvml="urn:schemas-microsoft-com:office:powerpoint" xmlns:com="http://schemas.openxmlformats.org/drawingml/2006/compatibility" xmlns:p14="http://schemas.microsoft.com/office/powerpoint/2010/main" xmlns:p15="http://schemas.microsoft.com/office/powerpoint/2012/main" xmlns:ahyp="http://schemas.microsoft.com/office/drawing/2018/hyperlinkcolor">
-  <p:cSld name="simple-light-2">
+<p:sldMaster xmlns:a="http://schemas.openxmlformats.org/drawingml/2006/main" xmlns:r="http://schemas.openxmlformats.org/officeDocument/2006/relationships" xmlns:p="http://schemas.openxmlformats.org/presentationml/2006/main">
+  <p:cSld>
     <p:bg>
       <p:bgPr>
         <a:blipFill>
-          <a:blip r:embed="rId1">
-            <a:alphaModFix/>
-          </a:blip>
+          <a:blip r:embed="rId11"/>
           <a:stretch>
             <a:fillRect/>
           </a:stretch>
         </a:blipFill>
+        <a:effectLst/>
       </p:bgPr>
     </p:bg>
     <p:spTree>
@@ -7246,7 +7344,7 @@
           </a:ln>
         </p:spPr>
         <p:txBody>
-          <a:bodyPr anchorCtr="0" anchor="t" bIns="91425" lIns="91425" spcFirstLastPara="1" rIns="91425" wrap="square" tIns="91425">
+          <a:bodyPr spcFirstLastPara="1" wrap="square" lIns="91425" tIns="91425" rIns="91425" bIns="91425" anchor="t" anchorCtr="0">
             <a:noAutofit/>
           </a:bodyPr>
           <a:lstStyle>
@@ -7261,16 +7359,16 @@
                 <a:srgbClr val="2E3D49"/>
               </a:buClr>
               <a:buSzPts val="2000"/>
-              <a:buFont typeface="Open Sans"/>
-              <a:buNone/>
-              <a:defRPr b="1" sz="2000">
-                <a:solidFill>
-                  <a:srgbClr val="2E3D49"/>
-                </a:solidFill>
-                <a:latin typeface="Open Sans"/>
-                <a:ea typeface="Open Sans"/>
-                <a:cs typeface="Open Sans"/>
-                <a:sym typeface="Open Sans"/>
+              <a:buFont typeface="Open Sans" panose="020B0606030504020204"/>
+              <a:buNone/>
+              <a:defRPr sz="2000" b="1">
+                <a:solidFill>
+                  <a:srgbClr val="2E3D49"/>
+                </a:solidFill>
+                <a:latin typeface="Open Sans" panose="020B0606030504020204"/>
+                <a:ea typeface="Open Sans" panose="020B0606030504020204"/>
+                <a:cs typeface="Open Sans" panose="020B0606030504020204"/>
+                <a:sym typeface="Open Sans" panose="020B0606030504020204"/>
               </a:defRPr>
             </a:lvl1pPr>
             <a:lvl2pPr lvl="1" rtl="0">
@@ -7284,16 +7382,16 @@
                 <a:schemeClr val="dk1"/>
               </a:buClr>
               <a:buSzPts val="2000"/>
-              <a:buFont typeface="Open Sans"/>
-              <a:buNone/>
-              <a:defRPr b="1" sz="2000">
+              <a:buFont typeface="Open Sans" panose="020B0606030504020204"/>
+              <a:buNone/>
+              <a:defRPr sz="2000" b="1">
                 <a:solidFill>
                   <a:schemeClr val="dk1"/>
                 </a:solidFill>
-                <a:latin typeface="Open Sans"/>
-                <a:ea typeface="Open Sans"/>
-                <a:cs typeface="Open Sans"/>
-                <a:sym typeface="Open Sans"/>
+                <a:latin typeface="Open Sans" panose="020B0606030504020204"/>
+                <a:ea typeface="Open Sans" panose="020B0606030504020204"/>
+                <a:cs typeface="Open Sans" panose="020B0606030504020204"/>
+                <a:sym typeface="Open Sans" panose="020B0606030504020204"/>
               </a:defRPr>
             </a:lvl2pPr>
             <a:lvl3pPr lvl="2" rtl="0">
@@ -7307,16 +7405,16 @@
                 <a:schemeClr val="dk1"/>
               </a:buClr>
               <a:buSzPts val="2000"/>
-              <a:buFont typeface="Open Sans"/>
-              <a:buNone/>
-              <a:defRPr b="1" sz="2000">
+              <a:buFont typeface="Open Sans" panose="020B0606030504020204"/>
+              <a:buNone/>
+              <a:defRPr sz="2000" b="1">
                 <a:solidFill>
                   <a:schemeClr val="dk1"/>
                 </a:solidFill>
-                <a:latin typeface="Open Sans"/>
-                <a:ea typeface="Open Sans"/>
-                <a:cs typeface="Open Sans"/>
-                <a:sym typeface="Open Sans"/>
+                <a:latin typeface="Open Sans" panose="020B0606030504020204"/>
+                <a:ea typeface="Open Sans" panose="020B0606030504020204"/>
+                <a:cs typeface="Open Sans" panose="020B0606030504020204"/>
+                <a:sym typeface="Open Sans" panose="020B0606030504020204"/>
               </a:defRPr>
             </a:lvl3pPr>
             <a:lvl4pPr lvl="3" rtl="0">
@@ -7330,16 +7428,16 @@
                 <a:schemeClr val="dk1"/>
               </a:buClr>
               <a:buSzPts val="2000"/>
-              <a:buFont typeface="Open Sans"/>
-              <a:buNone/>
-              <a:defRPr b="1" sz="2000">
+              <a:buFont typeface="Open Sans" panose="020B0606030504020204"/>
+              <a:buNone/>
+              <a:defRPr sz="2000" b="1">
                 <a:solidFill>
                   <a:schemeClr val="dk1"/>
                 </a:solidFill>
-                <a:latin typeface="Open Sans"/>
-                <a:ea typeface="Open Sans"/>
-                <a:cs typeface="Open Sans"/>
-                <a:sym typeface="Open Sans"/>
+                <a:latin typeface="Open Sans" panose="020B0606030504020204"/>
+                <a:ea typeface="Open Sans" panose="020B0606030504020204"/>
+                <a:cs typeface="Open Sans" panose="020B0606030504020204"/>
+                <a:sym typeface="Open Sans" panose="020B0606030504020204"/>
               </a:defRPr>
             </a:lvl4pPr>
             <a:lvl5pPr lvl="4" rtl="0">
@@ -7353,16 +7451,16 @@
                 <a:schemeClr val="dk1"/>
               </a:buClr>
               <a:buSzPts val="2000"/>
-              <a:buFont typeface="Open Sans"/>
-              <a:buNone/>
-              <a:defRPr b="1" sz="2000">
+              <a:buFont typeface="Open Sans" panose="020B0606030504020204"/>
+              <a:buNone/>
+              <a:defRPr sz="2000" b="1">
                 <a:solidFill>
                   <a:schemeClr val="dk1"/>
                 </a:solidFill>
-                <a:latin typeface="Open Sans"/>
-                <a:ea typeface="Open Sans"/>
-                <a:cs typeface="Open Sans"/>
-                <a:sym typeface="Open Sans"/>
+                <a:latin typeface="Open Sans" panose="020B0606030504020204"/>
+                <a:ea typeface="Open Sans" panose="020B0606030504020204"/>
+                <a:cs typeface="Open Sans" panose="020B0606030504020204"/>
+                <a:sym typeface="Open Sans" panose="020B0606030504020204"/>
               </a:defRPr>
             </a:lvl5pPr>
             <a:lvl6pPr lvl="5" rtl="0">
@@ -7376,16 +7474,16 @@
                 <a:schemeClr val="dk1"/>
               </a:buClr>
               <a:buSzPts val="2000"/>
-              <a:buFont typeface="Open Sans"/>
-              <a:buNone/>
-              <a:defRPr b="1" sz="2000">
+              <a:buFont typeface="Open Sans" panose="020B0606030504020204"/>
+              <a:buNone/>
+              <a:defRPr sz="2000" b="1">
                 <a:solidFill>
                   <a:schemeClr val="dk1"/>
                 </a:solidFill>
-                <a:latin typeface="Open Sans"/>
-                <a:ea typeface="Open Sans"/>
-                <a:cs typeface="Open Sans"/>
-                <a:sym typeface="Open Sans"/>
+                <a:latin typeface="Open Sans" panose="020B0606030504020204"/>
+                <a:ea typeface="Open Sans" panose="020B0606030504020204"/>
+                <a:cs typeface="Open Sans" panose="020B0606030504020204"/>
+                <a:sym typeface="Open Sans" panose="020B0606030504020204"/>
               </a:defRPr>
             </a:lvl6pPr>
             <a:lvl7pPr lvl="6" rtl="0">
@@ -7399,16 +7497,16 @@
                 <a:schemeClr val="dk1"/>
               </a:buClr>
               <a:buSzPts val="2000"/>
-              <a:buFont typeface="Open Sans"/>
-              <a:buNone/>
-              <a:defRPr b="1" sz="2000">
+              <a:buFont typeface="Open Sans" panose="020B0606030504020204"/>
+              <a:buNone/>
+              <a:defRPr sz="2000" b="1">
                 <a:solidFill>
                   <a:schemeClr val="dk1"/>
                 </a:solidFill>
-                <a:latin typeface="Open Sans"/>
-                <a:ea typeface="Open Sans"/>
-                <a:cs typeface="Open Sans"/>
-                <a:sym typeface="Open Sans"/>
+                <a:latin typeface="Open Sans" panose="020B0606030504020204"/>
+                <a:ea typeface="Open Sans" panose="020B0606030504020204"/>
+                <a:cs typeface="Open Sans" panose="020B0606030504020204"/>
+                <a:sym typeface="Open Sans" panose="020B0606030504020204"/>
               </a:defRPr>
             </a:lvl7pPr>
             <a:lvl8pPr lvl="7" rtl="0">
@@ -7422,16 +7520,16 @@
                 <a:schemeClr val="dk1"/>
               </a:buClr>
               <a:buSzPts val="2000"/>
-              <a:buFont typeface="Open Sans"/>
-              <a:buNone/>
-              <a:defRPr b="1" sz="2000">
+              <a:buFont typeface="Open Sans" panose="020B0606030504020204"/>
+              <a:buNone/>
+              <a:defRPr sz="2000" b="1">
                 <a:solidFill>
                   <a:schemeClr val="dk1"/>
                 </a:solidFill>
-                <a:latin typeface="Open Sans"/>
-                <a:ea typeface="Open Sans"/>
-                <a:cs typeface="Open Sans"/>
-                <a:sym typeface="Open Sans"/>
+                <a:latin typeface="Open Sans" panose="020B0606030504020204"/>
+                <a:ea typeface="Open Sans" panose="020B0606030504020204"/>
+                <a:cs typeface="Open Sans" panose="020B0606030504020204"/>
+                <a:sym typeface="Open Sans" panose="020B0606030504020204"/>
               </a:defRPr>
             </a:lvl8pPr>
             <a:lvl9pPr lvl="8" rtl="0">
@@ -7445,16 +7543,16 @@
                 <a:schemeClr val="dk1"/>
               </a:buClr>
               <a:buSzPts val="2000"/>
-              <a:buFont typeface="Open Sans"/>
-              <a:buNone/>
-              <a:defRPr b="1" sz="2000">
+              <a:buFont typeface="Open Sans" panose="020B0606030504020204"/>
+              <a:buNone/>
+              <a:defRPr sz="2000" b="1">
                 <a:solidFill>
                   <a:schemeClr val="dk1"/>
                 </a:solidFill>
-                <a:latin typeface="Open Sans"/>
-                <a:ea typeface="Open Sans"/>
-                <a:cs typeface="Open Sans"/>
-                <a:sym typeface="Open Sans"/>
+                <a:latin typeface="Open Sans" panose="020B0606030504020204"/>
+                <a:ea typeface="Open Sans" panose="020B0606030504020204"/>
+                <a:cs typeface="Open Sans" panose="020B0606030504020204"/>
+                <a:sym typeface="Open Sans" panose="020B0606030504020204"/>
               </a:defRPr>
             </a:lvl9pPr>
           </a:lstStyle>
@@ -7466,7 +7564,7 @@
           <p:cNvPr id="7" name="Google Shape;7;p1"/>
           <p:cNvSpPr txBox="1"/>
           <p:nvPr>
-            <p:ph idx="1" type="body"/>
+            <p:ph type="body" idx="1"/>
           </p:nvPr>
         </p:nvSpPr>
         <p:spPr>
@@ -7483,11 +7581,11 @@
           </a:ln>
         </p:spPr>
         <p:txBody>
-          <a:bodyPr anchorCtr="0" anchor="t" bIns="91425" lIns="91425" spcFirstLastPara="1" rIns="91425" wrap="square" tIns="91425">
+          <a:bodyPr spcFirstLastPara="1" wrap="square" lIns="91425" tIns="91425" rIns="91425" bIns="91425" anchor="t" anchorCtr="0">
             <a:noAutofit/>
           </a:bodyPr>
           <a:lstStyle>
-            <a:lvl1pPr indent="-317500" lvl="0" marL="457200" rtl="0">
+            <a:lvl1pPr marL="457200" lvl="0" indent="-317500" rtl="0">
               <a:lnSpc>
                 <a:spcPct val="100000"/>
               </a:lnSpc>
@@ -7501,19 +7599,19 @@
                 <a:srgbClr val="2E3D49"/>
               </a:buClr>
               <a:buSzPts val="1400"/>
-              <a:buFont typeface="Open Sans"/>
+              <a:buFont typeface="Open Sans" panose="020B0606030504020204"/>
               <a:buChar char="●"/>
               <a:defRPr>
                 <a:solidFill>
                   <a:srgbClr val="2E3D49"/>
                 </a:solidFill>
-                <a:latin typeface="Open Sans"/>
-                <a:ea typeface="Open Sans"/>
-                <a:cs typeface="Open Sans"/>
-                <a:sym typeface="Open Sans"/>
+                <a:latin typeface="Open Sans" panose="020B0606030504020204"/>
+                <a:ea typeface="Open Sans" panose="020B0606030504020204"/>
+                <a:cs typeface="Open Sans" panose="020B0606030504020204"/>
+                <a:sym typeface="Open Sans" panose="020B0606030504020204"/>
               </a:defRPr>
             </a:lvl1pPr>
-            <a:lvl2pPr indent="-317500" lvl="1" marL="914400" rtl="0">
+            <a:lvl2pPr marL="914400" lvl="1" indent="-317500" rtl="0">
               <a:lnSpc>
                 <a:spcPct val="100000"/>
               </a:lnSpc>
@@ -7527,19 +7625,19 @@
                 <a:srgbClr val="2E3D49"/>
               </a:buClr>
               <a:buSzPts val="1400"/>
-              <a:buFont typeface="Open Sans"/>
+              <a:buFont typeface="Open Sans" panose="020B0606030504020204"/>
               <a:buChar char="○"/>
               <a:defRPr>
                 <a:solidFill>
                   <a:srgbClr val="2E3D49"/>
                 </a:solidFill>
-                <a:latin typeface="Open Sans"/>
-                <a:ea typeface="Open Sans"/>
-                <a:cs typeface="Open Sans"/>
-                <a:sym typeface="Open Sans"/>
+                <a:latin typeface="Open Sans" panose="020B0606030504020204"/>
+                <a:ea typeface="Open Sans" panose="020B0606030504020204"/>
+                <a:cs typeface="Open Sans" panose="020B0606030504020204"/>
+                <a:sym typeface="Open Sans" panose="020B0606030504020204"/>
               </a:defRPr>
             </a:lvl2pPr>
-            <a:lvl3pPr indent="-317500" lvl="2" marL="1371600" rtl="0">
+            <a:lvl3pPr marL="1371600" lvl="2" indent="-317500" rtl="0">
               <a:lnSpc>
                 <a:spcPct val="100000"/>
               </a:lnSpc>
@@ -7553,19 +7651,19 @@
                 <a:srgbClr val="2E3D49"/>
               </a:buClr>
               <a:buSzPts val="1400"/>
-              <a:buFont typeface="Open Sans"/>
+              <a:buFont typeface="Open Sans" panose="020B0606030504020204"/>
               <a:buChar char="■"/>
               <a:defRPr>
                 <a:solidFill>
                   <a:srgbClr val="2E3D49"/>
                 </a:solidFill>
-                <a:latin typeface="Open Sans"/>
-                <a:ea typeface="Open Sans"/>
-                <a:cs typeface="Open Sans"/>
-                <a:sym typeface="Open Sans"/>
+                <a:latin typeface="Open Sans" panose="020B0606030504020204"/>
+                <a:ea typeface="Open Sans" panose="020B0606030504020204"/>
+                <a:cs typeface="Open Sans" panose="020B0606030504020204"/>
+                <a:sym typeface="Open Sans" panose="020B0606030504020204"/>
               </a:defRPr>
             </a:lvl3pPr>
-            <a:lvl4pPr indent="-317500" lvl="3" marL="1828800" rtl="0">
+            <a:lvl4pPr marL="1828800" lvl="3" indent="-317500" rtl="0">
               <a:lnSpc>
                 <a:spcPct val="100000"/>
               </a:lnSpc>
@@ -7579,19 +7677,19 @@
                 <a:srgbClr val="2E3D49"/>
               </a:buClr>
               <a:buSzPts val="1400"/>
-              <a:buFont typeface="Open Sans"/>
+              <a:buFont typeface="Open Sans" panose="020B0606030504020204"/>
               <a:buChar char="●"/>
               <a:defRPr>
                 <a:solidFill>
                   <a:srgbClr val="2E3D49"/>
                 </a:solidFill>
-                <a:latin typeface="Open Sans"/>
-                <a:ea typeface="Open Sans"/>
-                <a:cs typeface="Open Sans"/>
-                <a:sym typeface="Open Sans"/>
+                <a:latin typeface="Open Sans" panose="020B0606030504020204"/>
+                <a:ea typeface="Open Sans" panose="020B0606030504020204"/>
+                <a:cs typeface="Open Sans" panose="020B0606030504020204"/>
+                <a:sym typeface="Open Sans" panose="020B0606030504020204"/>
               </a:defRPr>
             </a:lvl4pPr>
-            <a:lvl5pPr indent="-317500" lvl="4" marL="2286000" rtl="0">
+            <a:lvl5pPr marL="2286000" lvl="4" indent="-317500" rtl="0">
               <a:lnSpc>
                 <a:spcPct val="100000"/>
               </a:lnSpc>
@@ -7605,19 +7703,19 @@
                 <a:srgbClr val="2E3D49"/>
               </a:buClr>
               <a:buSzPts val="1400"/>
-              <a:buFont typeface="Open Sans"/>
+              <a:buFont typeface="Open Sans" panose="020B0606030504020204"/>
               <a:buChar char="○"/>
               <a:defRPr>
                 <a:solidFill>
                   <a:srgbClr val="2E3D49"/>
                 </a:solidFill>
-                <a:latin typeface="Open Sans"/>
-                <a:ea typeface="Open Sans"/>
-                <a:cs typeface="Open Sans"/>
-                <a:sym typeface="Open Sans"/>
+                <a:latin typeface="Open Sans" panose="020B0606030504020204"/>
+                <a:ea typeface="Open Sans" panose="020B0606030504020204"/>
+                <a:cs typeface="Open Sans" panose="020B0606030504020204"/>
+                <a:sym typeface="Open Sans" panose="020B0606030504020204"/>
               </a:defRPr>
             </a:lvl5pPr>
-            <a:lvl6pPr indent="-317500" lvl="5" marL="2743200" rtl="0">
+            <a:lvl6pPr marL="2743200" lvl="5" indent="-317500" rtl="0">
               <a:lnSpc>
                 <a:spcPct val="100000"/>
               </a:lnSpc>
@@ -7631,19 +7729,19 @@
                 <a:srgbClr val="2E3D49"/>
               </a:buClr>
               <a:buSzPts val="1400"/>
-              <a:buFont typeface="Open Sans"/>
+              <a:buFont typeface="Open Sans" panose="020B0606030504020204"/>
               <a:buChar char="■"/>
               <a:defRPr>
                 <a:solidFill>
                   <a:srgbClr val="2E3D49"/>
                 </a:solidFill>
-                <a:latin typeface="Open Sans"/>
-                <a:ea typeface="Open Sans"/>
-                <a:cs typeface="Open Sans"/>
-                <a:sym typeface="Open Sans"/>
+                <a:latin typeface="Open Sans" panose="020B0606030504020204"/>
+                <a:ea typeface="Open Sans" panose="020B0606030504020204"/>
+                <a:cs typeface="Open Sans" panose="020B0606030504020204"/>
+                <a:sym typeface="Open Sans" panose="020B0606030504020204"/>
               </a:defRPr>
             </a:lvl6pPr>
-            <a:lvl7pPr indent="-317500" lvl="6" marL="3200400" rtl="0">
+            <a:lvl7pPr marL="3200400" lvl="6" indent="-317500" rtl="0">
               <a:lnSpc>
                 <a:spcPct val="100000"/>
               </a:lnSpc>
@@ -7657,19 +7755,19 @@
                 <a:srgbClr val="2E3D49"/>
               </a:buClr>
               <a:buSzPts val="1400"/>
-              <a:buFont typeface="Open Sans"/>
+              <a:buFont typeface="Open Sans" panose="020B0606030504020204"/>
               <a:buChar char="●"/>
               <a:defRPr>
                 <a:solidFill>
                   <a:srgbClr val="2E3D49"/>
                 </a:solidFill>
-                <a:latin typeface="Open Sans"/>
-                <a:ea typeface="Open Sans"/>
-                <a:cs typeface="Open Sans"/>
-                <a:sym typeface="Open Sans"/>
+                <a:latin typeface="Open Sans" panose="020B0606030504020204"/>
+                <a:ea typeface="Open Sans" panose="020B0606030504020204"/>
+                <a:cs typeface="Open Sans" panose="020B0606030504020204"/>
+                <a:sym typeface="Open Sans" panose="020B0606030504020204"/>
               </a:defRPr>
             </a:lvl7pPr>
-            <a:lvl8pPr indent="-317500" lvl="7" marL="3657600" rtl="0">
+            <a:lvl8pPr marL="3657600" lvl="7" indent="-317500" rtl="0">
               <a:lnSpc>
                 <a:spcPct val="100000"/>
               </a:lnSpc>
@@ -7683,19 +7781,19 @@
                 <a:srgbClr val="2E3D49"/>
               </a:buClr>
               <a:buSzPts val="1400"/>
-              <a:buFont typeface="Open Sans"/>
+              <a:buFont typeface="Open Sans" panose="020B0606030504020204"/>
               <a:buChar char="○"/>
               <a:defRPr>
                 <a:solidFill>
                   <a:srgbClr val="2E3D49"/>
                 </a:solidFill>
-                <a:latin typeface="Open Sans"/>
-                <a:ea typeface="Open Sans"/>
-                <a:cs typeface="Open Sans"/>
-                <a:sym typeface="Open Sans"/>
+                <a:latin typeface="Open Sans" panose="020B0606030504020204"/>
+                <a:ea typeface="Open Sans" panose="020B0606030504020204"/>
+                <a:cs typeface="Open Sans" panose="020B0606030504020204"/>
+                <a:sym typeface="Open Sans" panose="020B0606030504020204"/>
               </a:defRPr>
             </a:lvl8pPr>
-            <a:lvl9pPr indent="-317500" lvl="8" marL="4114800" rtl="0">
+            <a:lvl9pPr marL="4114800" lvl="8" indent="-317500" rtl="0">
               <a:lnSpc>
                 <a:spcPct val="100000"/>
               </a:lnSpc>
@@ -7709,16 +7807,16 @@
                 <a:srgbClr val="2E3D49"/>
               </a:buClr>
               <a:buSzPts val="1400"/>
-              <a:buFont typeface="Open Sans"/>
+              <a:buFont typeface="Open Sans" panose="020B0606030504020204"/>
               <a:buChar char="■"/>
               <a:defRPr>
                 <a:solidFill>
                   <a:srgbClr val="2E3D49"/>
                 </a:solidFill>
-                <a:latin typeface="Open Sans"/>
-                <a:ea typeface="Open Sans"/>
-                <a:cs typeface="Open Sans"/>
-                <a:sym typeface="Open Sans"/>
+                <a:latin typeface="Open Sans" panose="020B0606030504020204"/>
+                <a:ea typeface="Open Sans" panose="020B0606030504020204"/>
+                <a:cs typeface="Open Sans" panose="020B0606030504020204"/>
+                <a:sym typeface="Open Sans" panose="020B0606030504020204"/>
               </a:defRPr>
             </a:lvl9pPr>
           </a:lstStyle>
@@ -7730,7 +7828,7 @@
           <p:cNvPr id="8" name="Google Shape;8;p1"/>
           <p:cNvSpPr txBox="1"/>
           <p:nvPr>
-            <p:ph idx="12" type="sldNum"/>
+            <p:ph type="sldNum" idx="12"/>
           </p:nvPr>
         </p:nvSpPr>
         <p:spPr>
@@ -7747,11 +7845,11 @@
           </a:ln>
         </p:spPr>
         <p:txBody>
-          <a:bodyPr anchorCtr="0" anchor="ctr" bIns="91425" lIns="91425" spcFirstLastPara="1" rIns="91425" wrap="square" tIns="91425">
+          <a:bodyPr spcFirstLastPara="1" wrap="square" lIns="91425" tIns="91425" rIns="91425" bIns="91425" anchor="ctr" anchorCtr="0">
             <a:noAutofit/>
           </a:bodyPr>
           <a:lstStyle>
-            <a:lvl1pPr lvl="0" rtl="0" algn="r">
+            <a:lvl1pPr lvl="0" algn="r" rtl="0">
               <a:buNone/>
               <a:defRPr sz="1000">
                 <a:solidFill>
@@ -7759,7 +7857,7 @@
                 </a:solidFill>
               </a:defRPr>
             </a:lvl1pPr>
-            <a:lvl2pPr lvl="1" rtl="0" algn="r">
+            <a:lvl2pPr lvl="1" algn="r" rtl="0">
               <a:buNone/>
               <a:defRPr sz="1000">
                 <a:solidFill>
@@ -7767,7 +7865,7 @@
                 </a:solidFill>
               </a:defRPr>
             </a:lvl2pPr>
-            <a:lvl3pPr lvl="2" rtl="0" algn="r">
+            <a:lvl3pPr lvl="2" algn="r" rtl="0">
               <a:buNone/>
               <a:defRPr sz="1000">
                 <a:solidFill>
@@ -7775,7 +7873,7 @@
                 </a:solidFill>
               </a:defRPr>
             </a:lvl3pPr>
-            <a:lvl4pPr lvl="3" rtl="0" algn="r">
+            <a:lvl4pPr lvl="3" algn="r" rtl="0">
               <a:buNone/>
               <a:defRPr sz="1000">
                 <a:solidFill>
@@ -7783,7 +7881,7 @@
                 </a:solidFill>
               </a:defRPr>
             </a:lvl4pPr>
-            <a:lvl5pPr lvl="4" rtl="0" algn="r">
+            <a:lvl5pPr lvl="4" algn="r" rtl="0">
               <a:buNone/>
               <a:defRPr sz="1000">
                 <a:solidFill>
@@ -7791,7 +7889,7 @@
                 </a:solidFill>
               </a:defRPr>
             </a:lvl5pPr>
-            <a:lvl6pPr lvl="5" rtl="0" algn="r">
+            <a:lvl6pPr lvl="5" algn="r" rtl="0">
               <a:buNone/>
               <a:defRPr sz="1000">
                 <a:solidFill>
@@ -7799,7 +7897,7 @@
                 </a:solidFill>
               </a:defRPr>
             </a:lvl6pPr>
-            <a:lvl7pPr lvl="6" rtl="0" algn="r">
+            <a:lvl7pPr lvl="6" algn="r" rtl="0">
               <a:buNone/>
               <a:defRPr sz="1000">
                 <a:solidFill>
@@ -7807,7 +7905,7 @@
                 </a:solidFill>
               </a:defRPr>
             </a:lvl7pPr>
-            <a:lvl8pPr lvl="7" rtl="0" algn="r">
+            <a:lvl8pPr lvl="7" algn="r" rtl="0">
               <a:buNone/>
               <a:defRPr sz="1000">
                 <a:solidFill>
@@ -7815,7 +7913,7 @@
                 </a:solidFill>
               </a:defRPr>
             </a:lvl8pPr>
-            <a:lvl9pPr lvl="8" rtl="0" algn="r">
+            <a:lvl9pPr lvl="8" algn="r" rtl="0">
               <a:buNone/>
               <a:defRPr sz="1000">
                 <a:solidFill>
@@ -7825,7 +7923,7 @@
             </a:lvl9pPr>
           </a:lstStyle>
           <a:p>
-            <a:pPr indent="0" lvl="0" marL="0" rtl="0" algn="r">
+            <a:pPr marL="0" lvl="0" indent="0" algn="r" rtl="0">
               <a:spcBef>
                 <a:spcPts val="0"/>
               </a:spcBef>
@@ -7835,10 +7933,9 @@
               <a:buNone/>
             </a:pPr>
             <a:fld id="{00000000-1234-1234-1234-123412341234}" type="slidenum">
-              <a:rPr lang="en"/>
-              <a:t>‹#›</a:t>
+              <a:rPr lang="en-GB"/>
             </a:fld>
-            <a:endParaRPr/>
+            <a:endParaRPr lang="en-GB"/>
           </a:p>
         </p:txBody>
       </p:sp>
@@ -7862,12 +7959,12 @@
           </a:ln>
         </p:spPr>
         <p:txBody>
-          <a:bodyPr anchorCtr="0" anchor="t" bIns="91425" lIns="91425" spcFirstLastPara="1" rIns="91425" wrap="square" tIns="91425">
+          <a:bodyPr spcFirstLastPara="1" wrap="square" lIns="91425" tIns="91425" rIns="91425" bIns="91425" anchor="t" anchorCtr="0">
             <a:noAutofit/>
           </a:bodyPr>
           <a:lstStyle/>
           <a:p>
-            <a:pPr indent="0" lvl="0" marL="0" rtl="0" algn="l">
+            <a:pPr marL="0" lvl="0" indent="0" algn="l" rtl="0">
               <a:spcBef>
                 <a:spcPts val="0"/>
               </a:spcBef>
@@ -7877,14 +7974,14 @@
               <a:buNone/>
             </a:pPr>
             <a:r>
-              <a:rPr lang="en" sz="800">
+              <a:rPr lang="en-GB" sz="800">
                 <a:solidFill>
                   <a:srgbClr val="999999"/>
                 </a:solidFill>
-                <a:latin typeface="Open Sans"/>
-                <a:ea typeface="Open Sans"/>
-                <a:cs typeface="Open Sans"/>
-                <a:sym typeface="Open Sans"/>
+                <a:latin typeface="Open Sans" panose="020B0606030504020204"/>
+                <a:ea typeface="Open Sans" panose="020B0606030504020204"/>
+                <a:cs typeface="Open Sans" panose="020B0606030504020204"/>
+                <a:sym typeface="Open Sans" panose="020B0606030504020204"/>
               </a:rPr>
               <a:t>Confidential</a:t>
             </a:r>
@@ -7892,33 +7989,33 @@
               <a:solidFill>
                 <a:srgbClr val="999999"/>
               </a:solidFill>
-              <a:latin typeface="Open Sans"/>
-              <a:ea typeface="Open Sans"/>
-              <a:cs typeface="Open Sans"/>
-              <a:sym typeface="Open Sans"/>
+              <a:latin typeface="Open Sans" panose="020B0606030504020204"/>
+              <a:ea typeface="Open Sans" panose="020B0606030504020204"/>
+              <a:cs typeface="Open Sans" panose="020B0606030504020204"/>
+              <a:sym typeface="Open Sans" panose="020B0606030504020204"/>
             </a:endParaRPr>
           </a:p>
         </p:txBody>
       </p:sp>
     </p:spTree>
   </p:cSld>
-  <p:clrMap accent1="accent1" accent2="accent2" accent3="accent3" accent4="accent4" accent5="accent5" accent6="accent6" bg1="lt1" bg2="dk2" tx1="dk1" tx2="lt2" folHlink="folHlink" hlink="hlink"/>
+  <p:clrMap bg1="lt1" tx1="dk1" bg2="dk2" tx2="lt2" accent1="accent1" accent2="accent2" accent3="accent3" accent4="accent4" accent5="accent5" accent6="accent6" hlink="hlink" folHlink="folHlink"/>
   <p:sldLayoutIdLst>
-    <p:sldLayoutId id="2147483648" r:id="rId2"/>
-    <p:sldLayoutId id="2147483649" r:id="rId3"/>
-    <p:sldLayoutId id="2147483650" r:id="rId4"/>
-    <p:sldLayoutId id="2147483651" r:id="rId5"/>
-    <p:sldLayoutId id="2147483652" r:id="rId6"/>
-    <p:sldLayoutId id="2147483653" r:id="rId7"/>
-    <p:sldLayoutId id="2147483654" r:id="rId8"/>
-    <p:sldLayoutId id="2147483655" r:id="rId9"/>
-    <p:sldLayoutId id="2147483656" r:id="rId10"/>
-    <p:sldLayoutId id="2147483657" r:id="rId11"/>
+    <p:sldLayoutId id="2147483649" r:id="rId1"/>
+    <p:sldLayoutId id="2147483650" r:id="rId2"/>
+    <p:sldLayoutId id="2147483651" r:id="rId3"/>
+    <p:sldLayoutId id="2147483652" r:id="rId4"/>
+    <p:sldLayoutId id="2147483653" r:id="rId5"/>
+    <p:sldLayoutId id="2147483654" r:id="rId6"/>
+    <p:sldLayoutId id="2147483655" r:id="rId7"/>
+    <p:sldLayoutId id="2147483656" r:id="rId8"/>
+    <p:sldLayoutId id="2147483657" r:id="rId9"/>
+    <p:sldLayoutId id="2147483658" r:id="rId10"/>
   </p:sldLayoutIdLst>
-  <p:hf dt="0" ftr="0" hdr="0" sldNum="0"/>
+  <p:hf sldNum="0" hdr="0" ftr="0" dt="0"/>
   <p:txStyles>
     <p:titleStyle>
-      <a:defPPr lvl="0" marR="0" rtl="0" algn="l">
+      <a:defPPr marR="0" lvl="0" algn="l" rtl="0">
         <a:lnSpc>
           <a:spcPct val="100000"/>
         </a:lnSpc>
@@ -7929,7 +8026,7 @@
           <a:spcPts val="0"/>
         </a:spcAft>
       </a:defPPr>
-      <a:lvl1pPr lvl="0" marR="0" rtl="0" algn="l">
+      <a:lvl1pPr marR="0" lvl="0" algn="l" rtl="0">
         <a:lnSpc>
           <a:spcPct val="100000"/>
         </a:lnSpc>
@@ -7942,18 +8039,18 @@
         <a:buClr>
           <a:srgbClr val="000000"/>
         </a:buClr>
-        <a:buFont typeface="Arial"/>
-        <a:defRPr b="0" i="0" sz="1400" u="none" cap="none" strike="noStrike">
+        <a:buFont typeface="Arial" panose="020B0604020202020204"/>
+        <a:defRPr sz="1400" b="0" i="0" u="none" strike="noStrike" cap="none">
           <a:solidFill>
             <a:srgbClr val="000000"/>
           </a:solidFill>
-          <a:latin typeface="Arial"/>
-          <a:ea typeface="Arial"/>
-          <a:cs typeface="Arial"/>
-          <a:sym typeface="Arial"/>
+          <a:latin typeface="Arial" panose="020B0604020202020204"/>
+          <a:ea typeface="Arial" panose="020B0604020202020204"/>
+          <a:cs typeface="Arial" panose="020B0604020202020204"/>
+          <a:sym typeface="Arial" panose="020B0604020202020204"/>
         </a:defRPr>
       </a:lvl1pPr>
-      <a:lvl2pPr lvl="1" marR="0" rtl="0" algn="l">
+      <a:lvl2pPr marR="0" lvl="1" algn="l" rtl="0">
         <a:lnSpc>
           <a:spcPct val="100000"/>
         </a:lnSpc>
@@ -7966,18 +8063,18 @@
         <a:buClr>
           <a:srgbClr val="000000"/>
         </a:buClr>
-        <a:buFont typeface="Arial"/>
-        <a:defRPr b="0" i="0" sz="1400" u="none" cap="none" strike="noStrike">
+        <a:buFont typeface="Arial" panose="020B0604020202020204"/>
+        <a:defRPr sz="1400" b="0" i="0" u="none" strike="noStrike" cap="none">
           <a:solidFill>
             <a:srgbClr val="000000"/>
           </a:solidFill>
-          <a:latin typeface="Arial"/>
-          <a:ea typeface="Arial"/>
-          <a:cs typeface="Arial"/>
-          <a:sym typeface="Arial"/>
+          <a:latin typeface="Arial" panose="020B0604020202020204"/>
+          <a:ea typeface="Arial" panose="020B0604020202020204"/>
+          <a:cs typeface="Arial" panose="020B0604020202020204"/>
+          <a:sym typeface="Arial" panose="020B0604020202020204"/>
         </a:defRPr>
       </a:lvl2pPr>
-      <a:lvl3pPr lvl="2" marR="0" rtl="0" algn="l">
+      <a:lvl3pPr marR="0" lvl="2" algn="l" rtl="0">
         <a:lnSpc>
           <a:spcPct val="100000"/>
         </a:lnSpc>
@@ -7990,18 +8087,18 @@
         <a:buClr>
           <a:srgbClr val="000000"/>
         </a:buClr>
-        <a:buFont typeface="Arial"/>
-        <a:defRPr b="0" i="0" sz="1400" u="none" cap="none" strike="noStrike">
+        <a:buFont typeface="Arial" panose="020B0604020202020204"/>
+        <a:defRPr sz="1400" b="0" i="0" u="none" strike="noStrike" cap="none">
           <a:solidFill>
             <a:srgbClr val="000000"/>
           </a:solidFill>
-          <a:latin typeface="Arial"/>
-          <a:ea typeface="Arial"/>
-          <a:cs typeface="Arial"/>
-          <a:sym typeface="Arial"/>
+          <a:latin typeface="Arial" panose="020B0604020202020204"/>
+          <a:ea typeface="Arial" panose="020B0604020202020204"/>
+          <a:cs typeface="Arial" panose="020B0604020202020204"/>
+          <a:sym typeface="Arial" panose="020B0604020202020204"/>
         </a:defRPr>
       </a:lvl3pPr>
-      <a:lvl4pPr lvl="3" marR="0" rtl="0" algn="l">
+      <a:lvl4pPr marR="0" lvl="3" algn="l" rtl="0">
         <a:lnSpc>
           <a:spcPct val="100000"/>
         </a:lnSpc>
@@ -8014,18 +8111,18 @@
         <a:buClr>
           <a:srgbClr val="000000"/>
         </a:buClr>
-        <a:buFont typeface="Arial"/>
-        <a:defRPr b="0" i="0" sz="1400" u="none" cap="none" strike="noStrike">
+        <a:buFont typeface="Arial" panose="020B0604020202020204"/>
+        <a:defRPr sz="1400" b="0" i="0" u="none" strike="noStrike" cap="none">
           <a:solidFill>
             <a:srgbClr val="000000"/>
           </a:solidFill>
-          <a:latin typeface="Arial"/>
-          <a:ea typeface="Arial"/>
-          <a:cs typeface="Arial"/>
-          <a:sym typeface="Arial"/>
+          <a:latin typeface="Arial" panose="020B0604020202020204"/>
+          <a:ea typeface="Arial" panose="020B0604020202020204"/>
+          <a:cs typeface="Arial" panose="020B0604020202020204"/>
+          <a:sym typeface="Arial" panose="020B0604020202020204"/>
         </a:defRPr>
       </a:lvl4pPr>
-      <a:lvl5pPr lvl="4" marR="0" rtl="0" algn="l">
+      <a:lvl5pPr marR="0" lvl="4" algn="l" rtl="0">
         <a:lnSpc>
           <a:spcPct val="100000"/>
         </a:lnSpc>
@@ -8038,18 +8135,18 @@
         <a:buClr>
           <a:srgbClr val="000000"/>
         </a:buClr>
-        <a:buFont typeface="Arial"/>
-        <a:defRPr b="0" i="0" sz="1400" u="none" cap="none" strike="noStrike">
+        <a:buFont typeface="Arial" panose="020B0604020202020204"/>
+        <a:defRPr sz="1400" b="0" i="0" u="none" strike="noStrike" cap="none">
           <a:solidFill>
             <a:srgbClr val="000000"/>
           </a:solidFill>
-          <a:latin typeface="Arial"/>
-          <a:ea typeface="Arial"/>
-          <a:cs typeface="Arial"/>
-          <a:sym typeface="Arial"/>
+          <a:latin typeface="Arial" panose="020B0604020202020204"/>
+          <a:ea typeface="Arial" panose="020B0604020202020204"/>
+          <a:cs typeface="Arial" panose="020B0604020202020204"/>
+          <a:sym typeface="Arial" panose="020B0604020202020204"/>
         </a:defRPr>
       </a:lvl5pPr>
-      <a:lvl6pPr lvl="5" marR="0" rtl="0" algn="l">
+      <a:lvl6pPr marR="0" lvl="5" algn="l" rtl="0">
         <a:lnSpc>
           <a:spcPct val="100000"/>
         </a:lnSpc>
@@ -8062,18 +8159,18 @@
         <a:buClr>
           <a:srgbClr val="000000"/>
         </a:buClr>
-        <a:buFont typeface="Arial"/>
-        <a:defRPr b="0" i="0" sz="1400" u="none" cap="none" strike="noStrike">
+        <a:buFont typeface="Arial" panose="020B0604020202020204"/>
+        <a:defRPr sz="1400" b="0" i="0" u="none" strike="noStrike" cap="none">
           <a:solidFill>
             <a:srgbClr val="000000"/>
           </a:solidFill>
-          <a:latin typeface="Arial"/>
-          <a:ea typeface="Arial"/>
-          <a:cs typeface="Arial"/>
-          <a:sym typeface="Arial"/>
+          <a:latin typeface="Arial" panose="020B0604020202020204"/>
+          <a:ea typeface="Arial" panose="020B0604020202020204"/>
+          <a:cs typeface="Arial" panose="020B0604020202020204"/>
+          <a:sym typeface="Arial" panose="020B0604020202020204"/>
         </a:defRPr>
       </a:lvl6pPr>
-      <a:lvl7pPr lvl="6" marR="0" rtl="0" algn="l">
+      <a:lvl7pPr marR="0" lvl="6" algn="l" rtl="0">
         <a:lnSpc>
           <a:spcPct val="100000"/>
         </a:lnSpc>
@@ -8086,18 +8183,18 @@
         <a:buClr>
           <a:srgbClr val="000000"/>
         </a:buClr>
-        <a:buFont typeface="Arial"/>
-        <a:defRPr b="0" i="0" sz="1400" u="none" cap="none" strike="noStrike">
+        <a:buFont typeface="Arial" panose="020B0604020202020204"/>
+        <a:defRPr sz="1400" b="0" i="0" u="none" strike="noStrike" cap="none">
           <a:solidFill>
             <a:srgbClr val="000000"/>
           </a:solidFill>
-          <a:latin typeface="Arial"/>
-          <a:ea typeface="Arial"/>
-          <a:cs typeface="Arial"/>
-          <a:sym typeface="Arial"/>
+          <a:latin typeface="Arial" panose="020B0604020202020204"/>
+          <a:ea typeface="Arial" panose="020B0604020202020204"/>
+          <a:cs typeface="Arial" panose="020B0604020202020204"/>
+          <a:sym typeface="Arial" panose="020B0604020202020204"/>
         </a:defRPr>
       </a:lvl7pPr>
-      <a:lvl8pPr lvl="7" marR="0" rtl="0" algn="l">
+      <a:lvl8pPr marR="0" lvl="7" algn="l" rtl="0">
         <a:lnSpc>
           <a:spcPct val="100000"/>
         </a:lnSpc>
@@ -8110,18 +8207,18 @@
         <a:buClr>
           <a:srgbClr val="000000"/>
         </a:buClr>
-        <a:buFont typeface="Arial"/>
-        <a:defRPr b="0" i="0" sz="1400" u="none" cap="none" strike="noStrike">
+        <a:buFont typeface="Arial" panose="020B0604020202020204"/>
+        <a:defRPr sz="1400" b="0" i="0" u="none" strike="noStrike" cap="none">
           <a:solidFill>
             <a:srgbClr val="000000"/>
           </a:solidFill>
-          <a:latin typeface="Arial"/>
-          <a:ea typeface="Arial"/>
-          <a:cs typeface="Arial"/>
-          <a:sym typeface="Arial"/>
+          <a:latin typeface="Arial" panose="020B0604020202020204"/>
+          <a:ea typeface="Arial" panose="020B0604020202020204"/>
+          <a:cs typeface="Arial" panose="020B0604020202020204"/>
+          <a:sym typeface="Arial" panose="020B0604020202020204"/>
         </a:defRPr>
       </a:lvl8pPr>
-      <a:lvl9pPr lvl="8" marR="0" rtl="0" algn="l">
+      <a:lvl9pPr marR="0" lvl="8" algn="l" rtl="0">
         <a:lnSpc>
           <a:spcPct val="100000"/>
         </a:lnSpc>
@@ -8134,20 +8231,20 @@
         <a:buClr>
           <a:srgbClr val="000000"/>
         </a:buClr>
-        <a:buFont typeface="Arial"/>
-        <a:defRPr b="0" i="0" sz="1400" u="none" cap="none" strike="noStrike">
+        <a:buFont typeface="Arial" panose="020B0604020202020204"/>
+        <a:defRPr sz="1400" b="0" i="0" u="none" strike="noStrike" cap="none">
           <a:solidFill>
             <a:srgbClr val="000000"/>
           </a:solidFill>
-          <a:latin typeface="Arial"/>
-          <a:ea typeface="Arial"/>
-          <a:cs typeface="Arial"/>
-          <a:sym typeface="Arial"/>
+          <a:latin typeface="Arial" panose="020B0604020202020204"/>
+          <a:ea typeface="Arial" panose="020B0604020202020204"/>
+          <a:cs typeface="Arial" panose="020B0604020202020204"/>
+          <a:sym typeface="Arial" panose="020B0604020202020204"/>
         </a:defRPr>
       </a:lvl9pPr>
     </p:titleStyle>
     <p:bodyStyle>
-      <a:defPPr lvl="0" marR="0" rtl="0" algn="l">
+      <a:defPPr marR="0" lvl="0" algn="l" rtl="0">
         <a:lnSpc>
           <a:spcPct val="100000"/>
         </a:lnSpc>
@@ -8158,7 +8255,7 @@
           <a:spcPts val="0"/>
         </a:spcAft>
       </a:defPPr>
-      <a:lvl1pPr lvl="0" marR="0" rtl="0" algn="l">
+      <a:lvl1pPr marR="0" lvl="0" algn="l" rtl="0">
         <a:lnSpc>
           <a:spcPct val="100000"/>
         </a:lnSpc>
@@ -8171,18 +8268,18 @@
         <a:buClr>
           <a:srgbClr val="000000"/>
         </a:buClr>
-        <a:buFont typeface="Arial"/>
-        <a:defRPr b="0" i="0" sz="1400" u="none" cap="none" strike="noStrike">
+        <a:buFont typeface="Arial" panose="020B0604020202020204"/>
+        <a:defRPr sz="1400" b="0" i="0" u="none" strike="noStrike" cap="none">
           <a:solidFill>
             <a:srgbClr val="000000"/>
           </a:solidFill>
-          <a:latin typeface="Arial"/>
-          <a:ea typeface="Arial"/>
-          <a:cs typeface="Arial"/>
-          <a:sym typeface="Arial"/>
+          <a:latin typeface="Arial" panose="020B0604020202020204"/>
+          <a:ea typeface="Arial" panose="020B0604020202020204"/>
+          <a:cs typeface="Arial" panose="020B0604020202020204"/>
+          <a:sym typeface="Arial" panose="020B0604020202020204"/>
         </a:defRPr>
       </a:lvl1pPr>
-      <a:lvl2pPr lvl="1" marR="0" rtl="0" algn="l">
+      <a:lvl2pPr marR="0" lvl="1" algn="l" rtl="0">
         <a:lnSpc>
           <a:spcPct val="100000"/>
         </a:lnSpc>
@@ -8195,18 +8292,18 @@
         <a:buClr>
           <a:srgbClr val="000000"/>
         </a:buClr>
-        <a:buFont typeface="Arial"/>
-        <a:defRPr b="0" i="0" sz="1400" u="none" cap="none" strike="noStrike">
+        <a:buFont typeface="Arial" panose="020B0604020202020204"/>
+        <a:defRPr sz="1400" b="0" i="0" u="none" strike="noStrike" cap="none">
           <a:solidFill>
             <a:srgbClr val="000000"/>
           </a:solidFill>
-          <a:latin typeface="Arial"/>
-          <a:ea typeface="Arial"/>
-          <a:cs typeface="Arial"/>
-          <a:sym typeface="Arial"/>
+          <a:latin typeface="Arial" panose="020B0604020202020204"/>
+          <a:ea typeface="Arial" panose="020B0604020202020204"/>
+          <a:cs typeface="Arial" panose="020B0604020202020204"/>
+          <a:sym typeface="Arial" panose="020B0604020202020204"/>
         </a:defRPr>
       </a:lvl2pPr>
-      <a:lvl3pPr lvl="2" marR="0" rtl="0" algn="l">
+      <a:lvl3pPr marR="0" lvl="2" algn="l" rtl="0">
         <a:lnSpc>
           <a:spcPct val="100000"/>
         </a:lnSpc>
@@ -8219,18 +8316,18 @@
         <a:buClr>
           <a:srgbClr val="000000"/>
         </a:buClr>
-        <a:buFont typeface="Arial"/>
-        <a:defRPr b="0" i="0" sz="1400" u="none" cap="none" strike="noStrike">
+        <a:buFont typeface="Arial" panose="020B0604020202020204"/>
+        <a:defRPr sz="1400" b="0" i="0" u="none" strike="noStrike" cap="none">
           <a:solidFill>
             <a:srgbClr val="000000"/>
           </a:solidFill>
-          <a:latin typeface="Arial"/>
-          <a:ea typeface="Arial"/>
-          <a:cs typeface="Arial"/>
-          <a:sym typeface="Arial"/>
+          <a:latin typeface="Arial" panose="020B0604020202020204"/>
+          <a:ea typeface="Arial" panose="020B0604020202020204"/>
+          <a:cs typeface="Arial" panose="020B0604020202020204"/>
+          <a:sym typeface="Arial" panose="020B0604020202020204"/>
         </a:defRPr>
       </a:lvl3pPr>
-      <a:lvl4pPr lvl="3" marR="0" rtl="0" algn="l">
+      <a:lvl4pPr marR="0" lvl="3" algn="l" rtl="0">
         <a:lnSpc>
           <a:spcPct val="100000"/>
         </a:lnSpc>
@@ -8243,18 +8340,18 @@
         <a:buClr>
           <a:srgbClr val="000000"/>
         </a:buClr>
-        <a:buFont typeface="Arial"/>
-        <a:defRPr b="0" i="0" sz="1400" u="none" cap="none" strike="noStrike">
+        <a:buFont typeface="Arial" panose="020B0604020202020204"/>
+        <a:defRPr sz="1400" b="0" i="0" u="none" strike="noStrike" cap="none">
           <a:solidFill>
             <a:srgbClr val="000000"/>
           </a:solidFill>
-          <a:latin typeface="Arial"/>
-          <a:ea typeface="Arial"/>
-          <a:cs typeface="Arial"/>
-          <a:sym typeface="Arial"/>
+          <a:latin typeface="Arial" panose="020B0604020202020204"/>
+          <a:ea typeface="Arial" panose="020B0604020202020204"/>
+          <a:cs typeface="Arial" panose="020B0604020202020204"/>
+          <a:sym typeface="Arial" panose="020B0604020202020204"/>
         </a:defRPr>
       </a:lvl4pPr>
-      <a:lvl5pPr lvl="4" marR="0" rtl="0" algn="l">
+      <a:lvl5pPr marR="0" lvl="4" algn="l" rtl="0">
         <a:lnSpc>
           <a:spcPct val="100000"/>
         </a:lnSpc>
@@ -8267,18 +8364,18 @@
         <a:buClr>
           <a:srgbClr val="000000"/>
         </a:buClr>
-        <a:buFont typeface="Arial"/>
-        <a:defRPr b="0" i="0" sz="1400" u="none" cap="none" strike="noStrike">
+        <a:buFont typeface="Arial" panose="020B0604020202020204"/>
+        <a:defRPr sz="1400" b="0" i="0" u="none" strike="noStrike" cap="none">
           <a:solidFill>
             <a:srgbClr val="000000"/>
           </a:solidFill>
-          <a:latin typeface="Arial"/>
-          <a:ea typeface="Arial"/>
-          <a:cs typeface="Arial"/>
-          <a:sym typeface="Arial"/>
+          <a:latin typeface="Arial" panose="020B0604020202020204"/>
+          <a:ea typeface="Arial" panose="020B0604020202020204"/>
+          <a:cs typeface="Arial" panose="020B0604020202020204"/>
+          <a:sym typeface="Arial" panose="020B0604020202020204"/>
         </a:defRPr>
       </a:lvl5pPr>
-      <a:lvl6pPr lvl="5" marR="0" rtl="0" algn="l">
+      <a:lvl6pPr marR="0" lvl="5" algn="l" rtl="0">
         <a:lnSpc>
           <a:spcPct val="100000"/>
         </a:lnSpc>
@@ -8291,18 +8388,18 @@
         <a:buClr>
           <a:srgbClr val="000000"/>
         </a:buClr>
-        <a:buFont typeface="Arial"/>
-        <a:defRPr b="0" i="0" sz="1400" u="none" cap="none" strike="noStrike">
+        <a:buFont typeface="Arial" panose="020B0604020202020204"/>
+        <a:defRPr sz="1400" b="0" i="0" u="none" strike="noStrike" cap="none">
           <a:solidFill>
             <a:srgbClr val="000000"/>
           </a:solidFill>
-          <a:latin typeface="Arial"/>
-          <a:ea typeface="Arial"/>
-          <a:cs typeface="Arial"/>
-          <a:sym typeface="Arial"/>
+          <a:latin typeface="Arial" panose="020B0604020202020204"/>
+          <a:ea typeface="Arial" panose="020B0604020202020204"/>
+          <a:cs typeface="Arial" panose="020B0604020202020204"/>
+          <a:sym typeface="Arial" panose="020B0604020202020204"/>
         </a:defRPr>
       </a:lvl6pPr>
-      <a:lvl7pPr lvl="6" marR="0" rtl="0" algn="l">
+      <a:lvl7pPr marR="0" lvl="6" algn="l" rtl="0">
         <a:lnSpc>
           <a:spcPct val="100000"/>
         </a:lnSpc>
@@ -8315,18 +8412,18 @@
         <a:buClr>
           <a:srgbClr val="000000"/>
         </a:buClr>
-        <a:buFont typeface="Arial"/>
-        <a:defRPr b="0" i="0" sz="1400" u="none" cap="none" strike="noStrike">
+        <a:buFont typeface="Arial" panose="020B0604020202020204"/>
+        <a:defRPr sz="1400" b="0" i="0" u="none" strike="noStrike" cap="none">
           <a:solidFill>
             <a:srgbClr val="000000"/>
           </a:solidFill>
-          <a:latin typeface="Arial"/>
-          <a:ea typeface="Arial"/>
-          <a:cs typeface="Arial"/>
-          <a:sym typeface="Arial"/>
+          <a:latin typeface="Arial" panose="020B0604020202020204"/>
+          <a:ea typeface="Arial" panose="020B0604020202020204"/>
+          <a:cs typeface="Arial" panose="020B0604020202020204"/>
+          <a:sym typeface="Arial" panose="020B0604020202020204"/>
         </a:defRPr>
       </a:lvl7pPr>
-      <a:lvl8pPr lvl="7" marR="0" rtl="0" algn="l">
+      <a:lvl8pPr marR="0" lvl="7" algn="l" rtl="0">
         <a:lnSpc>
           <a:spcPct val="100000"/>
         </a:lnSpc>
@@ -8339,18 +8436,18 @@
         <a:buClr>
           <a:srgbClr val="000000"/>
         </a:buClr>
-        <a:buFont typeface="Arial"/>
-        <a:defRPr b="0" i="0" sz="1400" u="none" cap="none" strike="noStrike">
+        <a:buFont typeface="Arial" panose="020B0604020202020204"/>
+        <a:defRPr sz="1400" b="0" i="0" u="none" strike="noStrike" cap="none">
           <a:solidFill>
             <a:srgbClr val="000000"/>
           </a:solidFill>
-          <a:latin typeface="Arial"/>
-          <a:ea typeface="Arial"/>
-          <a:cs typeface="Arial"/>
-          <a:sym typeface="Arial"/>
+          <a:latin typeface="Arial" panose="020B0604020202020204"/>
+          <a:ea typeface="Arial" panose="020B0604020202020204"/>
+          <a:cs typeface="Arial" panose="020B0604020202020204"/>
+          <a:sym typeface="Arial" panose="020B0604020202020204"/>
         </a:defRPr>
       </a:lvl8pPr>
-      <a:lvl9pPr lvl="8" marR="0" rtl="0" algn="l">
+      <a:lvl9pPr marR="0" lvl="8" algn="l" rtl="0">
         <a:lnSpc>
           <a:spcPct val="100000"/>
         </a:lnSpc>
@@ -8363,20 +8460,20 @@
         <a:buClr>
           <a:srgbClr val="000000"/>
         </a:buClr>
-        <a:buFont typeface="Arial"/>
-        <a:defRPr b="0" i="0" sz="1400" u="none" cap="none" strike="noStrike">
+        <a:buFont typeface="Arial" panose="020B0604020202020204"/>
+        <a:defRPr sz="1400" b="0" i="0" u="none" strike="noStrike" cap="none">
           <a:solidFill>
             <a:srgbClr val="000000"/>
           </a:solidFill>
-          <a:latin typeface="Arial"/>
-          <a:ea typeface="Arial"/>
-          <a:cs typeface="Arial"/>
-          <a:sym typeface="Arial"/>
+          <a:latin typeface="Arial" panose="020B0604020202020204"/>
+          <a:ea typeface="Arial" panose="020B0604020202020204"/>
+          <a:cs typeface="Arial" panose="020B0604020202020204"/>
+          <a:sym typeface="Arial" panose="020B0604020202020204"/>
         </a:defRPr>
       </a:lvl9pPr>
     </p:bodyStyle>
     <p:otherStyle>
-      <a:defPPr lvl="0" marR="0" rtl="0" algn="l">
+      <a:defPPr marR="0" lvl="0" algn="l" rtl="0">
         <a:lnSpc>
           <a:spcPct val="100000"/>
         </a:lnSpc>
@@ -8387,7 +8484,7 @@
           <a:spcPts val="0"/>
         </a:spcAft>
       </a:defPPr>
-      <a:lvl1pPr lvl="0" marR="0" rtl="0" algn="l">
+      <a:lvl1pPr marR="0" lvl="0" algn="l" rtl="0">
         <a:lnSpc>
           <a:spcPct val="100000"/>
         </a:lnSpc>
@@ -8400,18 +8497,18 @@
         <a:buClr>
           <a:srgbClr val="000000"/>
         </a:buClr>
-        <a:buFont typeface="Arial"/>
-        <a:defRPr b="0" i="0" sz="1400" u="none" cap="none" strike="noStrike">
+        <a:buFont typeface="Arial" panose="020B0604020202020204"/>
+        <a:defRPr sz="1400" b="0" i="0" u="none" strike="noStrike" cap="none">
           <a:solidFill>
             <a:srgbClr val="000000"/>
           </a:solidFill>
-          <a:latin typeface="Arial"/>
-          <a:ea typeface="Arial"/>
-          <a:cs typeface="Arial"/>
-          <a:sym typeface="Arial"/>
+          <a:latin typeface="Arial" panose="020B0604020202020204"/>
+          <a:ea typeface="Arial" panose="020B0604020202020204"/>
+          <a:cs typeface="Arial" panose="020B0604020202020204"/>
+          <a:sym typeface="Arial" panose="020B0604020202020204"/>
         </a:defRPr>
       </a:lvl1pPr>
-      <a:lvl2pPr lvl="1" marR="0" rtl="0" algn="l">
+      <a:lvl2pPr marR="0" lvl="1" algn="l" rtl="0">
         <a:lnSpc>
           <a:spcPct val="100000"/>
         </a:lnSpc>
@@ -8424,18 +8521,18 @@
         <a:buClr>
           <a:srgbClr val="000000"/>
         </a:buClr>
-        <a:buFont typeface="Arial"/>
-        <a:defRPr b="0" i="0" sz="1400" u="none" cap="none" strike="noStrike">
+        <a:buFont typeface="Arial" panose="020B0604020202020204"/>
+        <a:defRPr sz="1400" b="0" i="0" u="none" strike="noStrike" cap="none">
           <a:solidFill>
             <a:srgbClr val="000000"/>
           </a:solidFill>
-          <a:latin typeface="Arial"/>
-          <a:ea typeface="Arial"/>
-          <a:cs typeface="Arial"/>
-          <a:sym typeface="Arial"/>
+          <a:latin typeface="Arial" panose="020B0604020202020204"/>
+          <a:ea typeface="Arial" panose="020B0604020202020204"/>
+          <a:cs typeface="Arial" panose="020B0604020202020204"/>
+          <a:sym typeface="Arial" panose="020B0604020202020204"/>
         </a:defRPr>
       </a:lvl2pPr>
-      <a:lvl3pPr lvl="2" marR="0" rtl="0" algn="l">
+      <a:lvl3pPr marR="0" lvl="2" algn="l" rtl="0">
         <a:lnSpc>
           <a:spcPct val="100000"/>
         </a:lnSpc>
@@ -8448,18 +8545,18 @@
         <a:buClr>
           <a:srgbClr val="000000"/>
         </a:buClr>
-        <a:buFont typeface="Arial"/>
-        <a:defRPr b="0" i="0" sz="1400" u="none" cap="none" strike="noStrike">
+        <a:buFont typeface="Arial" panose="020B0604020202020204"/>
+        <a:defRPr sz="1400" b="0" i="0" u="none" strike="noStrike" cap="none">
           <a:solidFill>
             <a:srgbClr val="000000"/>
           </a:solidFill>
-          <a:latin typeface="Arial"/>
-          <a:ea typeface="Arial"/>
-          <a:cs typeface="Arial"/>
-          <a:sym typeface="Arial"/>
+          <a:latin typeface="Arial" panose="020B0604020202020204"/>
+          <a:ea typeface="Arial" panose="020B0604020202020204"/>
+          <a:cs typeface="Arial" panose="020B0604020202020204"/>
+          <a:sym typeface="Arial" panose="020B0604020202020204"/>
         </a:defRPr>
       </a:lvl3pPr>
-      <a:lvl4pPr lvl="3" marR="0" rtl="0" algn="l">
+      <a:lvl4pPr marR="0" lvl="3" algn="l" rtl="0">
         <a:lnSpc>
           <a:spcPct val="100000"/>
         </a:lnSpc>
@@ -8472,18 +8569,18 @@
         <a:buClr>
           <a:srgbClr val="000000"/>
         </a:buClr>
-        <a:buFont typeface="Arial"/>
-        <a:defRPr b="0" i="0" sz="1400" u="none" cap="none" strike="noStrike">
+        <a:buFont typeface="Arial" panose="020B0604020202020204"/>
+        <a:defRPr sz="1400" b="0" i="0" u="none" strike="noStrike" cap="none">
           <a:solidFill>
             <a:srgbClr val="000000"/>
           </a:solidFill>
-          <a:latin typeface="Arial"/>
-          <a:ea typeface="Arial"/>
-          <a:cs typeface="Arial"/>
-          <a:sym typeface="Arial"/>
+          <a:latin typeface="Arial" panose="020B0604020202020204"/>
+          <a:ea typeface="Arial" panose="020B0604020202020204"/>
+          <a:cs typeface="Arial" panose="020B0604020202020204"/>
+          <a:sym typeface="Arial" panose="020B0604020202020204"/>
         </a:defRPr>
       </a:lvl4pPr>
-      <a:lvl5pPr lvl="4" marR="0" rtl="0" algn="l">
+      <a:lvl5pPr marR="0" lvl="4" algn="l" rtl="0">
         <a:lnSpc>
           <a:spcPct val="100000"/>
         </a:lnSpc>
@@ -8496,18 +8593,18 @@
         <a:buClr>
           <a:srgbClr val="000000"/>
         </a:buClr>
-        <a:buFont typeface="Arial"/>
-        <a:defRPr b="0" i="0" sz="1400" u="none" cap="none" strike="noStrike">
+        <a:buFont typeface="Arial" panose="020B0604020202020204"/>
+        <a:defRPr sz="1400" b="0" i="0" u="none" strike="noStrike" cap="none">
           <a:solidFill>
             <a:srgbClr val="000000"/>
           </a:solidFill>
-          <a:latin typeface="Arial"/>
-          <a:ea typeface="Arial"/>
-          <a:cs typeface="Arial"/>
-          <a:sym typeface="Arial"/>
+          <a:latin typeface="Arial" panose="020B0604020202020204"/>
+          <a:ea typeface="Arial" panose="020B0604020202020204"/>
+          <a:cs typeface="Arial" panose="020B0604020202020204"/>
+          <a:sym typeface="Arial" panose="020B0604020202020204"/>
         </a:defRPr>
       </a:lvl5pPr>
-      <a:lvl6pPr lvl="5" marR="0" rtl="0" algn="l">
+      <a:lvl6pPr marR="0" lvl="5" algn="l" rtl="0">
         <a:lnSpc>
           <a:spcPct val="100000"/>
         </a:lnSpc>
@@ -8520,18 +8617,18 @@
         <a:buClr>
           <a:srgbClr val="000000"/>
         </a:buClr>
-        <a:buFont typeface="Arial"/>
-        <a:defRPr b="0" i="0" sz="1400" u="none" cap="none" strike="noStrike">
+        <a:buFont typeface="Arial" panose="020B0604020202020204"/>
+        <a:defRPr sz="1400" b="0" i="0" u="none" strike="noStrike" cap="none">
           <a:solidFill>
             <a:srgbClr val="000000"/>
           </a:solidFill>
-          <a:latin typeface="Arial"/>
-          <a:ea typeface="Arial"/>
-          <a:cs typeface="Arial"/>
-          <a:sym typeface="Arial"/>
+          <a:latin typeface="Arial" panose="020B0604020202020204"/>
+          <a:ea typeface="Arial" panose="020B0604020202020204"/>
+          <a:cs typeface="Arial" panose="020B0604020202020204"/>
+          <a:sym typeface="Arial" panose="020B0604020202020204"/>
         </a:defRPr>
       </a:lvl6pPr>
-      <a:lvl7pPr lvl="6" marR="0" rtl="0" algn="l">
+      <a:lvl7pPr marR="0" lvl="6" algn="l" rtl="0">
         <a:lnSpc>
           <a:spcPct val="100000"/>
         </a:lnSpc>
@@ -8544,18 +8641,18 @@
         <a:buClr>
           <a:srgbClr val="000000"/>
         </a:buClr>
-        <a:buFont typeface="Arial"/>
-        <a:defRPr b="0" i="0" sz="1400" u="none" cap="none" strike="noStrike">
+        <a:buFont typeface="Arial" panose="020B0604020202020204"/>
+        <a:defRPr sz="1400" b="0" i="0" u="none" strike="noStrike" cap="none">
           <a:solidFill>
             <a:srgbClr val="000000"/>
           </a:solidFill>
-          <a:latin typeface="Arial"/>
-          <a:ea typeface="Arial"/>
-          <a:cs typeface="Arial"/>
-          <a:sym typeface="Arial"/>
+          <a:latin typeface="Arial" panose="020B0604020202020204"/>
+          <a:ea typeface="Arial" panose="020B0604020202020204"/>
+          <a:cs typeface="Arial" panose="020B0604020202020204"/>
+          <a:sym typeface="Arial" panose="020B0604020202020204"/>
         </a:defRPr>
       </a:lvl7pPr>
-      <a:lvl8pPr lvl="7" marR="0" rtl="0" algn="l">
+      <a:lvl8pPr marR="0" lvl="7" algn="l" rtl="0">
         <a:lnSpc>
           <a:spcPct val="100000"/>
         </a:lnSpc>
@@ -8568,18 +8665,18 @@
         <a:buClr>
           <a:srgbClr val="000000"/>
         </a:buClr>
-        <a:buFont typeface="Arial"/>
-        <a:defRPr b="0" i="0" sz="1400" u="none" cap="none" strike="noStrike">
+        <a:buFont typeface="Arial" panose="020B0604020202020204"/>
+        <a:defRPr sz="1400" b="0" i="0" u="none" strike="noStrike" cap="none">
           <a:solidFill>
             <a:srgbClr val="000000"/>
           </a:solidFill>
-          <a:latin typeface="Arial"/>
-          <a:ea typeface="Arial"/>
-          <a:cs typeface="Arial"/>
-          <a:sym typeface="Arial"/>
+          <a:latin typeface="Arial" panose="020B0604020202020204"/>
+          <a:ea typeface="Arial" panose="020B0604020202020204"/>
+          <a:cs typeface="Arial" panose="020B0604020202020204"/>
+          <a:sym typeface="Arial" panose="020B0604020202020204"/>
         </a:defRPr>
       </a:lvl8pPr>
-      <a:lvl9pPr lvl="8" marR="0" rtl="0" algn="l">
+      <a:lvl9pPr marR="0" lvl="8" algn="l" rtl="0">
         <a:lnSpc>
           <a:spcPct val="100000"/>
         </a:lnSpc>
@@ -8592,15 +8689,15 @@
         <a:buClr>
           <a:srgbClr val="000000"/>
         </a:buClr>
-        <a:buFont typeface="Arial"/>
-        <a:defRPr b="0" i="0" sz="1400" u="none" cap="none" strike="noStrike">
+        <a:buFont typeface="Arial" panose="020B0604020202020204"/>
+        <a:defRPr sz="1400" b="0" i="0" u="none" strike="noStrike" cap="none">
           <a:solidFill>
             <a:srgbClr val="000000"/>
           </a:solidFill>
-          <a:latin typeface="Arial"/>
-          <a:ea typeface="Arial"/>
-          <a:cs typeface="Arial"/>
-          <a:sym typeface="Arial"/>
+          <a:latin typeface="Arial" panose="020B0604020202020204"/>
+          <a:ea typeface="Arial" panose="020B0604020202020204"/>
+          <a:cs typeface="Arial" panose="020B0604020202020204"/>
+          <a:sym typeface="Arial" panose="020B0604020202020204"/>
         </a:defRPr>
       </a:lvl9pPr>
     </p:otherStyle>
@@ -8609,7 +8706,7 @@
 </file>
 
 <file path=ppt/slides/slide1.xml><?xml version="1.0" encoding="utf-8"?>
-<p:sld xmlns:a="http://schemas.openxmlformats.org/drawingml/2006/main" xmlns:r="http://schemas.openxmlformats.org/officeDocument/2006/relationships" xmlns:mc="http://schemas.openxmlformats.org/markup-compatibility/2006" xmlns:mv="urn:schemas-microsoft-com:mac:vml" xmlns:p="http://schemas.openxmlformats.org/presentationml/2006/main" xmlns:c="http://schemas.openxmlformats.org/drawingml/2006/chart" xmlns:dgm="http://schemas.openxmlformats.org/drawingml/2006/diagram" xmlns:o="urn:schemas-microsoft-com:office:office" xmlns:v="urn:schemas-microsoft-com:vml" xmlns:pvml="urn:schemas-microsoft-com:office:powerpoint" xmlns:com="http://schemas.openxmlformats.org/drawingml/2006/compatibility" xmlns:p14="http://schemas.microsoft.com/office/powerpoint/2010/main" xmlns:p15="http://schemas.microsoft.com/office/powerpoint/2012/main" xmlns:ahyp="http://schemas.microsoft.com/office/drawing/2018/hyperlinkcolor">
+<p:sld xmlns:a="http://schemas.openxmlformats.org/drawingml/2006/main" xmlns:r="http://schemas.openxmlformats.org/officeDocument/2006/relationships" xmlns:p="http://schemas.openxmlformats.org/presentationml/2006/main">
   <p:cSld>
     <p:spTree>
       <p:nvGrpSpPr>
@@ -8632,11 +8729,11 @@
           <p:nvPr/>
         </p:nvPicPr>
         <p:blipFill rotWithShape="1">
-          <a:blip r:embed="rId3">
-            <a:alphaModFix/>
-          </a:blip>
-          <a:srcRect b="35787" l="9957" r="10513" t="35735"/>
-          <a:stretch/>
+          <a:blip r:embed="rId1"/>
+          <a:srcRect l="9957" t="35735" r="10513" b="35787"/>
+          <a:stretch>
+            <a:fillRect/>
+          </a:stretch>
         </p:blipFill>
         <p:spPr>
           <a:xfrm>
@@ -8670,12 +8767,12 @@
           </a:prstGeom>
         </p:spPr>
         <p:txBody>
-          <a:bodyPr anchorCtr="0" anchor="ctr" bIns="91425" lIns="91425" spcFirstLastPara="1" rIns="91425" wrap="square" tIns="91425">
+          <a:bodyPr spcFirstLastPara="1" wrap="square" lIns="91425" tIns="91425" rIns="91425" bIns="91425" anchor="ctr" anchorCtr="0">
             <a:noAutofit/>
           </a:bodyPr>
           <a:lstStyle/>
           <a:p>
-            <a:pPr indent="0" lvl="0" marL="0" rtl="0" algn="ctr">
+            <a:pPr marL="0" lvl="0" indent="0" algn="ctr" rtl="0">
               <a:lnSpc>
                 <a:spcPct val="200000"/>
               </a:lnSpc>
@@ -8688,14 +8785,14 @@
               <a:buNone/>
             </a:pPr>
             <a:r>
-              <a:rPr lang="en" sz="2200"/>
+              <a:rPr lang="en-GB" sz="2200"/>
               <a:t>Data Lake Value </a:t>
             </a:r>
             <a:r>
-              <a:rPr lang="en" sz="2200"/>
+              <a:rPr lang="en-GB" sz="2200"/>
               <a:t>Proposition</a:t>
             </a:r>
-            <a:endParaRPr b="0" sz="2200"/>
+            <a:endParaRPr sz="2200" b="0"/>
           </a:p>
         </p:txBody>
       </p:sp>
@@ -8704,7 +8801,7 @@
           <p:cNvPr id="56" name="Google Shape;56;p12"/>
           <p:cNvSpPr txBox="1"/>
           <p:nvPr>
-            <p:ph idx="1" type="subTitle"/>
+            <p:ph type="subTitle" idx="1"/>
           </p:nvPr>
         </p:nvSpPr>
         <p:spPr>
@@ -8717,12 +8814,12 @@
           </a:prstGeom>
         </p:spPr>
         <p:txBody>
-          <a:bodyPr anchorCtr="0" anchor="t" bIns="91425" lIns="91425" spcFirstLastPara="1" rIns="91425" wrap="square" tIns="91425">
+          <a:bodyPr spcFirstLastPara="1" wrap="square" lIns="91425" tIns="91425" rIns="91425" bIns="91425" anchor="t" anchorCtr="0">
             <a:noAutofit/>
           </a:bodyPr>
           <a:lstStyle/>
           <a:p>
-            <a:pPr indent="0" lvl="0" marL="0" rtl="0" algn="ctr">
+            <a:pPr marL="0" lvl="0" indent="0" algn="ctr" rtl="0">
               <a:spcBef>
                 <a:spcPts val="0"/>
               </a:spcBef>
@@ -8732,10 +8829,10 @@
               <a:buNone/>
             </a:pPr>
             <a:r>
-              <a:rPr lang="en"/>
-              <a:t>STUDENT NAME</a:t>
+              <a:rPr lang="en-US" altLang="en-GB"/>
+              <a:t>CAO HOAI PHUONG</a:t>
             </a:r>
-            <a:endParaRPr/>
+            <a:endParaRPr lang="en-US" altLang="en-GB"/>
           </a:p>
         </p:txBody>
       </p:sp>
@@ -8759,12 +8856,12 @@
           </a:ln>
         </p:spPr>
         <p:txBody>
-          <a:bodyPr anchorCtr="0" anchor="t" bIns="91425" lIns="91425" spcFirstLastPara="1" rIns="91425" wrap="square" tIns="91425">
+          <a:bodyPr spcFirstLastPara="1" wrap="square" lIns="91425" tIns="91425" rIns="91425" bIns="91425" anchor="t" anchorCtr="0">
             <a:noAutofit/>
           </a:bodyPr>
           <a:lstStyle/>
           <a:p>
-            <a:pPr indent="0" lvl="0" marL="0" rtl="0" algn="l">
+            <a:pPr marL="0" lvl="0" indent="0" algn="l" rtl="0">
               <a:spcBef>
                 <a:spcPts val="0"/>
               </a:spcBef>
@@ -8774,14 +8871,14 @@
               <a:buNone/>
             </a:pPr>
             <a:r>
-              <a:rPr lang="en" sz="800">
+              <a:rPr lang="en-GB" sz="800">
                 <a:solidFill>
                   <a:srgbClr val="999999"/>
                 </a:solidFill>
-                <a:latin typeface="Open Sans"/>
-                <a:ea typeface="Open Sans"/>
-                <a:cs typeface="Open Sans"/>
-                <a:sym typeface="Open Sans"/>
+                <a:latin typeface="Open Sans" panose="020B0606030504020204"/>
+                <a:ea typeface="Open Sans" panose="020B0606030504020204"/>
+                <a:cs typeface="Open Sans" panose="020B0606030504020204"/>
+                <a:sym typeface="Open Sans" panose="020B0606030504020204"/>
               </a:rPr>
               <a:t>Udacity IPS Version 1.0</a:t>
             </a:r>
@@ -8789,10 +8886,10 @@
               <a:solidFill>
                 <a:srgbClr val="999999"/>
               </a:solidFill>
-              <a:latin typeface="Open Sans"/>
-              <a:ea typeface="Open Sans"/>
-              <a:cs typeface="Open Sans"/>
-              <a:sym typeface="Open Sans"/>
+              <a:latin typeface="Open Sans" panose="020B0606030504020204"/>
+              <a:ea typeface="Open Sans" panose="020B0606030504020204"/>
+              <a:cs typeface="Open Sans" panose="020B0606030504020204"/>
+              <a:sym typeface="Open Sans" panose="020B0606030504020204"/>
             </a:endParaRPr>
           </a:p>
         </p:txBody>
@@ -8805,7 +8902,7 @@
         </p:nvSpPr>
         <p:spPr>
           <a:xfrm>
-            <a:off x="2110150" y="2505800"/>
+            <a:off x="2086020" y="1995895"/>
             <a:ext cx="4886700" cy="253500"/>
           </a:xfrm>
           <a:prstGeom prst="rect">
@@ -8817,12 +8914,12 @@
           </a:ln>
         </p:spPr>
         <p:txBody>
-          <a:bodyPr anchorCtr="0" anchor="t" bIns="91425" lIns="91425" spcFirstLastPara="1" rIns="91425" wrap="square" tIns="91425">
+          <a:bodyPr spcFirstLastPara="1" wrap="square" lIns="91425" tIns="91425" rIns="91425" bIns="91425" anchor="t" anchorCtr="0">
             <a:noAutofit/>
           </a:bodyPr>
           <a:lstStyle/>
           <a:p>
-            <a:pPr indent="0" lvl="0" marL="0" rtl="0" algn="ctr">
+            <a:pPr marL="0" lvl="0" indent="0" algn="ctr" rtl="0">
               <a:spcBef>
                 <a:spcPts val="0"/>
               </a:spcBef>
@@ -8832,19 +8929,172 @@
               <a:buNone/>
             </a:pPr>
             <a:r>
-              <a:rPr lang="en">
-                <a:latin typeface="Open Sans"/>
-                <a:ea typeface="Open Sans"/>
-                <a:cs typeface="Open Sans"/>
-                <a:sym typeface="Open Sans"/>
+              <a:rPr lang="en-GB">
+                <a:latin typeface="Open Sans" panose="020B0606030504020204"/>
+                <a:ea typeface="Open Sans" panose="020B0606030504020204"/>
+                <a:cs typeface="Open Sans" panose="020B0606030504020204"/>
+                <a:sym typeface="Open Sans" panose="020B0606030504020204"/>
               </a:rPr>
               <a:t>Medical Data Processing Company</a:t>
             </a:r>
             <a:endParaRPr>
-              <a:latin typeface="Open Sans"/>
-              <a:ea typeface="Open Sans"/>
-              <a:cs typeface="Open Sans"/>
-              <a:sym typeface="Open Sans"/>
+              <a:latin typeface="Open Sans" panose="020B0606030504020204"/>
+              <a:ea typeface="Open Sans" panose="020B0606030504020204"/>
+              <a:cs typeface="Open Sans" panose="020B0606030504020204"/>
+              <a:sym typeface="Open Sans" panose="020B0606030504020204"/>
+            </a:endParaRPr>
+          </a:p>
+        </p:txBody>
+      </p:sp>
+    </p:spTree>
+  </p:cSld>
+  <p:clrMapOvr>
+    <a:masterClrMapping/>
+  </p:clrMapOvr>
+</p:sld>
+</file>
+
+<file path=ppt/slides/slide10.xml><?xml version="1.0" encoding="utf-8"?>
+<p:sld xmlns:a="http://schemas.openxmlformats.org/drawingml/2006/main" xmlns:r="http://schemas.openxmlformats.org/officeDocument/2006/relationships" xmlns:p="http://schemas.openxmlformats.org/presentationml/2006/main">
+  <p:cSld>
+    <p:spTree>
+      <p:nvGrpSpPr>
+        <p:cNvPr id="112" name="Shape 112"/>
+        <p:cNvGrpSpPr/>
+        <p:nvPr/>
+      </p:nvGrpSpPr>
+      <p:grpSpPr>
+        <a:xfrm>
+          <a:off x="0" y="0"/>
+          <a:ext cx="0" cy="0"/>
+          <a:chOff x="0" y="0"/>
+          <a:chExt cx="0" cy="0"/>
+        </a:xfrm>
+      </p:grpSpPr>
+      <p:pic>
+        <p:nvPicPr>
+          <p:cNvPr id="113" name="Google Shape;113;p20"/>
+          <p:cNvPicPr preferRelativeResize="0"/>
+          <p:nvPr/>
+        </p:nvPicPr>
+        <p:blipFill rotWithShape="1">
+          <a:blip r:embed="rId1"/>
+          <a:srcRect l="9957" t="35735" r="10513" b="35787"/>
+          <a:stretch>
+            <a:fillRect/>
+          </a:stretch>
+        </p:blipFill>
+        <p:spPr>
+          <a:xfrm>
+            <a:off x="2963449" y="497350"/>
+            <a:ext cx="3217100" cy="863899"/>
+          </a:xfrm>
+          <a:prstGeom prst="rect">
+            <a:avLst/>
+          </a:prstGeom>
+          <a:noFill/>
+          <a:ln>
+            <a:noFill/>
+          </a:ln>
+        </p:spPr>
+      </p:pic>
+      <p:sp>
+        <p:nvSpPr>
+          <p:cNvPr id="114" name="Google Shape;114;p20"/>
+          <p:cNvSpPr txBox="1"/>
+          <p:nvPr>
+            <p:ph type="title"/>
+          </p:nvPr>
+        </p:nvSpPr>
+        <p:spPr>
+          <a:xfrm>
+            <a:off x="2086350" y="2198475"/>
+            <a:ext cx="4886700" cy="572700"/>
+          </a:xfrm>
+          <a:prstGeom prst="rect">
+            <a:avLst/>
+          </a:prstGeom>
+        </p:spPr>
+        <p:txBody>
+          <a:bodyPr spcFirstLastPara="1" wrap="square" lIns="91425" tIns="91425" rIns="91425" bIns="91425" anchor="ctr" anchorCtr="0">
+            <a:noAutofit/>
+          </a:bodyPr>
+          <a:lstStyle/>
+          <a:p>
+            <a:pPr marL="0" lvl="0" indent="0" algn="ctr" rtl="0">
+              <a:lnSpc>
+                <a:spcPct val="200000"/>
+              </a:lnSpc>
+              <a:spcBef>
+                <a:spcPts val="0"/>
+              </a:spcBef>
+              <a:spcAft>
+                <a:spcPts val="0"/>
+              </a:spcAft>
+              <a:buNone/>
+            </a:pPr>
+            <a:r>
+              <a:rPr lang="en-GB" sz="2200"/>
+              <a:t>THANK YOU</a:t>
+            </a:r>
+            <a:endParaRPr sz="2200" b="0"/>
+          </a:p>
+        </p:txBody>
+      </p:sp>
+      <p:sp>
+        <p:nvSpPr>
+          <p:cNvPr id="115" name="Google Shape;115;p20"/>
+          <p:cNvSpPr txBox="1"/>
+          <p:nvPr/>
+        </p:nvSpPr>
+        <p:spPr>
+          <a:xfrm>
+            <a:off x="7705200" y="4829825"/>
+            <a:ext cx="1564800" cy="161400"/>
+          </a:xfrm>
+          <a:prstGeom prst="rect">
+            <a:avLst/>
+          </a:prstGeom>
+          <a:noFill/>
+          <a:ln>
+            <a:noFill/>
+          </a:ln>
+        </p:spPr>
+        <p:txBody>
+          <a:bodyPr spcFirstLastPara="1" wrap="square" lIns="91425" tIns="91425" rIns="91425" bIns="91425" anchor="t" anchorCtr="0">
+            <a:noAutofit/>
+          </a:bodyPr>
+          <a:lstStyle/>
+          <a:p>
+            <a:pPr marL="0" lvl="0" indent="0" algn="l" rtl="0">
+              <a:spcBef>
+                <a:spcPts val="0"/>
+              </a:spcBef>
+              <a:spcAft>
+                <a:spcPts val="0"/>
+              </a:spcAft>
+              <a:buNone/>
+            </a:pPr>
+            <a:r>
+              <a:rPr lang="en-GB" sz="800">
+                <a:solidFill>
+                  <a:srgbClr val="999999"/>
+                </a:solidFill>
+                <a:latin typeface="Open Sans" panose="020B0606030504020204"/>
+                <a:ea typeface="Open Sans" panose="020B0606030504020204"/>
+                <a:cs typeface="Open Sans" panose="020B0606030504020204"/>
+                <a:sym typeface="Open Sans" panose="020B0606030504020204"/>
+              </a:rPr>
+              <a:t>Udacity IPS Version 1.0</a:t>
+            </a:r>
+            <a:endParaRPr sz="800">
+              <a:solidFill>
+                <a:srgbClr val="999999"/>
+              </a:solidFill>
+              <a:latin typeface="Open Sans" panose="020B0606030504020204"/>
+              <a:ea typeface="Open Sans" panose="020B0606030504020204"/>
+              <a:cs typeface="Open Sans" panose="020B0606030504020204"/>
+              <a:sym typeface="Open Sans" panose="020B0606030504020204"/>
             </a:endParaRPr>
           </a:p>
         </p:txBody>
@@ -8858,7 +9108,7 @@
 </file>
 
 <file path=ppt/slides/slide2.xml><?xml version="1.0" encoding="utf-8"?>
-<p:sld xmlns:a="http://schemas.openxmlformats.org/drawingml/2006/main" xmlns:r="http://schemas.openxmlformats.org/officeDocument/2006/relationships" xmlns:mc="http://schemas.openxmlformats.org/markup-compatibility/2006" xmlns:mv="urn:schemas-microsoft-com:mac:vml" xmlns:p="http://schemas.openxmlformats.org/presentationml/2006/main" xmlns:c="http://schemas.openxmlformats.org/drawingml/2006/chart" xmlns:dgm="http://schemas.openxmlformats.org/drawingml/2006/diagram" xmlns:o="urn:schemas-microsoft-com:office:office" xmlns:v="urn:schemas-microsoft-com:vml" xmlns:pvml="urn:schemas-microsoft-com:office:powerpoint" xmlns:com="http://schemas.openxmlformats.org/drawingml/2006/compatibility" xmlns:p14="http://schemas.microsoft.com/office/powerpoint/2010/main" xmlns:p15="http://schemas.microsoft.com/office/powerpoint/2012/main" xmlns:ahyp="http://schemas.microsoft.com/office/drawing/2018/hyperlinkcolor">
+<p:sld xmlns:a="http://schemas.openxmlformats.org/drawingml/2006/main" xmlns:r="http://schemas.openxmlformats.org/officeDocument/2006/relationships" xmlns:p="http://schemas.openxmlformats.org/presentationml/2006/main">
   <p:cSld>
     <p:spTree>
       <p:nvGrpSpPr>
@@ -8892,12 +9142,12 @@
           </a:prstGeom>
         </p:spPr>
         <p:txBody>
-          <a:bodyPr anchorCtr="0" anchor="ctr" bIns="91425" lIns="91425" spcFirstLastPara="1" rIns="91425" wrap="square" tIns="91425">
+          <a:bodyPr spcFirstLastPara="1" wrap="square" lIns="91425" tIns="91425" rIns="91425" bIns="91425" anchor="ctr" anchorCtr="0">
             <a:noAutofit/>
           </a:bodyPr>
           <a:lstStyle/>
           <a:p>
-            <a:pPr indent="0" lvl="0" marL="0" rtl="0" algn="l">
+            <a:pPr marL="0" lvl="0" indent="0" algn="l" rtl="0">
               <a:spcBef>
                 <a:spcPts val="0"/>
               </a:spcBef>
@@ -8907,7 +9157,7 @@
               <a:buNone/>
             </a:pPr>
             <a:r>
-              <a:rPr lang="en" sz="3000">
+              <a:rPr lang="en-GB" sz="3000">
                 <a:solidFill>
                   <a:srgbClr val="666666"/>
                 </a:solidFill>
@@ -8942,12 +9192,12 @@
           </a:ln>
         </p:spPr>
         <p:txBody>
-          <a:bodyPr anchorCtr="0" anchor="t" bIns="91425" lIns="91425" spcFirstLastPara="1" rIns="91425" wrap="square" tIns="91425">
+          <a:bodyPr spcFirstLastPara="1" wrap="square" lIns="91425" tIns="91425" rIns="91425" bIns="91425" anchor="t" anchorCtr="0">
             <a:noAutofit/>
           </a:bodyPr>
           <a:lstStyle/>
           <a:p>
-            <a:pPr indent="0" lvl="0" marL="0" rtl="0" algn="l">
+            <a:pPr marL="0" lvl="0" indent="0" algn="l" rtl="0">
               <a:spcBef>
                 <a:spcPts val="0"/>
               </a:spcBef>
@@ -8957,14 +9207,14 @@
               <a:buNone/>
             </a:pPr>
             <a:r>
-              <a:rPr lang="en" sz="800">
+              <a:rPr lang="en-GB" sz="800">
                 <a:solidFill>
                   <a:srgbClr val="999999"/>
                 </a:solidFill>
-                <a:latin typeface="Open Sans"/>
-                <a:ea typeface="Open Sans"/>
-                <a:cs typeface="Open Sans"/>
-                <a:sym typeface="Open Sans"/>
+                <a:latin typeface="Open Sans" panose="020B0606030504020204"/>
+                <a:ea typeface="Open Sans" panose="020B0606030504020204"/>
+                <a:cs typeface="Open Sans" panose="020B0606030504020204"/>
+                <a:sym typeface="Open Sans" panose="020B0606030504020204"/>
               </a:rPr>
               <a:t>Udacity IPS Ver. 1 2/2020</a:t>
             </a:r>
@@ -8972,10 +9222,10 @@
               <a:solidFill>
                 <a:srgbClr val="999999"/>
               </a:solidFill>
-              <a:latin typeface="Open Sans"/>
-              <a:ea typeface="Open Sans"/>
-              <a:cs typeface="Open Sans"/>
-              <a:sym typeface="Open Sans"/>
+              <a:latin typeface="Open Sans" panose="020B0606030504020204"/>
+              <a:ea typeface="Open Sans" panose="020B0606030504020204"/>
+              <a:cs typeface="Open Sans" panose="020B0606030504020204"/>
+              <a:sym typeface="Open Sans" panose="020B0606030504020204"/>
             </a:endParaRPr>
           </a:p>
         </p:txBody>
@@ -8985,7 +9235,7 @@
           <p:cNvPr id="65" name="Google Shape;65;p13"/>
           <p:cNvSpPr txBox="1"/>
           <p:nvPr>
-            <p:ph idx="1" type="body"/>
+            <p:ph type="body" idx="1"/>
           </p:nvPr>
         </p:nvSpPr>
         <p:spPr>
@@ -8998,12 +9248,12 @@
           </a:prstGeom>
         </p:spPr>
         <p:txBody>
-          <a:bodyPr anchorCtr="0" anchor="t" bIns="91425" lIns="91425" spcFirstLastPara="1" rIns="91425" wrap="square" tIns="91425">
+          <a:bodyPr spcFirstLastPara="1" wrap="square" lIns="91425" tIns="91425" rIns="91425" bIns="91425" anchor="t" anchorCtr="0">
             <a:noAutofit/>
           </a:bodyPr>
           <a:lstStyle/>
           <a:p>
-            <a:pPr indent="-317500" lvl="0" marL="457200" rtl="0" algn="l">
+            <a:pPr marL="457200" lvl="0" indent="-317500" algn="l" rtl="0">
               <a:spcBef>
                 <a:spcPts val="0"/>
               </a:spcBef>
@@ -9014,13 +9264,13 @@
               <a:buChar char="●"/>
             </a:pPr>
             <a:r>
-              <a:rPr lang="en"/>
+              <a:rPr lang="en-GB"/>
               <a:t>What is a Data Lake</a:t>
             </a:r>
-            <a:endParaRPr/>
+            <a:endParaRPr lang="en-GB"/>
           </a:p>
           <a:p>
-            <a:pPr indent="-317500" lvl="0" marL="457200" rtl="0" algn="l">
+            <a:pPr marL="457200" lvl="0" indent="-317500" algn="l" rtl="0">
               <a:spcBef>
                 <a:spcPts val="0"/>
               </a:spcBef>
@@ -9031,17 +9281,17 @@
               <a:buChar char="●"/>
             </a:pPr>
             <a:r>
-              <a:rPr lang="en"/>
+              <a:rPr lang="en-GB"/>
               <a:t>Components</a:t>
             </a:r>
             <a:r>
-              <a:rPr lang="en"/>
+              <a:rPr lang="en-GB"/>
               <a:t> of a Data Lake</a:t>
             </a:r>
-            <a:endParaRPr/>
+            <a:endParaRPr lang="en-GB"/>
           </a:p>
           <a:p>
-            <a:pPr indent="-317500" lvl="0" marL="457200" rtl="0" algn="l">
+            <a:pPr marL="457200" lvl="0" indent="-317500" algn="l" rtl="0">
               <a:spcBef>
                 <a:spcPts val="0"/>
               </a:spcBef>
@@ -9052,13 +9302,13 @@
               <a:buChar char="●"/>
             </a:pPr>
             <a:r>
-              <a:rPr lang="en"/>
+              <a:rPr lang="en-GB"/>
               <a:t>Data Lake vs Data Warehouse</a:t>
             </a:r>
-            <a:endParaRPr/>
+            <a:endParaRPr lang="en-GB"/>
           </a:p>
           <a:p>
-            <a:pPr indent="-317500" lvl="0" marL="457200" rtl="0" algn="l">
+            <a:pPr marL="457200" lvl="0" indent="-317500" algn="l" rtl="0">
               <a:spcBef>
                 <a:spcPts val="0"/>
               </a:spcBef>
@@ -9069,13 +9319,13 @@
               <a:buChar char="●"/>
             </a:pPr>
             <a:r>
-              <a:rPr lang="en"/>
+              <a:rPr lang="en-GB"/>
               <a:t>Business Value of Data Lake Solution</a:t>
             </a:r>
-            <a:endParaRPr/>
+            <a:endParaRPr lang="en-GB"/>
           </a:p>
           <a:p>
-            <a:pPr indent="-317500" lvl="0" marL="457200" rtl="0" algn="l">
+            <a:pPr marL="457200" lvl="0" indent="-317500" algn="l" rtl="0">
               <a:spcBef>
                 <a:spcPts val="0"/>
               </a:spcBef>
@@ -9086,10 +9336,10 @@
               <a:buChar char="●"/>
             </a:pPr>
             <a:r>
-              <a:rPr lang="en"/>
+              <a:rPr lang="en-GB"/>
               <a:t>Proposed Data Lake Architecture for Medical Data Processing system</a:t>
             </a:r>
-            <a:endParaRPr/>
+            <a:endParaRPr lang="en-GB"/>
           </a:p>
         </p:txBody>
       </p:sp>
@@ -9102,7 +9352,7 @@
 </file>
 
 <file path=ppt/slides/slide3.xml><?xml version="1.0" encoding="utf-8"?>
-<p:sld xmlns:a="http://schemas.openxmlformats.org/drawingml/2006/main" xmlns:r="http://schemas.openxmlformats.org/officeDocument/2006/relationships" xmlns:mc="http://schemas.openxmlformats.org/markup-compatibility/2006" xmlns:mv="urn:schemas-microsoft-com:mac:vml" xmlns:p="http://schemas.openxmlformats.org/presentationml/2006/main" xmlns:c="http://schemas.openxmlformats.org/drawingml/2006/chart" xmlns:dgm="http://schemas.openxmlformats.org/drawingml/2006/diagram" xmlns:o="urn:schemas-microsoft-com:office:office" xmlns:v="urn:schemas-microsoft-com:vml" xmlns:pvml="urn:schemas-microsoft-com:office:powerpoint" xmlns:com="http://schemas.openxmlformats.org/drawingml/2006/compatibility" xmlns:p14="http://schemas.microsoft.com/office/powerpoint/2010/main" xmlns:p15="http://schemas.microsoft.com/office/powerpoint/2012/main" xmlns:ahyp="http://schemas.microsoft.com/office/drawing/2018/hyperlinkcolor">
+<p:sld xmlns:a="http://schemas.openxmlformats.org/drawingml/2006/main" xmlns:r="http://schemas.openxmlformats.org/officeDocument/2006/relationships" xmlns:p="http://schemas.openxmlformats.org/presentationml/2006/main">
   <p:cSld>
     <p:spTree>
       <p:nvGrpSpPr>
@@ -9118,90 +9368,6 @@
           <a:chExt cx="0" cy="0"/>
         </a:xfrm>
       </p:grpSpPr>
-      <p:sp>
-        <p:nvSpPr>
-          <p:cNvPr id="70" name="Google Shape;70;p14"/>
-          <p:cNvSpPr txBox="1"/>
-          <p:nvPr>
-            <p:ph idx="1" type="body"/>
-          </p:nvPr>
-        </p:nvSpPr>
-        <p:spPr>
-          <a:xfrm>
-            <a:off x="605400" y="1787750"/>
-            <a:ext cx="7867200" cy="2875500"/>
-          </a:xfrm>
-          <a:prstGeom prst="rect">
-            <a:avLst/>
-          </a:prstGeom>
-        </p:spPr>
-        <p:txBody>
-          <a:bodyPr anchorCtr="0" anchor="t" bIns="91425" lIns="91425" spcFirstLastPara="1" rIns="91425" wrap="square" tIns="91425">
-            <a:noAutofit/>
-          </a:bodyPr>
-          <a:lstStyle/>
-          <a:p>
-            <a:pPr indent="0" lvl="0" marL="0" rtl="0" algn="l">
-              <a:spcBef>
-                <a:spcPts val="0"/>
-              </a:spcBef>
-              <a:spcAft>
-                <a:spcPts val="0"/>
-              </a:spcAft>
-              <a:buNone/>
-            </a:pPr>
-            <a:r>
-              <a:rPr lang="en"/>
-              <a:t>&lt;Provide high-level executive summary - no more than 3-4 sentences of what is a data lake. &gt;</a:t>
-            </a:r>
-            <a:endParaRPr/>
-          </a:p>
-        </p:txBody>
-      </p:sp>
-      <p:sp>
-        <p:nvSpPr>
-          <p:cNvPr id="71" name="Google Shape;71;p14"/>
-          <p:cNvSpPr txBox="1"/>
-          <p:nvPr>
-            <p:ph idx="2" type="subTitle"/>
-          </p:nvPr>
-        </p:nvSpPr>
-        <p:spPr>
-          <a:xfrm>
-            <a:off x="605400" y="1180500"/>
-            <a:ext cx="7933200" cy="473400"/>
-          </a:xfrm>
-          <a:prstGeom prst="rect">
-            <a:avLst/>
-          </a:prstGeom>
-        </p:spPr>
-        <p:txBody>
-          <a:bodyPr anchorCtr="0" anchor="t" bIns="91425" lIns="91425" spcFirstLastPara="1" rIns="91425" wrap="square" tIns="91425">
-            <a:noAutofit/>
-          </a:bodyPr>
-          <a:lstStyle/>
-          <a:p>
-            <a:pPr indent="0" lvl="0" marL="0" rtl="0" algn="l">
-              <a:spcBef>
-                <a:spcPts val="0"/>
-              </a:spcBef>
-              <a:spcAft>
-                <a:spcPts val="0"/>
-              </a:spcAft>
-              <a:buNone/>
-            </a:pPr>
-            <a:r>
-              <a:rPr lang="en"/>
-              <a:t>Executive </a:t>
-            </a:r>
-            <a:r>
-              <a:rPr lang="en"/>
-              <a:t>summary</a:t>
-            </a:r>
-            <a:endParaRPr/>
-          </a:p>
-        </p:txBody>
-      </p:sp>
       <p:sp>
         <p:nvSpPr>
           <p:cNvPr id="72" name="Google Shape;72;p14"/>
@@ -9220,12 +9386,12 @@
           </a:prstGeom>
         </p:spPr>
         <p:txBody>
-          <a:bodyPr anchorCtr="0" anchor="ctr" bIns="91425" lIns="91425" spcFirstLastPara="1" rIns="91425" wrap="square" tIns="91425">
+          <a:bodyPr spcFirstLastPara="1" wrap="square" lIns="91425" tIns="91425" rIns="91425" bIns="91425" anchor="ctr" anchorCtr="0">
             <a:noAutofit/>
           </a:bodyPr>
           <a:lstStyle/>
           <a:p>
-            <a:pPr indent="0" lvl="0" marL="0" rtl="0" algn="l">
+            <a:pPr marL="0" lvl="0" indent="0" algn="l" rtl="0">
               <a:spcBef>
                 <a:spcPts val="0"/>
               </a:spcBef>
@@ -9235,10 +9401,65 @@
               <a:buNone/>
             </a:pPr>
             <a:r>
-              <a:rPr lang="en"/>
+              <a:rPr lang="en-GB"/>
               <a:t>What is a Data Lake</a:t>
             </a:r>
-            <a:endParaRPr/>
+            <a:endParaRPr lang="en-GB"/>
+          </a:p>
+        </p:txBody>
+      </p:sp>
+      <p:pic>
+        <p:nvPicPr>
+          <p:cNvPr id="101" name="Picture 100"/>
+          <p:cNvPicPr/>
+          <p:nvPr/>
+        </p:nvPicPr>
+        <p:blipFill>
+          <a:blip r:embed="rId1"/>
+          <a:stretch>
+            <a:fillRect/>
+          </a:stretch>
+        </p:blipFill>
+        <p:spPr>
+          <a:xfrm>
+            <a:off x="1686560" y="1510030"/>
+            <a:ext cx="5770245" cy="3232150"/>
+          </a:xfrm>
+          <a:prstGeom prst="rect">
+            <a:avLst/>
+          </a:prstGeom>
+          <a:noFill/>
+          <a:ln w="9525">
+            <a:noFill/>
+          </a:ln>
+        </p:spPr>
+      </p:pic>
+      <p:sp>
+        <p:nvSpPr>
+          <p:cNvPr id="1" name="Text Box 0"/>
+          <p:cNvSpPr txBox="1"/>
+          <p:nvPr/>
+        </p:nvSpPr>
+        <p:spPr>
+          <a:xfrm>
+            <a:off x="605155" y="1203325"/>
+            <a:ext cx="4572000" cy="306705"/>
+          </a:xfrm>
+          <a:prstGeom prst="rect">
+            <a:avLst/>
+          </a:prstGeom>
+          <a:noFill/>
+        </p:spPr>
+        <p:txBody>
+          <a:bodyPr wrap="square" rtlCol="0" anchor="t">
+            <a:spAutoFit/>
+          </a:bodyPr>
+          <a:p>
+            <a:r>
+              <a:rPr lang="en-US"/>
+              <a:t>10,000 foot view</a:t>
+            </a:r>
+            <a:endParaRPr lang="en-US"/>
           </a:p>
         </p:txBody>
       </p:sp>
@@ -9251,7 +9472,125 @@
 </file>
 
 <file path=ppt/slides/slide4.xml><?xml version="1.0" encoding="utf-8"?>
-<p:sld xmlns:a="http://schemas.openxmlformats.org/drawingml/2006/main" xmlns:r="http://schemas.openxmlformats.org/officeDocument/2006/relationships" xmlns:mc="http://schemas.openxmlformats.org/markup-compatibility/2006" xmlns:mv="urn:schemas-microsoft-com:mac:vml" xmlns:p="http://schemas.openxmlformats.org/presentationml/2006/main" xmlns:c="http://schemas.openxmlformats.org/drawingml/2006/chart" xmlns:dgm="http://schemas.openxmlformats.org/drawingml/2006/diagram" xmlns:o="urn:schemas-microsoft-com:office:office" xmlns:v="urn:schemas-microsoft-com:vml" xmlns:pvml="urn:schemas-microsoft-com:office:powerpoint" xmlns:com="http://schemas.openxmlformats.org/drawingml/2006/compatibility" xmlns:p14="http://schemas.microsoft.com/office/powerpoint/2010/main" xmlns:p15="http://schemas.microsoft.com/office/powerpoint/2012/main" xmlns:ahyp="http://schemas.microsoft.com/office/drawing/2018/hyperlinkcolor">
+<p:sld xmlns:a="http://schemas.openxmlformats.org/drawingml/2006/main" xmlns:r="http://schemas.openxmlformats.org/officeDocument/2006/relationships" xmlns:p="http://schemas.openxmlformats.org/presentationml/2006/main">
+  <p:cSld>
+    <p:spTree>
+      <p:nvGrpSpPr>
+        <p:cNvPr id="69" name="Shape 69"/>
+        <p:cNvGrpSpPr/>
+        <p:nvPr/>
+      </p:nvGrpSpPr>
+      <p:grpSpPr>
+        <a:xfrm>
+          <a:off x="0" y="0"/>
+          <a:ext cx="0" cy="0"/>
+          <a:chOff x="0" y="0"/>
+          <a:chExt cx="0" cy="0"/>
+        </a:xfrm>
+      </p:grpSpPr>
+      <p:sp>
+        <p:nvSpPr>
+          <p:cNvPr id="72" name="Google Shape;72;p14"/>
+          <p:cNvSpPr txBox="1"/>
+          <p:nvPr>
+            <p:ph type="title"/>
+          </p:nvPr>
+        </p:nvSpPr>
+        <p:spPr>
+          <a:xfrm>
+            <a:off x="605400" y="473950"/>
+            <a:ext cx="7933200" cy="572700"/>
+          </a:xfrm>
+          <a:prstGeom prst="rect">
+            <a:avLst/>
+          </a:prstGeom>
+        </p:spPr>
+        <p:txBody>
+          <a:bodyPr spcFirstLastPara="1" wrap="square" lIns="91425" tIns="91425" rIns="91425" bIns="91425" anchor="ctr" anchorCtr="0">
+            <a:noAutofit/>
+          </a:bodyPr>
+          <a:lstStyle/>
+          <a:p>
+            <a:pPr marL="0" lvl="0" indent="0" algn="l" rtl="0">
+              <a:spcBef>
+                <a:spcPts val="0"/>
+              </a:spcBef>
+              <a:spcAft>
+                <a:spcPts val="0"/>
+              </a:spcAft>
+              <a:buNone/>
+            </a:pPr>
+            <a:r>
+              <a:rPr lang="en-GB"/>
+              <a:t>What is a Data Lake</a:t>
+            </a:r>
+            <a:endParaRPr lang="en-GB"/>
+          </a:p>
+        </p:txBody>
+      </p:sp>
+      <p:sp>
+        <p:nvSpPr>
+          <p:cNvPr id="3" name="Text Box 2"/>
+          <p:cNvSpPr txBox="1"/>
+          <p:nvPr/>
+        </p:nvSpPr>
+        <p:spPr>
+          <a:xfrm>
+            <a:off x="605155" y="1203325"/>
+            <a:ext cx="4572000" cy="306705"/>
+          </a:xfrm>
+          <a:prstGeom prst="rect">
+            <a:avLst/>
+          </a:prstGeom>
+          <a:noFill/>
+        </p:spPr>
+        <p:txBody>
+          <a:bodyPr wrap="square" rtlCol="0" anchor="t">
+            <a:spAutoFit/>
+          </a:bodyPr>
+          <a:p>
+            <a:r>
+              <a:rPr lang="en-US"/>
+              <a:t>5000 foot view</a:t>
+            </a:r>
+            <a:endParaRPr lang="en-US"/>
+          </a:p>
+        </p:txBody>
+      </p:sp>
+      <p:pic>
+        <p:nvPicPr>
+          <p:cNvPr id="4" name="Picture 3"/>
+          <p:cNvPicPr>
+            <a:picLocks noChangeAspect="1"/>
+          </p:cNvPicPr>
+          <p:nvPr/>
+        </p:nvPicPr>
+        <p:blipFill>
+          <a:blip r:embed="rId1"/>
+          <a:stretch>
+            <a:fillRect/>
+          </a:stretch>
+        </p:blipFill>
+        <p:spPr>
+          <a:xfrm>
+            <a:off x="467360" y="1779270"/>
+            <a:ext cx="8244205" cy="1735455"/>
+          </a:xfrm>
+          <a:prstGeom prst="rect">
+            <a:avLst/>
+          </a:prstGeom>
+        </p:spPr>
+      </p:pic>
+    </p:spTree>
+  </p:cSld>
+  <p:clrMapOvr>
+    <a:masterClrMapping/>
+  </p:clrMapOvr>
+</p:sld>
+</file>
+
+<file path=ppt/slides/slide5.xml><?xml version="1.0" encoding="utf-8"?>
+<p:sld xmlns:a="http://schemas.openxmlformats.org/drawingml/2006/main" xmlns:r="http://schemas.openxmlformats.org/officeDocument/2006/relationships" xmlns:p="http://schemas.openxmlformats.org/presentationml/2006/main">
   <p:cSld>
     <p:spTree>
       <p:nvGrpSpPr>
@@ -9272,12 +9611,12 @@
           <p:cNvPr id="77" name="Google Shape;77;p15"/>
           <p:cNvSpPr txBox="1"/>
           <p:nvPr>
-            <p:ph idx="1" type="body"/>
+            <p:ph type="body" idx="1"/>
           </p:nvPr>
         </p:nvSpPr>
         <p:spPr>
           <a:xfrm>
-            <a:off x="605400" y="1787750"/>
+            <a:off x="672075" y="1275940"/>
             <a:ext cx="7867200" cy="2875500"/>
           </a:xfrm>
           <a:prstGeom prst="rect">
@@ -9285,12 +9624,12 @@
           </a:prstGeom>
         </p:spPr>
         <p:txBody>
-          <a:bodyPr anchorCtr="0" anchor="t" bIns="91425" lIns="91425" spcFirstLastPara="1" rIns="91425" wrap="square" tIns="91425">
+          <a:bodyPr spcFirstLastPara="1" wrap="square" lIns="91425" tIns="91425" rIns="91425" bIns="91425" anchor="t" anchorCtr="0">
             <a:noAutofit/>
           </a:bodyPr>
           <a:lstStyle/>
           <a:p>
-            <a:pPr indent="-317500" lvl="0" marL="457200" rtl="0" algn="l">
+            <a:pPr marL="457200" lvl="0" indent="-317500" algn="l" rtl="0">
               <a:spcBef>
                 <a:spcPts val="0"/>
               </a:spcBef>
@@ -9301,13 +9640,13 @@
               <a:buChar char="●"/>
             </a:pPr>
             <a:r>
-              <a:rPr lang="en"/>
-              <a:t>A</a:t>
+              <a:rPr lang="en-US" altLang="en-GB"/>
+              <a:t>Storage Layer</a:t>
             </a:r>
-            <a:endParaRPr/>
+            <a:endParaRPr lang="en-US" altLang="en-GB"/>
           </a:p>
           <a:p>
-            <a:pPr indent="-317500" lvl="0" marL="457200" rtl="0" algn="l">
+            <a:pPr marL="457200" lvl="0" indent="-317500" algn="l" rtl="0">
               <a:spcBef>
                 <a:spcPts val="0"/>
               </a:spcBef>
@@ -9318,13 +9657,13 @@
               <a:buChar char="●"/>
             </a:pPr>
             <a:r>
-              <a:rPr lang="en"/>
-              <a:t>B</a:t>
+              <a:rPr lang="en-GB"/>
+              <a:t>Ingestion Layer</a:t>
             </a:r>
-            <a:endParaRPr/>
+            <a:endParaRPr lang="en-GB"/>
           </a:p>
           <a:p>
-            <a:pPr indent="-317500" lvl="0" marL="457200" rtl="0" algn="l">
+            <a:pPr marL="457200" lvl="0" indent="-317500" algn="l" rtl="0">
               <a:spcBef>
                 <a:spcPts val="0"/>
               </a:spcBef>
@@ -9335,13 +9674,13 @@
               <a:buChar char="●"/>
             </a:pPr>
             <a:r>
-              <a:rPr lang="en"/>
-              <a:t>C</a:t>
+              <a:rPr lang="en-GB"/>
+              <a:t>Processing and Analytics Layer:</a:t>
             </a:r>
-            <a:endParaRPr/>
+            <a:endParaRPr lang="en-GB"/>
           </a:p>
           <a:p>
-            <a:pPr indent="-317500" lvl="0" marL="457200" rtl="0" algn="l">
+            <a:pPr marL="457200" lvl="0" indent="-317500" algn="l" rtl="0">
               <a:spcBef>
                 <a:spcPts val="0"/>
               </a:spcBef>
@@ -9352,13 +9691,13 @@
               <a:buChar char="●"/>
             </a:pPr>
             <a:r>
-              <a:rPr lang="en"/>
-              <a:t>…</a:t>
+              <a:rPr lang="en-GB"/>
+              <a:t>Serving Layer</a:t>
             </a:r>
-            <a:endParaRPr/>
+            <a:endParaRPr lang="en-GB"/>
           </a:p>
           <a:p>
-            <a:pPr indent="-317500" lvl="0" marL="457200" rtl="0" algn="l">
+            <a:pPr marL="457200" lvl="0" indent="-317500" algn="l" rtl="0">
               <a:spcBef>
                 <a:spcPts val="0"/>
               </a:spcBef>
@@ -9369,66 +9708,10 @@
               <a:buChar char="●"/>
             </a:pPr>
             <a:r>
-              <a:rPr lang="en"/>
-              <a:t>...</a:t>
+              <a:rPr lang="en-US" altLang="en-GB"/>
+              <a:t>About Data Catalog, Governance and Security</a:t>
             </a:r>
-            <a:endParaRPr/>
-          </a:p>
-        </p:txBody>
-      </p:sp>
-      <p:sp>
-        <p:nvSpPr>
-          <p:cNvPr id="78" name="Google Shape;78;p15"/>
-          <p:cNvSpPr txBox="1"/>
-          <p:nvPr>
-            <p:ph idx="2" type="subTitle"/>
-          </p:nvPr>
-        </p:nvSpPr>
-        <p:spPr>
-          <a:xfrm>
-            <a:off x="605400" y="1180500"/>
-            <a:ext cx="7933200" cy="473400"/>
-          </a:xfrm>
-          <a:prstGeom prst="rect">
-            <a:avLst/>
-          </a:prstGeom>
-        </p:spPr>
-        <p:txBody>
-          <a:bodyPr anchorCtr="0" anchor="t" bIns="91425" lIns="91425" spcFirstLastPara="1" rIns="91425" wrap="square" tIns="91425">
-            <a:noAutofit/>
-          </a:bodyPr>
-          <a:lstStyle/>
-          <a:p>
-            <a:pPr indent="0" lvl="0" marL="0" rtl="0" algn="l">
-              <a:spcBef>
-                <a:spcPts val="0"/>
-              </a:spcBef>
-              <a:spcAft>
-                <a:spcPts val="0"/>
-              </a:spcAft>
-              <a:buNone/>
-            </a:pPr>
-            <a:r>
-              <a:rPr b="1" lang="en" sz="1400"/>
-              <a:t>&lt; Think About:</a:t>
-            </a:r>
-            <a:r>
-              <a:rPr lang="en" sz="1400"/>
-              <a:t> What elements are needed to make a data lake? What different </a:t>
-            </a:r>
-            <a:r>
-              <a:rPr lang="en" sz="1400"/>
-              <a:t>layers </a:t>
-            </a:r>
-            <a:r>
-              <a:rPr lang="en" sz="1400"/>
-              <a:t>and/or tools involved? Identify at least 3 in your high level list here. Elaborate more on each component in video.</a:t>
-            </a:r>
-            <a:r>
-              <a:rPr b="1" lang="en" sz="1400"/>
-              <a:t>&gt;</a:t>
-            </a:r>
-            <a:endParaRPr b="1"/>
+            <a:endParaRPr lang="en-US" altLang="en-GB"/>
           </a:p>
         </p:txBody>
       </p:sp>
@@ -9450,12 +9733,12 @@
           </a:prstGeom>
         </p:spPr>
         <p:txBody>
-          <a:bodyPr anchorCtr="0" anchor="ctr" bIns="91425" lIns="91425" spcFirstLastPara="1" rIns="91425" wrap="square" tIns="91425">
+          <a:bodyPr spcFirstLastPara="1" wrap="square" lIns="91425" tIns="91425" rIns="91425" bIns="91425" anchor="ctr" anchorCtr="0">
             <a:noAutofit/>
           </a:bodyPr>
           <a:lstStyle/>
           <a:p>
-            <a:pPr indent="0" lvl="0" marL="0" rtl="0" algn="l">
+            <a:pPr marL="0" lvl="0" indent="0" algn="l" rtl="0">
               <a:spcBef>
                 <a:spcPts val="0"/>
               </a:spcBef>
@@ -9465,10 +9748,10 @@
               <a:buNone/>
             </a:pPr>
             <a:r>
-              <a:rPr lang="en"/>
+              <a:rPr lang="en-GB"/>
               <a:t>Components of Data Lake</a:t>
             </a:r>
-            <a:endParaRPr/>
+            <a:endParaRPr lang="en-GB"/>
           </a:p>
         </p:txBody>
       </p:sp>
@@ -9480,8 +9763,8 @@
 </p:sld>
 </file>
 
-<file path=ppt/slides/slide5.xml><?xml version="1.0" encoding="utf-8"?>
-<p:sld xmlns:a="http://schemas.openxmlformats.org/drawingml/2006/main" xmlns:r="http://schemas.openxmlformats.org/officeDocument/2006/relationships" xmlns:mc="http://schemas.openxmlformats.org/markup-compatibility/2006" xmlns:mv="urn:schemas-microsoft-com:mac:vml" xmlns:p="http://schemas.openxmlformats.org/presentationml/2006/main" xmlns:c="http://schemas.openxmlformats.org/drawingml/2006/chart" xmlns:dgm="http://schemas.openxmlformats.org/drawingml/2006/diagram" xmlns:o="urn:schemas-microsoft-com:office:office" xmlns:v="urn:schemas-microsoft-com:vml" xmlns:pvml="urn:schemas-microsoft-com:office:powerpoint" xmlns:com="http://schemas.openxmlformats.org/drawingml/2006/compatibility" xmlns:p14="http://schemas.microsoft.com/office/powerpoint/2010/main" xmlns:p15="http://schemas.microsoft.com/office/powerpoint/2012/main" xmlns:ahyp="http://schemas.microsoft.com/office/drawing/2018/hyperlinkcolor">
+<file path=ppt/slides/slide6.xml><?xml version="1.0" encoding="utf-8"?>
+<p:sld xmlns:a="http://schemas.openxmlformats.org/drawingml/2006/main" xmlns:r="http://schemas.openxmlformats.org/officeDocument/2006/relationships" xmlns:p="http://schemas.openxmlformats.org/presentationml/2006/main">
   <p:cSld>
     <p:spTree>
       <p:nvGrpSpPr>
@@ -9497,160 +9780,6 @@
           <a:chExt cx="0" cy="0"/>
         </a:xfrm>
       </p:grpSpPr>
-      <p:sp>
-        <p:nvSpPr>
-          <p:cNvPr id="84" name="Google Shape;84;p16"/>
-          <p:cNvSpPr txBox="1"/>
-          <p:nvPr>
-            <p:ph idx="1" type="body"/>
-          </p:nvPr>
-        </p:nvSpPr>
-        <p:spPr>
-          <a:xfrm>
-            <a:off x="1066775" y="1962650"/>
-            <a:ext cx="7046400" cy="1917300"/>
-          </a:xfrm>
-          <a:prstGeom prst="rect">
-            <a:avLst/>
-          </a:prstGeom>
-        </p:spPr>
-        <p:txBody>
-          <a:bodyPr anchorCtr="0" anchor="t" bIns="91425" lIns="91425" spcFirstLastPara="1" rIns="91425" wrap="square" tIns="91425">
-            <a:noAutofit/>
-          </a:bodyPr>
-          <a:lstStyle/>
-          <a:p>
-            <a:pPr indent="0" lvl="0" marL="0" rtl="0" algn="l">
-              <a:spcBef>
-                <a:spcPts val="0"/>
-              </a:spcBef>
-              <a:spcAft>
-                <a:spcPts val="0"/>
-              </a:spcAft>
-              <a:buNone/>
-            </a:pPr>
-            <a:r>
-              <a:rPr lang="en"/>
-              <a:t>&lt; </a:t>
-            </a:r>
-            <a:r>
-              <a:rPr b="1" lang="en"/>
-              <a:t>Think about:</a:t>
-            </a:r>
-            <a:r>
-              <a:rPr lang="en"/>
-              <a:t> </a:t>
-            </a:r>
-            <a:r>
-              <a:rPr lang="en"/>
-              <a:t>Research</a:t>
-            </a:r>
-            <a:r>
-              <a:rPr lang="en"/>
-              <a:t> if a Data Warehouse can still be a viable solution instead of a Data Lake? </a:t>
-            </a:r>
-            <a:r>
-              <a:rPr lang="en"/>
-              <a:t>What is the </a:t>
-            </a:r>
-            <a:r>
-              <a:rPr lang="en"/>
-              <a:t>difference </a:t>
-            </a:r>
-            <a:r>
-              <a:rPr lang="en"/>
-              <a:t>between both? &gt;</a:t>
-            </a:r>
-            <a:endParaRPr/>
-          </a:p>
-          <a:p>
-            <a:pPr indent="0" lvl="0" marL="0" rtl="0" algn="l">
-              <a:spcBef>
-                <a:spcPts val="0"/>
-              </a:spcBef>
-              <a:spcAft>
-                <a:spcPts val="0"/>
-              </a:spcAft>
-              <a:buNone/>
-            </a:pPr>
-            <a:r>
-              <a:t/>
-            </a:r>
-            <a:endParaRPr/>
-          </a:p>
-          <a:p>
-            <a:pPr indent="0" lvl="0" marL="0" rtl="0" algn="l">
-              <a:spcBef>
-                <a:spcPts val="0"/>
-              </a:spcBef>
-              <a:spcAft>
-                <a:spcPts val="0"/>
-              </a:spcAft>
-              <a:buClr>
-                <a:schemeClr val="dk1"/>
-              </a:buClr>
-              <a:buSzPts val="1100"/>
-              <a:buFont typeface="Arial"/>
-              <a:buNone/>
-            </a:pPr>
-            <a:r>
-              <a:rPr lang="en"/>
-              <a:t>&lt; You will complete this information on the next slide. Please provide at least 3 items for each. No need to add any content on this slide &gt;</a:t>
-            </a:r>
-            <a:endParaRPr/>
-          </a:p>
-          <a:p>
-            <a:pPr indent="0" lvl="0" marL="0" rtl="0" algn="l">
-              <a:spcBef>
-                <a:spcPts val="0"/>
-              </a:spcBef>
-              <a:spcAft>
-                <a:spcPts val="0"/>
-              </a:spcAft>
-              <a:buNone/>
-            </a:pPr>
-            <a:r>
-              <a:rPr lang="en"/>
-              <a:t>&lt; Video tip:  While presenting the differences, elaborate why a Data Lake solution makes more sense for Medical Data Processing Company over a Data Warehouse approach? </a:t>
-            </a:r>
-            <a:r>
-              <a:rPr lang="en"/>
-              <a:t>How the Data Lake / Big Data characteristics different from Data warehouse&gt;</a:t>
-            </a:r>
-            <a:endParaRPr/>
-          </a:p>
-          <a:p>
-            <a:pPr indent="0" lvl="0" marL="0" rtl="0" algn="l">
-              <a:spcBef>
-                <a:spcPts val="0"/>
-              </a:spcBef>
-              <a:spcAft>
-                <a:spcPts val="0"/>
-              </a:spcAft>
-              <a:buNone/>
-            </a:pPr>
-            <a:r>
-              <a:t/>
-            </a:r>
-            <a:endParaRPr/>
-          </a:p>
-          <a:p>
-            <a:pPr indent="0" lvl="0" marL="0" rtl="0" algn="l">
-              <a:spcBef>
-                <a:spcPts val="0"/>
-              </a:spcBef>
-              <a:spcAft>
-                <a:spcPts val="0"/>
-              </a:spcAft>
-              <a:buNone/>
-            </a:pPr>
-            <a:r>
-              <a:t/>
-            </a:r>
-            <a:endParaRPr/>
-          </a:p>
-        </p:txBody>
-      </p:sp>
       <p:sp>
         <p:nvSpPr>
           <p:cNvPr id="85" name="Google Shape;85;p16"/>
@@ -9669,12 +9798,12 @@
           </a:prstGeom>
         </p:spPr>
         <p:txBody>
-          <a:bodyPr anchorCtr="0" anchor="ctr" bIns="91425" lIns="91425" spcFirstLastPara="1" rIns="91425" wrap="square" tIns="91425">
+          <a:bodyPr spcFirstLastPara="1" wrap="square" lIns="91425" tIns="91425" rIns="91425" bIns="91425" anchor="ctr" anchorCtr="0">
             <a:noAutofit/>
           </a:bodyPr>
           <a:lstStyle/>
           <a:p>
-            <a:pPr indent="0" lvl="0" marL="0" rtl="0" algn="l">
+            <a:pPr marL="0" lvl="0" indent="0" algn="l" rtl="0">
               <a:spcBef>
                 <a:spcPts val="0"/>
               </a:spcBef>
@@ -9684,10 +9813,33 @@
               <a:buNone/>
             </a:pPr>
             <a:r>
-              <a:rPr lang="en"/>
+              <a:rPr lang="en-GB"/>
               <a:t>Data Lake vs Data Warehouse</a:t>
             </a:r>
-            <a:endParaRPr/>
+            <a:endParaRPr lang="en-GB"/>
+          </a:p>
+        </p:txBody>
+      </p:sp>
+      <p:sp>
+        <p:nvSpPr>
+          <p:cNvPr id="1" name="Text Placeholder 0"/>
+          <p:cNvSpPr/>
+          <p:nvPr>
+            <p:ph type="body" idx="1"/>
+          </p:nvPr>
+        </p:nvSpPr>
+        <p:spPr/>
+        <p:txBody>
+          <a:bodyPr/>
+          <a:p>
+            <a:pPr marL="139700" indent="0">
+              <a:buNone/>
+            </a:pPr>
+            <a:r>
+              <a:rPr lang="en-US"/>
+              <a:t>Data lakes and data warehouses are similar in that they both store and process data, each have their own specialties, and therefore their own use cases. That's why it's common for an enterprise-level organization to include a data lake and a data warehouse in their analytics ecosystem. what's the difference between a data lake and a data warehouse? And when is it appropriate to use one over the other?</a:t>
+            </a:r>
+            <a:endParaRPr lang="en-US"/>
           </a:p>
         </p:txBody>
       </p:sp>
@@ -9699,8 +9851,8 @@
 </p:sld>
 </file>
 
-<file path=ppt/slides/slide6.xml><?xml version="1.0" encoding="utf-8"?>
-<p:sld xmlns:a="http://schemas.openxmlformats.org/drawingml/2006/main" xmlns:r="http://schemas.openxmlformats.org/officeDocument/2006/relationships" xmlns:mc="http://schemas.openxmlformats.org/markup-compatibility/2006" xmlns:mv="urn:schemas-microsoft-com:mac:vml" xmlns:p="http://schemas.openxmlformats.org/presentationml/2006/main" xmlns:c="http://schemas.openxmlformats.org/drawingml/2006/chart" xmlns:dgm="http://schemas.openxmlformats.org/drawingml/2006/diagram" xmlns:o="urn:schemas-microsoft-com:office:office" xmlns:v="urn:schemas-microsoft-com:vml" xmlns:pvml="urn:schemas-microsoft-com:office:powerpoint" xmlns:com="http://schemas.openxmlformats.org/drawingml/2006/compatibility" xmlns:p14="http://schemas.microsoft.com/office/powerpoint/2010/main" xmlns:p15="http://schemas.microsoft.com/office/powerpoint/2012/main" xmlns:ahyp="http://schemas.microsoft.com/office/drawing/2018/hyperlinkcolor">
+<file path=ppt/slides/slide7.xml><?xml version="1.0" encoding="utf-8"?>
+<p:sld xmlns:a="http://schemas.openxmlformats.org/drawingml/2006/main" xmlns:r="http://schemas.openxmlformats.org/officeDocument/2006/relationships" xmlns:p="http://schemas.openxmlformats.org/presentationml/2006/main">
   <p:cSld>
     <p:spTree>
       <p:nvGrpSpPr>
@@ -9721,7 +9873,7 @@
           <p:cNvPr id="90" name="Google Shape;90;p17"/>
           <p:cNvSpPr txBox="1"/>
           <p:nvPr>
-            <p:ph idx="1" type="body"/>
+            <p:ph type="body" idx="1"/>
           </p:nvPr>
         </p:nvSpPr>
         <p:spPr>
@@ -9734,12 +9886,12 @@
           </a:prstGeom>
         </p:spPr>
         <p:txBody>
-          <a:bodyPr anchorCtr="0" anchor="t" bIns="91425" lIns="91425" spcFirstLastPara="1" rIns="91425" wrap="square" tIns="91425">
+          <a:bodyPr spcFirstLastPara="1" wrap="square" lIns="91425" tIns="91425" rIns="91425" bIns="91425" anchor="t" anchorCtr="0">
             <a:noAutofit/>
           </a:bodyPr>
           <a:lstStyle/>
           <a:p>
-            <a:pPr indent="-317500" lvl="0" marL="457200" rtl="0" algn="l">
+            <a:pPr marL="457200" lvl="0" indent="-317500" algn="l" rtl="0">
               <a:lnSpc>
                 <a:spcPct val="100000"/>
               </a:lnSpc>
@@ -9753,13 +9905,13 @@
               <a:buChar char="●"/>
             </a:pPr>
             <a:r>
-              <a:rPr lang="en"/>
+              <a:rPr lang="en-GB"/>
               <a:t>A</a:t>
             </a:r>
-            <a:endParaRPr/>
+            <a:endParaRPr lang="en-GB"/>
           </a:p>
           <a:p>
-            <a:pPr indent="-317500" lvl="0" marL="457200" rtl="0" algn="l">
+            <a:pPr marL="457200" lvl="0" indent="-317500" algn="l" rtl="0">
               <a:lnSpc>
                 <a:spcPct val="100000"/>
               </a:lnSpc>
@@ -9773,13 +9925,13 @@
               <a:buChar char="●"/>
             </a:pPr>
             <a:r>
-              <a:rPr lang="en"/>
+              <a:rPr lang="en-GB"/>
               <a:t>B</a:t>
             </a:r>
-            <a:endParaRPr/>
+            <a:endParaRPr lang="en-GB"/>
           </a:p>
           <a:p>
-            <a:pPr indent="-317500" lvl="0" marL="457200" rtl="0" algn="l">
+            <a:pPr marL="457200" lvl="0" indent="-317500" algn="l" rtl="0">
               <a:lnSpc>
                 <a:spcPct val="100000"/>
               </a:lnSpc>
@@ -9793,13 +9945,13 @@
               <a:buChar char="●"/>
             </a:pPr>
             <a:r>
-              <a:rPr lang="en"/>
+              <a:rPr lang="en-GB"/>
               <a:t>C</a:t>
             </a:r>
-            <a:endParaRPr/>
+            <a:endParaRPr lang="en-GB"/>
           </a:p>
           <a:p>
-            <a:pPr indent="-317500" lvl="0" marL="457200" rtl="0" algn="l">
+            <a:pPr marL="457200" lvl="0" indent="-317500" algn="l" rtl="0">
               <a:lnSpc>
                 <a:spcPct val="100000"/>
               </a:lnSpc>
@@ -9813,13 +9965,13 @@
               <a:buChar char="●"/>
             </a:pPr>
             <a:r>
-              <a:rPr lang="en"/>
+              <a:rPr lang="en-GB"/>
               <a:t>…</a:t>
             </a:r>
-            <a:endParaRPr/>
+            <a:endParaRPr lang="en-GB"/>
           </a:p>
           <a:p>
-            <a:pPr indent="-317500" lvl="0" marL="457200" rtl="0" algn="l">
+            <a:pPr marL="457200" lvl="0" indent="-317500" algn="l" rtl="0">
               <a:lnSpc>
                 <a:spcPct val="100000"/>
               </a:lnSpc>
@@ -9833,10 +9985,10 @@
               <a:buChar char="●"/>
             </a:pPr>
             <a:r>
-              <a:rPr lang="en"/>
+              <a:rPr lang="en-GB"/>
               <a:t>...</a:t>
             </a:r>
-            <a:endParaRPr/>
+            <a:endParaRPr lang="en-GB"/>
           </a:p>
         </p:txBody>
       </p:sp>
@@ -9845,7 +9997,7 @@
           <p:cNvPr id="91" name="Google Shape;91;p17"/>
           <p:cNvSpPr txBox="1"/>
           <p:nvPr>
-            <p:ph idx="2" type="body"/>
+            <p:ph type="body" idx="2"/>
           </p:nvPr>
         </p:nvSpPr>
         <p:spPr>
@@ -9858,12 +10010,12 @@
           </a:prstGeom>
         </p:spPr>
         <p:txBody>
-          <a:bodyPr anchorCtr="0" anchor="t" bIns="91425" lIns="91425" spcFirstLastPara="1" rIns="91425" wrap="square" tIns="91425">
+          <a:bodyPr spcFirstLastPara="1" wrap="square" lIns="91425" tIns="91425" rIns="91425" bIns="91425" anchor="t" anchorCtr="0">
             <a:noAutofit/>
           </a:bodyPr>
           <a:lstStyle/>
           <a:p>
-            <a:pPr indent="-317500" lvl="0" marL="457200" rtl="0" algn="l">
+            <a:pPr marL="457200" lvl="0" indent="-317500" algn="l" rtl="0">
               <a:lnSpc>
                 <a:spcPct val="100000"/>
               </a:lnSpc>
@@ -9877,13 +10029,13 @@
               <a:buChar char="●"/>
             </a:pPr>
             <a:r>
-              <a:rPr lang="en"/>
+              <a:rPr lang="en-GB"/>
               <a:t>A</a:t>
             </a:r>
-            <a:endParaRPr/>
+            <a:endParaRPr lang="en-GB"/>
           </a:p>
           <a:p>
-            <a:pPr indent="-317500" lvl="0" marL="457200" rtl="0" algn="l">
+            <a:pPr marL="457200" lvl="0" indent="-317500" algn="l" rtl="0">
               <a:lnSpc>
                 <a:spcPct val="100000"/>
               </a:lnSpc>
@@ -9897,13 +10049,13 @@
               <a:buChar char="●"/>
             </a:pPr>
             <a:r>
-              <a:rPr lang="en"/>
+              <a:rPr lang="en-GB"/>
               <a:t>B</a:t>
             </a:r>
-            <a:endParaRPr/>
+            <a:endParaRPr lang="en-GB"/>
           </a:p>
           <a:p>
-            <a:pPr indent="-317500" lvl="0" marL="457200" rtl="0" algn="l">
+            <a:pPr marL="457200" lvl="0" indent="-317500" algn="l" rtl="0">
               <a:lnSpc>
                 <a:spcPct val="100000"/>
               </a:lnSpc>
@@ -9917,13 +10069,13 @@
               <a:buChar char="●"/>
             </a:pPr>
             <a:r>
-              <a:rPr lang="en"/>
+              <a:rPr lang="en-GB"/>
               <a:t>C</a:t>
             </a:r>
-            <a:endParaRPr/>
+            <a:endParaRPr lang="en-GB"/>
           </a:p>
           <a:p>
-            <a:pPr indent="-317500" lvl="0" marL="457200" rtl="0" algn="l">
+            <a:pPr marL="457200" lvl="0" indent="-317500" algn="l" rtl="0">
               <a:lnSpc>
                 <a:spcPct val="100000"/>
               </a:lnSpc>
@@ -9937,13 +10089,13 @@
               <a:buChar char="●"/>
             </a:pPr>
             <a:r>
-              <a:rPr lang="en"/>
+              <a:rPr lang="en-GB"/>
               <a:t>…</a:t>
             </a:r>
-            <a:endParaRPr/>
+            <a:endParaRPr lang="en-GB"/>
           </a:p>
           <a:p>
-            <a:pPr indent="-317500" lvl="0" marL="457200" rtl="0" algn="l">
+            <a:pPr marL="457200" lvl="0" indent="-317500" algn="l" rtl="0">
               <a:lnSpc>
                 <a:spcPct val="100000"/>
               </a:lnSpc>
@@ -9957,10 +10109,10 @@
               <a:buChar char="●"/>
             </a:pPr>
             <a:r>
-              <a:rPr lang="en"/>
+              <a:rPr lang="en-GB"/>
               <a:t>...</a:t>
             </a:r>
-            <a:endParaRPr/>
+            <a:endParaRPr lang="en-GB"/>
           </a:p>
         </p:txBody>
       </p:sp>
@@ -9982,12 +10134,12 @@
           </a:prstGeom>
         </p:spPr>
         <p:txBody>
-          <a:bodyPr anchorCtr="0" anchor="ctr" bIns="91425" lIns="91425" spcFirstLastPara="1" rIns="91425" wrap="square" tIns="91425">
+          <a:bodyPr spcFirstLastPara="1" wrap="square" lIns="91425" tIns="91425" rIns="91425" bIns="91425" anchor="ctr" anchorCtr="0">
             <a:noAutofit/>
           </a:bodyPr>
           <a:lstStyle/>
           <a:p>
-            <a:pPr indent="0" lvl="0" marL="0" rtl="0" algn="l">
+            <a:pPr marL="0" lvl="0" indent="0" algn="l" rtl="0">
               <a:spcBef>
                 <a:spcPts val="0"/>
               </a:spcBef>
@@ -9997,13 +10149,13 @@
               <a:buNone/>
             </a:pPr>
             <a:r>
-              <a:rPr lang="en"/>
+              <a:rPr lang="en-GB"/>
               <a:t>Data Warehouse</a:t>
             </a:r>
             <a:endParaRPr b="0"/>
           </a:p>
           <a:p>
-            <a:pPr indent="0" lvl="0" marL="0" rtl="0" algn="l">
+            <a:pPr marL="0" lvl="0" indent="0" algn="l" rtl="0">
               <a:spcBef>
                 <a:spcPts val="0"/>
               </a:spcBef>
@@ -10012,10 +10164,6 @@
               </a:spcAft>
               <a:buNone/>
             </a:pPr>
-            <a:r>
-              <a:t/>
-            </a:r>
-            <a:endParaRPr/>
           </a:p>
         </p:txBody>
       </p:sp>
@@ -10039,12 +10187,12 @@
           </a:ln>
         </p:spPr>
         <p:txBody>
-          <a:bodyPr anchorCtr="0" anchor="t" bIns="91425" lIns="91425" spcFirstLastPara="1" rIns="91425" wrap="square" tIns="91425">
+          <a:bodyPr spcFirstLastPara="1" wrap="square" lIns="91425" tIns="91425" rIns="91425" bIns="91425" anchor="t" anchorCtr="0">
             <a:noAutofit/>
           </a:bodyPr>
           <a:lstStyle/>
           <a:p>
-            <a:pPr indent="0" lvl="0" marL="0" rtl="0" algn="l">
+            <a:pPr marL="0" lvl="0" indent="0" algn="l" rtl="0">
               <a:spcBef>
                 <a:spcPts val="0"/>
               </a:spcBef>
@@ -10054,14 +10202,14 @@
               <a:buNone/>
             </a:pPr>
             <a:r>
-              <a:rPr lang="en" sz="800">
+              <a:rPr lang="en-GB" sz="800">
                 <a:solidFill>
                   <a:srgbClr val="999999"/>
                 </a:solidFill>
-                <a:latin typeface="Open Sans"/>
-                <a:ea typeface="Open Sans"/>
-                <a:cs typeface="Open Sans"/>
-                <a:sym typeface="Open Sans"/>
+                <a:latin typeface="Open Sans" panose="020B0606030504020204"/>
+                <a:ea typeface="Open Sans" panose="020B0606030504020204"/>
+                <a:cs typeface="Open Sans" panose="020B0606030504020204"/>
+                <a:sym typeface="Open Sans" panose="020B0606030504020204"/>
               </a:rPr>
               <a:t>Udacity IPS Ver. 1 2/2020</a:t>
             </a:r>
@@ -10069,10 +10217,10 @@
               <a:solidFill>
                 <a:srgbClr val="999999"/>
               </a:solidFill>
-              <a:latin typeface="Open Sans"/>
-              <a:ea typeface="Open Sans"/>
-              <a:cs typeface="Open Sans"/>
-              <a:sym typeface="Open Sans"/>
+              <a:latin typeface="Open Sans" panose="020B0606030504020204"/>
+              <a:ea typeface="Open Sans" panose="020B0606030504020204"/>
+              <a:cs typeface="Open Sans" panose="020B0606030504020204"/>
+              <a:sym typeface="Open Sans" panose="020B0606030504020204"/>
             </a:endParaRPr>
           </a:p>
         </p:txBody>
@@ -10095,12 +10243,12 @@
           </a:prstGeom>
         </p:spPr>
         <p:txBody>
-          <a:bodyPr anchorCtr="0" anchor="ctr" bIns="91425" lIns="91425" spcFirstLastPara="1" rIns="91425" wrap="square" tIns="91425">
+          <a:bodyPr spcFirstLastPara="1" wrap="square" lIns="91425" tIns="91425" rIns="91425" bIns="91425" anchor="ctr" anchorCtr="0">
             <a:noAutofit/>
           </a:bodyPr>
           <a:lstStyle/>
           <a:p>
-            <a:pPr indent="0" lvl="0" marL="0" rtl="0" algn="l">
+            <a:pPr marL="0" lvl="0" indent="0" algn="l" rtl="0">
               <a:spcBef>
                 <a:spcPts val="0"/>
               </a:spcBef>
@@ -10110,13 +10258,13 @@
               <a:buNone/>
             </a:pPr>
             <a:r>
-              <a:rPr lang="en"/>
+              <a:rPr lang="en-GB"/>
               <a:t>Data Lake</a:t>
             </a:r>
             <a:endParaRPr b="0"/>
           </a:p>
           <a:p>
-            <a:pPr indent="0" lvl="0" marL="0" rtl="0" algn="l">
+            <a:pPr marL="0" lvl="0" indent="0" algn="l" rtl="0">
               <a:spcBef>
                 <a:spcPts val="0"/>
               </a:spcBef>
@@ -10125,10 +10273,6 @@
               </a:spcAft>
               <a:buNone/>
             </a:pPr>
-            <a:r>
-              <a:t/>
-            </a:r>
-            <a:endParaRPr/>
           </a:p>
         </p:txBody>
       </p:sp>
@@ -10140,8 +10284,8 @@
 </p:sld>
 </file>
 
-<file path=ppt/slides/slide7.xml><?xml version="1.0" encoding="utf-8"?>
-<p:sld xmlns:a="http://schemas.openxmlformats.org/drawingml/2006/main" xmlns:r="http://schemas.openxmlformats.org/officeDocument/2006/relationships" xmlns:mc="http://schemas.openxmlformats.org/markup-compatibility/2006" xmlns:mv="urn:schemas-microsoft-com:mac:vml" xmlns:p="http://schemas.openxmlformats.org/presentationml/2006/main" xmlns:c="http://schemas.openxmlformats.org/drawingml/2006/chart" xmlns:dgm="http://schemas.openxmlformats.org/drawingml/2006/diagram" xmlns:o="urn:schemas-microsoft-com:office:office" xmlns:v="urn:schemas-microsoft-com:vml" xmlns:pvml="urn:schemas-microsoft-com:office:powerpoint" xmlns:com="http://schemas.openxmlformats.org/drawingml/2006/compatibility" xmlns:p14="http://schemas.microsoft.com/office/powerpoint/2010/main" xmlns:p15="http://schemas.microsoft.com/office/powerpoint/2012/main" xmlns:ahyp="http://schemas.microsoft.com/office/drawing/2018/hyperlinkcolor">
+<file path=ppt/slides/slide8.xml><?xml version="1.0" encoding="utf-8"?>
+<p:sld xmlns:a="http://schemas.openxmlformats.org/drawingml/2006/main" xmlns:r="http://schemas.openxmlformats.org/officeDocument/2006/relationships" xmlns:p="http://schemas.openxmlformats.org/presentationml/2006/main">
   <p:cSld>
     <p:spTree>
       <p:nvGrpSpPr>
@@ -10162,7 +10306,7 @@
           <p:cNvPr id="99" name="Google Shape;99;p18"/>
           <p:cNvSpPr txBox="1"/>
           <p:nvPr>
-            <p:ph idx="1" type="body"/>
+            <p:ph type="body" idx="1"/>
           </p:nvPr>
         </p:nvSpPr>
         <p:spPr>
@@ -10175,12 +10319,12 @@
           </a:prstGeom>
         </p:spPr>
         <p:txBody>
-          <a:bodyPr anchorCtr="0" anchor="t" bIns="91425" lIns="91425" spcFirstLastPara="1" rIns="91425" wrap="square" tIns="91425">
+          <a:bodyPr spcFirstLastPara="1" wrap="square" lIns="91425" tIns="91425" rIns="91425" bIns="91425" anchor="t" anchorCtr="0">
             <a:noAutofit/>
           </a:bodyPr>
           <a:lstStyle/>
           <a:p>
-            <a:pPr indent="-317500" lvl="0" marL="457200" rtl="0" algn="l">
+            <a:pPr marL="457200" lvl="0" indent="-317500" algn="l" rtl="0">
               <a:spcBef>
                 <a:spcPts val="0"/>
               </a:spcBef>
@@ -10191,13 +10335,13 @@
               <a:buChar char="●"/>
             </a:pPr>
             <a:r>
-              <a:rPr lang="en"/>
+              <a:rPr lang="en-GB"/>
               <a:t>A</a:t>
             </a:r>
-            <a:endParaRPr/>
+            <a:endParaRPr lang="en-GB"/>
           </a:p>
           <a:p>
-            <a:pPr indent="-317500" lvl="0" marL="457200" rtl="0" algn="l">
+            <a:pPr marL="457200" lvl="0" indent="-317500" algn="l" rtl="0">
               <a:spcBef>
                 <a:spcPts val="0"/>
               </a:spcBef>
@@ -10208,13 +10352,13 @@
               <a:buChar char="●"/>
             </a:pPr>
             <a:r>
-              <a:rPr lang="en"/>
+              <a:rPr lang="en-GB"/>
               <a:t>B</a:t>
             </a:r>
-            <a:endParaRPr/>
+            <a:endParaRPr lang="en-GB"/>
           </a:p>
           <a:p>
-            <a:pPr indent="-317500" lvl="0" marL="457200" rtl="0" algn="l">
+            <a:pPr marL="457200" lvl="0" indent="-317500" algn="l" rtl="0">
               <a:spcBef>
                 <a:spcPts val="0"/>
               </a:spcBef>
@@ -10225,13 +10369,13 @@
               <a:buChar char="●"/>
             </a:pPr>
             <a:r>
-              <a:rPr lang="en"/>
+              <a:rPr lang="en-GB"/>
               <a:t>C</a:t>
             </a:r>
-            <a:endParaRPr/>
+            <a:endParaRPr lang="en-GB"/>
           </a:p>
           <a:p>
-            <a:pPr indent="-317500" lvl="0" marL="457200" rtl="0" algn="l">
+            <a:pPr marL="457200" lvl="0" indent="-317500" algn="l" rtl="0">
               <a:spcBef>
                 <a:spcPts val="0"/>
               </a:spcBef>
@@ -10242,13 +10386,13 @@
               <a:buChar char="●"/>
             </a:pPr>
             <a:r>
-              <a:rPr lang="en"/>
+              <a:rPr lang="en-GB"/>
               <a:t>…</a:t>
             </a:r>
-            <a:endParaRPr/>
+            <a:endParaRPr lang="en-GB"/>
           </a:p>
           <a:p>
-            <a:pPr indent="-317500" lvl="0" marL="457200" rtl="0" algn="l">
+            <a:pPr marL="457200" lvl="0" indent="-317500" algn="l" rtl="0">
               <a:spcBef>
                 <a:spcPts val="0"/>
               </a:spcBef>
@@ -10259,10 +10403,10 @@
               <a:buChar char="●"/>
             </a:pPr>
             <a:r>
-              <a:rPr lang="en"/>
+              <a:rPr lang="en-GB"/>
               <a:t>...</a:t>
             </a:r>
-            <a:endParaRPr/>
+            <a:endParaRPr lang="en-GB"/>
           </a:p>
         </p:txBody>
       </p:sp>
@@ -10271,7 +10415,7 @@
           <p:cNvPr id="100" name="Google Shape;100;p18"/>
           <p:cNvSpPr txBox="1"/>
           <p:nvPr>
-            <p:ph idx="2" type="subTitle"/>
+            <p:ph type="subTitle" idx="2"/>
           </p:nvPr>
         </p:nvSpPr>
         <p:spPr>
@@ -10284,12 +10428,12 @@
           </a:prstGeom>
         </p:spPr>
         <p:txBody>
-          <a:bodyPr anchorCtr="0" anchor="t" bIns="91425" lIns="91425" spcFirstLastPara="1" rIns="91425" wrap="square" tIns="91425">
+          <a:bodyPr spcFirstLastPara="1" wrap="square" lIns="91425" tIns="91425" rIns="91425" bIns="91425" anchor="t" anchorCtr="0">
             <a:noAutofit/>
           </a:bodyPr>
           <a:lstStyle/>
           <a:p>
-            <a:pPr indent="0" lvl="0" marL="0" rtl="0" algn="l">
+            <a:pPr marL="0" lvl="0" indent="0" algn="l" rtl="0">
               <a:spcBef>
                 <a:spcPts val="0"/>
               </a:spcBef>
@@ -10299,25 +10443,25 @@
               <a:buNone/>
             </a:pPr>
             <a:r>
-              <a:rPr b="1" lang="en" sz="1400"/>
+              <a:rPr lang="en-GB" sz="1400" b="1"/>
               <a:t>&lt; Think about:</a:t>
             </a:r>
             <a:r>
-              <a:rPr lang="en" sz="1400"/>
+              <a:rPr lang="en-GB" sz="1400"/>
               <a:t> Provide an executive level summary based on your analysis of problem statement. How would implementing a Data Lake solution help Medical Data Processing Company? Please identify at least 3 </a:t>
             </a:r>
             <a:r>
-              <a:rPr lang="en" sz="1400"/>
+              <a:rPr lang="en-GB" sz="1400"/>
               <a:t>business outcomes</a:t>
             </a:r>
             <a:r>
-              <a:rPr lang="en" sz="1400"/>
+              <a:rPr lang="en-GB" sz="1400"/>
               <a:t> of building a Data Lake?&gt;</a:t>
             </a:r>
             <a:endParaRPr sz="1400"/>
           </a:p>
           <a:p>
-            <a:pPr indent="0" lvl="0" marL="0" rtl="0" algn="l">
+            <a:pPr marL="0" lvl="0" indent="0" algn="l" rtl="0">
               <a:spcBef>
                 <a:spcPts val="0"/>
               </a:spcBef>
@@ -10326,13 +10470,10 @@
               </a:spcAft>
               <a:buNone/>
             </a:pPr>
-            <a:r>
-              <a:t/>
-            </a:r>
             <a:endParaRPr sz="1400"/>
           </a:p>
           <a:p>
-            <a:pPr indent="0" lvl="0" marL="0" rtl="0" algn="l">
+            <a:pPr marL="0" lvl="0" indent="0" algn="l" rtl="0">
               <a:spcBef>
                 <a:spcPts val="0"/>
               </a:spcBef>
@@ -10343,34 +10484,34 @@
                 <a:schemeClr val="dk1"/>
               </a:buClr>
               <a:buSzPts val="1100"/>
-              <a:buFont typeface="Arial"/>
+              <a:buFont typeface="Arial" panose="020B0604020202020204"/>
               <a:buNone/>
             </a:pPr>
             <a:r>
-              <a:rPr lang="en" sz="1400"/>
+              <a:rPr lang="en-GB" sz="1400"/>
               <a:t>&lt;Video tip: Explain </a:t>
             </a:r>
             <a:r>
-              <a:rPr b="1" lang="en" sz="1400"/>
+              <a:rPr lang="en-GB" sz="1400" b="1"/>
               <a:t>“</a:t>
             </a:r>
             <a:r>
-              <a:rPr b="1" lang="en" sz="1400"/>
+              <a:rPr lang="en-GB" sz="1400" b="1"/>
               <a:t>Why</a:t>
             </a:r>
             <a:r>
-              <a:rPr b="1" lang="en" sz="1400"/>
+              <a:rPr lang="en-GB" sz="1400" b="1"/>
               <a:t>”</a:t>
             </a:r>
             <a:r>
-              <a:rPr lang="en" sz="1400"/>
+              <a:rPr lang="en-GB" sz="1400"/>
               <a:t> Data Lake solution makes sense for Medical Data Processing Company. </a:t>
             </a:r>
             <a:r>
-              <a:rPr b="1" lang="en" sz="1400"/>
+              <a:rPr lang="en-GB" sz="1400" b="1"/>
               <a:t>&gt;</a:t>
             </a:r>
-            <a:endParaRPr b="1" sz="1400"/>
+            <a:endParaRPr sz="1400" b="1"/>
           </a:p>
         </p:txBody>
       </p:sp>
@@ -10392,12 +10533,12 @@
           </a:prstGeom>
         </p:spPr>
         <p:txBody>
-          <a:bodyPr anchorCtr="0" anchor="ctr" bIns="91425" lIns="91425" spcFirstLastPara="1" rIns="91425" wrap="square" tIns="91425">
+          <a:bodyPr spcFirstLastPara="1" wrap="square" lIns="91425" tIns="91425" rIns="91425" bIns="91425" anchor="ctr" anchorCtr="0">
             <a:noAutofit/>
           </a:bodyPr>
           <a:lstStyle/>
           <a:p>
-            <a:pPr indent="0" lvl="0" marL="0" rtl="0" algn="l">
+            <a:pPr marL="0" lvl="0" indent="0" algn="l" rtl="0">
               <a:spcBef>
                 <a:spcPts val="0"/>
               </a:spcBef>
@@ -10407,10 +10548,10 @@
               <a:buNone/>
             </a:pPr>
             <a:r>
-              <a:rPr lang="en"/>
+              <a:rPr lang="en-GB"/>
               <a:t>Business Value of Data Lake</a:t>
             </a:r>
-            <a:endParaRPr/>
+            <a:endParaRPr lang="en-GB"/>
           </a:p>
         </p:txBody>
       </p:sp>
@@ -10422,8 +10563,8 @@
 </p:sld>
 </file>
 
-<file path=ppt/slides/slide8.xml><?xml version="1.0" encoding="utf-8"?>
-<p:sld xmlns:a="http://schemas.openxmlformats.org/drawingml/2006/main" xmlns:r="http://schemas.openxmlformats.org/officeDocument/2006/relationships" xmlns:mc="http://schemas.openxmlformats.org/markup-compatibility/2006" xmlns:mv="urn:schemas-microsoft-com:mac:vml" xmlns:p="http://schemas.openxmlformats.org/presentationml/2006/main" xmlns:c="http://schemas.openxmlformats.org/drawingml/2006/chart" xmlns:dgm="http://schemas.openxmlformats.org/drawingml/2006/diagram" xmlns:o="urn:schemas-microsoft-com:office:office" xmlns:v="urn:schemas-microsoft-com:vml" xmlns:pvml="urn:schemas-microsoft-com:office:powerpoint" xmlns:com="http://schemas.openxmlformats.org/drawingml/2006/compatibility" xmlns:p14="http://schemas.microsoft.com/office/powerpoint/2010/main" xmlns:p15="http://schemas.microsoft.com/office/powerpoint/2012/main" xmlns:ahyp="http://schemas.microsoft.com/office/drawing/2018/hyperlinkcolor">
+<file path=ppt/slides/slide9.xml><?xml version="1.0" encoding="utf-8"?>
+<p:sld xmlns:a="http://schemas.openxmlformats.org/drawingml/2006/main" xmlns:r="http://schemas.openxmlformats.org/officeDocument/2006/relationships" xmlns:p="http://schemas.openxmlformats.org/presentationml/2006/main">
   <p:cSld>
     <p:spTree>
       <p:nvGrpSpPr>
@@ -10444,7 +10585,7 @@
           <p:cNvPr id="106" name="Google Shape;106;p19"/>
           <p:cNvSpPr txBox="1"/>
           <p:nvPr>
-            <p:ph idx="1" type="body"/>
+            <p:ph type="body" idx="1"/>
           </p:nvPr>
         </p:nvSpPr>
         <p:spPr>
@@ -10457,12 +10598,12 @@
           </a:prstGeom>
         </p:spPr>
         <p:txBody>
-          <a:bodyPr anchorCtr="0" anchor="t" bIns="91425" lIns="91425" spcFirstLastPara="1" rIns="91425" wrap="square" tIns="91425">
+          <a:bodyPr spcFirstLastPara="1" wrap="square" lIns="91425" tIns="91425" rIns="91425" bIns="91425" anchor="t" anchorCtr="0">
             <a:noAutofit/>
           </a:bodyPr>
           <a:lstStyle/>
           <a:p>
-            <a:pPr indent="0" lvl="0" marL="0" rtl="0" algn="l">
+            <a:pPr marL="0" lvl="0" indent="0" algn="l" rtl="0">
               <a:spcBef>
                 <a:spcPts val="0"/>
               </a:spcBef>
@@ -10472,13 +10613,35 @@
               <a:buNone/>
             </a:pPr>
             <a:r>
-              <a:rPr lang="en"/>
+              <a:rPr lang="en-GB"/>
               <a:t>&lt; Embed your Architecture Diagram of Data Lake you created in Step 2. &gt;</a:t>
             </a:r>
-            <a:endParaRPr/>
+            <a:endParaRPr lang="en-GB"/>
           </a:p>
           <a:p>
-            <a:pPr indent="0" lvl="0" marL="0" rtl="0" algn="l">
+            <a:pPr marL="0" lvl="0" indent="0" algn="l" rtl="0">
+              <a:spcBef>
+                <a:spcPts val="0"/>
+              </a:spcBef>
+              <a:spcAft>
+                <a:spcPts val="0"/>
+              </a:spcAft>
+              <a:buNone/>
+            </a:pPr>
+          </a:p>
+          <a:p>
+            <a:pPr marL="0" lvl="0" indent="0" algn="l" rtl="0">
+              <a:spcBef>
+                <a:spcPts val="0"/>
+              </a:spcBef>
+              <a:spcAft>
+                <a:spcPts val="0"/>
+              </a:spcAft>
+              <a:buNone/>
+            </a:pPr>
+          </a:p>
+          <a:p>
+            <a:pPr marL="0" lvl="0" indent="0" algn="l" rtl="0">
               <a:spcBef>
                 <a:spcPts val="0"/>
               </a:spcBef>
@@ -10488,56 +10651,26 @@
               <a:buNone/>
             </a:pPr>
             <a:r>
-              <a:t/>
-            </a:r>
-            <a:endParaRPr/>
-          </a:p>
-          <a:p>
-            <a:pPr indent="0" lvl="0" marL="0" rtl="0" algn="l">
-              <a:spcBef>
-                <a:spcPts val="0"/>
-              </a:spcBef>
-              <a:spcAft>
-                <a:spcPts val="0"/>
-              </a:spcAft>
-              <a:buNone/>
-            </a:pPr>
-            <a:r>
-              <a:t/>
-            </a:r>
-            <a:endParaRPr/>
-          </a:p>
-          <a:p>
-            <a:pPr indent="0" lvl="0" marL="0" rtl="0" algn="l">
-              <a:spcBef>
-                <a:spcPts val="0"/>
-              </a:spcBef>
-              <a:spcAft>
-                <a:spcPts val="0"/>
-              </a:spcAft>
-              <a:buNone/>
-            </a:pPr>
-            <a:r>
-              <a:rPr lang="en"/>
+              <a:rPr lang="en-GB"/>
               <a:t>&lt; Video tip: You can also use additional slides to </a:t>
             </a:r>
             <a:r>
-              <a:rPr lang="en"/>
+              <a:rPr lang="en-GB"/>
               <a:t>briefly</a:t>
             </a:r>
             <a:r>
-              <a:rPr lang="en"/>
+              <a:rPr lang="en-GB"/>
               <a:t> elaborate or highlight any area from your </a:t>
             </a:r>
             <a:r>
-              <a:rPr lang="en"/>
+              <a:rPr lang="en-GB"/>
               <a:t>architecture</a:t>
             </a:r>
             <a:r>
-              <a:rPr lang="en"/>
+              <a:rPr lang="en-GB"/>
               <a:t>. You can also choose where to include this slide.</a:t>
             </a:r>
-            <a:endParaRPr/>
+            <a:endParaRPr lang="en-GB"/>
           </a:p>
         </p:txBody>
       </p:sp>
@@ -10546,7 +10679,7 @@
           <p:cNvPr id="107" name="Google Shape;107;p19"/>
           <p:cNvSpPr txBox="1"/>
           <p:nvPr>
-            <p:ph idx="2" type="subTitle"/>
+            <p:ph type="subTitle" idx="2"/>
           </p:nvPr>
         </p:nvSpPr>
         <p:spPr>
@@ -10559,12 +10692,12 @@
           </a:prstGeom>
         </p:spPr>
         <p:txBody>
-          <a:bodyPr anchorCtr="0" anchor="t" bIns="91425" lIns="91425" spcFirstLastPara="1" rIns="91425" wrap="square" tIns="91425">
+          <a:bodyPr spcFirstLastPara="1" wrap="square" lIns="91425" tIns="91425" rIns="91425" bIns="91425" anchor="t" anchorCtr="0">
             <a:noAutofit/>
           </a:bodyPr>
           <a:lstStyle/>
           <a:p>
-            <a:pPr indent="0" lvl="0" marL="0" rtl="0" algn="l">
+            <a:pPr marL="0" lvl="0" indent="0" algn="l" rtl="0">
               <a:spcBef>
                 <a:spcPts val="0"/>
               </a:spcBef>
@@ -10573,10 +10706,6 @@
               </a:spcAft>
               <a:buNone/>
             </a:pPr>
-            <a:r>
-              <a:t/>
-            </a:r>
-            <a:endParaRPr/>
           </a:p>
         </p:txBody>
       </p:sp>
@@ -10598,12 +10727,12 @@
           </a:prstGeom>
         </p:spPr>
         <p:txBody>
-          <a:bodyPr anchorCtr="0" anchor="ctr" bIns="91425" lIns="91425" spcFirstLastPara="1" rIns="91425" wrap="square" tIns="91425">
+          <a:bodyPr spcFirstLastPara="1" wrap="square" lIns="91425" tIns="91425" rIns="91425" bIns="91425" anchor="ctr" anchorCtr="0">
             <a:noAutofit/>
           </a:bodyPr>
           <a:lstStyle/>
           <a:p>
-            <a:pPr indent="0" lvl="0" marL="0" rtl="0" algn="l">
+            <a:pPr marL="0" lvl="0" indent="0" algn="l" rtl="0">
               <a:spcBef>
                 <a:spcPts val="0"/>
               </a:spcBef>
@@ -10613,163 +10742,10 @@
               <a:buNone/>
             </a:pPr>
             <a:r>
-              <a:rPr lang="en"/>
+              <a:rPr lang="en-GB"/>
               <a:t>Data Lake Architecture</a:t>
             </a:r>
-            <a:endParaRPr/>
-          </a:p>
-        </p:txBody>
-      </p:sp>
-    </p:spTree>
-  </p:cSld>
-  <p:clrMapOvr>
-    <a:masterClrMapping/>
-  </p:clrMapOvr>
-</p:sld>
-</file>
-
-<file path=ppt/slides/slide9.xml><?xml version="1.0" encoding="utf-8"?>
-<p:sld xmlns:a="http://schemas.openxmlformats.org/drawingml/2006/main" xmlns:r="http://schemas.openxmlformats.org/officeDocument/2006/relationships" xmlns:mc="http://schemas.openxmlformats.org/markup-compatibility/2006" xmlns:mv="urn:schemas-microsoft-com:mac:vml" xmlns:p="http://schemas.openxmlformats.org/presentationml/2006/main" xmlns:c="http://schemas.openxmlformats.org/drawingml/2006/chart" xmlns:dgm="http://schemas.openxmlformats.org/drawingml/2006/diagram" xmlns:o="urn:schemas-microsoft-com:office:office" xmlns:v="urn:schemas-microsoft-com:vml" xmlns:pvml="urn:schemas-microsoft-com:office:powerpoint" xmlns:com="http://schemas.openxmlformats.org/drawingml/2006/compatibility" xmlns:p14="http://schemas.microsoft.com/office/powerpoint/2010/main" xmlns:p15="http://schemas.microsoft.com/office/powerpoint/2012/main" xmlns:ahyp="http://schemas.microsoft.com/office/drawing/2018/hyperlinkcolor">
-  <p:cSld>
-    <p:spTree>
-      <p:nvGrpSpPr>
-        <p:cNvPr id="112" name="Shape 112"/>
-        <p:cNvGrpSpPr/>
-        <p:nvPr/>
-      </p:nvGrpSpPr>
-      <p:grpSpPr>
-        <a:xfrm>
-          <a:off x="0" y="0"/>
-          <a:ext cx="0" cy="0"/>
-          <a:chOff x="0" y="0"/>
-          <a:chExt cx="0" cy="0"/>
-        </a:xfrm>
-      </p:grpSpPr>
-      <p:pic>
-        <p:nvPicPr>
-          <p:cNvPr id="113" name="Google Shape;113;p20"/>
-          <p:cNvPicPr preferRelativeResize="0"/>
-          <p:nvPr/>
-        </p:nvPicPr>
-        <p:blipFill rotWithShape="1">
-          <a:blip r:embed="rId3">
-            <a:alphaModFix/>
-          </a:blip>
-          <a:srcRect b="35787" l="9957" r="10513" t="35735"/>
-          <a:stretch/>
-        </p:blipFill>
-        <p:spPr>
-          <a:xfrm>
-            <a:off x="2963449" y="497350"/>
-            <a:ext cx="3217100" cy="863899"/>
-          </a:xfrm>
-          <a:prstGeom prst="rect">
-            <a:avLst/>
-          </a:prstGeom>
-          <a:noFill/>
-          <a:ln>
-            <a:noFill/>
-          </a:ln>
-        </p:spPr>
-      </p:pic>
-      <p:sp>
-        <p:nvSpPr>
-          <p:cNvPr id="114" name="Google Shape;114;p20"/>
-          <p:cNvSpPr txBox="1"/>
-          <p:nvPr>
-            <p:ph type="title"/>
-          </p:nvPr>
-        </p:nvSpPr>
-        <p:spPr>
-          <a:xfrm>
-            <a:off x="2086350" y="2198475"/>
-            <a:ext cx="4886700" cy="572700"/>
-          </a:xfrm>
-          <a:prstGeom prst="rect">
-            <a:avLst/>
-          </a:prstGeom>
-        </p:spPr>
-        <p:txBody>
-          <a:bodyPr anchorCtr="0" anchor="ctr" bIns="91425" lIns="91425" spcFirstLastPara="1" rIns="91425" wrap="square" tIns="91425">
-            <a:noAutofit/>
-          </a:bodyPr>
-          <a:lstStyle/>
-          <a:p>
-            <a:pPr indent="0" lvl="0" marL="0" rtl="0" algn="ctr">
-              <a:lnSpc>
-                <a:spcPct val="200000"/>
-              </a:lnSpc>
-              <a:spcBef>
-                <a:spcPts val="0"/>
-              </a:spcBef>
-              <a:spcAft>
-                <a:spcPts val="0"/>
-              </a:spcAft>
-              <a:buNone/>
-            </a:pPr>
-            <a:r>
-              <a:rPr lang="en" sz="2200"/>
-              <a:t>THANK YOU</a:t>
-            </a:r>
-            <a:endParaRPr b="0" sz="2200"/>
-          </a:p>
-        </p:txBody>
-      </p:sp>
-      <p:sp>
-        <p:nvSpPr>
-          <p:cNvPr id="115" name="Google Shape;115;p20"/>
-          <p:cNvSpPr txBox="1"/>
-          <p:nvPr/>
-        </p:nvSpPr>
-        <p:spPr>
-          <a:xfrm>
-            <a:off x="7705200" y="4829825"/>
-            <a:ext cx="1564800" cy="161400"/>
-          </a:xfrm>
-          <a:prstGeom prst="rect">
-            <a:avLst/>
-          </a:prstGeom>
-          <a:noFill/>
-          <a:ln>
-            <a:noFill/>
-          </a:ln>
-        </p:spPr>
-        <p:txBody>
-          <a:bodyPr anchorCtr="0" anchor="t" bIns="91425" lIns="91425" spcFirstLastPara="1" rIns="91425" wrap="square" tIns="91425">
-            <a:noAutofit/>
-          </a:bodyPr>
-          <a:lstStyle/>
-          <a:p>
-            <a:pPr indent="0" lvl="0" marL="0" rtl="0" algn="l">
-              <a:spcBef>
-                <a:spcPts val="0"/>
-              </a:spcBef>
-              <a:spcAft>
-                <a:spcPts val="0"/>
-              </a:spcAft>
-              <a:buNone/>
-            </a:pPr>
-            <a:r>
-              <a:rPr lang="en" sz="800">
-                <a:solidFill>
-                  <a:srgbClr val="999999"/>
-                </a:solidFill>
-                <a:latin typeface="Open Sans"/>
-                <a:ea typeface="Open Sans"/>
-                <a:cs typeface="Open Sans"/>
-                <a:sym typeface="Open Sans"/>
-              </a:rPr>
-              <a:t>Udacity IPS Version 1.0</a:t>
-            </a:r>
-            <a:endParaRPr sz="800">
-              <a:solidFill>
-                <a:srgbClr val="999999"/>
-              </a:solidFill>
-              <a:latin typeface="Open Sans"/>
-              <a:ea typeface="Open Sans"/>
-              <a:cs typeface="Open Sans"/>
-              <a:sym typeface="Open Sans"/>
-            </a:endParaRPr>
+            <a:endParaRPr lang="en-GB"/>
           </a:p>
         </p:txBody>
       </p:sp>
@@ -10782,7 +10758,7 @@
 </file>
 
 <file path=ppt/theme/theme1.xml><?xml version="1.0" encoding="utf-8"?>
-<a:theme xmlns:a="http://schemas.openxmlformats.org/drawingml/2006/main" xmlns:r="http://schemas.openxmlformats.org/officeDocument/2006/relationships" name="Simple Light">
+<a:theme xmlns:a="http://schemas.openxmlformats.org/drawingml/2006/main" name="Simple Light">
   <a:themeElements>
     <a:clrScheme name="Simple Light">
       <a:dk1>
@@ -11057,11 +11033,16 @@
       </a:bgFillStyleLst>
     </a:fmtScheme>
   </a:themeElements>
+  <a:extLst>
+    <a:ext uri="{05A4C25C-085E-4340-85A3-A5531E510DB2}">
+      <thm15:themeFamily xmlns:thm15="http://schemas.microsoft.com/office/thememl/2012/main" name="Office Theme" id="{62F939B6-93AF-4DB8-9C6B-D6C7DFDC589F}" vid="{4A3C46E8-61CC-4603-A589-7422A47A8E4A}"/>
+    </a:ext>
+  </a:extLst>
 </a:theme>
 </file>
 
 <file path=ppt/theme/theme2.xml><?xml version="1.0" encoding="utf-8"?>
-<a:theme xmlns:a="http://schemas.openxmlformats.org/drawingml/2006/main" xmlns:r="http://schemas.openxmlformats.org/officeDocument/2006/relationships">
+<a:theme xmlns:a="http://schemas.openxmlformats.org/drawingml/2006/main">
   <a:themeElements>
     <a:clrScheme name="Default">
       <a:dk1>
@@ -11336,5 +11317,10 @@
       </a:bgFillStyleLst>
     </a:fmtScheme>
   </a:themeElements>
+  <a:extLst>
+    <a:ext uri="{05A4C25C-085E-4340-85A3-A5531E510DB2}">
+      <thm15:themeFamily xmlns:thm15="http://schemas.microsoft.com/office/thememl/2012/main" name="Office Theme" id="{62F939B6-93AF-4DB8-9C6B-D6C7DFDC589F}" vid="{4A3C46E8-61CC-4603-A589-7422A47A8E4A}"/>
+    </a:ext>
+  </a:extLst>
 </a:theme>
 </file>
--- a/3- Enterprise Data Lake/Datalake Executive Presentation.pptx
+++ b/3- Enterprise Data Lake/Datalake Executive Presentation.pptx
@@ -9408,35 +9408,9 @@
           </a:p>
         </p:txBody>
       </p:sp>
-      <p:pic>
-        <p:nvPicPr>
-          <p:cNvPr id="101" name="Picture 100"/>
-          <p:cNvPicPr/>
-          <p:nvPr/>
-        </p:nvPicPr>
-        <p:blipFill>
-          <a:blip r:embed="rId1"/>
-          <a:stretch>
-            <a:fillRect/>
-          </a:stretch>
-        </p:blipFill>
-        <p:spPr>
-          <a:xfrm>
-            <a:off x="1686560" y="1510030"/>
-            <a:ext cx="5770245" cy="3232150"/>
-          </a:xfrm>
-          <a:prstGeom prst="rect">
-            <a:avLst/>
-          </a:prstGeom>
-          <a:noFill/>
-          <a:ln w="9525">
-            <a:noFill/>
-          </a:ln>
-        </p:spPr>
-      </p:pic>
       <p:sp>
         <p:nvSpPr>
-          <p:cNvPr id="1" name="Text Box 0"/>
+          <p:cNvPr id="2" name="Text Box 1"/>
           <p:cNvSpPr txBox="1"/>
           <p:nvPr/>
         </p:nvSpPr>
@@ -9463,6 +9437,32 @@
           </a:p>
         </p:txBody>
       </p:sp>
+      <p:pic>
+        <p:nvPicPr>
+          <p:cNvPr id="1" name="Picture 0"/>
+          <p:cNvPicPr/>
+          <p:nvPr/>
+        </p:nvPicPr>
+        <p:blipFill>
+          <a:blip r:embed="rId1"/>
+          <a:stretch>
+            <a:fillRect/>
+          </a:stretch>
+        </p:blipFill>
+        <p:spPr>
+          <a:xfrm>
+            <a:off x="2411730" y="1419860"/>
+            <a:ext cx="3265170" cy="2839720"/>
+          </a:xfrm>
+          <a:prstGeom prst="rect">
+            <a:avLst/>
+          </a:prstGeom>
+          <a:noFill/>
+          <a:ln w="9525">
+            <a:noFill/>
+          </a:ln>
+        </p:spPr>
+      </p:pic>
     </p:spTree>
   </p:cSld>
   <p:clrMapOvr>
@@ -9608,115 +9608,6 @@
       </p:grpSpPr>
       <p:sp>
         <p:nvSpPr>
-          <p:cNvPr id="77" name="Google Shape;77;p15"/>
-          <p:cNvSpPr txBox="1"/>
-          <p:nvPr>
-            <p:ph type="body" idx="1"/>
-          </p:nvPr>
-        </p:nvSpPr>
-        <p:spPr>
-          <a:xfrm>
-            <a:off x="672075" y="1275940"/>
-            <a:ext cx="7867200" cy="2875500"/>
-          </a:xfrm>
-          <a:prstGeom prst="rect">
-            <a:avLst/>
-          </a:prstGeom>
-        </p:spPr>
-        <p:txBody>
-          <a:bodyPr spcFirstLastPara="1" wrap="square" lIns="91425" tIns="91425" rIns="91425" bIns="91425" anchor="t" anchorCtr="0">
-            <a:noAutofit/>
-          </a:bodyPr>
-          <a:lstStyle/>
-          <a:p>
-            <a:pPr marL="457200" lvl="0" indent="-317500" algn="l" rtl="0">
-              <a:spcBef>
-                <a:spcPts val="0"/>
-              </a:spcBef>
-              <a:spcAft>
-                <a:spcPts val="0"/>
-              </a:spcAft>
-              <a:buSzPts val="1400"/>
-              <a:buChar char="●"/>
-            </a:pPr>
-            <a:r>
-              <a:rPr lang="en-US" altLang="en-GB"/>
-              <a:t>Storage Layer</a:t>
-            </a:r>
-            <a:endParaRPr lang="en-US" altLang="en-GB"/>
-          </a:p>
-          <a:p>
-            <a:pPr marL="457200" lvl="0" indent="-317500" algn="l" rtl="0">
-              <a:spcBef>
-                <a:spcPts val="0"/>
-              </a:spcBef>
-              <a:spcAft>
-                <a:spcPts val="0"/>
-              </a:spcAft>
-              <a:buSzPts val="1400"/>
-              <a:buChar char="●"/>
-            </a:pPr>
-            <a:r>
-              <a:rPr lang="en-GB"/>
-              <a:t>Ingestion Layer</a:t>
-            </a:r>
-            <a:endParaRPr lang="en-GB"/>
-          </a:p>
-          <a:p>
-            <a:pPr marL="457200" lvl="0" indent="-317500" algn="l" rtl="0">
-              <a:spcBef>
-                <a:spcPts val="0"/>
-              </a:spcBef>
-              <a:spcAft>
-                <a:spcPts val="0"/>
-              </a:spcAft>
-              <a:buSzPts val="1400"/>
-              <a:buChar char="●"/>
-            </a:pPr>
-            <a:r>
-              <a:rPr lang="en-GB"/>
-              <a:t>Processing and Analytics Layer:</a:t>
-            </a:r>
-            <a:endParaRPr lang="en-GB"/>
-          </a:p>
-          <a:p>
-            <a:pPr marL="457200" lvl="0" indent="-317500" algn="l" rtl="0">
-              <a:spcBef>
-                <a:spcPts val="0"/>
-              </a:spcBef>
-              <a:spcAft>
-                <a:spcPts val="0"/>
-              </a:spcAft>
-              <a:buSzPts val="1400"/>
-              <a:buChar char="●"/>
-            </a:pPr>
-            <a:r>
-              <a:rPr lang="en-GB"/>
-              <a:t>Serving Layer</a:t>
-            </a:r>
-            <a:endParaRPr lang="en-GB"/>
-          </a:p>
-          <a:p>
-            <a:pPr marL="457200" lvl="0" indent="-317500" algn="l" rtl="0">
-              <a:spcBef>
-                <a:spcPts val="0"/>
-              </a:spcBef>
-              <a:spcAft>
-                <a:spcPts val="0"/>
-              </a:spcAft>
-              <a:buSzPts val="1400"/>
-              <a:buChar char="●"/>
-            </a:pPr>
-            <a:r>
-              <a:rPr lang="en-US" altLang="en-GB"/>
-              <a:t>About Data Catalog, Governance and Security</a:t>
-            </a:r>
-            <a:endParaRPr lang="en-US" altLang="en-GB"/>
-          </a:p>
-        </p:txBody>
-      </p:sp>
-      <p:sp>
-        <p:nvSpPr>
           <p:cNvPr id="79" name="Google Shape;79;p15"/>
           <p:cNvSpPr txBox="1"/>
           <p:nvPr>
@@ -9752,6 +9643,312 @@
               <a:t>Components of Data Lake</a:t>
             </a:r>
             <a:endParaRPr lang="en-GB"/>
+          </a:p>
+        </p:txBody>
+      </p:sp>
+      <p:sp>
+        <p:nvSpPr>
+          <p:cNvPr id="2" name="Text Box 1"/>
+          <p:cNvSpPr txBox="1"/>
+          <p:nvPr/>
+        </p:nvSpPr>
+        <p:spPr>
+          <a:xfrm>
+            <a:off x="376555" y="1131570"/>
+            <a:ext cx="8251825" cy="3664585"/>
+          </a:xfrm>
+          <a:prstGeom prst="rect">
+            <a:avLst/>
+          </a:prstGeom>
+          <a:noFill/>
+        </p:spPr>
+        <p:txBody>
+          <a:bodyPr wrap="square" rtlCol="0" anchor="t">
+            <a:noAutofit/>
+          </a:bodyPr>
+          <a:p>
+            <a:pPr marL="139700" lvl="0" indent="0" algn="just" rtl="0">
+              <a:spcBef>
+                <a:spcPts val="0"/>
+              </a:spcBef>
+              <a:spcAft>
+                <a:spcPts val="0"/>
+              </a:spcAft>
+              <a:buSzPts val="1400"/>
+              <a:buNone/>
+            </a:pPr>
+            <a:r>
+              <a:rPr lang="en-US" altLang="en-GB" b="1">
+                <a:sym typeface="+mn-ea"/>
+              </a:rPr>
+              <a:t>Data Storage : </a:t>
+            </a:r>
+            <a:r>
+              <a:rPr lang="en-US" altLang="en-GB">
+                <a:sym typeface="+mn-ea"/>
+              </a:rPr>
+              <a:t>Centralized data storage is compatible with file systems supported by Apache Spark like HDFS, AWS S3. Normally under open format like parquet, ORC ... for storing data, providing efficient compression and encoding schemes.</a:t>
+            </a:r>
+            <a:endParaRPr lang="en-US" altLang="en-GB">
+              <a:sym typeface="+mn-ea"/>
+            </a:endParaRPr>
+          </a:p>
+          <a:p>
+            <a:pPr marL="139700" lvl="0" indent="0" algn="just" rtl="0">
+              <a:spcBef>
+                <a:spcPts val="0"/>
+              </a:spcBef>
+              <a:spcAft>
+                <a:spcPts val="0"/>
+              </a:spcAft>
+              <a:buSzPts val="1400"/>
+              <a:buNone/>
+            </a:pPr>
+            <a:endParaRPr lang="en-US" altLang="en-GB">
+              <a:sym typeface="+mn-ea"/>
+            </a:endParaRPr>
+          </a:p>
+          <a:p>
+            <a:pPr marL="139700" lvl="0" indent="0" algn="just" rtl="0">
+              <a:spcBef>
+                <a:spcPts val="0"/>
+              </a:spcBef>
+              <a:spcAft>
+                <a:spcPts val="0"/>
+              </a:spcAft>
+              <a:buSzPts val="1400"/>
+              <a:buNone/>
+            </a:pPr>
+            <a:r>
+              <a:rPr lang="en-US" altLang="en-GB" b="1">
+                <a:sym typeface="+mn-ea"/>
+              </a:rPr>
+              <a:t>Data </a:t>
+            </a:r>
+            <a:r>
+              <a:rPr lang="en-GB" b="1">
+                <a:sym typeface="+mn-ea"/>
+              </a:rPr>
+              <a:t>Ingestion</a:t>
+            </a:r>
+            <a:r>
+              <a:rPr lang="en-US" altLang="en-GB" b="1">
+                <a:sym typeface="+mn-ea"/>
+              </a:rPr>
+              <a:t>:</a:t>
+            </a:r>
+            <a:r>
+              <a:rPr lang="en-US" altLang="en-GB"/>
+              <a:t> the first checkpoint when data in it native format enter to the data lake that ingested from various external sources such as files, applications, APIs, and streaming platforms ...</a:t>
+            </a:r>
+            <a:endParaRPr lang="en-US" altLang="en-GB"/>
+          </a:p>
+          <a:p>
+            <a:pPr marL="139700" lvl="0" indent="0" algn="just" rtl="0">
+              <a:spcBef>
+                <a:spcPts val="0"/>
+              </a:spcBef>
+              <a:spcAft>
+                <a:spcPts val="0"/>
+              </a:spcAft>
+              <a:buSzPts val="1400"/>
+              <a:buNone/>
+            </a:pPr>
+            <a:endParaRPr lang="en-US" altLang="en-GB"/>
+          </a:p>
+          <a:p>
+            <a:pPr marL="139700" lvl="0" indent="0" algn="just" rtl="0">
+              <a:spcBef>
+                <a:spcPts val="0"/>
+              </a:spcBef>
+              <a:spcAft>
+                <a:spcPts val="0"/>
+              </a:spcAft>
+              <a:buSzPts val="1400"/>
+              <a:buNone/>
+            </a:pPr>
+            <a:r>
+              <a:rPr lang="en-US" altLang="en-GB" b="1">
+                <a:sym typeface="+mn-ea"/>
+              </a:rPr>
+              <a:t>Data </a:t>
+            </a:r>
+            <a:r>
+              <a:rPr lang="en-GB" b="1">
+                <a:sym typeface="+mn-ea"/>
+              </a:rPr>
+              <a:t>Processing:</a:t>
+            </a:r>
+            <a:r>
+              <a:rPr lang="en-US" altLang="en-GB" b="1">
+                <a:sym typeface="+mn-ea"/>
+              </a:rPr>
+              <a:t> </a:t>
+            </a:r>
+            <a:r>
+              <a:rPr lang="en-US" altLang="en-GB">
+                <a:sym typeface="+mn-ea"/>
+              </a:rPr>
+              <a:t>data layer where executes data processing tasks that include data cleansing, denormalization, and consolidation of different objects.</a:t>
+            </a:r>
+            <a:endParaRPr lang="en-US" altLang="en-GB">
+              <a:sym typeface="+mn-ea"/>
+            </a:endParaRPr>
+          </a:p>
+          <a:p>
+            <a:pPr marL="139700" lvl="0" indent="0" algn="just" rtl="0">
+              <a:spcBef>
+                <a:spcPts val="0"/>
+              </a:spcBef>
+              <a:spcAft>
+                <a:spcPts val="0"/>
+              </a:spcAft>
+              <a:buSzPts val="1400"/>
+              <a:buNone/>
+            </a:pPr>
+            <a:endParaRPr lang="en-US" altLang="en-GB">
+              <a:sym typeface="+mn-ea"/>
+            </a:endParaRPr>
+          </a:p>
+          <a:p>
+            <a:pPr marL="139700" lvl="0" algn="just" rtl="0">
+              <a:spcBef>
+                <a:spcPts val="0"/>
+              </a:spcBef>
+              <a:spcAft>
+                <a:spcPts val="0"/>
+              </a:spcAft>
+              <a:buSzPts val="1400"/>
+              <a:buNone/>
+            </a:pPr>
+            <a:r>
+              <a:rPr lang="en-US" altLang="en-GB" b="1"/>
+              <a:t>Data Serving: </a:t>
+            </a:r>
+            <a:r>
+              <a:rPr lang="en-US" altLang="en-GB"/>
+              <a:t>data stored in files or tables and makes it accessible and ready for consumption that</a:t>
+            </a:r>
+            <a:r>
+              <a:rPr lang="en-US" altLang="en-GB">
+                <a:sym typeface="+mn-ea"/>
+              </a:rPr>
+              <a:t> ready for analysis and insights generation.</a:t>
+            </a:r>
+            <a:endParaRPr lang="en-US" altLang="en-GB"/>
+          </a:p>
+          <a:p>
+            <a:pPr marL="139700" lvl="0" indent="0" algn="just" rtl="0">
+              <a:spcBef>
+                <a:spcPts val="0"/>
+              </a:spcBef>
+              <a:spcAft>
+                <a:spcPts val="0"/>
+              </a:spcAft>
+              <a:buSzPts val="1400"/>
+              <a:buNone/>
+            </a:pPr>
+            <a:endParaRPr lang="en-US" altLang="en-GB" b="1"/>
+          </a:p>
+          <a:p>
+            <a:pPr marL="139700" lvl="0" indent="0" algn="just" rtl="0">
+              <a:spcBef>
+                <a:spcPts val="0"/>
+              </a:spcBef>
+              <a:spcAft>
+                <a:spcPts val="0"/>
+              </a:spcAft>
+              <a:buSzPts val="1400"/>
+              <a:buNone/>
+            </a:pPr>
+            <a:r>
+              <a:rPr lang="en-US" altLang="en-GB" b="1"/>
+              <a:t>Data Catalog: </a:t>
+            </a:r>
+            <a:r>
+              <a:rPr lang="en-US" altLang="en-GB"/>
+              <a:t>the</a:t>
+            </a:r>
+            <a:r>
+              <a:rPr lang="en-US" altLang="en-GB">
+                <a:sym typeface="+mn-ea"/>
+              </a:rPr>
+              <a:t> </a:t>
+            </a:r>
+            <a:r>
+              <a:rPr lang="en-GB">
+                <a:sym typeface="+mn-ea"/>
+              </a:rPr>
+              <a:t>metadata </a:t>
+            </a:r>
+            <a:r>
+              <a:rPr lang="en-US" altLang="en-GB">
+                <a:sym typeface="+mn-ea"/>
+              </a:rPr>
+              <a:t>repository that known as data about data </a:t>
+            </a:r>
+            <a:r>
+              <a:rPr lang="en-GB">
+                <a:sym typeface="+mn-ea"/>
+              </a:rPr>
+              <a:t>is used to manage the data in the data lake</a:t>
+            </a:r>
+            <a:r>
+              <a:rPr lang="en-US" altLang="en-GB">
+                <a:sym typeface="+mn-ea"/>
+              </a:rPr>
+              <a:t>. </a:t>
+            </a:r>
+            <a:r>
+              <a:rPr lang="en-US" altLang="en-GB" b="1"/>
+              <a:t>Governace and Security: </a:t>
+            </a:r>
+            <a:r>
+              <a:rPr lang="en-GB"/>
+              <a:t>contro</a:t>
+            </a:r>
+            <a:r>
+              <a:rPr lang="en-US" altLang="en-GB"/>
+              <a:t>l</a:t>
+            </a:r>
+            <a:r>
+              <a:rPr lang="en-GB"/>
+              <a:t>l</a:t>
+            </a:r>
+            <a:r>
+              <a:rPr lang="en-US" altLang="en-GB"/>
+              <a:t>ing</a:t>
+            </a:r>
+            <a:r>
+              <a:rPr lang="en-GB"/>
+              <a:t> over data quality, acurate and compliance also  </a:t>
+            </a:r>
+            <a:r>
+              <a:rPr lang="en-US" altLang="en-GB"/>
+              <a:t>provides </a:t>
+            </a:r>
+            <a:r>
+              <a:rPr lang="en-GB"/>
+              <a:t>centrally manage and scale fine-grained data access permissions</a:t>
+            </a:r>
+            <a:r>
+              <a:rPr lang="en-US" altLang="en-GB"/>
+              <a:t>.</a:t>
+            </a:r>
+            <a:endParaRPr lang="en-GB"/>
+          </a:p>
+          <a:p>
+            <a:pPr marL="139700" lvl="0" indent="0" algn="just" rtl="0">
+              <a:spcBef>
+                <a:spcPts val="0"/>
+              </a:spcBef>
+              <a:spcAft>
+                <a:spcPts val="0"/>
+              </a:spcAft>
+              <a:buSzPts val="1400"/>
+              <a:buNone/>
+            </a:pPr>
+            <a:endParaRPr lang="en-US" altLang="en-GB"/>
           </a:p>
         </p:txBody>
       </p:sp>
@@ -9822,7 +10019,7 @@
       </p:sp>
       <p:sp>
         <p:nvSpPr>
-          <p:cNvPr id="1" name="Text Placeholder 0"/>
+          <p:cNvPr id="2" name="Text Placeholder 1"/>
           <p:cNvSpPr/>
           <p:nvPr>
             <p:ph type="body" idx="1"/>
@@ -9878,8 +10075,8 @@
         </p:nvSpPr>
         <p:spPr>
           <a:xfrm>
-            <a:off x="605400" y="1275250"/>
-            <a:ext cx="3442200" cy="3454200"/>
+            <a:off x="351790" y="1167765"/>
+            <a:ext cx="3880485" cy="3561715"/>
           </a:xfrm>
           <a:prstGeom prst="rect">
             <a:avLst/>
@@ -9891,7 +10088,7 @@
           </a:bodyPr>
           <a:lstStyle/>
           <a:p>
-            <a:pPr marL="457200" lvl="0" indent="-317500" algn="l" rtl="0">
+            <a:pPr marL="482600" lvl="0" indent="-342900" algn="l" rtl="0">
               <a:lnSpc>
                 <a:spcPct val="100000"/>
               </a:lnSpc>
@@ -9902,16 +10099,89 @@
                 <a:spcPts val="0"/>
               </a:spcAft>
               <a:buSzPts val="1400"/>
-              <a:buChar char="●"/>
+              <a:buFont typeface="+mj-lt"/>
+              <a:buAutoNum type="arabicPeriod"/>
             </a:pPr>
             <a:r>
+              <a:rPr lang="en-US" altLang="en-GB"/>
+              <a:t>O</a:t>
+            </a:r>
+            <a:r>
               <a:rPr lang="en-GB"/>
-              <a:t>A</a:t>
+              <a:t>nly</a:t>
+            </a:r>
+            <a:r>
+              <a:rPr lang="en-US" altLang="en-GB"/>
+              <a:t> r</a:t>
+            </a:r>
+            <a:r>
+              <a:rPr lang="en-GB">
+                <a:sym typeface="+mn-ea"/>
+              </a:rPr>
+              <a:t>elational</a:t>
+            </a:r>
+            <a:r>
+              <a:rPr lang="en-US" altLang="en-GB">
+                <a:sym typeface="+mn-ea"/>
+              </a:rPr>
+              <a:t>, </a:t>
+            </a:r>
+            <a:r>
+              <a:rPr lang="en-GB">
+                <a:sym typeface="+mn-ea"/>
+              </a:rPr>
+              <a:t>structured </a:t>
+            </a:r>
+            <a:r>
+              <a:rPr lang="en-GB"/>
+              <a:t>data</a:t>
+            </a:r>
+            <a:endParaRPr lang="en-US" altLang="en-GB"/>
+          </a:p>
+          <a:p>
+            <a:pPr marL="482600" lvl="0" indent="-342900" algn="l" rtl="0">
+              <a:lnSpc>
+                <a:spcPct val="100000"/>
+              </a:lnSpc>
+              <a:spcBef>
+                <a:spcPts val="0"/>
+              </a:spcBef>
+              <a:spcAft>
+                <a:spcPts val="0"/>
+              </a:spcAft>
+              <a:buSzPts val="1400"/>
+              <a:buFont typeface="+mj-lt"/>
+              <a:buAutoNum type="arabicPeriod"/>
+            </a:pPr>
+            <a:endParaRPr lang="en-GB"/>
+          </a:p>
+          <a:p>
+            <a:pPr marL="482600" lvl="0" indent="-342900" algn="l" rtl="0">
+              <a:lnSpc>
+                <a:spcPct val="100000"/>
+              </a:lnSpc>
+              <a:spcBef>
+                <a:spcPts val="0"/>
+              </a:spcBef>
+              <a:spcAft>
+                <a:spcPts val="0"/>
+              </a:spcAft>
+              <a:buSzPts val="1400"/>
+              <a:buFont typeface="+mj-lt"/>
+              <a:buAutoNum type="arabicPeriod"/>
+            </a:pPr>
+            <a:r>
+              <a:rPr lang="en-US" altLang="en-GB"/>
+              <a:t>D</a:t>
+            </a:r>
+            <a:r>
+              <a:rPr lang="en-GB"/>
+              <a:t>ata required for analytics is kept, since data warehouse costs are high</a:t>
             </a:r>
             <a:endParaRPr lang="en-GB"/>
           </a:p>
           <a:p>
-            <a:pPr marL="457200" lvl="0" indent="-317500" algn="l" rtl="0">
+            <a:pPr marL="482600" lvl="0" indent="-342900" algn="l" rtl="0">
               <a:lnSpc>
                 <a:spcPct val="100000"/>
               </a:lnSpc>
@@ -9922,16 +10192,34 @@
                 <a:spcPts val="0"/>
               </a:spcAft>
               <a:buSzPts val="1400"/>
-              <a:buChar char="●"/>
+              <a:buFont typeface="+mj-lt"/>
+              <a:buAutoNum type="arabicPeriod"/>
+            </a:pPr>
+            <a:endParaRPr lang="en-GB"/>
+          </a:p>
+          <a:p>
+            <a:pPr marL="482600" lvl="0" indent="-342900" algn="l" rtl="0">
+              <a:lnSpc>
+                <a:spcPct val="100000"/>
+              </a:lnSpc>
+              <a:spcBef>
+                <a:spcPts val="0"/>
+              </a:spcBef>
+              <a:spcAft>
+                <a:spcPts val="0"/>
+              </a:spcAft>
+              <a:buSzPts val="1400"/>
+              <a:buFont typeface="+mj-lt"/>
+              <a:buAutoNum type="arabicPeriod"/>
             </a:pPr>
             <a:r>
               <a:rPr lang="en-GB"/>
-              <a:t>B</a:t>
+              <a:t>ETL (Extract, Transform, Load) process</a:t>
             </a:r>
             <a:endParaRPr lang="en-GB"/>
           </a:p>
           <a:p>
-            <a:pPr marL="457200" lvl="0" indent="-317500" algn="l" rtl="0">
+            <a:pPr marL="482600" lvl="0" indent="-342900" algn="l" rtl="0">
               <a:lnSpc>
                 <a:spcPct val="100000"/>
               </a:lnSpc>
@@ -9942,16 +10230,34 @@
                 <a:spcPts val="0"/>
               </a:spcAft>
               <a:buSzPts val="1400"/>
-              <a:buChar char="●"/>
+              <a:buFont typeface="+mj-lt"/>
+              <a:buAutoNum type="arabicPeriod"/>
+            </a:pPr>
+            <a:endParaRPr lang="en-GB"/>
+          </a:p>
+          <a:p>
+            <a:pPr marL="482600" lvl="0" indent="-342900" algn="l" rtl="0">
+              <a:lnSpc>
+                <a:spcPct val="100000"/>
+              </a:lnSpc>
+              <a:spcBef>
+                <a:spcPts val="0"/>
+              </a:spcBef>
+              <a:spcAft>
+                <a:spcPts val="0"/>
+              </a:spcAft>
+              <a:buSzPts val="1400"/>
+              <a:buFont typeface="+mj-lt"/>
+              <a:buAutoNum type="arabicPeriod"/>
             </a:pPr>
             <a:r>
               <a:rPr lang="en-GB"/>
-              <a:t>C</a:t>
+              <a:t>Schema is On-Write</a:t>
             </a:r>
             <a:endParaRPr lang="en-GB"/>
           </a:p>
           <a:p>
-            <a:pPr marL="457200" lvl="0" indent="-317500" algn="l" rtl="0">
+            <a:pPr marL="482600" lvl="0" indent="-342900" algn="l" rtl="0">
               <a:lnSpc>
                 <a:spcPct val="100000"/>
               </a:lnSpc>
@@ -9962,16 +10268,34 @@
                 <a:spcPts val="0"/>
               </a:spcAft>
               <a:buSzPts val="1400"/>
-              <a:buChar char="●"/>
+              <a:buFont typeface="+mj-lt"/>
+              <a:buAutoNum type="arabicPeriod"/>
+            </a:pPr>
+            <a:endParaRPr lang="en-GB"/>
+          </a:p>
+          <a:p>
+            <a:pPr marL="482600" lvl="0" indent="-342900" algn="l" rtl="0">
+              <a:lnSpc>
+                <a:spcPct val="100000"/>
+              </a:lnSpc>
+              <a:spcBef>
+                <a:spcPts val="0"/>
+              </a:spcBef>
+              <a:spcAft>
+                <a:spcPts val="0"/>
+              </a:spcAft>
+              <a:buSzPts val="1400"/>
+              <a:buFont typeface="+mj-lt"/>
+              <a:buAutoNum type="arabicPeriod"/>
             </a:pPr>
             <a:r>
-              <a:rPr lang="en-GB"/>
-              <a:t>…</a:t>
+              <a:rPr lang="en-US" altLang="en-GB"/>
+              <a:t>Optimize for Query performance</a:t>
             </a:r>
             <a:endParaRPr lang="en-GB"/>
           </a:p>
           <a:p>
-            <a:pPr marL="457200" lvl="0" indent="-317500" algn="l" rtl="0">
+            <a:pPr marL="482600" lvl="0" indent="-342900" algn="l" rtl="0">
               <a:lnSpc>
                 <a:spcPct val="100000"/>
               </a:lnSpc>
@@ -9982,13 +10306,69 @@
                 <a:spcPts val="0"/>
               </a:spcAft>
               <a:buSzPts val="1400"/>
-              <a:buChar char="●"/>
+              <a:buFont typeface="+mj-lt"/>
+              <a:buAutoNum type="arabicPeriod"/>
+            </a:pPr>
+            <a:endParaRPr lang="en-GB"/>
+          </a:p>
+          <a:p>
+            <a:pPr marL="482600" lvl="0" indent="-342900" algn="l" rtl="0">
+              <a:lnSpc>
+                <a:spcPct val="100000"/>
+              </a:lnSpc>
+              <a:spcBef>
+                <a:spcPts val="0"/>
+              </a:spcBef>
+              <a:spcAft>
+                <a:spcPts val="0"/>
+              </a:spcAft>
+              <a:buSzPts val="1400"/>
+              <a:buFont typeface="+mj-lt"/>
+              <a:buAutoNum type="arabicPeriod"/>
             </a:pPr>
             <a:r>
-              <a:rPr lang="en-GB"/>
-              <a:t>...</a:t>
+              <a:rPr lang="en-US" altLang="en-GB"/>
+              <a:t>Highly curated data</a:t>
             </a:r>
-            <a:endParaRPr lang="en-GB"/>
+            <a:endParaRPr lang="en-US" altLang="en-GB"/>
+          </a:p>
+          <a:p>
+            <a:pPr marL="482600" lvl="0" indent="-342900" algn="l" rtl="0">
+              <a:lnSpc>
+                <a:spcPct val="100000"/>
+              </a:lnSpc>
+              <a:spcBef>
+                <a:spcPts val="0"/>
+              </a:spcBef>
+              <a:spcAft>
+                <a:spcPts val="0"/>
+              </a:spcAft>
+              <a:buSzPts val="1400"/>
+              <a:buFont typeface="+mj-lt"/>
+              <a:buAutoNum type="arabicPeriod"/>
+            </a:pPr>
+            <a:endParaRPr lang="en-US" altLang="en-GB"/>
+          </a:p>
+          <a:p>
+            <a:pPr marL="482600" lvl="0" indent="-342900" algn="l" rtl="0">
+              <a:lnSpc>
+                <a:spcPct val="100000"/>
+              </a:lnSpc>
+              <a:spcBef>
+                <a:spcPts val="0"/>
+              </a:spcBef>
+              <a:spcAft>
+                <a:spcPts val="0"/>
+              </a:spcAft>
+              <a:buSzPts val="1400"/>
+              <a:buFont typeface="+mj-lt"/>
+              <a:buAutoNum type="arabicPeriod"/>
+            </a:pPr>
+            <a:r>
+              <a:rPr lang="en-US" altLang="en-GB"/>
+              <a:t>Reporting, BI and visualization</a:t>
+            </a:r>
+            <a:endParaRPr lang="en-US" altLang="en-GB"/>
           </a:p>
         </p:txBody>
       </p:sp>
@@ -10002,8 +10382,8 @@
         </p:nvSpPr>
         <p:spPr>
           <a:xfrm>
-            <a:off x="5030250" y="1199050"/>
-            <a:ext cx="3442200" cy="3329700"/>
+            <a:off x="4795520" y="1131570"/>
+            <a:ext cx="3887470" cy="3397250"/>
           </a:xfrm>
           <a:prstGeom prst="rect">
             <a:avLst/>
@@ -10015,7 +10395,7 @@
           </a:bodyPr>
           <a:lstStyle/>
           <a:p>
-            <a:pPr marL="457200" lvl="0" indent="-317500" algn="l" rtl="0">
+            <a:pPr marL="482600" lvl="0" indent="-342900" algn="l" rtl="0">
               <a:lnSpc>
                 <a:spcPct val="100000"/>
               </a:lnSpc>
@@ -10026,16 +10406,20 @@
                 <a:spcPts val="0"/>
               </a:spcAft>
               <a:buSzPts val="1400"/>
-              <a:buChar char="●"/>
+              <a:buAutoNum type="arabicPeriod"/>
             </a:pPr>
             <a:r>
+              <a:rPr lang="en-US" altLang="en-GB"/>
+              <a:t>Store any type of </a:t>
+            </a:r>
+            <a:r>
               <a:rPr lang="en-GB"/>
-              <a:t>A</a:t>
+              <a:t>data-raw, structured, and semi-structured</a:t>
             </a:r>
             <a:endParaRPr lang="en-GB"/>
           </a:p>
           <a:p>
-            <a:pPr marL="457200" lvl="0" indent="-317500" algn="l" rtl="0">
+            <a:pPr marL="482600" lvl="0" indent="-342900" algn="l" rtl="0">
               <a:lnSpc>
                 <a:spcPct val="100000"/>
               </a:lnSpc>
@@ -10046,16 +10430,16 @@
                 <a:spcPts val="0"/>
               </a:spcAft>
               <a:buSzPts val="1400"/>
-              <a:buChar char="●"/>
+              <a:buAutoNum type="arabicPeriod"/>
             </a:pPr>
             <a:r>
               <a:rPr lang="en-GB"/>
-              <a:t>B</a:t>
+              <a:t>Petabytes of data can be stored for very long periods since storage costs are low</a:t>
             </a:r>
             <a:endParaRPr lang="en-GB"/>
           </a:p>
           <a:p>
-            <a:pPr marL="457200" lvl="0" indent="-317500" algn="l" rtl="0">
+            <a:pPr marL="482600" lvl="0" indent="-342900" algn="l" rtl="0">
               <a:lnSpc>
                 <a:spcPct val="100000"/>
               </a:lnSpc>
@@ -10066,16 +10450,16 @@
                 <a:spcPts val="0"/>
               </a:spcAft>
               <a:buSzPts val="1400"/>
-              <a:buChar char="●"/>
+              <a:buAutoNum type="arabicPeriod"/>
             </a:pPr>
             <a:r>
               <a:rPr lang="en-GB"/>
-              <a:t>C</a:t>
+              <a:t>ELT (Extract, Load Transform) process</a:t>
             </a:r>
             <a:endParaRPr lang="en-GB"/>
           </a:p>
           <a:p>
-            <a:pPr marL="457200" lvl="0" indent="-317500" algn="l" rtl="0">
+            <a:pPr marL="482600" lvl="0" indent="-342900" algn="l" rtl="0">
               <a:lnSpc>
                 <a:spcPct val="100000"/>
               </a:lnSpc>
@@ -10086,16 +10470,32 @@
                 <a:spcPts val="0"/>
               </a:spcAft>
               <a:buSzPts val="1400"/>
-              <a:buChar char="●"/>
+              <a:buAutoNum type="arabicPeriod"/>
+            </a:pPr>
+            <a:endParaRPr lang="en-GB"/>
+          </a:p>
+          <a:p>
+            <a:pPr marL="482600" lvl="0" indent="-342900" algn="l" rtl="0">
+              <a:lnSpc>
+                <a:spcPct val="100000"/>
+              </a:lnSpc>
+              <a:spcBef>
+                <a:spcPts val="0"/>
+              </a:spcBef>
+              <a:spcAft>
+                <a:spcPts val="0"/>
+              </a:spcAft>
+              <a:buSzPts val="1400"/>
+              <a:buAutoNum type="arabicPeriod"/>
             </a:pPr>
             <a:r>
               <a:rPr lang="en-GB"/>
-              <a:t>…</a:t>
+              <a:t>Schema is On-Read</a:t>
             </a:r>
             <a:endParaRPr lang="en-GB"/>
           </a:p>
           <a:p>
-            <a:pPr marL="457200" lvl="0" indent="-317500" algn="l" rtl="0">
+            <a:pPr marL="482600" lvl="0" indent="-342900" algn="l" rtl="0">
               <a:lnSpc>
                 <a:spcPct val="100000"/>
               </a:lnSpc>
@@ -10106,13 +10506,109 @@
                 <a:spcPts val="0"/>
               </a:spcAft>
               <a:buSzPts val="1400"/>
-              <a:buChar char="●"/>
+              <a:buAutoNum type="arabicPeriod"/>
+            </a:pPr>
+            <a:endParaRPr lang="en-GB"/>
+          </a:p>
+          <a:p>
+            <a:pPr marL="482600" lvl="0" indent="-342900" algn="l" rtl="0">
+              <a:lnSpc>
+                <a:spcPct val="100000"/>
+              </a:lnSpc>
+              <a:spcBef>
+                <a:spcPts val="0"/>
+              </a:spcBef>
+              <a:spcAft>
+                <a:spcPts val="0"/>
+              </a:spcAft>
+              <a:buSzPts val="1400"/>
+              <a:buAutoNum type="arabicPeriod"/>
             </a:pPr>
             <a:r>
+              <a:rPr lang="en-US" altLang="en-GB"/>
+              <a:t>D</a:t>
+            </a:r>
+            <a:r>
               <a:rPr lang="en-GB"/>
-              <a:t>...</a:t>
+              <a:t>ata </a:t>
             </a:r>
-            <a:endParaRPr lang="en-GB"/>
+            <a:r>
+              <a:rPr lang="en-US" altLang="en-GB"/>
+              <a:t>storage and processing flexibility</a:t>
+            </a:r>
+            <a:endParaRPr lang="en-US" altLang="en-GB"/>
+          </a:p>
+          <a:p>
+            <a:pPr marL="482600" lvl="0" indent="-342900" algn="l" rtl="0">
+              <a:lnSpc>
+                <a:spcPct val="100000"/>
+              </a:lnSpc>
+              <a:spcBef>
+                <a:spcPts val="0"/>
+              </a:spcBef>
+              <a:spcAft>
+                <a:spcPts val="0"/>
+              </a:spcAft>
+              <a:buSzPts val="1400"/>
+              <a:buAutoNum type="arabicPeriod"/>
+            </a:pPr>
+            <a:endParaRPr lang="en-US" altLang="en-GB"/>
+          </a:p>
+          <a:p>
+            <a:pPr marL="482600" lvl="0" indent="-342900" algn="l" rtl="0">
+              <a:lnSpc>
+                <a:spcPct val="100000"/>
+              </a:lnSpc>
+              <a:spcBef>
+                <a:spcPts val="0"/>
+              </a:spcBef>
+              <a:spcAft>
+                <a:spcPts val="0"/>
+              </a:spcAft>
+              <a:buSzPts val="1400"/>
+              <a:buAutoNum type="arabicPeriod"/>
+            </a:pPr>
+            <a:r>
+              <a:rPr lang="en-US" altLang="en-GB"/>
+              <a:t>Data curated or may not ( raw data)</a:t>
+            </a:r>
+            <a:endParaRPr lang="en-US" altLang="en-GB"/>
+          </a:p>
+          <a:p>
+            <a:pPr marL="482600" lvl="0" indent="-342900" algn="l" rtl="0">
+              <a:lnSpc>
+                <a:spcPct val="100000"/>
+              </a:lnSpc>
+              <a:spcBef>
+                <a:spcPts val="0"/>
+              </a:spcBef>
+              <a:spcAft>
+                <a:spcPts val="0"/>
+              </a:spcAft>
+              <a:buSzPts val="1400"/>
+              <a:buAutoNum type="arabicPeriod"/>
+            </a:pPr>
+            <a:endParaRPr lang="en-US" altLang="en-GB"/>
+          </a:p>
+          <a:p>
+            <a:pPr marL="482600" lvl="0" indent="-342900" algn="l" rtl="0">
+              <a:lnSpc>
+                <a:spcPct val="100000"/>
+              </a:lnSpc>
+              <a:spcBef>
+                <a:spcPts val="0"/>
+              </a:spcBef>
+              <a:spcAft>
+                <a:spcPts val="0"/>
+              </a:spcAft>
+              <a:buSzPts val="1400"/>
+              <a:buAutoNum type="arabicPeriod"/>
+            </a:pPr>
+            <a:r>
+              <a:rPr lang="en-US" altLang="en-GB"/>
+              <a:t>Machine Learning, prrdictive analytics, data discovery and profiling</a:t>
+            </a:r>
+            <a:endParaRPr lang="en-US" altLang="en-GB"/>
           </a:p>
         </p:txBody>
       </p:sp>
@@ -10311,8 +10807,8 @@
         </p:nvSpPr>
         <p:spPr>
           <a:xfrm>
-            <a:off x="605400" y="2574525"/>
-            <a:ext cx="7867200" cy="2088900"/>
+            <a:off x="539115" y="1275715"/>
+            <a:ext cx="7867015" cy="3398520"/>
           </a:xfrm>
           <a:prstGeom prst="rect">
             <a:avLst/>
@@ -10324,194 +10820,220 @@
           </a:bodyPr>
           <a:lstStyle/>
           <a:p>
-            <a:pPr marL="457200" lvl="0" indent="-317500" algn="l" rtl="0">
-              <a:spcBef>
-                <a:spcPts val="0"/>
-              </a:spcBef>
-              <a:spcAft>
-                <a:spcPts val="0"/>
-              </a:spcAft>
-              <a:buSzPts val="1400"/>
-              <a:buChar char="●"/>
+            <a:pPr lvl="0" algn="l" rtl="0">
+              <a:spcBef>
+                <a:spcPts val="0"/>
+              </a:spcBef>
+              <a:spcAft>
+                <a:spcPts val="0"/>
+              </a:spcAft>
+              <a:buSzPts val="1400"/>
+              <a:buFont typeface="Wingdings" panose="05000000000000000000" charset="0"/>
+              <a:buChar char="ü"/>
             </a:pPr>
             <a:r>
-              <a:rPr lang="en-GB"/>
-              <a:t>A</a:t>
+              <a:rPr lang="en-GB">
+                <a:sym typeface="+mn-ea"/>
+              </a:rPr>
+              <a:t>The data lake architecture </a:t>
+            </a:r>
+            <a:r>
+              <a:rPr lang="en-GB">
+                <a:sym typeface="+mn-ea"/>
+              </a:rPr>
+              <a:t>solve</a:t>
+            </a:r>
+            <a:r>
+              <a:rPr lang="en-US" altLang="en-GB">
+                <a:sym typeface="+mn-ea"/>
+              </a:rPr>
+              <a:t>s</a:t>
+            </a:r>
+            <a:r>
+              <a:rPr lang="en-GB">
+                <a:sym typeface="+mn-ea"/>
+              </a:rPr>
+              <a:t> the scalability issues with the current SQL server. This is due to the fact that data lake is a distributed object storage in nature and can scale easily. Amazon S3 can meet company’s demands</a:t>
+            </a:r>
+            <a:r>
+              <a:rPr lang="en-US" altLang="en-GB">
+                <a:sym typeface="+mn-ea"/>
+              </a:rPr>
+              <a:t> at any scale</a:t>
+            </a:r>
+            <a:r>
+              <a:rPr lang="en-GB">
+                <a:sym typeface="+mn-ea"/>
+              </a:rPr>
+              <a:t>.</a:t>
             </a:r>
             <a:endParaRPr lang="en-GB"/>
           </a:p>
           <a:p>
-            <a:pPr marL="457200" lvl="0" indent="-317500" algn="l" rtl="0">
-              <a:spcBef>
-                <a:spcPts val="0"/>
-              </a:spcBef>
-              <a:spcAft>
-                <a:spcPts val="0"/>
-              </a:spcAft>
-              <a:buSzPts val="1400"/>
-              <a:buChar char="●"/>
+            <a:pPr marL="139700" lvl="0" indent="0" algn="l" rtl="0">
+              <a:spcBef>
+                <a:spcPts val="0"/>
+              </a:spcBef>
+              <a:spcAft>
+                <a:spcPts val="0"/>
+              </a:spcAft>
+              <a:buSzPts val="1400"/>
+              <a:buFont typeface="Wingdings" panose="05000000000000000000" charset="0"/>
+              <a:buNone/>
+            </a:pPr>
+            <a:endParaRPr lang="en-GB"/>
+          </a:p>
+          <a:p>
+            <a:pPr lvl="0" algn="l" rtl="0">
+              <a:spcBef>
+                <a:spcPts val="0"/>
+              </a:spcBef>
+              <a:spcAft>
+                <a:spcPts val="0"/>
+              </a:spcAft>
+              <a:buSzPts val="1400"/>
+              <a:buFont typeface="Wingdings" panose="05000000000000000000" charset="0"/>
+              <a:buChar char="ü"/>
             </a:pPr>
             <a:r>
-              <a:rPr lang="en-GB"/>
-              <a:t>B</a:t>
+              <a:rPr lang="en-GB">
+                <a:sym typeface="+mn-ea"/>
+              </a:rPr>
+              <a:t>Data anlytics workloads </a:t>
+            </a:r>
+            <a:r>
+              <a:rPr lang="en-US" altLang="en-GB">
+                <a:sym typeface="+mn-ea"/>
+              </a:rPr>
+              <a:t>will not be a problem that cloud-based solution</a:t>
+            </a:r>
+            <a:r>
+              <a:rPr lang="en-GB">
+                <a:sym typeface="+mn-ea"/>
+              </a:rPr>
+              <a:t> such as Hive</a:t>
+            </a:r>
+            <a:r>
+              <a:rPr lang="en-US" altLang="en-GB">
+                <a:sym typeface="+mn-ea"/>
+              </a:rPr>
+              <a:t>, Redshift, Athena</a:t>
+            </a:r>
+            <a:r>
+              <a:rPr lang="en-GB">
+                <a:sym typeface="+mn-ea"/>
+              </a:rPr>
+              <a:t> can be used to directly read data from the data lake in a distributed manner</a:t>
+            </a:r>
+            <a:r>
+              <a:rPr lang="en-US" altLang="en-GB">
+                <a:sym typeface="+mn-ea"/>
+              </a:rPr>
+              <a:t> that  automatically and elastically scales query processing power</a:t>
+            </a:r>
+            <a:r>
+              <a:rPr lang="en-GB">
+                <a:sym typeface="+mn-ea"/>
+              </a:rPr>
+              <a:t>.</a:t>
+            </a:r>
+            <a:r>
+              <a:rPr lang="en-US" altLang="en-GB">
+                <a:sym typeface="+mn-ea"/>
+              </a:rPr>
+              <a:t> So that we don’t need to run batch processing in </a:t>
+            </a:r>
+            <a:r>
+              <a:rPr lang="en-US" altLang="en-GB">
+                <a:sym typeface="+mn-ea"/>
+              </a:rPr>
+              <a:t>nightly</a:t>
+            </a:r>
+            <a:r>
+              <a:rPr lang="en-US" altLang="en-GB">
+                <a:sym typeface="+mn-ea"/>
+              </a:rPr>
+              <a:t> anymore. </a:t>
             </a:r>
             <a:endParaRPr lang="en-GB"/>
           </a:p>
           <a:p>
-            <a:pPr marL="457200" lvl="0" indent="-317500" algn="l" rtl="0">
-              <a:spcBef>
-                <a:spcPts val="0"/>
-              </a:spcBef>
-              <a:spcAft>
-                <a:spcPts val="0"/>
-              </a:spcAft>
-              <a:buSzPts val="1400"/>
-              <a:buChar char="●"/>
+            <a:pPr lvl="0" algn="l" rtl="0">
+              <a:spcBef>
+                <a:spcPts val="0"/>
+              </a:spcBef>
+              <a:spcAft>
+                <a:spcPts val="0"/>
+              </a:spcAft>
+              <a:buSzPts val="1400"/>
+              <a:buFont typeface="Wingdings" panose="05000000000000000000" charset="0"/>
+              <a:buChar char="ü"/>
             </a:pPr>
-            <a:r>
-              <a:rPr lang="en-GB"/>
-              <a:t>C</a:t>
-            </a:r>
             <a:endParaRPr lang="en-GB"/>
           </a:p>
           <a:p>
-            <a:pPr marL="457200" lvl="0" indent="-317500" algn="l" rtl="0">
-              <a:spcBef>
-                <a:spcPts val="0"/>
-              </a:spcBef>
-              <a:spcAft>
-                <a:spcPts val="0"/>
-              </a:spcAft>
-              <a:buSzPts val="1400"/>
-              <a:buChar char="●"/>
+            <a:pPr lvl="0" algn="l" rtl="0">
+              <a:spcBef>
+                <a:spcPts val="0"/>
+              </a:spcBef>
+              <a:spcAft>
+                <a:spcPts val="0"/>
+              </a:spcAft>
+              <a:buSzPts val="1400"/>
+              <a:buFont typeface="Wingdings" panose="05000000000000000000" charset="0"/>
+              <a:buChar char="ü"/>
             </a:pPr>
             <a:r>
-              <a:rPr lang="en-GB"/>
-              <a:t>…</a:t>
+              <a:rPr lang="en-GB">
+                <a:sym typeface="+mn-ea"/>
+              </a:rPr>
+              <a:t>This architecture addresses data silo and duplication issues.</a:t>
+            </a:r>
+            <a:r>
+              <a:rPr lang="en-US" altLang="en-GB">
+                <a:sym typeface="+mn-ea"/>
+              </a:rPr>
+              <a:t> Enabling business innovation  by allow downstream consumer can discovery much as much any of data aspects.</a:t>
+            </a:r>
+            <a:endParaRPr lang="en-US" altLang="en-GB">
+              <a:sym typeface="+mn-ea"/>
+            </a:endParaRPr>
+          </a:p>
+          <a:p>
+            <a:pPr marL="139700" lvl="0" indent="0" algn="l" rtl="0">
+              <a:spcBef>
+                <a:spcPts val="0"/>
+              </a:spcBef>
+              <a:spcAft>
+                <a:spcPts val="0"/>
+              </a:spcAft>
+              <a:buSzPts val="1400"/>
+              <a:buFont typeface="Wingdings" panose="05000000000000000000" charset="0"/>
+              <a:buNone/>
+            </a:pPr>
+            <a:endParaRPr lang="en-US" altLang="en-GB">
+              <a:sym typeface="+mn-ea"/>
+            </a:endParaRPr>
+          </a:p>
+          <a:p>
+            <a:pPr lvl="0" algn="l" rtl="0">
+              <a:spcBef>
+                <a:spcPts val="0"/>
+              </a:spcBef>
+              <a:spcAft>
+                <a:spcPts val="0"/>
+              </a:spcAft>
+              <a:buSzPts val="1400"/>
+              <a:buFont typeface="Wingdings" panose="05000000000000000000" charset="0"/>
+              <a:buChar char="ü"/>
+            </a:pPr>
+            <a:r>
+              <a:rPr lang="en-GB">
+                <a:sym typeface="+mn-ea"/>
+              </a:rPr>
+              <a:t>Data Lake can be a good enabler of machine learning, artifical inteligence and big data as it offers a scalable storage that is distributed in nature.</a:t>
             </a:r>
             <a:endParaRPr lang="en-GB"/>
-          </a:p>
-          <a:p>
-            <a:pPr marL="457200" lvl="0" indent="-317500" algn="l" rtl="0">
-              <a:spcBef>
-                <a:spcPts val="0"/>
-              </a:spcBef>
-              <a:spcAft>
-                <a:spcPts val="0"/>
-              </a:spcAft>
-              <a:buSzPts val="1400"/>
-              <a:buChar char="●"/>
-            </a:pPr>
-            <a:r>
-              <a:rPr lang="en-GB"/>
-              <a:t>...</a:t>
-            </a:r>
-            <a:endParaRPr lang="en-GB"/>
-          </a:p>
-        </p:txBody>
-      </p:sp>
-      <p:sp>
-        <p:nvSpPr>
-          <p:cNvPr id="100" name="Google Shape;100;p18"/>
-          <p:cNvSpPr txBox="1"/>
-          <p:nvPr>
-            <p:ph type="subTitle" idx="2"/>
-          </p:nvPr>
-        </p:nvSpPr>
-        <p:spPr>
-          <a:xfrm>
-            <a:off x="605400" y="1180500"/>
-            <a:ext cx="7933200" cy="1305300"/>
-          </a:xfrm>
-          <a:prstGeom prst="rect">
-            <a:avLst/>
-          </a:prstGeom>
-        </p:spPr>
-        <p:txBody>
-          <a:bodyPr spcFirstLastPara="1" wrap="square" lIns="91425" tIns="91425" rIns="91425" bIns="91425" anchor="t" anchorCtr="0">
-            <a:noAutofit/>
-          </a:bodyPr>
-          <a:lstStyle/>
-          <a:p>
-            <a:pPr marL="0" lvl="0" indent="0" algn="l" rtl="0">
-              <a:spcBef>
-                <a:spcPts val="0"/>
-              </a:spcBef>
-              <a:spcAft>
-                <a:spcPts val="0"/>
-              </a:spcAft>
-              <a:buNone/>
-            </a:pPr>
-            <a:r>
-              <a:rPr lang="en-GB" sz="1400" b="1"/>
-              <a:t>&lt; Think about:</a:t>
-            </a:r>
-            <a:r>
-              <a:rPr lang="en-GB" sz="1400"/>
-              <a:t> Provide an executive level summary based on your analysis of problem statement. How would implementing a Data Lake solution help Medical Data Processing Company? Please identify at least 3 </a:t>
-            </a:r>
-            <a:r>
-              <a:rPr lang="en-GB" sz="1400"/>
-              <a:t>business outcomes</a:t>
-            </a:r>
-            <a:r>
-              <a:rPr lang="en-GB" sz="1400"/>
-              <a:t> of building a Data Lake?&gt;</a:t>
-            </a:r>
-            <a:endParaRPr sz="1400"/>
-          </a:p>
-          <a:p>
-            <a:pPr marL="0" lvl="0" indent="0" algn="l" rtl="0">
-              <a:spcBef>
-                <a:spcPts val="0"/>
-              </a:spcBef>
-              <a:spcAft>
-                <a:spcPts val="0"/>
-              </a:spcAft>
-              <a:buNone/>
-            </a:pPr>
-            <a:endParaRPr sz="1400"/>
-          </a:p>
-          <a:p>
-            <a:pPr marL="0" lvl="0" indent="0" algn="l" rtl="0">
-              <a:spcBef>
-                <a:spcPts val="0"/>
-              </a:spcBef>
-              <a:spcAft>
-                <a:spcPts val="0"/>
-              </a:spcAft>
-              <a:buClr>
-                <a:schemeClr val="dk1"/>
-              </a:buClr>
-              <a:buSzPts val="1100"/>
-              <a:buFont typeface="Arial" panose="020B0604020202020204"/>
-              <a:buNone/>
-            </a:pPr>
-            <a:r>
-              <a:rPr lang="en-GB" sz="1400"/>
-              <a:t>&lt;Video tip: Explain </a:t>
-            </a:r>
-            <a:r>
-              <a:rPr lang="en-GB" sz="1400" b="1"/>
-              <a:t>“</a:t>
-            </a:r>
-            <a:r>
-              <a:rPr lang="en-GB" sz="1400" b="1"/>
-              <a:t>Why</a:t>
-            </a:r>
-            <a:r>
-              <a:rPr lang="en-GB" sz="1400" b="1"/>
-              <a:t>”</a:t>
-            </a:r>
-            <a:r>
-              <a:rPr lang="en-GB" sz="1400"/>
-              <a:t> Data Lake solution makes sense for Medical Data Processing Company. </a:t>
-            </a:r>
-            <a:r>
-              <a:rPr lang="en-GB" sz="1400" b="1"/>
-              <a:t>&gt;</a:t>
-            </a:r>
-            <a:endParaRPr sz="1400" b="1"/>
           </a:p>
         </p:txBody>
       </p:sp>
@@ -10582,135 +11104,6 @@
       </p:grpSpPr>
       <p:sp>
         <p:nvSpPr>
-          <p:cNvPr id="106" name="Google Shape;106;p19"/>
-          <p:cNvSpPr txBox="1"/>
-          <p:nvPr>
-            <p:ph type="body" idx="1"/>
-          </p:nvPr>
-        </p:nvSpPr>
-        <p:spPr>
-          <a:xfrm>
-            <a:off x="605400" y="1787750"/>
-            <a:ext cx="7867200" cy="2875500"/>
-          </a:xfrm>
-          <a:prstGeom prst="rect">
-            <a:avLst/>
-          </a:prstGeom>
-        </p:spPr>
-        <p:txBody>
-          <a:bodyPr spcFirstLastPara="1" wrap="square" lIns="91425" tIns="91425" rIns="91425" bIns="91425" anchor="t" anchorCtr="0">
-            <a:noAutofit/>
-          </a:bodyPr>
-          <a:lstStyle/>
-          <a:p>
-            <a:pPr marL="0" lvl="0" indent="0" algn="l" rtl="0">
-              <a:spcBef>
-                <a:spcPts val="0"/>
-              </a:spcBef>
-              <a:spcAft>
-                <a:spcPts val="0"/>
-              </a:spcAft>
-              <a:buNone/>
-            </a:pPr>
-            <a:r>
-              <a:rPr lang="en-GB"/>
-              <a:t>&lt; Embed your Architecture Diagram of Data Lake you created in Step 2. &gt;</a:t>
-            </a:r>
-            <a:endParaRPr lang="en-GB"/>
-          </a:p>
-          <a:p>
-            <a:pPr marL="0" lvl="0" indent="0" algn="l" rtl="0">
-              <a:spcBef>
-                <a:spcPts val="0"/>
-              </a:spcBef>
-              <a:spcAft>
-                <a:spcPts val="0"/>
-              </a:spcAft>
-              <a:buNone/>
-            </a:pPr>
-          </a:p>
-          <a:p>
-            <a:pPr marL="0" lvl="0" indent="0" algn="l" rtl="0">
-              <a:spcBef>
-                <a:spcPts val="0"/>
-              </a:spcBef>
-              <a:spcAft>
-                <a:spcPts val="0"/>
-              </a:spcAft>
-              <a:buNone/>
-            </a:pPr>
-          </a:p>
-          <a:p>
-            <a:pPr marL="0" lvl="0" indent="0" algn="l" rtl="0">
-              <a:spcBef>
-                <a:spcPts val="0"/>
-              </a:spcBef>
-              <a:spcAft>
-                <a:spcPts val="0"/>
-              </a:spcAft>
-              <a:buNone/>
-            </a:pPr>
-            <a:r>
-              <a:rPr lang="en-GB"/>
-              <a:t>&lt; Video tip: You can also use additional slides to </a:t>
-            </a:r>
-            <a:r>
-              <a:rPr lang="en-GB"/>
-              <a:t>briefly</a:t>
-            </a:r>
-            <a:r>
-              <a:rPr lang="en-GB"/>
-              <a:t> elaborate or highlight any area from your </a:t>
-            </a:r>
-            <a:r>
-              <a:rPr lang="en-GB"/>
-              <a:t>architecture</a:t>
-            </a:r>
-            <a:r>
-              <a:rPr lang="en-GB"/>
-              <a:t>. You can also choose where to include this slide.</a:t>
-            </a:r>
-            <a:endParaRPr lang="en-GB"/>
-          </a:p>
-        </p:txBody>
-      </p:sp>
-      <p:sp>
-        <p:nvSpPr>
-          <p:cNvPr id="107" name="Google Shape;107;p19"/>
-          <p:cNvSpPr txBox="1"/>
-          <p:nvPr>
-            <p:ph type="subTitle" idx="2"/>
-          </p:nvPr>
-        </p:nvSpPr>
-        <p:spPr>
-          <a:xfrm>
-            <a:off x="605400" y="1180500"/>
-            <a:ext cx="7933200" cy="473400"/>
-          </a:xfrm>
-          <a:prstGeom prst="rect">
-            <a:avLst/>
-          </a:prstGeom>
-        </p:spPr>
-        <p:txBody>
-          <a:bodyPr spcFirstLastPara="1" wrap="square" lIns="91425" tIns="91425" rIns="91425" bIns="91425" anchor="t" anchorCtr="0">
-            <a:noAutofit/>
-          </a:bodyPr>
-          <a:lstStyle/>
-          <a:p>
-            <a:pPr marL="0" lvl="0" indent="0" algn="l" rtl="0">
-              <a:spcBef>
-                <a:spcPts val="0"/>
-              </a:spcBef>
-              <a:spcAft>
-                <a:spcPts val="0"/>
-              </a:spcAft>
-              <a:buNone/>
-            </a:pPr>
-          </a:p>
-        </p:txBody>
-      </p:sp>
-      <p:sp>
-        <p:nvSpPr>
           <p:cNvPr id="108" name="Google Shape;108;p19"/>
           <p:cNvSpPr txBox="1"/>
           <p:nvPr>
@@ -10749,6 +11142,30 @@
           </a:p>
         </p:txBody>
       </p:sp>
+      <p:pic>
+        <p:nvPicPr>
+          <p:cNvPr id="2" name="Picture 1" descr="Data Architechture Diagram"/>
+          <p:cNvPicPr>
+            <a:picLocks noChangeAspect="1"/>
+          </p:cNvPicPr>
+          <p:nvPr/>
+        </p:nvPicPr>
+        <p:blipFill>
+          <a:blip r:embed="rId1"/>
+          <a:stretch>
+            <a:fillRect/>
+          </a:stretch>
+        </p:blipFill>
+        <p:spPr>
+          <a:xfrm>
+            <a:off x="1475105" y="1275715"/>
+            <a:ext cx="5628005" cy="3303905"/>
+          </a:xfrm>
+          <a:prstGeom prst="rect">
+            <a:avLst/>
+          </a:prstGeom>
+        </p:spPr>
+      </p:pic>
     </p:spTree>
   </p:cSld>
   <p:clrMapOvr>

--- a/3- Enterprise Data Lake/Datalake Executive Presentation.pptx
+++ b/3- Enterprise Data Lake/Datalake Executive Presentation.pptx
@@ -782,6 +782,59 @@
               </a:spcAft>
               <a:buNone/>
             </a:pPr>
+            <a:r>
+              <a:rPr lang="en-US"/>
+              <a:t>Welcome lady and gentleman, thank you for your be here. </a:t>
+            </a:r>
+            <a:endParaRPr lang="en-US"/>
+          </a:p>
+          <a:p>
+            <a:pPr marL="0" lvl="0" indent="0" algn="l" rtl="0">
+              <a:spcBef>
+                <a:spcPts val="0"/>
+              </a:spcBef>
+              <a:spcAft>
+                <a:spcPts val="0"/>
+              </a:spcAft>
+              <a:buNone/>
+            </a:pPr>
+            <a:r>
+              <a:rPr lang="en-US"/>
+              <a:t>Today we propose to "Medical Data Processing Company" the Data Lake Architecture Solution to solve currrent problem that facing to hyper growth over the past 3 years. </a:t>
+            </a:r>
+            <a:endParaRPr lang="en-US"/>
+          </a:p>
+          <a:p>
+            <a:pPr marL="0" lvl="0" indent="0" algn="l" rtl="0">
+              <a:spcBef>
+                <a:spcPts val="0"/>
+              </a:spcBef>
+              <a:spcAft>
+                <a:spcPts val="0"/>
+              </a:spcAft>
+              <a:buNone/>
+            </a:pPr>
+            <a:r>
+              <a:rPr lang="en-US"/>
+              <a:t>Currently, the volume of data continues to grow, the on-premise SQL Server is not able to scale that lead to we only process the data nightly due to the compute capacity limitations </a:t>
+            </a:r>
+            <a:endParaRPr lang="en-US"/>
+          </a:p>
+          <a:p>
+            <a:pPr marL="0" lvl="0" indent="0" algn="l" rtl="0">
+              <a:spcBef>
+                <a:spcPts val="0"/>
+              </a:spcBef>
+              <a:spcAft>
+                <a:spcPts val="0"/>
+              </a:spcAft>
+              <a:buNone/>
+            </a:pPr>
+            <a:r>
+              <a:rPr lang="en-US"/>
+              <a:t>beside that ETL processes and SQL reporting queries daily are running slow due to increased data volumes. </a:t>
+            </a:r>
+            <a:endParaRPr lang="en-US"/>
           </a:p>
         </p:txBody>
       </p:sp>
@@ -980,6 +1033,91 @@
               </a:spcAft>
               <a:buNone/>
             </a:pPr>
+            <a:r>
+              <a:rPr lang="en-US"/>
+              <a:t>I would like to sumary our content today that includes: </a:t>
+            </a:r>
+            <a:endParaRPr lang="en-US"/>
+          </a:p>
+          <a:p>
+            <a:pPr marL="0" lvl="0" indent="0" algn="l" rtl="0">
+              <a:spcBef>
+                <a:spcPts val="0"/>
+              </a:spcBef>
+              <a:spcAft>
+                <a:spcPts val="0"/>
+              </a:spcAft>
+              <a:buNone/>
+            </a:pPr>
+            <a:r>
+              <a:rPr lang="en-US"/>
+              <a:t>First we will go through the defination of the data lake to find out what it is</a:t>
+            </a:r>
+            <a:endParaRPr lang="en-US"/>
+          </a:p>
+          <a:p>
+            <a:pPr marL="0" lvl="0" indent="0" algn="l" rtl="0">
+              <a:spcBef>
+                <a:spcPts val="0"/>
+              </a:spcBef>
+              <a:spcAft>
+                <a:spcPts val="0"/>
+              </a:spcAft>
+              <a:buNone/>
+            </a:pPr>
+            <a:r>
+              <a:rPr lang="en-US"/>
+              <a:t>Then, is exploring the main components of an data lake and their responsibility.</a:t>
+            </a:r>
+            <a:endParaRPr lang="en-US"/>
+          </a:p>
+          <a:p>
+            <a:pPr marL="0" lvl="0" indent="0" algn="l" rtl="0">
+              <a:spcBef>
+                <a:spcPts val="0"/>
+              </a:spcBef>
+              <a:spcAft>
+                <a:spcPts val="0"/>
+              </a:spcAft>
+              <a:buNone/>
+            </a:pPr>
+            <a:r>
+              <a:rPr lang="en-US"/>
+              <a:t>Sometime, people confused about data lake and data warehouse, we are going clarify their differnt beside that when they would be apply by use cases.</a:t>
+            </a:r>
+            <a:endParaRPr lang="en-US"/>
+          </a:p>
+          <a:p>
+            <a:pPr marL="0" lvl="0" indent="0" algn="l" rtl="0">
+              <a:spcBef>
+                <a:spcPts val="0"/>
+              </a:spcBef>
+              <a:spcAft>
+                <a:spcPts val="0"/>
+              </a:spcAft>
+              <a:buNone/>
+            </a:pPr>
+            <a:r>
+              <a:rPr lang="en-US"/>
+              <a:t>Keep going, the most importance thing that is what benefits and enabler of data lake to the company business.</a:t>
+            </a:r>
+            <a:endParaRPr lang="en-US"/>
+          </a:p>
+          <a:p>
+            <a:pPr marL="0" lvl="0" indent="0" algn="l" rtl="0">
+              <a:spcBef>
+                <a:spcPts val="0"/>
+              </a:spcBef>
+              <a:spcAft>
+                <a:spcPts val="0"/>
+              </a:spcAft>
+              <a:buNone/>
+            </a:pPr>
+            <a:r>
+              <a:rPr lang="en-US"/>
+              <a:t>Finally, the our proposed Data Lake Architecture for Medical Data Processing system that will put all in place and ready to consideration.</a:t>
+            </a:r>
+            <a:endParaRPr lang="en-US"/>
           </a:p>
         </p:txBody>
       </p:sp>
@@ -1080,17 +1218,106 @@
               <a:buNone/>
             </a:pPr>
             <a:r>
+              <a:t>Fisrt Thing, I would like to show the activity of and data lake in some view of point.</a:t>
+            </a:r>
+          </a:p>
+          <a:p>
+            <a:pPr marL="0" lvl="0" indent="0" algn="l" rtl="0">
+              <a:spcBef>
+                <a:spcPts val="0"/>
+              </a:spcBef>
+              <a:spcAft>
+                <a:spcPts val="0"/>
+              </a:spcAft>
+              <a:buNone/>
+            </a:pPr>
+            <a:r>
+              <a:t>At 10,000 foot view. The high-level framework for a data lake that show how analytics systems work with source and destination systems. </a:t>
+            </a:r>
+          </a:p>
+          <a:p>
+            <a:pPr marL="0" lvl="0" indent="0" algn="l" rtl="0">
+              <a:spcBef>
+                <a:spcPts val="0"/>
+              </a:spcBef>
+              <a:spcAft>
+                <a:spcPts val="0"/>
+              </a:spcAft>
+              <a:buNone/>
+            </a:pPr>
+            <a:r>
               <a:rPr lang="en-US"/>
-              <a:t>At 10,000 foot view the </a:t>
-            </a:r>
-            <a:r>
-              <a:t>high-level framework for building a data lake</a:t>
-            </a:r>
+              <a:t>Data Lake is a central place where we can bring together data, Machine Learning, and Analytics.</a:t>
+            </a:r>
+            <a:endParaRPr lang="en-US"/>
+          </a:p>
+          <a:p>
+            <a:pPr marL="0" lvl="0" indent="0" algn="l" rtl="0">
+              <a:spcBef>
+                <a:spcPts val="0"/>
+              </a:spcBef>
+              <a:spcAft>
+                <a:spcPts val="0"/>
+              </a:spcAft>
+              <a:buNone/>
+            </a:pPr>
             <a:r>
               <a:rPr lang="en-US"/>
-              <a:t> that show how analytics systems work with source and destination systems</a:t>
-            </a:r>
-            <a:endParaRPr lang="en-US"/>
+              <a:t>Where </a:t>
+            </a:r>
+            <a:r>
+              <a:t>the data movement activity together with </a:t>
+            </a:r>
+            <a:r>
+              <a:rPr>
+                <a:sym typeface="+mn-ea"/>
+              </a:rPr>
+              <a:t>data </a:t>
+            </a:r>
+            <a:r>
+              <a:rPr lang="en-US">
+                <a:sym typeface="+mn-ea"/>
+              </a:rPr>
+              <a:t> </a:t>
+            </a:r>
+            <a:r>
+              <a:t>process</a:t>
+            </a:r>
+            <a:r>
+              <a:rPr lang="en-US"/>
+              <a:t>ing</a:t>
+            </a:r>
+            <a:r>
+              <a:t>, clean</a:t>
+            </a:r>
+            <a:r>
+              <a:rPr lang="en-US"/>
+              <a:t>ing</a:t>
+            </a:r>
+            <a:r>
+              <a:t>, transfom</a:t>
+            </a:r>
+            <a:r>
+              <a:rPr lang="en-US"/>
+              <a:t>ing</a:t>
+            </a:r>
+            <a:r>
+              <a:t> to make them be ready to analytics. </a:t>
+            </a:r>
+          </a:p>
+          <a:p>
+            <a:pPr marL="0" lvl="0" indent="0" algn="l" rtl="0">
+              <a:spcBef>
+                <a:spcPts val="0"/>
+              </a:spcBef>
+              <a:spcAft>
+                <a:spcPts val="0"/>
+              </a:spcAft>
+              <a:buNone/>
+            </a:pPr>
+            <a:r>
+              <a:t>The machine learning could be apply in any aspect likes data filtering, processing or in decision making.</a:t>
+            </a:r>
           </a:p>
         </p:txBody>
       </p:sp>
@@ -1190,6 +1417,219 @@
               </a:spcAft>
               <a:buNone/>
             </a:pPr>
+            <a:r>
+              <a:t>Come nearer with </a:t>
+            </a:r>
+            <a:r>
+              <a:rPr lang="en-US"/>
+              <a:t>5</a:t>
+            </a:r>
+            <a:r>
+              <a:t>,000 foot view</a:t>
+            </a:r>
+            <a:r>
+              <a:rPr lang="en-US"/>
+              <a:t>. </a:t>
+            </a:r>
+            <a:endParaRPr lang="en-US"/>
+          </a:p>
+          <a:p>
+            <a:pPr marL="0" lvl="0" indent="0" algn="l" rtl="0">
+              <a:spcBef>
+                <a:spcPts val="0"/>
+              </a:spcBef>
+              <a:spcAft>
+                <a:spcPts val="0"/>
+              </a:spcAft>
+              <a:buNone/>
+            </a:pPr>
+            <a:r>
+              <a:rPr>
+                <a:sym typeface="+mn-ea"/>
+              </a:rPr>
+              <a:t>Data Lake is a central place where we can bring together data, Machine Learning, and Analytics</a:t>
+            </a:r>
+            <a:r>
+              <a:rPr lang="en-US">
+                <a:sym typeface="+mn-ea"/>
+              </a:rPr>
+              <a:t> and</a:t>
+            </a:r>
+            <a:r>
+              <a:rPr>
+                <a:sym typeface="+mn-ea"/>
+              </a:rPr>
+              <a:t> </a:t>
+            </a:r>
+            <a:endParaRPr>
+              <a:sym typeface="+mn-ea"/>
+            </a:endParaRPr>
+          </a:p>
+          <a:p>
+            <a:pPr marL="0" lvl="0" indent="0" algn="l" rtl="0">
+              <a:spcBef>
+                <a:spcPts val="0"/>
+              </a:spcBef>
+              <a:spcAft>
+                <a:spcPts val="0"/>
+              </a:spcAft>
+              <a:buNone/>
+            </a:pPr>
+            <a:r>
+              <a:rPr>
+                <a:sym typeface="+mn-ea"/>
+              </a:rPr>
+              <a:t>can store data of any type, including unstructured, semi-structured, and structured</a:t>
+            </a:r>
+            <a:r>
+              <a:rPr lang="en-US">
+                <a:sym typeface="+mn-ea"/>
+              </a:rPr>
+              <a:t> at any scale.</a:t>
+            </a:r>
+            <a:endParaRPr lang="en-US">
+              <a:sym typeface="+mn-ea"/>
+            </a:endParaRPr>
+          </a:p>
+          <a:p>
+            <a:pPr marL="0" lvl="0" indent="0" algn="l" rtl="0">
+              <a:spcBef>
+                <a:spcPts val="0"/>
+              </a:spcBef>
+              <a:spcAft>
+                <a:spcPts val="0"/>
+              </a:spcAft>
+              <a:buNone/>
+            </a:pPr>
+            <a:r>
+              <a:rPr lang="en-US">
+                <a:sym typeface="+mn-ea"/>
+              </a:rPr>
+              <a:t>so that we do not need to care about how to scale to meet new requirement.</a:t>
+            </a:r>
+            <a:endParaRPr lang="en-US">
+              <a:sym typeface="+mn-ea"/>
+            </a:endParaRPr>
+          </a:p>
+          <a:p>
+            <a:pPr marL="0" lvl="0" indent="0" algn="l" rtl="0">
+              <a:spcBef>
+                <a:spcPts val="0"/>
+              </a:spcBef>
+              <a:spcAft>
+                <a:spcPts val="0"/>
+              </a:spcAft>
+              <a:buNone/>
+            </a:pPr>
+            <a:r>
+              <a:rPr lang="en-US">
+                <a:sym typeface="+mn-ea"/>
+              </a:rPr>
+              <a:t>Datalake help to breaks data silos in company by bringing all the crucial enterprise data under one centralized system. </a:t>
+            </a:r>
+            <a:endParaRPr lang="en-US">
+              <a:sym typeface="+mn-ea"/>
+            </a:endParaRPr>
+          </a:p>
+          <a:p>
+            <a:pPr marL="0" lvl="0" indent="0" algn="l" rtl="0">
+              <a:spcBef>
+                <a:spcPts val="0"/>
+              </a:spcBef>
+              <a:spcAft>
+                <a:spcPts val="0"/>
+              </a:spcAft>
+              <a:buNone/>
+            </a:pPr>
+            <a:r>
+              <a:rPr lang="en-US">
+                <a:sym typeface="+mn-ea"/>
+              </a:rPr>
+              <a:t>This makes it easy for different organizations within a company to collaborate.</a:t>
+            </a:r>
+            <a:endParaRPr lang="en-US">
+              <a:sym typeface="+mn-ea"/>
+            </a:endParaRPr>
+          </a:p>
+          <a:p>
+            <a:pPr marL="0" lvl="0" indent="0" algn="l" rtl="0">
+              <a:spcBef>
+                <a:spcPts val="0"/>
+              </a:spcBef>
+              <a:spcAft>
+                <a:spcPts val="0"/>
+              </a:spcAft>
+              <a:buNone/>
+            </a:pPr>
+            <a:r>
+              <a:rPr lang="en-US">
+                <a:sym typeface="+mn-ea"/>
+              </a:rPr>
+              <a:t>It propose Schema on Read approaching by writing the data in the data lake its original raw format. And enforce the schema when you need to read this data back. </a:t>
+            </a:r>
+            <a:endParaRPr lang="en-US">
+              <a:sym typeface="+mn-ea"/>
+            </a:endParaRPr>
+          </a:p>
+          <a:p>
+            <a:pPr marL="0" lvl="0" indent="0" algn="l" rtl="0">
+              <a:spcBef>
+                <a:spcPts val="0"/>
+              </a:spcBef>
+              <a:spcAft>
+                <a:spcPts val="0"/>
+              </a:spcAft>
+              <a:buNone/>
+            </a:pPr>
+            <a:r>
+              <a:rPr lang="en-US">
+                <a:sym typeface="+mn-ea"/>
+              </a:rPr>
+              <a:t>This makes the process of writing different types of data to data lake at scale very hard to achieve as schema generally evolves very quickly.</a:t>
+            </a:r>
+            <a:endParaRPr lang="en-US">
+              <a:sym typeface="+mn-ea"/>
+            </a:endParaRPr>
+          </a:p>
+          <a:p>
+            <a:pPr marL="0" lvl="0" indent="0" algn="l" rtl="0">
+              <a:spcBef>
+                <a:spcPts val="0"/>
+              </a:spcBef>
+              <a:spcAft>
+                <a:spcPts val="0"/>
+              </a:spcAft>
+              <a:buNone/>
+            </a:pPr>
+            <a:r>
+              <a:rPr lang="en-US">
+                <a:sym typeface="+mn-ea"/>
+              </a:rPr>
+              <a:t>The Data Lake democratizes data and is a cost-effective way to store all data of an organization for later processing. </a:t>
+            </a:r>
+            <a:endParaRPr lang="en-US">
+              <a:sym typeface="+mn-ea"/>
+            </a:endParaRPr>
+          </a:p>
+          <a:p>
+            <a:pPr marL="0" lvl="0" indent="0" algn="l" rtl="0">
+              <a:spcBef>
+                <a:spcPts val="0"/>
+              </a:spcBef>
+              <a:spcAft>
+                <a:spcPts val="0"/>
+              </a:spcAft>
+              <a:buNone/>
+            </a:pPr>
+            <a:r>
+              <a:rPr lang="en-US">
+                <a:sym typeface="+mn-ea"/>
+              </a:rPr>
+              <a:t>Data Analysts within the company can focus on finding meaningful patterns in data with more visibility and easy access to the required data.</a:t>
+            </a:r>
+            <a:endParaRPr lang="en-US">
+              <a:sym typeface="+mn-ea"/>
+            </a:endParaRPr>
           </a:p>
         </p:txBody>
       </p:sp>
@@ -1289,6 +1729,215 @@
               </a:spcAft>
               <a:buNone/>
             </a:pPr>
+            <a:r>
+              <a:rPr lang="en-US"/>
+              <a:t>At this. we will explore the major components of the data lake and their responsibilities.</a:t>
+            </a:r>
+            <a:endParaRPr lang="en-US"/>
+          </a:p>
+          <a:p>
+            <a:pPr marL="0" lvl="0" indent="0" algn="l" rtl="0">
+              <a:spcBef>
+                <a:spcPts val="0"/>
+              </a:spcBef>
+              <a:spcAft>
+                <a:spcPts val="0"/>
+              </a:spcAft>
+              <a:buNone/>
+            </a:pPr>
+            <a:r>
+              <a:rPr lang="en-US"/>
+              <a:t>they are incluces: Data Storage, Data Ingestion, Processing and Serving and the importance other that Data Catalog, Governace and Security.</a:t>
+            </a:r>
+            <a:endParaRPr lang="en-US"/>
+          </a:p>
+          <a:p>
+            <a:pPr marL="0" lvl="0" indent="0" algn="l" rtl="0">
+              <a:spcBef>
+                <a:spcPts val="0"/>
+              </a:spcBef>
+              <a:spcAft>
+                <a:spcPts val="0"/>
+              </a:spcAft>
+              <a:buNone/>
+            </a:pPr>
+            <a:endParaRPr lang="en-US"/>
+          </a:p>
+          <a:p>
+            <a:pPr marL="0" lvl="0" indent="0" algn="l" rtl="0">
+              <a:spcBef>
+                <a:spcPts val="0"/>
+              </a:spcBef>
+              <a:spcAft>
+                <a:spcPts val="0"/>
+              </a:spcAft>
+              <a:buNone/>
+            </a:pPr>
+            <a:r>
+              <a:rPr lang="en-US"/>
+              <a:t>First is Data Storage that one place to store compay data. This centralized storage ultilize the distributed file system technology that spread to store on multiple file servers or multiple locations.</a:t>
+            </a:r>
+            <a:endParaRPr lang="en-US"/>
+          </a:p>
+          <a:p>
+            <a:pPr marL="0" lvl="0" indent="0" algn="l" rtl="0">
+              <a:spcBef>
+                <a:spcPts val="0"/>
+              </a:spcBef>
+              <a:spcAft>
+                <a:spcPts val="0"/>
+              </a:spcAft>
+              <a:buNone/>
+            </a:pPr>
+            <a:endParaRPr lang="en-US"/>
+          </a:p>
+          <a:p>
+            <a:pPr marL="0" lvl="0" indent="0" algn="l" rtl="0">
+              <a:spcBef>
+                <a:spcPts val="0"/>
+              </a:spcBef>
+              <a:spcAft>
+                <a:spcPts val="0"/>
+              </a:spcAft>
+              <a:buNone/>
+            </a:pPr>
+            <a:r>
+              <a:rPr lang="en-US"/>
+              <a:t>About Data Ingestion that acvicity and first place where data enter into data lake in its native format.</a:t>
+            </a:r>
+            <a:endParaRPr lang="en-US"/>
+          </a:p>
+          <a:p>
+            <a:pPr marL="0" lvl="0" indent="0" algn="l" rtl="0">
+              <a:spcBef>
+                <a:spcPts val="0"/>
+              </a:spcBef>
+              <a:spcAft>
+                <a:spcPts val="0"/>
+              </a:spcAft>
+              <a:buNone/>
+            </a:pPr>
+            <a:endParaRPr lang="en-US"/>
+          </a:p>
+          <a:p>
+            <a:pPr marL="0" lvl="0" indent="0" algn="l" rtl="0">
+              <a:spcBef>
+                <a:spcPts val="0"/>
+              </a:spcBef>
+              <a:spcAft>
+                <a:spcPts val="0"/>
+              </a:spcAft>
+              <a:buNone/>
+            </a:pPr>
+            <a:r>
+              <a:rPr lang="en-US"/>
+              <a:t>Once, Raw data came in place they will be executes data processing tasks that include data cleansing, denormalization, and consolidation of different objects by Data Processing.</a:t>
+            </a:r>
+            <a:endParaRPr lang="en-US"/>
+          </a:p>
+          <a:p>
+            <a:pPr marL="0" lvl="0" indent="0" algn="l" rtl="0">
+              <a:spcBef>
+                <a:spcPts val="0"/>
+              </a:spcBef>
+              <a:spcAft>
+                <a:spcPts val="0"/>
+              </a:spcAft>
+              <a:buNone/>
+            </a:pPr>
+            <a:endParaRPr lang="en-US"/>
+          </a:p>
+          <a:p>
+            <a:pPr marL="0" lvl="0" indent="0" algn="l" rtl="0">
+              <a:spcBef>
+                <a:spcPts val="0"/>
+              </a:spcBef>
+              <a:spcAft>
+                <a:spcPts val="0"/>
+              </a:spcAft>
+              <a:buNone/>
+            </a:pPr>
+            <a:r>
+              <a:rPr lang="en-US"/>
+              <a:t>After processed. Data stored in files or tables and it accessible and ready for consumption that ready for analysis and insights generation. Data Serving take this responsitory to provide this to end users.</a:t>
+            </a:r>
+            <a:endParaRPr lang="en-US"/>
+          </a:p>
+          <a:p>
+            <a:pPr marL="0" lvl="0" indent="0" algn="l" rtl="0">
+              <a:spcBef>
+                <a:spcPts val="0"/>
+              </a:spcBef>
+              <a:spcAft>
+                <a:spcPts val="0"/>
+              </a:spcAft>
+              <a:buNone/>
+            </a:pPr>
+            <a:endParaRPr lang="en-US"/>
+          </a:p>
+          <a:p>
+            <a:pPr marL="0" lvl="0" indent="0" algn="l" rtl="0">
+              <a:spcBef>
+                <a:spcPts val="0"/>
+              </a:spcBef>
+              <a:spcAft>
+                <a:spcPts val="0"/>
+              </a:spcAft>
+              <a:buNone/>
+            </a:pPr>
+            <a:r>
+              <a:rPr lang="en-US"/>
+              <a:t>The important component of data lake that is Data Catalog work as is the metadata repository that known as data about data is used to manage the data in the data lake.</a:t>
+            </a:r>
+            <a:endParaRPr lang="en-US"/>
+          </a:p>
+          <a:p>
+            <a:pPr marL="0" lvl="0" indent="0" algn="l" rtl="0">
+              <a:spcBef>
+                <a:spcPts val="0"/>
+              </a:spcBef>
+              <a:spcAft>
+                <a:spcPts val="0"/>
+              </a:spcAft>
+              <a:buNone/>
+            </a:pPr>
+            <a:r>
+              <a:rPr lang="en-US"/>
+              <a:t>Its helps data consumers discover, understand, and consume data more productively. Empowers data analysts and users to work in self-service mode to discover trustworthy data quickly</a:t>
+            </a:r>
+            <a:endParaRPr lang="en-US"/>
+          </a:p>
+          <a:p>
+            <a:pPr marL="0" lvl="0" indent="0" algn="l" rtl="0">
+              <a:spcBef>
+                <a:spcPts val="0"/>
+              </a:spcBef>
+              <a:spcAft>
+                <a:spcPts val="0"/>
+              </a:spcAft>
+              <a:buNone/>
+            </a:pPr>
+            <a:r>
+              <a:rPr lang="en-US"/>
+              <a:t> </a:t>
+            </a:r>
+            <a:endParaRPr lang="en-US"/>
+          </a:p>
+          <a:p>
+            <a:pPr marL="0" lvl="0" indent="0" algn="l" rtl="0">
+              <a:spcBef>
+                <a:spcPts val="0"/>
+              </a:spcBef>
+              <a:spcAft>
+                <a:spcPts val="0"/>
+              </a:spcAft>
+              <a:buNone/>
+            </a:pPr>
+            <a:r>
+              <a:rPr lang="en-US"/>
+              <a:t>Data Governance ensure data quality, compliance, and lifecycle policy requirements regarding data usage and Data Sercurity protect sensitive data through encryption, authentication, and access control.</a:t>
+            </a:r>
+            <a:endParaRPr lang="en-US"/>
           </a:p>
         </p:txBody>
       </p:sp>
@@ -9439,7 +10088,7 @@
       </p:sp>
       <p:pic>
         <p:nvPicPr>
-          <p:cNvPr id="1" name="Picture 0"/>
+          <p:cNvPr id="3" name="Picture 2"/>
           <p:cNvPicPr/>
           <p:nvPr/>
         </p:nvPicPr>
